--- a/Theory.pptx
+++ b/Theory.pptx
@@ -5,7 +5,7 @@
     <p:sldMasterId id="2147483648" r:id="rId1"/>
   </p:sldMasterIdLst>
   <p:notesMasterIdLst>
-    <p:notesMasterId r:id="rId16"/>
+    <p:notesMasterId r:id="rId24"/>
   </p:notesMasterIdLst>
   <p:sldIdLst>
     <p:sldId id="256" r:id="rId2"/>
@@ -21,7 +21,15 @@
     <p:sldId id="267" r:id="rId12"/>
     <p:sldId id="268" r:id="rId13"/>
     <p:sldId id="269" r:id="rId14"/>
-    <p:sldId id="263" r:id="rId15"/>
+    <p:sldId id="270" r:id="rId15"/>
+    <p:sldId id="271" r:id="rId16"/>
+    <p:sldId id="272" r:id="rId17"/>
+    <p:sldId id="273" r:id="rId18"/>
+    <p:sldId id="274" r:id="rId19"/>
+    <p:sldId id="275" r:id="rId20"/>
+    <p:sldId id="276" r:id="rId21"/>
+    <p:sldId id="277" r:id="rId22"/>
+    <p:sldId id="263" r:id="rId23"/>
   </p:sldIdLst>
   <p:sldSz cx="12192000" cy="6858000"/>
   <p:notesSz cx="6858000" cy="9144000"/>
@@ -210,7 +218,7 @@
           <a:p>
             <a:fld id="{E10A149A-767C-45F6-96F8-8A5ED7254604}" type="datetimeFigureOut">
               <a:rPr lang="en-IN" smtClean="0"/>
-              <a:t>05-03-2019</a:t>
+              <a:t>06-03-2019</a:t>
             </a:fld>
             <a:endParaRPr lang="en-IN"/>
           </a:p>
@@ -1076,6 +1084,296 @@
 </p:notes>
 </file>
 
+<file path=ppt/notesSlides/notesSlide6.xml><?xml version="1.0" encoding="utf-8"?>
+<p:notes xmlns:a="http://schemas.openxmlformats.org/drawingml/2006/main" xmlns:r="http://schemas.openxmlformats.org/officeDocument/2006/relationships" xmlns:p="http://schemas.openxmlformats.org/presentationml/2006/main">
+  <p:cSld>
+    <p:spTree>
+      <p:nvGrpSpPr>
+        <p:cNvPr id="1" name=""/>
+        <p:cNvGrpSpPr/>
+        <p:nvPr/>
+      </p:nvGrpSpPr>
+      <p:grpSpPr>
+        <a:xfrm>
+          <a:off x="0" y="0"/>
+          <a:ext cx="0" cy="0"/>
+          <a:chOff x="0" y="0"/>
+          <a:chExt cx="0" cy="0"/>
+        </a:xfrm>
+      </p:grpSpPr>
+      <p:sp>
+        <p:nvSpPr>
+          <p:cNvPr id="2" name="Slide Image Placeholder 1"/>
+          <p:cNvSpPr>
+            <a:spLocks noGrp="1" noRot="1" noChangeAspect="1"/>
+          </p:cNvSpPr>
+          <p:nvPr>
+            <p:ph type="sldImg"/>
+          </p:nvPr>
+        </p:nvSpPr>
+        <p:spPr/>
+      </p:sp>
+      <p:sp>
+        <p:nvSpPr>
+          <p:cNvPr id="3" name="Notes Placeholder 2"/>
+          <p:cNvSpPr>
+            <a:spLocks noGrp="1"/>
+          </p:cNvSpPr>
+          <p:nvPr>
+            <p:ph type="body" idx="1"/>
+          </p:nvPr>
+        </p:nvSpPr>
+        <p:spPr/>
+        <p:txBody>
+          <a:bodyPr/>
+          <a:lstStyle/>
+          <a:p>
+            <a:r>
+              <a:rPr lang="en-IN" dirty="0"/>
+              <a:t>Exe – self executable </a:t>
+            </a:r>
+          </a:p>
+          <a:p>
+            <a:endParaRPr lang="en-IN" dirty="0"/>
+          </a:p>
+          <a:p>
+            <a:endParaRPr lang="en-IN" dirty="0"/>
+          </a:p>
+          <a:p>
+            <a:r>
+              <a:rPr lang="en-IN" dirty="0" err="1"/>
+              <a:t>Dll</a:t>
+            </a:r>
+            <a:r>
+              <a:rPr lang="en-IN" dirty="0"/>
+              <a:t> – not self executable </a:t>
+            </a:r>
+          </a:p>
+          <a:p>
+            <a:r>
+              <a:rPr lang="en-IN" dirty="0" err="1"/>
+              <a:t>Librarries</a:t>
+            </a:r>
+            <a:r>
+              <a:rPr lang="en-IN" dirty="0"/>
+              <a:t> are kept in </a:t>
+            </a:r>
+            <a:r>
+              <a:rPr lang="en-IN" dirty="0" err="1"/>
+              <a:t>dlls</a:t>
+            </a:r>
+            <a:r>
+              <a:rPr lang="en-IN" dirty="0"/>
+              <a:t> </a:t>
+            </a:r>
+          </a:p>
+          <a:p>
+            <a:r>
+              <a:rPr lang="en-IN" dirty="0" err="1"/>
+              <a:t>Dlls</a:t>
+            </a:r>
+            <a:r>
+              <a:rPr lang="en-IN" dirty="0"/>
+              <a:t> are used to keep sharable code </a:t>
+            </a:r>
+          </a:p>
+          <a:p>
+            <a:endParaRPr lang="en-IN" dirty="0"/>
+          </a:p>
+          <a:p>
+            <a:r>
+              <a:rPr lang="en-IN" dirty="0"/>
+              <a:t>Windows application – GUI exe </a:t>
+            </a:r>
+          </a:p>
+          <a:p>
+            <a:r>
+              <a:rPr lang="en-IN" dirty="0"/>
+              <a:t>Console application – CUI exe </a:t>
+            </a:r>
+          </a:p>
+          <a:p>
+            <a:r>
+              <a:rPr lang="en-IN" dirty="0"/>
+              <a:t>Class library – DLL </a:t>
+            </a:r>
+          </a:p>
+          <a:p>
+            <a:endParaRPr lang="en-IN" dirty="0"/>
+          </a:p>
+          <a:p>
+            <a:r>
+              <a:rPr lang="en-IN" dirty="0"/>
+              <a:t>Heap – dynamic memory (long lived)</a:t>
+            </a:r>
+          </a:p>
+          <a:p>
+            <a:r>
+              <a:rPr lang="en-IN" dirty="0"/>
+              <a:t>Stack – static memory (short lived) </a:t>
+            </a:r>
+          </a:p>
+          <a:p>
+            <a:endParaRPr lang="en-IN" dirty="0"/>
+          </a:p>
+          <a:p>
+            <a:r>
+              <a:rPr lang="en-IN" dirty="0"/>
+              <a:t>Memory leak happens only on the heap </a:t>
+            </a:r>
+          </a:p>
+          <a:p>
+            <a:endParaRPr lang="en-IN" dirty="0"/>
+          </a:p>
+          <a:p>
+            <a:r>
+              <a:rPr lang="en-IN" dirty="0"/>
+              <a:t>When process ends -&gt; Heap and Stack will be cleared </a:t>
+            </a:r>
+          </a:p>
+          <a:p>
+            <a:endParaRPr lang="en-IN" dirty="0"/>
+          </a:p>
+          <a:p>
+            <a:endParaRPr lang="en-IN" dirty="0"/>
+          </a:p>
+          <a:p>
+            <a:endParaRPr lang="en-IN" dirty="0"/>
+          </a:p>
+        </p:txBody>
+      </p:sp>
+      <p:sp>
+        <p:nvSpPr>
+          <p:cNvPr id="4" name="Slide Number Placeholder 3"/>
+          <p:cNvSpPr>
+            <a:spLocks noGrp="1"/>
+          </p:cNvSpPr>
+          <p:nvPr>
+            <p:ph type="sldNum" sz="quarter" idx="5"/>
+          </p:nvPr>
+        </p:nvSpPr>
+        <p:spPr/>
+        <p:txBody>
+          <a:bodyPr/>
+          <a:lstStyle/>
+          <a:p>
+            <a:fld id="{EFF0FF49-AF3D-46B8-94EB-C37AFFF66564}" type="slidenum">
+              <a:rPr lang="en-IN" smtClean="0"/>
+              <a:t>15</a:t>
+            </a:fld>
+            <a:endParaRPr lang="en-IN"/>
+          </a:p>
+        </p:txBody>
+      </p:sp>
+    </p:spTree>
+    <p:extLst>
+      <p:ext uri="{BB962C8B-B14F-4D97-AF65-F5344CB8AC3E}">
+        <p14:creationId xmlns:p14="http://schemas.microsoft.com/office/powerpoint/2010/main" val="124788548"/>
+      </p:ext>
+    </p:extLst>
+  </p:cSld>
+  <p:clrMapOvr>
+    <a:masterClrMapping/>
+  </p:clrMapOvr>
+</p:notes>
+</file>
+
+<file path=ppt/notesSlides/notesSlide7.xml><?xml version="1.0" encoding="utf-8"?>
+<p:notes xmlns:a="http://schemas.openxmlformats.org/drawingml/2006/main" xmlns:r="http://schemas.openxmlformats.org/officeDocument/2006/relationships" xmlns:p="http://schemas.openxmlformats.org/presentationml/2006/main">
+  <p:cSld>
+    <p:spTree>
+      <p:nvGrpSpPr>
+        <p:cNvPr id="1" name=""/>
+        <p:cNvGrpSpPr/>
+        <p:nvPr/>
+      </p:nvGrpSpPr>
+      <p:grpSpPr>
+        <a:xfrm>
+          <a:off x="0" y="0"/>
+          <a:ext cx="0" cy="0"/>
+          <a:chOff x="0" y="0"/>
+          <a:chExt cx="0" cy="0"/>
+        </a:xfrm>
+      </p:grpSpPr>
+      <p:sp>
+        <p:nvSpPr>
+          <p:cNvPr id="2" name="Slide Image Placeholder 1"/>
+          <p:cNvSpPr>
+            <a:spLocks noGrp="1" noRot="1" noChangeAspect="1"/>
+          </p:cNvSpPr>
+          <p:nvPr>
+            <p:ph type="sldImg"/>
+          </p:nvPr>
+        </p:nvSpPr>
+        <p:spPr/>
+      </p:sp>
+      <p:sp>
+        <p:nvSpPr>
+          <p:cNvPr id="3" name="Notes Placeholder 2"/>
+          <p:cNvSpPr>
+            <a:spLocks noGrp="1"/>
+          </p:cNvSpPr>
+          <p:nvPr>
+            <p:ph type="body" idx="1"/>
+          </p:nvPr>
+        </p:nvSpPr>
+        <p:spPr/>
+        <p:txBody>
+          <a:bodyPr/>
+          <a:lstStyle/>
+          <a:p>
+            <a:r>
+              <a:rPr lang="en-IN" dirty="0"/>
+              <a:t>If an object of value type is created on the object then it is created on the heap or wherever the object is created </a:t>
+            </a:r>
+          </a:p>
+          <a:p>
+            <a:endParaRPr lang="en-IN" dirty="0"/>
+          </a:p>
+          <a:p>
+            <a:r>
+              <a:rPr lang="en-IN" dirty="0"/>
+              <a:t>If an object of value type is created on the function then it is created on stack </a:t>
+            </a:r>
+          </a:p>
+        </p:txBody>
+      </p:sp>
+      <p:sp>
+        <p:nvSpPr>
+          <p:cNvPr id="4" name="Slide Number Placeholder 3"/>
+          <p:cNvSpPr>
+            <a:spLocks noGrp="1"/>
+          </p:cNvSpPr>
+          <p:nvPr>
+            <p:ph type="sldNum" sz="quarter" idx="5"/>
+          </p:nvPr>
+        </p:nvSpPr>
+        <p:spPr/>
+        <p:txBody>
+          <a:bodyPr/>
+          <a:lstStyle/>
+          <a:p>
+            <a:fld id="{EFF0FF49-AF3D-46B8-94EB-C37AFFF66564}" type="slidenum">
+              <a:rPr lang="en-IN" smtClean="0"/>
+              <a:t>19</a:t>
+            </a:fld>
+            <a:endParaRPr lang="en-IN"/>
+          </a:p>
+        </p:txBody>
+      </p:sp>
+    </p:spTree>
+    <p:extLst>
+      <p:ext uri="{BB962C8B-B14F-4D97-AF65-F5344CB8AC3E}">
+        <p14:creationId xmlns:p14="http://schemas.microsoft.com/office/powerpoint/2010/main" val="2179958468"/>
+      </p:ext>
+    </p:extLst>
+  </p:cSld>
+  <p:clrMapOvr>
+    <a:masterClrMapping/>
+  </p:clrMapOvr>
+</p:notes>
+</file>
+
 <file path=ppt/slideLayouts/slideLayout1.xml><?xml version="1.0" encoding="utf-8"?>
 <p:sldLayout xmlns:a="http://schemas.openxmlformats.org/drawingml/2006/main" xmlns:r="http://schemas.openxmlformats.org/officeDocument/2006/relationships" xmlns:p="http://schemas.openxmlformats.org/presentationml/2006/main" type="title" preserve="1">
   <p:cSld name="Title Slide">
@@ -1225,7 +1523,7 @@
           <a:p>
             <a:fld id="{8594F18B-712C-4789-90DB-6CB977E04FFB}" type="datetimeFigureOut">
               <a:rPr lang="en-IN" smtClean="0"/>
-              <a:t>05-03-2019</a:t>
+              <a:t>06-03-2019</a:t>
             </a:fld>
             <a:endParaRPr lang="en-IN"/>
           </a:p>
@@ -1425,7 +1723,7 @@
           <a:p>
             <a:fld id="{8594F18B-712C-4789-90DB-6CB977E04FFB}" type="datetimeFigureOut">
               <a:rPr lang="en-IN" smtClean="0"/>
-              <a:t>05-03-2019</a:t>
+              <a:t>06-03-2019</a:t>
             </a:fld>
             <a:endParaRPr lang="en-IN"/>
           </a:p>
@@ -1635,7 +1933,7 @@
           <a:p>
             <a:fld id="{8594F18B-712C-4789-90DB-6CB977E04FFB}" type="datetimeFigureOut">
               <a:rPr lang="en-IN" smtClean="0"/>
-              <a:t>05-03-2019</a:t>
+              <a:t>06-03-2019</a:t>
             </a:fld>
             <a:endParaRPr lang="en-IN"/>
           </a:p>
@@ -1835,7 +2133,7 @@
           <a:p>
             <a:fld id="{8594F18B-712C-4789-90DB-6CB977E04FFB}" type="datetimeFigureOut">
               <a:rPr lang="en-IN" smtClean="0"/>
-              <a:t>05-03-2019</a:t>
+              <a:t>06-03-2019</a:t>
             </a:fld>
             <a:endParaRPr lang="en-IN"/>
           </a:p>
@@ -2111,7 +2409,7 @@
           <a:p>
             <a:fld id="{8594F18B-712C-4789-90DB-6CB977E04FFB}" type="datetimeFigureOut">
               <a:rPr lang="en-IN" smtClean="0"/>
-              <a:t>05-03-2019</a:t>
+              <a:t>06-03-2019</a:t>
             </a:fld>
             <a:endParaRPr lang="en-IN"/>
           </a:p>
@@ -2379,7 +2677,7 @@
           <a:p>
             <a:fld id="{8594F18B-712C-4789-90DB-6CB977E04FFB}" type="datetimeFigureOut">
               <a:rPr lang="en-IN" smtClean="0"/>
-              <a:t>05-03-2019</a:t>
+              <a:t>06-03-2019</a:t>
             </a:fld>
             <a:endParaRPr lang="en-IN"/>
           </a:p>
@@ -2794,7 +3092,7 @@
           <a:p>
             <a:fld id="{8594F18B-712C-4789-90DB-6CB977E04FFB}" type="datetimeFigureOut">
               <a:rPr lang="en-IN" smtClean="0"/>
-              <a:t>05-03-2019</a:t>
+              <a:t>06-03-2019</a:t>
             </a:fld>
             <a:endParaRPr lang="en-IN"/>
           </a:p>
@@ -2936,7 +3234,7 @@
           <a:p>
             <a:fld id="{8594F18B-712C-4789-90DB-6CB977E04FFB}" type="datetimeFigureOut">
               <a:rPr lang="en-IN" smtClean="0"/>
-              <a:t>05-03-2019</a:t>
+              <a:t>06-03-2019</a:t>
             </a:fld>
             <a:endParaRPr lang="en-IN"/>
           </a:p>
@@ -3049,7 +3347,7 @@
           <a:p>
             <a:fld id="{8594F18B-712C-4789-90DB-6CB977E04FFB}" type="datetimeFigureOut">
               <a:rPr lang="en-IN" smtClean="0"/>
-              <a:t>05-03-2019</a:t>
+              <a:t>06-03-2019</a:t>
             </a:fld>
             <a:endParaRPr lang="en-IN"/>
           </a:p>
@@ -3362,7 +3660,7 @@
           <a:p>
             <a:fld id="{8594F18B-712C-4789-90DB-6CB977E04FFB}" type="datetimeFigureOut">
               <a:rPr lang="en-IN" smtClean="0"/>
-              <a:t>05-03-2019</a:t>
+              <a:t>06-03-2019</a:t>
             </a:fld>
             <a:endParaRPr lang="en-IN"/>
           </a:p>
@@ -3651,7 +3949,7 @@
           <a:p>
             <a:fld id="{8594F18B-712C-4789-90DB-6CB977E04FFB}" type="datetimeFigureOut">
               <a:rPr lang="en-IN" smtClean="0"/>
-              <a:t>05-03-2019</a:t>
+              <a:t>06-03-2019</a:t>
             </a:fld>
             <a:endParaRPr lang="en-IN"/>
           </a:p>
@@ -3894,7 +4192,7 @@
           <a:p>
             <a:fld id="{8594F18B-712C-4789-90DB-6CB977E04FFB}" type="datetimeFigureOut">
               <a:rPr lang="en-IN" smtClean="0"/>
-              <a:t>05-03-2019</a:t>
+              <a:t>06-03-2019</a:t>
             </a:fld>
             <a:endParaRPr lang="en-IN"/>
           </a:p>
@@ -5443,6 +5741,102 @@
       </p:grpSpPr>
       <p:sp>
         <p:nvSpPr>
+          <p:cNvPr id="19" name="Rectangle 18">
+            <a:extLst>
+              <a:ext uri="{FF2B5EF4-FFF2-40B4-BE49-F238E27FC236}">
+                <a16:creationId xmlns:a16="http://schemas.microsoft.com/office/drawing/2014/main" id="{18EECCE0-616D-41C1-B5EA-D5AC83D834C1}"/>
+              </a:ext>
+            </a:extLst>
+          </p:cNvPr>
+          <p:cNvSpPr/>
+          <p:nvPr/>
+        </p:nvSpPr>
+        <p:spPr>
+          <a:xfrm>
+            <a:off x="329171" y="3669770"/>
+            <a:ext cx="1971150" cy="1892989"/>
+          </a:xfrm>
+          <a:prstGeom prst="rect">
+            <a:avLst/>
+          </a:prstGeom>
+        </p:spPr>
+        <p:style>
+          <a:lnRef idx="2">
+            <a:schemeClr val="accent5"/>
+          </a:lnRef>
+          <a:fillRef idx="1">
+            <a:schemeClr val="lt1"/>
+          </a:fillRef>
+          <a:effectRef idx="0">
+            <a:schemeClr val="accent5"/>
+          </a:effectRef>
+          <a:fontRef idx="minor">
+            <a:schemeClr val="dk1"/>
+          </a:fontRef>
+        </p:style>
+        <p:txBody>
+          <a:bodyPr rtlCol="0" anchor="b"/>
+          <a:lstStyle/>
+          <a:p>
+            <a:pPr algn="ctr"/>
+            <a:r>
+              <a:rPr lang="en-IN" sz="2800" b="1" dirty="0"/>
+              <a:t>Stack</a:t>
+            </a:r>
+            <a:endParaRPr lang="en-IN" b="1" dirty="0"/>
+          </a:p>
+        </p:txBody>
+      </p:sp>
+      <p:sp>
+        <p:nvSpPr>
+          <p:cNvPr id="2" name="Rectangle 1">
+            <a:extLst>
+              <a:ext uri="{FF2B5EF4-FFF2-40B4-BE49-F238E27FC236}">
+                <a16:creationId xmlns:a16="http://schemas.microsoft.com/office/drawing/2014/main" id="{F313D082-4C77-4117-89AC-FB186849310A}"/>
+              </a:ext>
+            </a:extLst>
+          </p:cNvPr>
+          <p:cNvSpPr/>
+          <p:nvPr/>
+        </p:nvSpPr>
+        <p:spPr>
+          <a:xfrm>
+            <a:off x="2415654" y="3217039"/>
+            <a:ext cx="14343797" cy="6281798"/>
+          </a:xfrm>
+          <a:prstGeom prst="rect">
+            <a:avLst/>
+          </a:prstGeom>
+        </p:spPr>
+        <p:style>
+          <a:lnRef idx="2">
+            <a:schemeClr val="accent4"/>
+          </a:lnRef>
+          <a:fillRef idx="1">
+            <a:schemeClr val="lt1"/>
+          </a:fillRef>
+          <a:effectRef idx="0">
+            <a:schemeClr val="accent4"/>
+          </a:effectRef>
+          <a:fontRef idx="minor">
+            <a:schemeClr val="dk1"/>
+          </a:fontRef>
+        </p:style>
+        <p:txBody>
+          <a:bodyPr rtlCol="0" anchor="b"/>
+          <a:lstStyle/>
+          <a:p>
+            <a:pPr algn="ctr"/>
+            <a:r>
+              <a:rPr lang="en-IN" sz="3200" b="1" dirty="0"/>
+              <a:t>Heap</a:t>
+            </a:r>
+            <a:endParaRPr lang="en-IN" b="1" dirty="0"/>
+          </a:p>
+        </p:txBody>
+      </p:sp>
+      <p:sp>
+        <p:nvSpPr>
           <p:cNvPr id="3" name="Rectangle 2">
             <a:extLst>
               <a:ext uri="{FF2B5EF4-FFF2-40B4-BE49-F238E27FC236}">
@@ -6943,8 +7337,8 @@
         </p:nvCxnSpPr>
         <p:spPr>
           <a:xfrm flipH="1">
-            <a:off x="3768454" y="5094571"/>
-            <a:ext cx="5261065" cy="1141242"/>
+            <a:off x="3597368" y="5111832"/>
+            <a:ext cx="5696497" cy="1251035"/>
           </a:xfrm>
           <a:prstGeom prst="straightConnector1">
             <a:avLst/>
@@ -6982,7 +7376,7 @@
         </p:nvSpPr>
         <p:spPr>
           <a:xfrm>
-            <a:off x="2838998" y="5811808"/>
+            <a:off x="2807293" y="5961904"/>
             <a:ext cx="1602377" cy="369332"/>
           </a:xfrm>
           <a:prstGeom prst="rect">
@@ -7327,7 +7721,7 @@
         </p:nvSpPr>
         <p:spPr>
           <a:xfrm>
-            <a:off x="5378638" y="5819894"/>
+            <a:off x="5172751" y="5946277"/>
             <a:ext cx="1602377" cy="369332"/>
           </a:xfrm>
           <a:prstGeom prst="rect">
@@ -7602,7 +7996,7 @@
         </p:nvSpPr>
         <p:spPr>
           <a:xfrm>
-            <a:off x="7504979" y="5823227"/>
+            <a:off x="7462345" y="5938878"/>
             <a:ext cx="1602377" cy="369332"/>
           </a:xfrm>
           <a:prstGeom prst="rect">
@@ -7877,7 +8271,7 @@
         </p:nvSpPr>
         <p:spPr>
           <a:xfrm>
-            <a:off x="10333088" y="5819894"/>
+            <a:off x="9694459" y="5937004"/>
             <a:ext cx="1602377" cy="369332"/>
           </a:xfrm>
           <a:prstGeom prst="rect">
@@ -8152,7 +8546,7 @@
         </p:nvSpPr>
         <p:spPr>
           <a:xfrm>
-            <a:off x="12192000" y="5764619"/>
+            <a:off x="12002411" y="5924258"/>
             <a:ext cx="1602377" cy="369332"/>
           </a:xfrm>
           <a:prstGeom prst="rect">
@@ -8344,7 +8738,7 @@
           </p:cNvPr>
           <p:cNvCxnSpPr>
             <a:cxnSpLocks/>
-            <a:stCxn id="21" idx="2"/>
+            <a:stCxn id="72" idx="2"/>
             <a:endCxn id="34" idx="0"/>
           </p:cNvCxnSpPr>
           <p:nvPr/>
@@ -8352,7 +8746,7 @@
         <p:spPr>
           <a:xfrm flipH="1">
             <a:off x="6030687" y="5100987"/>
-            <a:ext cx="3305268" cy="1213386"/>
+            <a:ext cx="4923247" cy="1213386"/>
           </a:xfrm>
           <a:prstGeom prst="straightConnector1">
             <a:avLst/>
@@ -8387,14 +8781,15 @@
           </p:cNvPr>
           <p:cNvCxnSpPr>
             <a:cxnSpLocks/>
+            <a:stCxn id="73" idx="2"/>
             <a:endCxn id="41" idx="0"/>
           </p:cNvCxnSpPr>
           <p:nvPr/>
         </p:nvCxnSpPr>
         <p:spPr>
           <a:xfrm flipH="1">
-            <a:off x="8351522" y="5108020"/>
-            <a:ext cx="975356" cy="1268913"/>
+            <a:off x="8351522" y="5100987"/>
+            <a:ext cx="4214043" cy="1275946"/>
           </a:xfrm>
           <a:prstGeom prst="straightConnector1">
             <a:avLst/>
@@ -8429,14 +8824,15 @@
           </p:cNvPr>
           <p:cNvCxnSpPr>
             <a:cxnSpLocks/>
+            <a:stCxn id="74" idx="2"/>
             <a:endCxn id="48" idx="0"/>
           </p:cNvCxnSpPr>
           <p:nvPr/>
         </p:nvCxnSpPr>
         <p:spPr>
-          <a:xfrm>
-            <a:off x="9335954" y="5100987"/>
-            <a:ext cx="1217385" cy="1203738"/>
+          <a:xfrm flipH="1">
+            <a:off x="10553339" y="5100986"/>
+            <a:ext cx="3608255" cy="1203739"/>
           </a:xfrm>
           <a:prstGeom prst="straightConnector1">
             <a:avLst/>
@@ -8471,14 +8867,15 @@
           </p:cNvPr>
           <p:cNvCxnSpPr>
             <a:cxnSpLocks/>
+            <a:stCxn id="75" idx="2"/>
             <a:endCxn id="55" idx="0"/>
           </p:cNvCxnSpPr>
           <p:nvPr/>
         </p:nvCxnSpPr>
         <p:spPr>
-          <a:xfrm>
-            <a:off x="9378044" y="5108020"/>
-            <a:ext cx="3496130" cy="1196705"/>
+          <a:xfrm flipH="1">
+            <a:off x="12874174" y="5088043"/>
+            <a:ext cx="2905399" cy="1216682"/>
           </a:xfrm>
           <a:prstGeom prst="straightConnector1">
             <a:avLst/>
@@ -8810,6 +9207,181 @@
             <a:r>
               <a:rPr lang="en-IN" dirty="0"/>
               <a:t>Question RV</a:t>
+            </a:r>
+          </a:p>
+        </p:txBody>
+      </p:sp>
+      <p:sp>
+        <p:nvSpPr>
+          <p:cNvPr id="67" name="TextBox 66">
+            <a:extLst>
+              <a:ext uri="{FF2B5EF4-FFF2-40B4-BE49-F238E27FC236}">
+                <a16:creationId xmlns:a16="http://schemas.microsoft.com/office/drawing/2014/main" id="{FB57D322-6C9A-4F4B-9B07-FB7D4506A6E3}"/>
+              </a:ext>
+            </a:extLst>
+          </p:cNvPr>
+          <p:cNvSpPr txBox="1"/>
+          <p:nvPr/>
+        </p:nvSpPr>
+        <p:spPr>
+          <a:xfrm>
+            <a:off x="2838998" y="8604522"/>
+            <a:ext cx="2730137" cy="369332"/>
+          </a:xfrm>
+          <a:prstGeom prst="rect">
+            <a:avLst/>
+          </a:prstGeom>
+          <a:noFill/>
+        </p:spPr>
+        <p:txBody>
+          <a:bodyPr wrap="square" rtlCol="0">
+            <a:spAutoFit/>
+          </a:bodyPr>
+          <a:lstStyle/>
+          <a:p>
+            <a:r>
+              <a:rPr lang="en-IN" dirty="0"/>
+              <a:t>Question Object</a:t>
+            </a:r>
+          </a:p>
+        </p:txBody>
+      </p:sp>
+      <p:sp>
+        <p:nvSpPr>
+          <p:cNvPr id="69" name="TextBox 68">
+            <a:extLst>
+              <a:ext uri="{FF2B5EF4-FFF2-40B4-BE49-F238E27FC236}">
+                <a16:creationId xmlns:a16="http://schemas.microsoft.com/office/drawing/2014/main" id="{90D87677-78F1-4501-B5B9-74E663DB886B}"/>
+              </a:ext>
+            </a:extLst>
+          </p:cNvPr>
+          <p:cNvSpPr txBox="1"/>
+          <p:nvPr/>
+        </p:nvSpPr>
+        <p:spPr>
+          <a:xfrm>
+            <a:off x="5172888" y="8546201"/>
+            <a:ext cx="2730137" cy="369332"/>
+          </a:xfrm>
+          <a:prstGeom prst="rect">
+            <a:avLst/>
+          </a:prstGeom>
+          <a:noFill/>
+        </p:spPr>
+        <p:txBody>
+          <a:bodyPr wrap="square" rtlCol="0">
+            <a:spAutoFit/>
+          </a:bodyPr>
+          <a:lstStyle/>
+          <a:p>
+            <a:r>
+              <a:rPr lang="en-IN" dirty="0"/>
+              <a:t>Question Object</a:t>
+            </a:r>
+          </a:p>
+        </p:txBody>
+      </p:sp>
+      <p:sp>
+        <p:nvSpPr>
+          <p:cNvPr id="71" name="TextBox 70">
+            <a:extLst>
+              <a:ext uri="{FF2B5EF4-FFF2-40B4-BE49-F238E27FC236}">
+                <a16:creationId xmlns:a16="http://schemas.microsoft.com/office/drawing/2014/main" id="{C88098EC-2E08-47D4-90ED-0AAB714B6668}"/>
+              </a:ext>
+            </a:extLst>
+          </p:cNvPr>
+          <p:cNvSpPr txBox="1"/>
+          <p:nvPr/>
+        </p:nvSpPr>
+        <p:spPr>
+          <a:xfrm>
+            <a:off x="7480480" y="8602697"/>
+            <a:ext cx="2730137" cy="369332"/>
+          </a:xfrm>
+          <a:prstGeom prst="rect">
+            <a:avLst/>
+          </a:prstGeom>
+          <a:noFill/>
+        </p:spPr>
+        <p:txBody>
+          <a:bodyPr wrap="square" rtlCol="0">
+            <a:spAutoFit/>
+          </a:bodyPr>
+          <a:lstStyle/>
+          <a:p>
+            <a:r>
+              <a:rPr lang="en-IN" dirty="0"/>
+              <a:t>Question Object</a:t>
+            </a:r>
+          </a:p>
+        </p:txBody>
+      </p:sp>
+      <p:sp>
+        <p:nvSpPr>
+          <p:cNvPr id="80" name="TextBox 79">
+            <a:extLst>
+              <a:ext uri="{FF2B5EF4-FFF2-40B4-BE49-F238E27FC236}">
+                <a16:creationId xmlns:a16="http://schemas.microsoft.com/office/drawing/2014/main" id="{28682FA5-786F-41B0-AA01-CCF5D48D1C97}"/>
+              </a:ext>
+            </a:extLst>
+          </p:cNvPr>
+          <p:cNvSpPr txBox="1"/>
+          <p:nvPr/>
+        </p:nvSpPr>
+        <p:spPr>
+          <a:xfrm>
+            <a:off x="9633855" y="8527159"/>
+            <a:ext cx="2730137" cy="369332"/>
+          </a:xfrm>
+          <a:prstGeom prst="rect">
+            <a:avLst/>
+          </a:prstGeom>
+          <a:noFill/>
+        </p:spPr>
+        <p:txBody>
+          <a:bodyPr wrap="square" rtlCol="0">
+            <a:spAutoFit/>
+          </a:bodyPr>
+          <a:lstStyle/>
+          <a:p>
+            <a:r>
+              <a:rPr lang="en-IN" dirty="0"/>
+              <a:t>Question Object</a:t>
+            </a:r>
+          </a:p>
+        </p:txBody>
+      </p:sp>
+      <p:sp>
+        <p:nvSpPr>
+          <p:cNvPr id="81" name="TextBox 80">
+            <a:extLst>
+              <a:ext uri="{FF2B5EF4-FFF2-40B4-BE49-F238E27FC236}">
+                <a16:creationId xmlns:a16="http://schemas.microsoft.com/office/drawing/2014/main" id="{4454214F-93AB-40C1-99E9-5149FDE6C222}"/>
+              </a:ext>
+            </a:extLst>
+          </p:cNvPr>
+          <p:cNvSpPr txBox="1"/>
+          <p:nvPr/>
+        </p:nvSpPr>
+        <p:spPr>
+          <a:xfrm>
+            <a:off x="12049509" y="8527159"/>
+            <a:ext cx="2730137" cy="369332"/>
+          </a:xfrm>
+          <a:prstGeom prst="rect">
+            <a:avLst/>
+          </a:prstGeom>
+          <a:noFill/>
+        </p:spPr>
+        <p:txBody>
+          <a:bodyPr wrap="square" rtlCol="0">
+            <a:spAutoFit/>
+          </a:bodyPr>
+          <a:lstStyle/>
+          <a:p>
+            <a:r>
+              <a:rPr lang="en-IN" dirty="0"/>
+              <a:t>Question Object</a:t>
             </a:r>
           </a:p>
         </p:txBody>
@@ -8849,7 +9421,906 @@
           <p:cNvPr id="2" name="Title 1">
             <a:extLst>
               <a:ext uri="{FF2B5EF4-FFF2-40B4-BE49-F238E27FC236}">
-                <a16:creationId xmlns:a16="http://schemas.microsoft.com/office/drawing/2014/main" id="{43D4D6DE-53CA-44C2-9BD2-88E13D575302}"/>
+                <a16:creationId xmlns:a16="http://schemas.microsoft.com/office/drawing/2014/main" id="{1BD4183B-F741-4CA1-962C-B1750B0AD3E1}"/>
+              </a:ext>
+            </a:extLst>
+          </p:cNvPr>
+          <p:cNvSpPr>
+            <a:spLocks noGrp="1"/>
+          </p:cNvSpPr>
+          <p:nvPr>
+            <p:ph type="ctrTitle"/>
+          </p:nvPr>
+        </p:nvSpPr>
+        <p:spPr/>
+        <p:txBody>
+          <a:bodyPr/>
+          <a:lstStyle/>
+          <a:p>
+            <a:r>
+              <a:rPr lang="en-IN" dirty="0"/>
+              <a:t>Day 2 </a:t>
+            </a:r>
+          </a:p>
+        </p:txBody>
+      </p:sp>
+      <p:sp>
+        <p:nvSpPr>
+          <p:cNvPr id="3" name="Subtitle 2">
+            <a:extLst>
+              <a:ext uri="{FF2B5EF4-FFF2-40B4-BE49-F238E27FC236}">
+                <a16:creationId xmlns:a16="http://schemas.microsoft.com/office/drawing/2014/main" id="{75C16ADC-D57C-4A84-AB36-571F98217E61}"/>
+              </a:ext>
+            </a:extLst>
+          </p:cNvPr>
+          <p:cNvSpPr>
+            <a:spLocks noGrp="1"/>
+          </p:cNvSpPr>
+          <p:nvPr>
+            <p:ph type="subTitle" idx="1"/>
+          </p:nvPr>
+        </p:nvSpPr>
+        <p:spPr/>
+        <p:txBody>
+          <a:bodyPr/>
+          <a:lstStyle/>
+          <a:p>
+            <a:endParaRPr lang="en-IN"/>
+          </a:p>
+        </p:txBody>
+      </p:sp>
+    </p:spTree>
+    <p:extLst>
+      <p:ext uri="{BB962C8B-B14F-4D97-AF65-F5344CB8AC3E}">
+        <p14:creationId xmlns:p14="http://schemas.microsoft.com/office/powerpoint/2010/main" val="413880024"/>
+      </p:ext>
+    </p:extLst>
+  </p:cSld>
+  <p:clrMapOvr>
+    <a:masterClrMapping/>
+  </p:clrMapOvr>
+</p:sld>
+</file>
+
+<file path=ppt/slides/slide15.xml><?xml version="1.0" encoding="utf-8"?>
+<p:sld xmlns:a="http://schemas.openxmlformats.org/drawingml/2006/main" xmlns:r="http://schemas.openxmlformats.org/officeDocument/2006/relationships" xmlns:p="http://schemas.openxmlformats.org/presentationml/2006/main">
+  <p:cSld>
+    <p:spTree>
+      <p:nvGrpSpPr>
+        <p:cNvPr id="1" name=""/>
+        <p:cNvGrpSpPr/>
+        <p:nvPr/>
+      </p:nvGrpSpPr>
+      <p:grpSpPr>
+        <a:xfrm>
+          <a:off x="0" y="0"/>
+          <a:ext cx="0" cy="0"/>
+          <a:chOff x="0" y="0"/>
+          <a:chExt cx="0" cy="0"/>
+        </a:xfrm>
+      </p:grpSpPr>
+      <p:sp>
+        <p:nvSpPr>
+          <p:cNvPr id="2" name="TextBox 1">
+            <a:extLst>
+              <a:ext uri="{FF2B5EF4-FFF2-40B4-BE49-F238E27FC236}">
+                <a16:creationId xmlns:a16="http://schemas.microsoft.com/office/drawing/2014/main" id="{51B1CF9E-A8F6-4AAA-8D36-5A29BD66B523}"/>
+              </a:ext>
+            </a:extLst>
+          </p:cNvPr>
+          <p:cNvSpPr txBox="1"/>
+          <p:nvPr/>
+        </p:nvSpPr>
+        <p:spPr>
+          <a:xfrm>
+            <a:off x="1105988" y="700258"/>
+            <a:ext cx="1602377" cy="369332"/>
+          </a:xfrm>
+          <a:prstGeom prst="rect">
+            <a:avLst/>
+          </a:prstGeom>
+          <a:noFill/>
+          <a:ln>
+            <a:solidFill>
+              <a:schemeClr val="tx1"/>
+            </a:solidFill>
+          </a:ln>
+        </p:spPr>
+        <p:txBody>
+          <a:bodyPr wrap="square" rtlCol="0">
+            <a:spAutoFit/>
+          </a:bodyPr>
+          <a:lstStyle/>
+          <a:p>
+            <a:pPr algn="ctr"/>
+            <a:r>
+              <a:rPr lang="en-IN" dirty="0"/>
+              <a:t>C# Code </a:t>
+            </a:r>
+          </a:p>
+        </p:txBody>
+      </p:sp>
+      <p:sp>
+        <p:nvSpPr>
+          <p:cNvPr id="3" name="TextBox 2">
+            <a:extLst>
+              <a:ext uri="{FF2B5EF4-FFF2-40B4-BE49-F238E27FC236}">
+                <a16:creationId xmlns:a16="http://schemas.microsoft.com/office/drawing/2014/main" id="{FF874211-0C22-4439-9FA4-9DB18700A491}"/>
+              </a:ext>
+            </a:extLst>
+          </p:cNvPr>
+          <p:cNvSpPr txBox="1"/>
+          <p:nvPr/>
+        </p:nvSpPr>
+        <p:spPr>
+          <a:xfrm>
+            <a:off x="962295" y="2464526"/>
+            <a:ext cx="1950719" cy="2585323"/>
+          </a:xfrm>
+          <a:prstGeom prst="rect">
+            <a:avLst/>
+          </a:prstGeom>
+          <a:noFill/>
+          <a:ln>
+            <a:solidFill>
+              <a:schemeClr val="tx1"/>
+            </a:solidFill>
+          </a:ln>
+        </p:spPr>
+        <p:txBody>
+          <a:bodyPr wrap="square" rtlCol="0">
+            <a:spAutoFit/>
+          </a:bodyPr>
+          <a:lstStyle/>
+          <a:p>
+            <a:pPr algn="ctr"/>
+            <a:r>
+              <a:rPr lang="en-IN" dirty="0"/>
+              <a:t>Compiled Code </a:t>
+            </a:r>
+          </a:p>
+          <a:p>
+            <a:pPr algn="ctr"/>
+            <a:r>
+              <a:rPr lang="en-IN" dirty="0"/>
+              <a:t>(CUI exe or GUI exe or DLL) </a:t>
+            </a:r>
+          </a:p>
+          <a:p>
+            <a:pPr algn="ctr"/>
+            <a:endParaRPr lang="en-IN" dirty="0"/>
+          </a:p>
+          <a:p>
+            <a:pPr algn="ctr"/>
+            <a:r>
+              <a:rPr lang="en-IN" dirty="0"/>
+              <a:t>In EXE or DLL header </a:t>
+            </a:r>
+          </a:p>
+          <a:p>
+            <a:pPr algn="ctr"/>
+            <a:r>
+              <a:rPr lang="en-IN" dirty="0"/>
+              <a:t>mscoree.dll</a:t>
+            </a:r>
+          </a:p>
+          <a:p>
+            <a:pPr algn="ctr"/>
+            <a:endParaRPr lang="en-IN" dirty="0"/>
+          </a:p>
+          <a:p>
+            <a:pPr algn="ctr"/>
+            <a:r>
+              <a:rPr lang="en-IN" dirty="0"/>
+              <a:t>MSIL Code </a:t>
+            </a:r>
+          </a:p>
+        </p:txBody>
+      </p:sp>
+      <p:sp>
+        <p:nvSpPr>
+          <p:cNvPr id="4" name="Arrow: Down 3">
+            <a:extLst>
+              <a:ext uri="{FF2B5EF4-FFF2-40B4-BE49-F238E27FC236}">
+                <a16:creationId xmlns:a16="http://schemas.microsoft.com/office/drawing/2014/main" id="{3688F07F-0E33-4FEA-8CB7-9CD3DB628810}"/>
+              </a:ext>
+            </a:extLst>
+          </p:cNvPr>
+          <p:cNvSpPr/>
+          <p:nvPr/>
+        </p:nvSpPr>
+        <p:spPr>
+          <a:xfrm>
+            <a:off x="962295" y="1069590"/>
+            <a:ext cx="1889759" cy="1394936"/>
+          </a:xfrm>
+          <a:prstGeom prst="downArrow">
+            <a:avLst/>
+          </a:prstGeom>
+        </p:spPr>
+        <p:style>
+          <a:lnRef idx="2">
+            <a:schemeClr val="accent1">
+              <a:shade val="50000"/>
+            </a:schemeClr>
+          </a:lnRef>
+          <a:fillRef idx="1">
+            <a:schemeClr val="accent1"/>
+          </a:fillRef>
+          <a:effectRef idx="0">
+            <a:schemeClr val="accent1"/>
+          </a:effectRef>
+          <a:fontRef idx="minor">
+            <a:schemeClr val="lt1"/>
+          </a:fontRef>
+        </p:style>
+        <p:txBody>
+          <a:bodyPr rtlCol="0" anchor="ctr"/>
+          <a:lstStyle/>
+          <a:p>
+            <a:pPr algn="ctr"/>
+            <a:r>
+              <a:rPr lang="en-IN" dirty="0"/>
+              <a:t>Csc.exe</a:t>
+            </a:r>
+          </a:p>
+        </p:txBody>
+      </p:sp>
+      <p:sp>
+        <p:nvSpPr>
+          <p:cNvPr id="5" name="Arrow: Right 4">
+            <a:extLst>
+              <a:ext uri="{FF2B5EF4-FFF2-40B4-BE49-F238E27FC236}">
+                <a16:creationId xmlns:a16="http://schemas.microsoft.com/office/drawing/2014/main" id="{FEEBFA3F-242F-4694-AABF-7E3AD8825414}"/>
+              </a:ext>
+            </a:extLst>
+          </p:cNvPr>
+          <p:cNvSpPr/>
+          <p:nvPr/>
+        </p:nvSpPr>
+        <p:spPr>
+          <a:xfrm>
+            <a:off x="-1252399" y="2833858"/>
+            <a:ext cx="2214694" cy="981512"/>
+          </a:xfrm>
+          <a:prstGeom prst="rightArrow">
+            <a:avLst/>
+          </a:prstGeom>
+        </p:spPr>
+        <p:style>
+          <a:lnRef idx="2">
+            <a:schemeClr val="accent1">
+              <a:shade val="50000"/>
+            </a:schemeClr>
+          </a:lnRef>
+          <a:fillRef idx="1">
+            <a:schemeClr val="accent1"/>
+          </a:fillRef>
+          <a:effectRef idx="0">
+            <a:schemeClr val="accent1"/>
+          </a:effectRef>
+          <a:fontRef idx="minor">
+            <a:schemeClr val="lt1"/>
+          </a:fontRef>
+        </p:style>
+        <p:txBody>
+          <a:bodyPr rtlCol="0" anchor="ctr"/>
+          <a:lstStyle/>
+          <a:p>
+            <a:pPr algn="ctr"/>
+            <a:r>
+              <a:rPr lang="en-IN" dirty="0"/>
+              <a:t>User double clicks</a:t>
+            </a:r>
+          </a:p>
+        </p:txBody>
+      </p:sp>
+      <p:sp>
+        <p:nvSpPr>
+          <p:cNvPr id="6" name="Arrow: Right 5">
+            <a:extLst>
+              <a:ext uri="{FF2B5EF4-FFF2-40B4-BE49-F238E27FC236}">
+                <a16:creationId xmlns:a16="http://schemas.microsoft.com/office/drawing/2014/main" id="{9FB78D71-E2B1-4DF8-982D-A6D16A8E780E}"/>
+              </a:ext>
+            </a:extLst>
+          </p:cNvPr>
+          <p:cNvSpPr/>
+          <p:nvPr/>
+        </p:nvSpPr>
+        <p:spPr>
+          <a:xfrm>
+            <a:off x="2913014" y="2833858"/>
+            <a:ext cx="2214694" cy="981512"/>
+          </a:xfrm>
+          <a:prstGeom prst="rightArrow">
+            <a:avLst/>
+          </a:prstGeom>
+        </p:spPr>
+        <p:style>
+          <a:lnRef idx="2">
+            <a:schemeClr val="accent1">
+              <a:shade val="50000"/>
+            </a:schemeClr>
+          </a:lnRef>
+          <a:fillRef idx="1">
+            <a:schemeClr val="accent1"/>
+          </a:fillRef>
+          <a:effectRef idx="0">
+            <a:schemeClr val="accent1"/>
+          </a:effectRef>
+          <a:fontRef idx="minor">
+            <a:schemeClr val="lt1"/>
+          </a:fontRef>
+        </p:style>
+        <p:txBody>
+          <a:bodyPr rtlCol="0" anchor="ctr"/>
+          <a:lstStyle/>
+          <a:p>
+            <a:pPr algn="ctr"/>
+            <a:r>
+              <a:rPr lang="en-IN" dirty="0"/>
+              <a:t>Windows OS</a:t>
+            </a:r>
+          </a:p>
+        </p:txBody>
+      </p:sp>
+      <p:sp>
+        <p:nvSpPr>
+          <p:cNvPr id="7" name="TextBox 6">
+            <a:extLst>
+              <a:ext uri="{FF2B5EF4-FFF2-40B4-BE49-F238E27FC236}">
+                <a16:creationId xmlns:a16="http://schemas.microsoft.com/office/drawing/2014/main" id="{B76B5A21-90B8-4975-BFFC-1AC00FC5F496}"/>
+              </a:ext>
+            </a:extLst>
+          </p:cNvPr>
+          <p:cNvSpPr txBox="1"/>
+          <p:nvPr/>
+        </p:nvSpPr>
+        <p:spPr>
+          <a:xfrm>
+            <a:off x="5127708" y="700258"/>
+            <a:ext cx="6520210" cy="5909310"/>
+          </a:xfrm>
+          <a:prstGeom prst="rect">
+            <a:avLst/>
+          </a:prstGeom>
+          <a:noFill/>
+          <a:ln>
+            <a:solidFill>
+              <a:schemeClr val="tx1"/>
+            </a:solidFill>
+          </a:ln>
+        </p:spPr>
+        <p:txBody>
+          <a:bodyPr wrap="square" rtlCol="0">
+            <a:spAutoFit/>
+          </a:bodyPr>
+          <a:lstStyle/>
+          <a:p>
+            <a:pPr algn="ctr"/>
+            <a:r>
+              <a:rPr lang="en-IN" dirty="0"/>
+              <a:t>Windows Process (running instance of exe)</a:t>
+            </a:r>
+          </a:p>
+          <a:p>
+            <a:pPr algn="ctr"/>
+            <a:endParaRPr lang="en-IN" dirty="0"/>
+          </a:p>
+          <a:p>
+            <a:pPr algn="ctr"/>
+            <a:endParaRPr lang="en-IN" dirty="0"/>
+          </a:p>
+          <a:p>
+            <a:pPr algn="ctr"/>
+            <a:endParaRPr lang="en-IN" dirty="0"/>
+          </a:p>
+          <a:p>
+            <a:pPr algn="ctr"/>
+            <a:endParaRPr lang="en-IN" dirty="0"/>
+          </a:p>
+          <a:p>
+            <a:pPr algn="ctr"/>
+            <a:endParaRPr lang="en-IN" dirty="0"/>
+          </a:p>
+          <a:p>
+            <a:pPr algn="ctr"/>
+            <a:endParaRPr lang="en-IN" dirty="0"/>
+          </a:p>
+          <a:p>
+            <a:pPr algn="ctr"/>
+            <a:endParaRPr lang="en-IN" dirty="0"/>
+          </a:p>
+          <a:p>
+            <a:pPr algn="ctr"/>
+            <a:endParaRPr lang="en-IN" dirty="0"/>
+          </a:p>
+          <a:p>
+            <a:pPr algn="ctr"/>
+            <a:endParaRPr lang="en-IN" dirty="0"/>
+          </a:p>
+          <a:p>
+            <a:pPr algn="ctr"/>
+            <a:endParaRPr lang="en-IN" dirty="0"/>
+          </a:p>
+          <a:p>
+            <a:pPr algn="ctr"/>
+            <a:endParaRPr lang="en-IN" dirty="0"/>
+          </a:p>
+          <a:p>
+            <a:pPr algn="ctr"/>
+            <a:endParaRPr lang="en-IN" dirty="0"/>
+          </a:p>
+          <a:p>
+            <a:pPr algn="ctr"/>
+            <a:endParaRPr lang="en-IN" dirty="0"/>
+          </a:p>
+          <a:p>
+            <a:pPr algn="ctr"/>
+            <a:endParaRPr lang="en-IN" dirty="0"/>
+          </a:p>
+          <a:p>
+            <a:pPr algn="ctr"/>
+            <a:endParaRPr lang="en-IN" dirty="0"/>
+          </a:p>
+          <a:p>
+            <a:pPr algn="ctr"/>
+            <a:endParaRPr lang="en-IN" dirty="0"/>
+          </a:p>
+          <a:p>
+            <a:pPr algn="ctr"/>
+            <a:endParaRPr lang="en-IN" dirty="0"/>
+          </a:p>
+          <a:p>
+            <a:pPr algn="ctr"/>
+            <a:endParaRPr lang="en-IN" dirty="0"/>
+          </a:p>
+          <a:p>
+            <a:pPr algn="ctr"/>
+            <a:endParaRPr lang="en-IN" dirty="0"/>
+          </a:p>
+          <a:p>
+            <a:pPr algn="ctr"/>
+            <a:endParaRPr lang="en-IN" dirty="0"/>
+          </a:p>
+        </p:txBody>
+      </p:sp>
+      <p:sp>
+        <p:nvSpPr>
+          <p:cNvPr id="8" name="Rectangle 7">
+            <a:extLst>
+              <a:ext uri="{FF2B5EF4-FFF2-40B4-BE49-F238E27FC236}">
+                <a16:creationId xmlns:a16="http://schemas.microsoft.com/office/drawing/2014/main" id="{2241C1E0-12D2-4A45-9716-E738B51C1BC3}"/>
+              </a:ext>
+            </a:extLst>
+          </p:cNvPr>
+          <p:cNvSpPr/>
+          <p:nvPr/>
+        </p:nvSpPr>
+        <p:spPr>
+          <a:xfrm>
+            <a:off x="8097396" y="4227557"/>
+            <a:ext cx="1606609" cy="550877"/>
+          </a:xfrm>
+          <a:prstGeom prst="rect">
+            <a:avLst/>
+          </a:prstGeom>
+        </p:spPr>
+        <p:style>
+          <a:lnRef idx="2">
+            <a:schemeClr val="accent1">
+              <a:shade val="50000"/>
+            </a:schemeClr>
+          </a:lnRef>
+          <a:fillRef idx="1">
+            <a:schemeClr val="accent1"/>
+          </a:fillRef>
+          <a:effectRef idx="0">
+            <a:schemeClr val="accent1"/>
+          </a:effectRef>
+          <a:fontRef idx="minor">
+            <a:schemeClr val="lt1"/>
+          </a:fontRef>
+        </p:style>
+        <p:txBody>
+          <a:bodyPr rtlCol="0" anchor="ctr"/>
+          <a:lstStyle/>
+          <a:p>
+            <a:pPr algn="ctr"/>
+            <a:r>
+              <a:rPr lang="en-IN" dirty="0"/>
+              <a:t>CLR.dll</a:t>
+            </a:r>
+          </a:p>
+        </p:txBody>
+      </p:sp>
+      <p:sp>
+        <p:nvSpPr>
+          <p:cNvPr id="9" name="Rectangle 8">
+            <a:extLst>
+              <a:ext uri="{FF2B5EF4-FFF2-40B4-BE49-F238E27FC236}">
+                <a16:creationId xmlns:a16="http://schemas.microsoft.com/office/drawing/2014/main" id="{D40192BE-0C76-4C7A-A802-31681DB2EEB5}"/>
+              </a:ext>
+            </a:extLst>
+          </p:cNvPr>
+          <p:cNvSpPr/>
+          <p:nvPr/>
+        </p:nvSpPr>
+        <p:spPr>
+          <a:xfrm>
+            <a:off x="8097396" y="3398120"/>
+            <a:ext cx="1606609" cy="550877"/>
+          </a:xfrm>
+          <a:prstGeom prst="rect">
+            <a:avLst/>
+          </a:prstGeom>
+        </p:spPr>
+        <p:style>
+          <a:lnRef idx="2">
+            <a:schemeClr val="accent1">
+              <a:shade val="50000"/>
+            </a:schemeClr>
+          </a:lnRef>
+          <a:fillRef idx="1">
+            <a:schemeClr val="accent1"/>
+          </a:fillRef>
+          <a:effectRef idx="0">
+            <a:schemeClr val="accent1"/>
+          </a:effectRef>
+          <a:fontRef idx="minor">
+            <a:schemeClr val="lt1"/>
+          </a:fontRef>
+        </p:style>
+        <p:txBody>
+          <a:bodyPr rtlCol="0" anchor="ctr"/>
+          <a:lstStyle/>
+          <a:p>
+            <a:pPr algn="ctr"/>
+            <a:r>
+              <a:rPr lang="en-IN" dirty="0"/>
+              <a:t>mscoree.dll</a:t>
+            </a:r>
+          </a:p>
+        </p:txBody>
+      </p:sp>
+      <p:sp>
+        <p:nvSpPr>
+          <p:cNvPr id="10" name="Arrow: Down 9">
+            <a:extLst>
+              <a:ext uri="{FF2B5EF4-FFF2-40B4-BE49-F238E27FC236}">
+                <a16:creationId xmlns:a16="http://schemas.microsoft.com/office/drawing/2014/main" id="{FED3229A-C010-4E47-B746-FD7A8CDB3ECF}"/>
+              </a:ext>
+            </a:extLst>
+          </p:cNvPr>
+          <p:cNvSpPr/>
+          <p:nvPr/>
+        </p:nvSpPr>
+        <p:spPr>
+          <a:xfrm>
+            <a:off x="9325143" y="3892028"/>
+            <a:ext cx="378862" cy="487111"/>
+          </a:xfrm>
+          <a:prstGeom prst="downArrow">
+            <a:avLst/>
+          </a:prstGeom>
+        </p:spPr>
+        <p:style>
+          <a:lnRef idx="2">
+            <a:schemeClr val="accent3">
+              <a:shade val="50000"/>
+            </a:schemeClr>
+          </a:lnRef>
+          <a:fillRef idx="1">
+            <a:schemeClr val="accent3"/>
+          </a:fillRef>
+          <a:effectRef idx="0">
+            <a:schemeClr val="accent3"/>
+          </a:effectRef>
+          <a:fontRef idx="minor">
+            <a:schemeClr val="lt1"/>
+          </a:fontRef>
+        </p:style>
+        <p:txBody>
+          <a:bodyPr rtlCol="0" anchor="ctr"/>
+          <a:lstStyle/>
+          <a:p>
+            <a:pPr algn="ctr"/>
+            <a:endParaRPr lang="en-IN"/>
+          </a:p>
+        </p:txBody>
+      </p:sp>
+      <p:sp>
+        <p:nvSpPr>
+          <p:cNvPr id="11" name="Arrow: Down 10">
+            <a:extLst>
+              <a:ext uri="{FF2B5EF4-FFF2-40B4-BE49-F238E27FC236}">
+                <a16:creationId xmlns:a16="http://schemas.microsoft.com/office/drawing/2014/main" id="{346C845F-9114-4DE3-B7B7-7DA761EBFDBD}"/>
+              </a:ext>
+            </a:extLst>
+          </p:cNvPr>
+          <p:cNvSpPr/>
+          <p:nvPr/>
+        </p:nvSpPr>
+        <p:spPr>
+          <a:xfrm>
+            <a:off x="5332357" y="2642468"/>
+            <a:ext cx="2363388" cy="3798281"/>
+          </a:xfrm>
+          <a:prstGeom prst="downArrow">
+            <a:avLst/>
+          </a:prstGeom>
+        </p:spPr>
+        <p:style>
+          <a:lnRef idx="2">
+            <a:schemeClr val="accent1">
+              <a:shade val="50000"/>
+            </a:schemeClr>
+          </a:lnRef>
+          <a:fillRef idx="1">
+            <a:schemeClr val="accent1"/>
+          </a:fillRef>
+          <a:effectRef idx="0">
+            <a:schemeClr val="accent1"/>
+          </a:effectRef>
+          <a:fontRef idx="minor">
+            <a:schemeClr val="lt1"/>
+          </a:fontRef>
+        </p:style>
+        <p:txBody>
+          <a:bodyPr rtlCol="0" anchor="ctr"/>
+          <a:lstStyle/>
+          <a:p>
+            <a:pPr algn="ctr"/>
+            <a:r>
+              <a:rPr lang="en-IN" dirty="0"/>
+              <a:t>Main Thread</a:t>
+            </a:r>
+          </a:p>
+          <a:p>
+            <a:pPr algn="ctr"/>
+            <a:r>
+              <a:rPr lang="en-IN" dirty="0"/>
+              <a:t>(unit of execution)</a:t>
+            </a:r>
+          </a:p>
+        </p:txBody>
+      </p:sp>
+      <p:sp>
+        <p:nvSpPr>
+          <p:cNvPr id="12" name="Rectangle 11">
+            <a:extLst>
+              <a:ext uri="{FF2B5EF4-FFF2-40B4-BE49-F238E27FC236}">
+                <a16:creationId xmlns:a16="http://schemas.microsoft.com/office/drawing/2014/main" id="{AC7A62B7-AABD-42AB-965F-42FF5CC29B6D}"/>
+              </a:ext>
+            </a:extLst>
+          </p:cNvPr>
+          <p:cNvSpPr/>
+          <p:nvPr/>
+        </p:nvSpPr>
+        <p:spPr>
+          <a:xfrm>
+            <a:off x="7114631" y="2642469"/>
+            <a:ext cx="2589374" cy="369281"/>
+          </a:xfrm>
+          <a:prstGeom prst="rect">
+            <a:avLst/>
+          </a:prstGeom>
+        </p:spPr>
+        <p:style>
+          <a:lnRef idx="2">
+            <a:schemeClr val="accent1">
+              <a:shade val="50000"/>
+            </a:schemeClr>
+          </a:lnRef>
+          <a:fillRef idx="1">
+            <a:schemeClr val="accent1"/>
+          </a:fillRef>
+          <a:effectRef idx="0">
+            <a:schemeClr val="accent1"/>
+          </a:effectRef>
+          <a:fontRef idx="minor">
+            <a:schemeClr val="lt1"/>
+          </a:fontRef>
+        </p:style>
+        <p:txBody>
+          <a:bodyPr rtlCol="0" anchor="ctr"/>
+          <a:lstStyle/>
+          <a:p>
+            <a:pPr algn="ctr"/>
+            <a:r>
+              <a:rPr lang="en-IN" dirty="0"/>
+              <a:t>MTs Stack</a:t>
+            </a:r>
+          </a:p>
+        </p:txBody>
+      </p:sp>
+      <p:sp>
+        <p:nvSpPr>
+          <p:cNvPr id="13" name="Rectangle 12">
+            <a:extLst>
+              <a:ext uri="{FF2B5EF4-FFF2-40B4-BE49-F238E27FC236}">
+                <a16:creationId xmlns:a16="http://schemas.microsoft.com/office/drawing/2014/main" id="{0342602D-6FBD-41FC-BD1B-4DD11A2A2580}"/>
+              </a:ext>
+            </a:extLst>
+          </p:cNvPr>
+          <p:cNvSpPr/>
+          <p:nvPr/>
+        </p:nvSpPr>
+        <p:spPr>
+          <a:xfrm>
+            <a:off x="7114631" y="1528446"/>
+            <a:ext cx="2589374" cy="369281"/>
+          </a:xfrm>
+          <a:prstGeom prst="rect">
+            <a:avLst/>
+          </a:prstGeom>
+        </p:spPr>
+        <p:style>
+          <a:lnRef idx="2">
+            <a:schemeClr val="accent1">
+              <a:shade val="50000"/>
+            </a:schemeClr>
+          </a:lnRef>
+          <a:fillRef idx="1">
+            <a:schemeClr val="accent1"/>
+          </a:fillRef>
+          <a:effectRef idx="0">
+            <a:schemeClr val="accent1"/>
+          </a:effectRef>
+          <a:fontRef idx="minor">
+            <a:schemeClr val="lt1"/>
+          </a:fontRef>
+        </p:style>
+        <p:txBody>
+          <a:bodyPr rtlCol="0" anchor="ctr"/>
+          <a:lstStyle/>
+          <a:p>
+            <a:pPr algn="ctr"/>
+            <a:r>
+              <a:rPr lang="en-IN" dirty="0"/>
+              <a:t>Process Heap</a:t>
+            </a:r>
+          </a:p>
+        </p:txBody>
+      </p:sp>
+      <p:sp>
+        <p:nvSpPr>
+          <p:cNvPr id="14" name="Rectangle 13">
+            <a:extLst>
+              <a:ext uri="{FF2B5EF4-FFF2-40B4-BE49-F238E27FC236}">
+                <a16:creationId xmlns:a16="http://schemas.microsoft.com/office/drawing/2014/main" id="{8F5474E6-5B0E-4CA6-8F4C-FC29E59F2087}"/>
+              </a:ext>
+            </a:extLst>
+          </p:cNvPr>
+          <p:cNvSpPr/>
+          <p:nvPr/>
+        </p:nvSpPr>
+        <p:spPr>
+          <a:xfrm>
+            <a:off x="8097396" y="5056994"/>
+            <a:ext cx="1606609" cy="673246"/>
+          </a:xfrm>
+          <a:prstGeom prst="rect">
+            <a:avLst/>
+          </a:prstGeom>
+        </p:spPr>
+        <p:style>
+          <a:lnRef idx="2">
+            <a:schemeClr val="accent1">
+              <a:shade val="50000"/>
+            </a:schemeClr>
+          </a:lnRef>
+          <a:fillRef idx="1">
+            <a:schemeClr val="accent1"/>
+          </a:fillRef>
+          <a:effectRef idx="0">
+            <a:schemeClr val="accent1"/>
+          </a:effectRef>
+          <a:fontRef idx="minor">
+            <a:schemeClr val="lt1"/>
+          </a:fontRef>
+        </p:style>
+        <p:txBody>
+          <a:bodyPr rtlCol="0" anchor="ctr"/>
+          <a:lstStyle/>
+          <a:p>
+            <a:pPr algn="ctr"/>
+            <a:r>
+              <a:rPr lang="en-IN" dirty="0"/>
+              <a:t>Our Code</a:t>
+            </a:r>
+          </a:p>
+          <a:p>
+            <a:pPr algn="ctr"/>
+            <a:r>
+              <a:rPr lang="en-IN" dirty="0"/>
+              <a:t>Main()</a:t>
+            </a:r>
+          </a:p>
+        </p:txBody>
+      </p:sp>
+      <p:sp>
+        <p:nvSpPr>
+          <p:cNvPr id="15" name="Arrow: Down 14">
+            <a:extLst>
+              <a:ext uri="{FF2B5EF4-FFF2-40B4-BE49-F238E27FC236}">
+                <a16:creationId xmlns:a16="http://schemas.microsoft.com/office/drawing/2014/main" id="{767FB93B-C414-44E2-B796-7E768A3F77F6}"/>
+              </a:ext>
+            </a:extLst>
+          </p:cNvPr>
+          <p:cNvSpPr/>
+          <p:nvPr/>
+        </p:nvSpPr>
+        <p:spPr>
+          <a:xfrm>
+            <a:off x="9325143" y="4721465"/>
+            <a:ext cx="378862" cy="487111"/>
+          </a:xfrm>
+          <a:prstGeom prst="downArrow">
+            <a:avLst/>
+          </a:prstGeom>
+        </p:spPr>
+        <p:style>
+          <a:lnRef idx="2">
+            <a:schemeClr val="accent3">
+              <a:shade val="50000"/>
+            </a:schemeClr>
+          </a:lnRef>
+          <a:fillRef idx="1">
+            <a:schemeClr val="accent3"/>
+          </a:fillRef>
+          <a:effectRef idx="0">
+            <a:schemeClr val="accent3"/>
+          </a:effectRef>
+          <a:fontRef idx="minor">
+            <a:schemeClr val="lt1"/>
+          </a:fontRef>
+        </p:style>
+        <p:txBody>
+          <a:bodyPr rtlCol="0" anchor="ctr"/>
+          <a:lstStyle/>
+          <a:p>
+            <a:pPr algn="ctr"/>
+            <a:endParaRPr lang="en-IN"/>
+          </a:p>
+        </p:txBody>
+      </p:sp>
+    </p:spTree>
+    <p:extLst>
+      <p:ext uri="{BB962C8B-B14F-4D97-AF65-F5344CB8AC3E}">
+        <p14:creationId xmlns:p14="http://schemas.microsoft.com/office/powerpoint/2010/main" val="113629222"/>
+      </p:ext>
+    </p:extLst>
+  </p:cSld>
+  <p:clrMapOvr>
+    <a:masterClrMapping/>
+  </p:clrMapOvr>
+</p:sld>
+</file>
+
+<file path=ppt/slides/slide16.xml><?xml version="1.0" encoding="utf-8"?>
+<p:sld xmlns:a="http://schemas.openxmlformats.org/drawingml/2006/main" xmlns:r="http://schemas.openxmlformats.org/officeDocument/2006/relationships" xmlns:p="http://schemas.openxmlformats.org/presentationml/2006/main">
+  <p:cSld>
+    <p:spTree>
+      <p:nvGrpSpPr>
+        <p:cNvPr id="1" name=""/>
+        <p:cNvGrpSpPr/>
+        <p:nvPr/>
+      </p:nvGrpSpPr>
+      <p:grpSpPr>
+        <a:xfrm>
+          <a:off x="0" y="0"/>
+          <a:ext cx="0" cy="0"/>
+          <a:chOff x="0" y="0"/>
+          <a:chExt cx="0" cy="0"/>
+        </a:xfrm>
+      </p:grpSpPr>
+      <p:sp>
+        <p:nvSpPr>
+          <p:cNvPr id="2" name="Title 1">
+            <a:extLst>
+              <a:ext uri="{FF2B5EF4-FFF2-40B4-BE49-F238E27FC236}">
+                <a16:creationId xmlns:a16="http://schemas.microsoft.com/office/drawing/2014/main" id="{32C05811-0869-423A-A2B2-A530AE171ECD}"/>
               </a:ext>
             </a:extLst>
           </p:cNvPr>
@@ -8862,12 +10333,14 @@
         </p:nvSpPr>
         <p:spPr/>
         <p:txBody>
-          <a:bodyPr/>
-          <a:lstStyle/>
-          <a:p>
-            <a:r>
-              <a:rPr lang="en-IN" dirty="0"/>
-              <a:t>Application 1</a:t>
+          <a:bodyPr>
+            <a:normAutofit/>
+          </a:bodyPr>
+          <a:lstStyle/>
+          <a:p>
+            <a:r>
+              <a:rPr lang="en-IN" sz="3600" dirty="0"/>
+              <a:t>C# Ways to create Data Type- Multi Instance Design</a:t>
             </a:r>
           </a:p>
         </p:txBody>
@@ -8877,7 +10350,7 @@
           <p:cNvPr id="3" name="Content Placeholder 2">
             <a:extLst>
               <a:ext uri="{FF2B5EF4-FFF2-40B4-BE49-F238E27FC236}">
-                <a16:creationId xmlns:a16="http://schemas.microsoft.com/office/drawing/2014/main" id="{6D0758D1-E6FB-4EFA-86AE-FE2C07082C5F}"/>
+                <a16:creationId xmlns:a16="http://schemas.microsoft.com/office/drawing/2014/main" id="{D7A467A2-9DCB-4B9F-8479-E0532A101B20}"/>
               </a:ext>
             </a:extLst>
           </p:cNvPr>
@@ -8893,6 +10366,30 @@
           <a:bodyPr/>
           <a:lstStyle/>
           <a:p>
+            <a:r>
+              <a:rPr lang="en-IN" dirty="0"/>
+              <a:t>Struct</a:t>
+            </a:r>
+          </a:p>
+          <a:p>
+            <a:r>
+              <a:rPr lang="en-IN" dirty="0"/>
+              <a:t>Class </a:t>
+            </a:r>
+          </a:p>
+          <a:p>
+            <a:r>
+              <a:rPr lang="en-IN" dirty="0"/>
+              <a:t>Interface </a:t>
+            </a:r>
+          </a:p>
+          <a:p>
+            <a:r>
+              <a:rPr lang="en-IN" dirty="0"/>
+              <a:t>Delegate</a:t>
+            </a:r>
+          </a:p>
+          <a:p>
             <a:endParaRPr lang="en-IN" dirty="0"/>
           </a:p>
         </p:txBody>
@@ -8900,7 +10397,1384 @@
     </p:spTree>
     <p:extLst>
       <p:ext uri="{BB962C8B-B14F-4D97-AF65-F5344CB8AC3E}">
-        <p14:creationId xmlns:p14="http://schemas.microsoft.com/office/powerpoint/2010/main" val="3233840399"/>
+        <p14:creationId xmlns:p14="http://schemas.microsoft.com/office/powerpoint/2010/main" val="3291086149"/>
+      </p:ext>
+    </p:extLst>
+  </p:cSld>
+  <p:clrMapOvr>
+    <a:masterClrMapping/>
+  </p:clrMapOvr>
+</p:sld>
+</file>
+
+<file path=ppt/slides/slide17.xml><?xml version="1.0" encoding="utf-8"?>
+<p:sld xmlns:a="http://schemas.openxmlformats.org/drawingml/2006/main" xmlns:r="http://schemas.openxmlformats.org/officeDocument/2006/relationships" xmlns:p="http://schemas.openxmlformats.org/presentationml/2006/main">
+  <p:cSld>
+    <p:spTree>
+      <p:nvGrpSpPr>
+        <p:cNvPr id="1" name=""/>
+        <p:cNvGrpSpPr/>
+        <p:nvPr/>
+      </p:nvGrpSpPr>
+      <p:grpSpPr>
+        <a:xfrm>
+          <a:off x="0" y="0"/>
+          <a:ext cx="0" cy="0"/>
+          <a:chOff x="0" y="0"/>
+          <a:chExt cx="0" cy="0"/>
+        </a:xfrm>
+      </p:grpSpPr>
+      <p:sp>
+        <p:nvSpPr>
+          <p:cNvPr id="2" name="Title 1">
+            <a:extLst>
+              <a:ext uri="{FF2B5EF4-FFF2-40B4-BE49-F238E27FC236}">
+                <a16:creationId xmlns:a16="http://schemas.microsoft.com/office/drawing/2014/main" id="{7D3A0FDA-67D6-47C1-ABB4-6E423BF53FF6}"/>
+              </a:ext>
+            </a:extLst>
+          </p:cNvPr>
+          <p:cNvSpPr>
+            <a:spLocks noGrp="1"/>
+          </p:cNvSpPr>
+          <p:nvPr>
+            <p:ph type="title"/>
+          </p:nvPr>
+        </p:nvSpPr>
+        <p:spPr/>
+        <p:txBody>
+          <a:bodyPr>
+            <a:normAutofit/>
+          </a:bodyPr>
+          <a:lstStyle/>
+          <a:p>
+            <a:r>
+              <a:rPr lang="en-IN" sz="4000" dirty="0"/>
+              <a:t>short vs long lived data type</a:t>
+            </a:r>
+          </a:p>
+        </p:txBody>
+      </p:sp>
+      <p:sp>
+        <p:nvSpPr>
+          <p:cNvPr id="3" name="Text Placeholder 2">
+            <a:extLst>
+              <a:ext uri="{FF2B5EF4-FFF2-40B4-BE49-F238E27FC236}">
+                <a16:creationId xmlns:a16="http://schemas.microsoft.com/office/drawing/2014/main" id="{16E71B11-3490-4FA5-B145-8A32905473ED}"/>
+              </a:ext>
+            </a:extLst>
+          </p:cNvPr>
+          <p:cNvSpPr>
+            <a:spLocks noGrp="1"/>
+          </p:cNvSpPr>
+          <p:nvPr>
+            <p:ph type="body" idx="1"/>
+          </p:nvPr>
+        </p:nvSpPr>
+        <p:spPr/>
+        <p:txBody>
+          <a:bodyPr/>
+          <a:lstStyle/>
+          <a:p>
+            <a:r>
+              <a:rPr lang="en-IN" dirty="0"/>
+              <a:t>Short lived data type </a:t>
+            </a:r>
+          </a:p>
+        </p:txBody>
+      </p:sp>
+      <p:sp>
+        <p:nvSpPr>
+          <p:cNvPr id="4" name="Content Placeholder 3">
+            <a:extLst>
+              <a:ext uri="{FF2B5EF4-FFF2-40B4-BE49-F238E27FC236}">
+                <a16:creationId xmlns:a16="http://schemas.microsoft.com/office/drawing/2014/main" id="{21C855E2-E61E-4D31-8131-E3CA574D5647}"/>
+              </a:ext>
+            </a:extLst>
+          </p:cNvPr>
+          <p:cNvSpPr>
+            <a:spLocks noGrp="1"/>
+          </p:cNvSpPr>
+          <p:nvPr>
+            <p:ph sz="half" idx="2"/>
+          </p:nvPr>
+        </p:nvSpPr>
+        <p:spPr/>
+        <p:txBody>
+          <a:bodyPr/>
+          <a:lstStyle/>
+          <a:p>
+            <a:r>
+              <a:rPr lang="en-IN" dirty="0"/>
+              <a:t>Created on stack </a:t>
+            </a:r>
+          </a:p>
+          <a:p>
+            <a:r>
+              <a:rPr lang="en-IN" dirty="0"/>
+              <a:t>These are passed by value </a:t>
+            </a:r>
+          </a:p>
+          <a:p>
+            <a:r>
+              <a:rPr lang="en-IN" dirty="0"/>
+              <a:t>Ex: </a:t>
+            </a:r>
+          </a:p>
+          <a:p>
+            <a:pPr lvl="1"/>
+            <a:r>
+              <a:rPr lang="en-IN" dirty="0"/>
+              <a:t>Int, double, </a:t>
+            </a:r>
+          </a:p>
+        </p:txBody>
+      </p:sp>
+      <p:sp>
+        <p:nvSpPr>
+          <p:cNvPr id="5" name="Text Placeholder 4">
+            <a:extLst>
+              <a:ext uri="{FF2B5EF4-FFF2-40B4-BE49-F238E27FC236}">
+                <a16:creationId xmlns:a16="http://schemas.microsoft.com/office/drawing/2014/main" id="{7E80E9C5-A841-43BD-9CD2-2CA2CBB1C340}"/>
+              </a:ext>
+            </a:extLst>
+          </p:cNvPr>
+          <p:cNvSpPr>
+            <a:spLocks noGrp="1"/>
+          </p:cNvSpPr>
+          <p:nvPr>
+            <p:ph type="body" sz="quarter" idx="3"/>
+          </p:nvPr>
+        </p:nvSpPr>
+        <p:spPr/>
+        <p:txBody>
+          <a:bodyPr/>
+          <a:lstStyle/>
+          <a:p>
+            <a:r>
+              <a:rPr lang="en-IN" dirty="0"/>
+              <a:t>Long lived data type </a:t>
+            </a:r>
+          </a:p>
+        </p:txBody>
+      </p:sp>
+      <p:sp>
+        <p:nvSpPr>
+          <p:cNvPr id="6" name="Content Placeholder 5">
+            <a:extLst>
+              <a:ext uri="{FF2B5EF4-FFF2-40B4-BE49-F238E27FC236}">
+                <a16:creationId xmlns:a16="http://schemas.microsoft.com/office/drawing/2014/main" id="{E4F27235-9E80-49EC-91AA-D6DF627158FA}"/>
+              </a:ext>
+            </a:extLst>
+          </p:cNvPr>
+          <p:cNvSpPr>
+            <a:spLocks noGrp="1"/>
+          </p:cNvSpPr>
+          <p:nvPr>
+            <p:ph sz="quarter" idx="4"/>
+          </p:nvPr>
+        </p:nvSpPr>
+        <p:spPr/>
+        <p:txBody>
+          <a:bodyPr/>
+          <a:lstStyle/>
+          <a:p>
+            <a:r>
+              <a:rPr lang="en-IN" dirty="0"/>
+              <a:t>Created on heap </a:t>
+            </a:r>
+          </a:p>
+          <a:p>
+            <a:r>
+              <a:rPr lang="en-IN" dirty="0"/>
+              <a:t>These are passed by reference</a:t>
+            </a:r>
+          </a:p>
+          <a:p>
+            <a:r>
+              <a:rPr lang="en-IN" dirty="0"/>
+              <a:t>Ex: </a:t>
+            </a:r>
+          </a:p>
+          <a:p>
+            <a:pPr lvl="1"/>
+            <a:r>
+              <a:rPr lang="en-IN" dirty="0"/>
+              <a:t>String -&gt; internally array of char </a:t>
+            </a:r>
+          </a:p>
+          <a:p>
+            <a:pPr lvl="1"/>
+            <a:r>
+              <a:rPr lang="en-IN" dirty="0"/>
+              <a:t>Array </a:t>
+            </a:r>
+          </a:p>
+        </p:txBody>
+      </p:sp>
+    </p:spTree>
+    <p:extLst>
+      <p:ext uri="{BB962C8B-B14F-4D97-AF65-F5344CB8AC3E}">
+        <p14:creationId xmlns:p14="http://schemas.microsoft.com/office/powerpoint/2010/main" val="104626158"/>
+      </p:ext>
+    </p:extLst>
+  </p:cSld>
+  <p:clrMapOvr>
+    <a:masterClrMapping/>
+  </p:clrMapOvr>
+</p:sld>
+</file>
+
+<file path=ppt/slides/slide18.xml><?xml version="1.0" encoding="utf-8"?>
+<p:sld xmlns:a="http://schemas.openxmlformats.org/drawingml/2006/main" xmlns:r="http://schemas.openxmlformats.org/officeDocument/2006/relationships" xmlns:p="http://schemas.openxmlformats.org/presentationml/2006/main">
+  <p:cSld>
+    <p:spTree>
+      <p:nvGrpSpPr>
+        <p:cNvPr id="1" name=""/>
+        <p:cNvGrpSpPr/>
+        <p:nvPr/>
+      </p:nvGrpSpPr>
+      <p:grpSpPr>
+        <a:xfrm>
+          <a:off x="0" y="0"/>
+          <a:ext cx="0" cy="0"/>
+          <a:chOff x="0" y="0"/>
+          <a:chExt cx="0" cy="0"/>
+        </a:xfrm>
+      </p:grpSpPr>
+      <p:sp>
+        <p:nvSpPr>
+          <p:cNvPr id="2" name="Title 1">
+            <a:extLst>
+              <a:ext uri="{FF2B5EF4-FFF2-40B4-BE49-F238E27FC236}">
+                <a16:creationId xmlns:a16="http://schemas.microsoft.com/office/drawing/2014/main" id="{7D3A0FDA-67D6-47C1-ABB4-6E423BF53FF6}"/>
+              </a:ext>
+            </a:extLst>
+          </p:cNvPr>
+          <p:cNvSpPr>
+            <a:spLocks noGrp="1"/>
+          </p:cNvSpPr>
+          <p:nvPr>
+            <p:ph type="title"/>
+          </p:nvPr>
+        </p:nvSpPr>
+        <p:spPr/>
+        <p:txBody>
+          <a:bodyPr>
+            <a:normAutofit/>
+          </a:bodyPr>
+          <a:lstStyle/>
+          <a:p>
+            <a:r>
+              <a:rPr lang="en-IN" sz="4000" dirty="0"/>
+              <a:t>stack vs heap</a:t>
+            </a:r>
+          </a:p>
+        </p:txBody>
+      </p:sp>
+      <p:sp>
+        <p:nvSpPr>
+          <p:cNvPr id="3" name="Text Placeholder 2">
+            <a:extLst>
+              <a:ext uri="{FF2B5EF4-FFF2-40B4-BE49-F238E27FC236}">
+                <a16:creationId xmlns:a16="http://schemas.microsoft.com/office/drawing/2014/main" id="{16E71B11-3490-4FA5-B145-8A32905473ED}"/>
+              </a:ext>
+            </a:extLst>
+          </p:cNvPr>
+          <p:cNvSpPr>
+            <a:spLocks noGrp="1"/>
+          </p:cNvSpPr>
+          <p:nvPr>
+            <p:ph type="body" idx="1"/>
+          </p:nvPr>
+        </p:nvSpPr>
+        <p:spPr/>
+        <p:txBody>
+          <a:bodyPr/>
+          <a:lstStyle/>
+          <a:p>
+            <a:r>
+              <a:rPr lang="en-IN" dirty="0"/>
+              <a:t>Stack</a:t>
+            </a:r>
+          </a:p>
+        </p:txBody>
+      </p:sp>
+      <p:sp>
+        <p:nvSpPr>
+          <p:cNvPr id="4" name="Content Placeholder 3">
+            <a:extLst>
+              <a:ext uri="{FF2B5EF4-FFF2-40B4-BE49-F238E27FC236}">
+                <a16:creationId xmlns:a16="http://schemas.microsoft.com/office/drawing/2014/main" id="{21C855E2-E61E-4D31-8131-E3CA574D5647}"/>
+              </a:ext>
+            </a:extLst>
+          </p:cNvPr>
+          <p:cNvSpPr>
+            <a:spLocks noGrp="1"/>
+          </p:cNvSpPr>
+          <p:nvPr>
+            <p:ph sz="half" idx="2"/>
+          </p:nvPr>
+        </p:nvSpPr>
+        <p:spPr/>
+        <p:txBody>
+          <a:bodyPr/>
+          <a:lstStyle/>
+          <a:p>
+            <a:r>
+              <a:rPr lang="en-IN" dirty="0"/>
+              <a:t>Stack allocation and deallocation is very fast </a:t>
+            </a:r>
+          </a:p>
+          <a:p>
+            <a:r>
+              <a:rPr lang="en-IN" dirty="0"/>
+              <a:t>Ex: </a:t>
+            </a:r>
+          </a:p>
+          <a:p>
+            <a:pPr lvl="1"/>
+            <a:r>
+              <a:rPr lang="en-IN" dirty="0"/>
+              <a:t>Int, double, </a:t>
+            </a:r>
+          </a:p>
+        </p:txBody>
+      </p:sp>
+      <p:sp>
+        <p:nvSpPr>
+          <p:cNvPr id="5" name="Text Placeholder 4">
+            <a:extLst>
+              <a:ext uri="{FF2B5EF4-FFF2-40B4-BE49-F238E27FC236}">
+                <a16:creationId xmlns:a16="http://schemas.microsoft.com/office/drawing/2014/main" id="{7E80E9C5-A841-43BD-9CD2-2CA2CBB1C340}"/>
+              </a:ext>
+            </a:extLst>
+          </p:cNvPr>
+          <p:cNvSpPr>
+            <a:spLocks noGrp="1"/>
+          </p:cNvSpPr>
+          <p:nvPr>
+            <p:ph type="body" sz="quarter" idx="3"/>
+          </p:nvPr>
+        </p:nvSpPr>
+        <p:spPr/>
+        <p:txBody>
+          <a:bodyPr/>
+          <a:lstStyle/>
+          <a:p>
+            <a:r>
+              <a:rPr lang="en-IN" dirty="0"/>
+              <a:t>Heap</a:t>
+            </a:r>
+          </a:p>
+        </p:txBody>
+      </p:sp>
+      <p:sp>
+        <p:nvSpPr>
+          <p:cNvPr id="6" name="Content Placeholder 5">
+            <a:extLst>
+              <a:ext uri="{FF2B5EF4-FFF2-40B4-BE49-F238E27FC236}">
+                <a16:creationId xmlns:a16="http://schemas.microsoft.com/office/drawing/2014/main" id="{E4F27235-9E80-49EC-91AA-D6DF627158FA}"/>
+              </a:ext>
+            </a:extLst>
+          </p:cNvPr>
+          <p:cNvSpPr>
+            <a:spLocks noGrp="1"/>
+          </p:cNvSpPr>
+          <p:nvPr>
+            <p:ph sz="quarter" idx="4"/>
+          </p:nvPr>
+        </p:nvSpPr>
+        <p:spPr/>
+        <p:txBody>
+          <a:bodyPr/>
+          <a:lstStyle/>
+          <a:p>
+            <a:r>
+              <a:rPr lang="en-IN" dirty="0"/>
+              <a:t>Allocation Is fast but de allocation takes time</a:t>
+            </a:r>
+          </a:p>
+          <a:p>
+            <a:r>
+              <a:rPr lang="en-IN" dirty="0"/>
+              <a:t>Ex: </a:t>
+            </a:r>
+          </a:p>
+          <a:p>
+            <a:pPr lvl="1"/>
+            <a:r>
+              <a:rPr lang="en-IN" dirty="0"/>
+              <a:t>String -&gt; internally array of char </a:t>
+            </a:r>
+          </a:p>
+          <a:p>
+            <a:pPr lvl="1"/>
+            <a:r>
+              <a:rPr lang="en-IN" dirty="0"/>
+              <a:t>Array </a:t>
+            </a:r>
+          </a:p>
+        </p:txBody>
+      </p:sp>
+    </p:spTree>
+    <p:extLst>
+      <p:ext uri="{BB962C8B-B14F-4D97-AF65-F5344CB8AC3E}">
+        <p14:creationId xmlns:p14="http://schemas.microsoft.com/office/powerpoint/2010/main" val="174724157"/>
+      </p:ext>
+    </p:extLst>
+  </p:cSld>
+  <p:clrMapOvr>
+    <a:masterClrMapping/>
+  </p:clrMapOvr>
+</p:sld>
+</file>
+
+<file path=ppt/slides/slide19.xml><?xml version="1.0" encoding="utf-8"?>
+<p:sld xmlns:a="http://schemas.openxmlformats.org/drawingml/2006/main" xmlns:r="http://schemas.openxmlformats.org/officeDocument/2006/relationships" xmlns:p="http://schemas.openxmlformats.org/presentationml/2006/main">
+  <p:cSld>
+    <p:spTree>
+      <p:nvGrpSpPr>
+        <p:cNvPr id="1" name=""/>
+        <p:cNvGrpSpPr/>
+        <p:nvPr/>
+      </p:nvGrpSpPr>
+      <p:grpSpPr>
+        <a:xfrm>
+          <a:off x="0" y="0"/>
+          <a:ext cx="0" cy="0"/>
+          <a:chOff x="0" y="0"/>
+          <a:chExt cx="0" cy="0"/>
+        </a:xfrm>
+      </p:grpSpPr>
+      <p:sp>
+        <p:nvSpPr>
+          <p:cNvPr id="2" name="Title 1">
+            <a:extLst>
+              <a:ext uri="{FF2B5EF4-FFF2-40B4-BE49-F238E27FC236}">
+                <a16:creationId xmlns:a16="http://schemas.microsoft.com/office/drawing/2014/main" id="{96B14ED9-2F19-4107-8E7C-3D1EEDF0DFB5}"/>
+              </a:ext>
+            </a:extLst>
+          </p:cNvPr>
+          <p:cNvSpPr>
+            <a:spLocks noGrp="1"/>
+          </p:cNvSpPr>
+          <p:nvPr>
+            <p:ph type="title"/>
+          </p:nvPr>
+        </p:nvSpPr>
+        <p:spPr/>
+        <p:txBody>
+          <a:bodyPr/>
+          <a:lstStyle/>
+          <a:p>
+            <a:r>
+              <a:rPr lang="en-IN" dirty="0"/>
+              <a:t>Struct Vs Class </a:t>
+            </a:r>
+          </a:p>
+        </p:txBody>
+      </p:sp>
+      <p:sp>
+        <p:nvSpPr>
+          <p:cNvPr id="3" name="Text Placeholder 2">
+            <a:extLst>
+              <a:ext uri="{FF2B5EF4-FFF2-40B4-BE49-F238E27FC236}">
+                <a16:creationId xmlns:a16="http://schemas.microsoft.com/office/drawing/2014/main" id="{170148CB-4427-4346-B4D2-A650DB95489B}"/>
+              </a:ext>
+            </a:extLst>
+          </p:cNvPr>
+          <p:cNvSpPr>
+            <a:spLocks noGrp="1"/>
+          </p:cNvSpPr>
+          <p:nvPr>
+            <p:ph type="body" idx="1"/>
+          </p:nvPr>
+        </p:nvSpPr>
+        <p:spPr/>
+        <p:txBody>
+          <a:bodyPr/>
+          <a:lstStyle/>
+          <a:p>
+            <a:r>
+              <a:rPr lang="en-IN" dirty="0"/>
+              <a:t>struct</a:t>
+            </a:r>
+          </a:p>
+        </p:txBody>
+      </p:sp>
+      <p:sp>
+        <p:nvSpPr>
+          <p:cNvPr id="4" name="Content Placeholder 3">
+            <a:extLst>
+              <a:ext uri="{FF2B5EF4-FFF2-40B4-BE49-F238E27FC236}">
+                <a16:creationId xmlns:a16="http://schemas.microsoft.com/office/drawing/2014/main" id="{7A311D0C-8541-4CBF-ACAE-8BC9CBA2D3B9}"/>
+              </a:ext>
+            </a:extLst>
+          </p:cNvPr>
+          <p:cNvSpPr>
+            <a:spLocks noGrp="1"/>
+          </p:cNvSpPr>
+          <p:nvPr>
+            <p:ph sz="half" idx="2"/>
+          </p:nvPr>
+        </p:nvSpPr>
+        <p:spPr/>
+        <p:txBody>
+          <a:bodyPr>
+            <a:normAutofit/>
+          </a:bodyPr>
+          <a:lstStyle/>
+          <a:p>
+            <a:r>
+              <a:rPr lang="en-IN" dirty="0"/>
+              <a:t>They are on stack </a:t>
+            </a:r>
+          </a:p>
+          <a:p>
+            <a:r>
+              <a:rPr lang="en-IN" dirty="0"/>
+              <a:t>Value type</a:t>
+            </a:r>
+          </a:p>
+          <a:p>
+            <a:r>
+              <a:rPr lang="en-IN" dirty="0"/>
+              <a:t>Ex</a:t>
+            </a:r>
+          </a:p>
+        </p:txBody>
+      </p:sp>
+      <p:sp>
+        <p:nvSpPr>
+          <p:cNvPr id="5" name="Text Placeholder 4">
+            <a:extLst>
+              <a:ext uri="{FF2B5EF4-FFF2-40B4-BE49-F238E27FC236}">
+                <a16:creationId xmlns:a16="http://schemas.microsoft.com/office/drawing/2014/main" id="{A2494DF5-EDE3-4AB2-9203-2610845F1B19}"/>
+              </a:ext>
+            </a:extLst>
+          </p:cNvPr>
+          <p:cNvSpPr>
+            <a:spLocks noGrp="1"/>
+          </p:cNvSpPr>
+          <p:nvPr>
+            <p:ph type="body" sz="quarter" idx="3"/>
+          </p:nvPr>
+        </p:nvSpPr>
+        <p:spPr/>
+        <p:txBody>
+          <a:bodyPr/>
+          <a:lstStyle/>
+          <a:p>
+            <a:r>
+              <a:rPr lang="en-IN" dirty="0"/>
+              <a:t>class</a:t>
+            </a:r>
+          </a:p>
+        </p:txBody>
+      </p:sp>
+      <p:sp>
+        <p:nvSpPr>
+          <p:cNvPr id="6" name="Content Placeholder 5">
+            <a:extLst>
+              <a:ext uri="{FF2B5EF4-FFF2-40B4-BE49-F238E27FC236}">
+                <a16:creationId xmlns:a16="http://schemas.microsoft.com/office/drawing/2014/main" id="{9D72F5D7-DFAA-45E6-8C89-8D92EF1B4569}"/>
+              </a:ext>
+            </a:extLst>
+          </p:cNvPr>
+          <p:cNvSpPr>
+            <a:spLocks noGrp="1"/>
+          </p:cNvSpPr>
+          <p:nvPr>
+            <p:ph sz="quarter" idx="4"/>
+          </p:nvPr>
+        </p:nvSpPr>
+        <p:spPr>
+          <a:xfrm>
+            <a:off x="6172200" y="2505074"/>
+            <a:ext cx="6362700" cy="4873625"/>
+          </a:xfrm>
+        </p:spPr>
+        <p:txBody>
+          <a:bodyPr>
+            <a:normAutofit/>
+          </a:bodyPr>
+          <a:lstStyle/>
+          <a:p>
+            <a:r>
+              <a:rPr lang="en-IN" dirty="0"/>
+              <a:t>They are on heap </a:t>
+            </a:r>
+          </a:p>
+          <a:p>
+            <a:r>
+              <a:rPr lang="en-IN" dirty="0"/>
+              <a:t>Reference type </a:t>
+            </a:r>
+          </a:p>
+          <a:p>
+            <a:r>
+              <a:rPr lang="en-IN" dirty="0"/>
+              <a:t>Ex</a:t>
+            </a:r>
+          </a:p>
+        </p:txBody>
+      </p:sp>
+      <p:sp>
+        <p:nvSpPr>
+          <p:cNvPr id="7" name="Rectangle 6">
+            <a:extLst>
+              <a:ext uri="{FF2B5EF4-FFF2-40B4-BE49-F238E27FC236}">
+                <a16:creationId xmlns:a16="http://schemas.microsoft.com/office/drawing/2014/main" id="{AFB0C7CF-761D-4CEA-A3CC-34AA36B13174}"/>
+              </a:ext>
+            </a:extLst>
+          </p:cNvPr>
+          <p:cNvSpPr/>
+          <p:nvPr/>
+        </p:nvSpPr>
+        <p:spPr>
+          <a:xfrm>
+            <a:off x="7410450" y="4147740"/>
+            <a:ext cx="7600950" cy="3693319"/>
+          </a:xfrm>
+          <a:prstGeom prst="rect">
+            <a:avLst/>
+          </a:prstGeom>
+        </p:spPr>
+        <p:txBody>
+          <a:bodyPr wrap="square">
+            <a:spAutoFit/>
+          </a:bodyPr>
+          <a:lstStyle/>
+          <a:p>
+            <a:r>
+              <a:rPr lang="en-IN" dirty="0">
+                <a:solidFill>
+                  <a:srgbClr val="0000FF"/>
+                </a:solidFill>
+                <a:latin typeface="Consolas" panose="020B0609020204030204" pitchFamily="49" charset="0"/>
+              </a:rPr>
+              <a:t>class</a:t>
+            </a:r>
+            <a:r>
+              <a:rPr lang="en-IN" dirty="0">
+                <a:solidFill>
+                  <a:srgbClr val="000000"/>
+                </a:solidFill>
+                <a:latin typeface="Consolas" panose="020B0609020204030204" pitchFamily="49" charset="0"/>
+              </a:rPr>
+              <a:t> </a:t>
+            </a:r>
+            <a:r>
+              <a:rPr lang="en-IN" dirty="0" err="1">
+                <a:solidFill>
+                  <a:srgbClr val="2B91AF"/>
+                </a:solidFill>
+                <a:latin typeface="Consolas" panose="020B0609020204030204" pitchFamily="49" charset="0"/>
+              </a:rPr>
+              <a:t>SampleClass</a:t>
+            </a:r>
+            <a:r>
+              <a:rPr lang="en-IN" dirty="0">
+                <a:solidFill>
+                  <a:srgbClr val="2B91AF"/>
+                </a:solidFill>
+                <a:latin typeface="Consolas" panose="020B0609020204030204" pitchFamily="49" charset="0"/>
+              </a:rPr>
+              <a:t> </a:t>
+            </a:r>
+            <a:r>
+              <a:rPr lang="en-IN" dirty="0">
+                <a:solidFill>
+                  <a:srgbClr val="008000"/>
+                </a:solidFill>
+                <a:latin typeface="Consolas" panose="020B0609020204030204" pitchFamily="49" charset="0"/>
+              </a:rPr>
+              <a:t>// reference type </a:t>
+            </a:r>
+            <a:endParaRPr lang="en-IN" dirty="0">
+              <a:solidFill>
+                <a:srgbClr val="000000"/>
+              </a:solidFill>
+              <a:latin typeface="Consolas" panose="020B0609020204030204" pitchFamily="49" charset="0"/>
+            </a:endParaRPr>
+          </a:p>
+          <a:p>
+            <a:r>
+              <a:rPr lang="en-IN" dirty="0">
+                <a:solidFill>
+                  <a:srgbClr val="000000"/>
+                </a:solidFill>
+                <a:latin typeface="Consolas" panose="020B0609020204030204" pitchFamily="49" charset="0"/>
+              </a:rPr>
+              <a:t>{</a:t>
+            </a:r>
+          </a:p>
+          <a:p>
+            <a:r>
+              <a:rPr lang="en-IN" dirty="0">
+                <a:solidFill>
+                  <a:srgbClr val="000000"/>
+                </a:solidFill>
+                <a:latin typeface="Consolas" panose="020B0609020204030204" pitchFamily="49" charset="0"/>
+              </a:rPr>
+              <a:t>    </a:t>
+            </a:r>
+            <a:r>
+              <a:rPr lang="en-IN" dirty="0">
+                <a:solidFill>
+                  <a:srgbClr val="0000FF"/>
+                </a:solidFill>
+                <a:latin typeface="Consolas" panose="020B0609020204030204" pitchFamily="49" charset="0"/>
+              </a:rPr>
+              <a:t>int</a:t>
+            </a:r>
+            <a:r>
+              <a:rPr lang="en-IN" dirty="0">
+                <a:solidFill>
+                  <a:srgbClr val="000000"/>
+                </a:solidFill>
+                <a:latin typeface="Consolas" panose="020B0609020204030204" pitchFamily="49" charset="0"/>
+              </a:rPr>
+              <a:t> x, y; </a:t>
+            </a:r>
+            <a:r>
+              <a:rPr lang="en-IN" dirty="0">
+                <a:solidFill>
+                  <a:srgbClr val="008000"/>
+                </a:solidFill>
+                <a:latin typeface="Consolas" panose="020B0609020204030204" pitchFamily="49" charset="0"/>
+              </a:rPr>
+              <a:t>// reference type </a:t>
+            </a:r>
+            <a:endParaRPr lang="en-IN" dirty="0">
+              <a:solidFill>
+                <a:srgbClr val="000000"/>
+              </a:solidFill>
+              <a:latin typeface="Consolas" panose="020B0609020204030204" pitchFamily="49" charset="0"/>
+            </a:endParaRPr>
+          </a:p>
+          <a:p>
+            <a:r>
+              <a:rPr lang="en-IN" dirty="0">
+                <a:solidFill>
+                  <a:srgbClr val="000000"/>
+                </a:solidFill>
+                <a:latin typeface="Consolas" panose="020B0609020204030204" pitchFamily="49" charset="0"/>
+              </a:rPr>
+              <a:t>}</a:t>
+            </a:r>
+          </a:p>
+          <a:p>
+            <a:endParaRPr lang="en-IN" dirty="0">
+              <a:solidFill>
+                <a:srgbClr val="000000"/>
+              </a:solidFill>
+              <a:latin typeface="Consolas" panose="020B0609020204030204" pitchFamily="49" charset="0"/>
+            </a:endParaRPr>
+          </a:p>
+          <a:p>
+            <a:r>
+              <a:rPr lang="en-IN" dirty="0">
+                <a:solidFill>
+                  <a:srgbClr val="0000FF"/>
+                </a:solidFill>
+                <a:latin typeface="Consolas" panose="020B0609020204030204" pitchFamily="49" charset="0"/>
+              </a:rPr>
+              <a:t>class</a:t>
+            </a:r>
+            <a:r>
+              <a:rPr lang="en-IN" dirty="0">
+                <a:solidFill>
+                  <a:srgbClr val="000000"/>
+                </a:solidFill>
+                <a:latin typeface="Consolas" panose="020B0609020204030204" pitchFamily="49" charset="0"/>
+              </a:rPr>
+              <a:t> </a:t>
+            </a:r>
+            <a:r>
+              <a:rPr lang="en-IN" dirty="0">
+                <a:solidFill>
+                  <a:srgbClr val="2B91AF"/>
+                </a:solidFill>
+                <a:latin typeface="Consolas" panose="020B0609020204030204" pitchFamily="49" charset="0"/>
+              </a:rPr>
+              <a:t>Program1</a:t>
+            </a:r>
+            <a:endParaRPr lang="en-IN" dirty="0">
+              <a:solidFill>
+                <a:srgbClr val="000000"/>
+              </a:solidFill>
+              <a:latin typeface="Consolas" panose="020B0609020204030204" pitchFamily="49" charset="0"/>
+            </a:endParaRPr>
+          </a:p>
+          <a:p>
+            <a:r>
+              <a:rPr lang="en-IN" dirty="0">
+                <a:solidFill>
+                  <a:srgbClr val="000000"/>
+                </a:solidFill>
+                <a:latin typeface="Consolas" panose="020B0609020204030204" pitchFamily="49" charset="0"/>
+              </a:rPr>
+              <a:t>{</a:t>
+            </a:r>
+          </a:p>
+          <a:p>
+            <a:r>
+              <a:rPr lang="en-IN" dirty="0">
+                <a:solidFill>
+                  <a:srgbClr val="000000"/>
+                </a:solidFill>
+                <a:latin typeface="Consolas" panose="020B0609020204030204" pitchFamily="49" charset="0"/>
+              </a:rPr>
+              <a:t>    </a:t>
+            </a:r>
+            <a:r>
+              <a:rPr lang="en-IN" dirty="0">
+                <a:solidFill>
+                  <a:srgbClr val="0000FF"/>
+                </a:solidFill>
+                <a:latin typeface="Consolas" panose="020B0609020204030204" pitchFamily="49" charset="0"/>
+              </a:rPr>
+              <a:t>static</a:t>
+            </a:r>
+            <a:r>
+              <a:rPr lang="en-IN" dirty="0">
+                <a:solidFill>
+                  <a:srgbClr val="000000"/>
+                </a:solidFill>
+                <a:latin typeface="Consolas" panose="020B0609020204030204" pitchFamily="49" charset="0"/>
+              </a:rPr>
+              <a:t> </a:t>
+            </a:r>
+            <a:r>
+              <a:rPr lang="en-IN" dirty="0">
+                <a:solidFill>
+                  <a:srgbClr val="0000FF"/>
+                </a:solidFill>
+                <a:latin typeface="Consolas" panose="020B0609020204030204" pitchFamily="49" charset="0"/>
+              </a:rPr>
+              <a:t>void</a:t>
+            </a:r>
+            <a:r>
+              <a:rPr lang="en-IN" dirty="0">
+                <a:solidFill>
+                  <a:srgbClr val="000000"/>
+                </a:solidFill>
+                <a:latin typeface="Consolas" panose="020B0609020204030204" pitchFamily="49" charset="0"/>
+              </a:rPr>
+              <a:t> Main()</a:t>
+            </a:r>
+          </a:p>
+          <a:p>
+            <a:r>
+              <a:rPr lang="en-IN" dirty="0">
+                <a:solidFill>
+                  <a:srgbClr val="000000"/>
+                </a:solidFill>
+                <a:latin typeface="Consolas" panose="020B0609020204030204" pitchFamily="49" charset="0"/>
+              </a:rPr>
+              <a:t>    {</a:t>
+            </a:r>
+          </a:p>
+          <a:p>
+            <a:r>
+              <a:rPr lang="en-IN" dirty="0">
+                <a:solidFill>
+                  <a:srgbClr val="000000"/>
+                </a:solidFill>
+                <a:latin typeface="Consolas" panose="020B0609020204030204" pitchFamily="49" charset="0"/>
+              </a:rPr>
+              <a:t>        </a:t>
+            </a:r>
+            <a:r>
+              <a:rPr lang="en-IN" dirty="0" err="1">
+                <a:solidFill>
+                  <a:srgbClr val="000000"/>
+                </a:solidFill>
+                <a:latin typeface="Consolas" panose="020B0609020204030204" pitchFamily="49" charset="0"/>
+              </a:rPr>
+              <a:t>SampleClass</a:t>
+            </a:r>
+            <a:r>
+              <a:rPr lang="en-IN" dirty="0">
+                <a:solidFill>
+                  <a:srgbClr val="000000"/>
+                </a:solidFill>
+                <a:latin typeface="Consolas" panose="020B0609020204030204" pitchFamily="49" charset="0"/>
+              </a:rPr>
+              <a:t> </a:t>
+            </a:r>
+            <a:r>
+              <a:rPr lang="en-IN" dirty="0" err="1">
+                <a:solidFill>
+                  <a:srgbClr val="000000"/>
+                </a:solidFill>
+                <a:latin typeface="Consolas" panose="020B0609020204030204" pitchFamily="49" charset="0"/>
+              </a:rPr>
+              <a:t>sampleClass</a:t>
+            </a:r>
+            <a:r>
+              <a:rPr lang="en-IN" dirty="0">
+                <a:solidFill>
+                  <a:srgbClr val="000000"/>
+                </a:solidFill>
+                <a:latin typeface="Consolas" panose="020B0609020204030204" pitchFamily="49" charset="0"/>
+              </a:rPr>
+              <a:t> = </a:t>
+            </a:r>
+            <a:r>
+              <a:rPr lang="en-IN" dirty="0">
+                <a:solidFill>
+                  <a:srgbClr val="0000FF"/>
+                </a:solidFill>
+                <a:latin typeface="Consolas" panose="020B0609020204030204" pitchFamily="49" charset="0"/>
+              </a:rPr>
+              <a:t>new</a:t>
+            </a:r>
+            <a:r>
+              <a:rPr lang="en-IN" dirty="0">
+                <a:solidFill>
+                  <a:srgbClr val="000000"/>
+                </a:solidFill>
+                <a:latin typeface="Consolas" panose="020B0609020204030204" pitchFamily="49" charset="0"/>
+              </a:rPr>
+              <a:t> </a:t>
+            </a:r>
+            <a:r>
+              <a:rPr lang="en-IN" dirty="0" err="1">
+                <a:solidFill>
+                  <a:srgbClr val="000000"/>
+                </a:solidFill>
+                <a:latin typeface="Consolas" panose="020B0609020204030204" pitchFamily="49" charset="0"/>
+              </a:rPr>
+              <a:t>SampleClass</a:t>
+            </a:r>
+            <a:r>
+              <a:rPr lang="en-IN" dirty="0">
+                <a:solidFill>
+                  <a:srgbClr val="000000"/>
+                </a:solidFill>
+                <a:latin typeface="Consolas" panose="020B0609020204030204" pitchFamily="49" charset="0"/>
+              </a:rPr>
+              <a:t>();</a:t>
+            </a:r>
+          </a:p>
+          <a:p>
+            <a:r>
+              <a:rPr lang="en-IN" dirty="0">
+                <a:solidFill>
+                  <a:srgbClr val="000000"/>
+                </a:solidFill>
+                <a:latin typeface="Consolas" panose="020B0609020204030204" pitchFamily="49" charset="0"/>
+              </a:rPr>
+              <a:t>	// new creates an object on the heap </a:t>
+            </a:r>
+          </a:p>
+          <a:p>
+            <a:r>
+              <a:rPr lang="en-IN" dirty="0">
+                <a:solidFill>
+                  <a:srgbClr val="000000"/>
+                </a:solidFill>
+                <a:latin typeface="Consolas" panose="020B0609020204030204" pitchFamily="49" charset="0"/>
+              </a:rPr>
+              <a:t>    }</a:t>
+            </a:r>
+          </a:p>
+          <a:p>
+            <a:r>
+              <a:rPr lang="en-IN" dirty="0">
+                <a:solidFill>
+                  <a:srgbClr val="000000"/>
+                </a:solidFill>
+                <a:latin typeface="Consolas" panose="020B0609020204030204" pitchFamily="49" charset="0"/>
+              </a:rPr>
+              <a:t>}</a:t>
+            </a:r>
+            <a:endParaRPr lang="en-IN" dirty="0"/>
+          </a:p>
+        </p:txBody>
+      </p:sp>
+      <p:sp>
+        <p:nvSpPr>
+          <p:cNvPr id="8" name="Rectangle 7">
+            <a:extLst>
+              <a:ext uri="{FF2B5EF4-FFF2-40B4-BE49-F238E27FC236}">
+                <a16:creationId xmlns:a16="http://schemas.microsoft.com/office/drawing/2014/main" id="{1CE61CFC-6226-4B48-BA06-28637EA2D841}"/>
+              </a:ext>
+            </a:extLst>
+          </p:cNvPr>
+          <p:cNvSpPr/>
+          <p:nvPr/>
+        </p:nvSpPr>
+        <p:spPr>
+          <a:xfrm>
+            <a:off x="0" y="4147740"/>
+            <a:ext cx="7600950" cy="3693319"/>
+          </a:xfrm>
+          <a:prstGeom prst="rect">
+            <a:avLst/>
+          </a:prstGeom>
+        </p:spPr>
+        <p:txBody>
+          <a:bodyPr wrap="square">
+            <a:spAutoFit/>
+          </a:bodyPr>
+          <a:lstStyle/>
+          <a:p>
+            <a:r>
+              <a:rPr lang="en-IN" dirty="0">
+                <a:solidFill>
+                  <a:srgbClr val="0000FF"/>
+                </a:solidFill>
+                <a:latin typeface="Consolas" panose="020B0609020204030204" pitchFamily="49" charset="0"/>
+              </a:rPr>
+              <a:t>struct</a:t>
+            </a:r>
+            <a:r>
+              <a:rPr lang="en-IN" dirty="0">
+                <a:solidFill>
+                  <a:srgbClr val="000000"/>
+                </a:solidFill>
+                <a:latin typeface="Consolas" panose="020B0609020204030204" pitchFamily="49" charset="0"/>
+              </a:rPr>
+              <a:t> </a:t>
+            </a:r>
+            <a:r>
+              <a:rPr lang="en-IN" dirty="0" err="1">
+                <a:solidFill>
+                  <a:srgbClr val="2B91AF"/>
+                </a:solidFill>
+                <a:latin typeface="Consolas" panose="020B0609020204030204" pitchFamily="49" charset="0"/>
+              </a:rPr>
+              <a:t>SampleStruct</a:t>
+            </a:r>
+            <a:r>
+              <a:rPr lang="en-IN" dirty="0">
+                <a:solidFill>
+                  <a:srgbClr val="2B91AF"/>
+                </a:solidFill>
+                <a:latin typeface="Consolas" panose="020B0609020204030204" pitchFamily="49" charset="0"/>
+              </a:rPr>
+              <a:t> </a:t>
+            </a:r>
+            <a:r>
+              <a:rPr lang="en-IN" dirty="0">
+                <a:solidFill>
+                  <a:srgbClr val="008000"/>
+                </a:solidFill>
+                <a:latin typeface="Consolas" panose="020B0609020204030204" pitchFamily="49" charset="0"/>
+              </a:rPr>
+              <a:t>// value type </a:t>
+            </a:r>
+            <a:endParaRPr lang="en-IN" dirty="0">
+              <a:solidFill>
+                <a:srgbClr val="000000"/>
+              </a:solidFill>
+              <a:latin typeface="Consolas" panose="020B0609020204030204" pitchFamily="49" charset="0"/>
+            </a:endParaRPr>
+          </a:p>
+          <a:p>
+            <a:r>
+              <a:rPr lang="en-IN" dirty="0">
+                <a:solidFill>
+                  <a:srgbClr val="000000"/>
+                </a:solidFill>
+                <a:latin typeface="Consolas" panose="020B0609020204030204" pitchFamily="49" charset="0"/>
+              </a:rPr>
+              <a:t>{</a:t>
+            </a:r>
+          </a:p>
+          <a:p>
+            <a:r>
+              <a:rPr lang="en-IN" dirty="0">
+                <a:solidFill>
+                  <a:srgbClr val="000000"/>
+                </a:solidFill>
+                <a:latin typeface="Consolas" panose="020B0609020204030204" pitchFamily="49" charset="0"/>
+              </a:rPr>
+              <a:t>    </a:t>
+            </a:r>
+            <a:r>
+              <a:rPr lang="en-IN" dirty="0">
+                <a:solidFill>
+                  <a:srgbClr val="0000FF"/>
+                </a:solidFill>
+                <a:latin typeface="Consolas" panose="020B0609020204030204" pitchFamily="49" charset="0"/>
+              </a:rPr>
+              <a:t>int</a:t>
+            </a:r>
+            <a:r>
+              <a:rPr lang="en-IN" dirty="0">
+                <a:solidFill>
+                  <a:srgbClr val="000000"/>
+                </a:solidFill>
+                <a:latin typeface="Consolas" panose="020B0609020204030204" pitchFamily="49" charset="0"/>
+              </a:rPr>
+              <a:t> x, y; </a:t>
+            </a:r>
+            <a:r>
+              <a:rPr lang="en-IN" dirty="0">
+                <a:solidFill>
+                  <a:srgbClr val="008000"/>
+                </a:solidFill>
+                <a:latin typeface="Consolas" panose="020B0609020204030204" pitchFamily="49" charset="0"/>
+              </a:rPr>
+              <a:t>// instance data members</a:t>
+            </a:r>
+            <a:endParaRPr lang="en-IN" dirty="0">
+              <a:solidFill>
+                <a:srgbClr val="000000"/>
+              </a:solidFill>
+              <a:latin typeface="Consolas" panose="020B0609020204030204" pitchFamily="49" charset="0"/>
+            </a:endParaRPr>
+          </a:p>
+          <a:p>
+            <a:r>
+              <a:rPr lang="en-IN" dirty="0">
+                <a:solidFill>
+                  <a:srgbClr val="000000"/>
+                </a:solidFill>
+                <a:latin typeface="Consolas" panose="020B0609020204030204" pitchFamily="49" charset="0"/>
+              </a:rPr>
+              <a:t>}</a:t>
+            </a:r>
+          </a:p>
+          <a:p>
+            <a:endParaRPr lang="en-IN" dirty="0">
+              <a:solidFill>
+                <a:srgbClr val="000000"/>
+              </a:solidFill>
+              <a:latin typeface="Consolas" panose="020B0609020204030204" pitchFamily="49" charset="0"/>
+            </a:endParaRPr>
+          </a:p>
+          <a:p>
+            <a:r>
+              <a:rPr lang="en-IN" dirty="0">
+                <a:solidFill>
+                  <a:srgbClr val="0000FF"/>
+                </a:solidFill>
+                <a:latin typeface="Consolas" panose="020B0609020204030204" pitchFamily="49" charset="0"/>
+              </a:rPr>
+              <a:t>class</a:t>
+            </a:r>
+            <a:r>
+              <a:rPr lang="en-IN" dirty="0">
+                <a:solidFill>
+                  <a:srgbClr val="000000"/>
+                </a:solidFill>
+                <a:latin typeface="Consolas" panose="020B0609020204030204" pitchFamily="49" charset="0"/>
+              </a:rPr>
+              <a:t> </a:t>
+            </a:r>
+            <a:r>
+              <a:rPr lang="en-IN" dirty="0">
+                <a:solidFill>
+                  <a:srgbClr val="2B91AF"/>
+                </a:solidFill>
+                <a:latin typeface="Consolas" panose="020B0609020204030204" pitchFamily="49" charset="0"/>
+              </a:rPr>
+              <a:t>Program1</a:t>
+            </a:r>
+            <a:endParaRPr lang="en-IN" dirty="0">
+              <a:solidFill>
+                <a:srgbClr val="000000"/>
+              </a:solidFill>
+              <a:latin typeface="Consolas" panose="020B0609020204030204" pitchFamily="49" charset="0"/>
+            </a:endParaRPr>
+          </a:p>
+          <a:p>
+            <a:r>
+              <a:rPr lang="en-IN" dirty="0">
+                <a:solidFill>
+                  <a:srgbClr val="000000"/>
+                </a:solidFill>
+                <a:latin typeface="Consolas" panose="020B0609020204030204" pitchFamily="49" charset="0"/>
+              </a:rPr>
+              <a:t>{</a:t>
+            </a:r>
+          </a:p>
+          <a:p>
+            <a:r>
+              <a:rPr lang="en-IN" dirty="0">
+                <a:solidFill>
+                  <a:srgbClr val="000000"/>
+                </a:solidFill>
+                <a:latin typeface="Consolas" panose="020B0609020204030204" pitchFamily="49" charset="0"/>
+              </a:rPr>
+              <a:t>    </a:t>
+            </a:r>
+            <a:r>
+              <a:rPr lang="en-IN" dirty="0">
+                <a:solidFill>
+                  <a:srgbClr val="0000FF"/>
+                </a:solidFill>
+                <a:latin typeface="Consolas" panose="020B0609020204030204" pitchFamily="49" charset="0"/>
+              </a:rPr>
+              <a:t>static</a:t>
+            </a:r>
+            <a:r>
+              <a:rPr lang="en-IN" dirty="0">
+                <a:solidFill>
+                  <a:srgbClr val="000000"/>
+                </a:solidFill>
+                <a:latin typeface="Consolas" panose="020B0609020204030204" pitchFamily="49" charset="0"/>
+              </a:rPr>
+              <a:t> </a:t>
+            </a:r>
+            <a:r>
+              <a:rPr lang="en-IN" dirty="0">
+                <a:solidFill>
+                  <a:srgbClr val="0000FF"/>
+                </a:solidFill>
+                <a:latin typeface="Consolas" panose="020B0609020204030204" pitchFamily="49" charset="0"/>
+              </a:rPr>
+              <a:t>void</a:t>
+            </a:r>
+            <a:r>
+              <a:rPr lang="en-IN" dirty="0">
+                <a:solidFill>
+                  <a:srgbClr val="000000"/>
+                </a:solidFill>
+                <a:latin typeface="Consolas" panose="020B0609020204030204" pitchFamily="49" charset="0"/>
+              </a:rPr>
+              <a:t> Main()</a:t>
+            </a:r>
+          </a:p>
+          <a:p>
+            <a:r>
+              <a:rPr lang="en-IN" dirty="0">
+                <a:solidFill>
+                  <a:srgbClr val="000000"/>
+                </a:solidFill>
+                <a:latin typeface="Consolas" panose="020B0609020204030204" pitchFamily="49" charset="0"/>
+              </a:rPr>
+              <a:t>    {</a:t>
+            </a:r>
+          </a:p>
+          <a:p>
+            <a:r>
+              <a:rPr lang="en-IN" dirty="0">
+                <a:solidFill>
+                  <a:srgbClr val="000000"/>
+                </a:solidFill>
+                <a:latin typeface="Consolas" panose="020B0609020204030204" pitchFamily="49" charset="0"/>
+              </a:rPr>
+              <a:t>        </a:t>
+            </a:r>
+            <a:r>
+              <a:rPr lang="en-IN" dirty="0" err="1">
+                <a:solidFill>
+                  <a:srgbClr val="000000"/>
+                </a:solidFill>
+                <a:latin typeface="Consolas" panose="020B0609020204030204" pitchFamily="49" charset="0"/>
+              </a:rPr>
+              <a:t>SampleStruct</a:t>
+            </a:r>
+            <a:r>
+              <a:rPr lang="en-IN" dirty="0">
+                <a:solidFill>
+                  <a:srgbClr val="000000"/>
+                </a:solidFill>
+                <a:latin typeface="Consolas" panose="020B0609020204030204" pitchFamily="49" charset="0"/>
+              </a:rPr>
+              <a:t> </a:t>
+            </a:r>
+            <a:r>
+              <a:rPr lang="en-IN" dirty="0" err="1">
+                <a:solidFill>
+                  <a:srgbClr val="000000"/>
+                </a:solidFill>
+                <a:latin typeface="Consolas" panose="020B0609020204030204" pitchFamily="49" charset="0"/>
+              </a:rPr>
+              <a:t>sampleClass</a:t>
+            </a:r>
+            <a:r>
+              <a:rPr lang="en-IN" dirty="0">
+                <a:solidFill>
+                  <a:srgbClr val="000000"/>
+                </a:solidFill>
+                <a:latin typeface="Consolas" panose="020B0609020204030204" pitchFamily="49" charset="0"/>
+              </a:rPr>
+              <a:t> = </a:t>
+            </a:r>
+            <a:r>
+              <a:rPr lang="en-IN" dirty="0">
+                <a:solidFill>
+                  <a:srgbClr val="0000FF"/>
+                </a:solidFill>
+                <a:latin typeface="Consolas" panose="020B0609020204030204" pitchFamily="49" charset="0"/>
+              </a:rPr>
+              <a:t>new</a:t>
+            </a:r>
+            <a:r>
+              <a:rPr lang="en-IN" dirty="0">
+                <a:solidFill>
+                  <a:srgbClr val="000000"/>
+                </a:solidFill>
+                <a:latin typeface="Consolas" panose="020B0609020204030204" pitchFamily="49" charset="0"/>
+              </a:rPr>
+              <a:t> </a:t>
+            </a:r>
+            <a:r>
+              <a:rPr lang="en-IN" dirty="0" err="1">
+                <a:solidFill>
+                  <a:srgbClr val="2B91AF"/>
+                </a:solidFill>
+                <a:latin typeface="Consolas" panose="020B0609020204030204" pitchFamily="49" charset="0"/>
+              </a:rPr>
+              <a:t>SampleStruct</a:t>
+            </a:r>
+            <a:r>
+              <a:rPr lang="en-IN" dirty="0">
+                <a:solidFill>
+                  <a:srgbClr val="000000"/>
+                </a:solidFill>
+                <a:latin typeface="Consolas" panose="020B0609020204030204" pitchFamily="49" charset="0"/>
+              </a:rPr>
+              <a:t>();</a:t>
+            </a:r>
+          </a:p>
+          <a:p>
+            <a:r>
+              <a:rPr lang="en-IN" dirty="0">
+                <a:solidFill>
+                  <a:srgbClr val="000000"/>
+                </a:solidFill>
+                <a:latin typeface="Consolas" panose="020B0609020204030204" pitchFamily="49" charset="0"/>
+              </a:rPr>
+              <a:t>	// is an object on the stack </a:t>
+            </a:r>
+          </a:p>
+          <a:p>
+            <a:r>
+              <a:rPr lang="en-IN" dirty="0">
+                <a:solidFill>
+                  <a:srgbClr val="000000"/>
+                </a:solidFill>
+                <a:latin typeface="Consolas" panose="020B0609020204030204" pitchFamily="49" charset="0"/>
+              </a:rPr>
+              <a:t>    }</a:t>
+            </a:r>
+          </a:p>
+          <a:p>
+            <a:r>
+              <a:rPr lang="en-IN" dirty="0">
+                <a:solidFill>
+                  <a:srgbClr val="000000"/>
+                </a:solidFill>
+                <a:latin typeface="Consolas" panose="020B0609020204030204" pitchFamily="49" charset="0"/>
+              </a:rPr>
+              <a:t>}</a:t>
+            </a:r>
+            <a:endParaRPr lang="en-IN" dirty="0"/>
+          </a:p>
+        </p:txBody>
+      </p:sp>
+    </p:spTree>
+    <p:extLst>
+      <p:ext uri="{BB962C8B-B14F-4D97-AF65-F5344CB8AC3E}">
+        <p14:creationId xmlns:p14="http://schemas.microsoft.com/office/powerpoint/2010/main" val="2773649642"/>
       </p:ext>
     </p:extLst>
   </p:cSld>
@@ -9059,6 +11933,490 @@
     <p:extLst>
       <p:ext uri="{BB962C8B-B14F-4D97-AF65-F5344CB8AC3E}">
         <p14:creationId xmlns:p14="http://schemas.microsoft.com/office/powerpoint/2010/main" val="1153398801"/>
+      </p:ext>
+    </p:extLst>
+  </p:cSld>
+  <p:clrMapOvr>
+    <a:masterClrMapping/>
+  </p:clrMapOvr>
+</p:sld>
+</file>
+
+<file path=ppt/slides/slide20.xml><?xml version="1.0" encoding="utf-8"?>
+<p:sld xmlns:a="http://schemas.openxmlformats.org/drawingml/2006/main" xmlns:r="http://schemas.openxmlformats.org/officeDocument/2006/relationships" xmlns:p="http://schemas.openxmlformats.org/presentationml/2006/main">
+  <p:cSld>
+    <p:spTree>
+      <p:nvGrpSpPr>
+        <p:cNvPr id="1" name=""/>
+        <p:cNvGrpSpPr/>
+        <p:nvPr/>
+      </p:nvGrpSpPr>
+      <p:grpSpPr>
+        <a:xfrm>
+          <a:off x="0" y="0"/>
+          <a:ext cx="0" cy="0"/>
+          <a:chOff x="0" y="0"/>
+          <a:chExt cx="0" cy="0"/>
+        </a:xfrm>
+      </p:grpSpPr>
+      <p:sp>
+        <p:nvSpPr>
+          <p:cNvPr id="2" name="Title 1">
+            <a:extLst>
+              <a:ext uri="{FF2B5EF4-FFF2-40B4-BE49-F238E27FC236}">
+                <a16:creationId xmlns:a16="http://schemas.microsoft.com/office/drawing/2014/main" id="{356AAAEB-8C65-47F2-AA4E-020010FD76B8}"/>
+              </a:ext>
+            </a:extLst>
+          </p:cNvPr>
+          <p:cNvSpPr>
+            <a:spLocks noGrp="1"/>
+          </p:cNvSpPr>
+          <p:nvPr>
+            <p:ph type="title"/>
+          </p:nvPr>
+        </p:nvSpPr>
+        <p:spPr/>
+        <p:txBody>
+          <a:bodyPr/>
+          <a:lstStyle/>
+          <a:p>
+            <a:r>
+              <a:rPr lang="en-IN" dirty="0"/>
+              <a:t>EXE or DLL – physical container of class, hence called as assemblies </a:t>
+            </a:r>
+          </a:p>
+        </p:txBody>
+      </p:sp>
+      <p:sp>
+        <p:nvSpPr>
+          <p:cNvPr id="3" name="Content Placeholder 2">
+            <a:extLst>
+              <a:ext uri="{FF2B5EF4-FFF2-40B4-BE49-F238E27FC236}">
+                <a16:creationId xmlns:a16="http://schemas.microsoft.com/office/drawing/2014/main" id="{07697565-C03C-4E1B-8E15-CDB11BE4FF8F}"/>
+              </a:ext>
+            </a:extLst>
+          </p:cNvPr>
+          <p:cNvSpPr>
+            <a:spLocks noGrp="1"/>
+          </p:cNvSpPr>
+          <p:nvPr>
+            <p:ph idx="1"/>
+          </p:nvPr>
+        </p:nvSpPr>
+        <p:spPr/>
+        <p:txBody>
+          <a:bodyPr/>
+          <a:lstStyle/>
+          <a:p>
+            <a:r>
+              <a:rPr lang="en-IN" dirty="0"/>
+              <a:t>Contains the class </a:t>
+            </a:r>
+          </a:p>
+          <a:p>
+            <a:r>
+              <a:rPr lang="en-IN" dirty="0"/>
+              <a:t>Class </a:t>
+            </a:r>
+            <a:r>
+              <a:rPr lang="en-IN" dirty="0" err="1"/>
+              <a:t>nameSpace.ClassName</a:t>
+            </a:r>
+            <a:r>
+              <a:rPr lang="en-IN" dirty="0"/>
+              <a:t> </a:t>
+            </a:r>
+            <a:r>
+              <a:rPr lang="en-IN" dirty="0">
+                <a:sym typeface="Wingdings" panose="05000000000000000000" pitchFamily="2" charset="2"/>
+              </a:rPr>
+              <a:t> Full qualified name</a:t>
+            </a:r>
+            <a:endParaRPr lang="en-IN" dirty="0"/>
+          </a:p>
+          <a:p>
+            <a:pPr marL="0" indent="0">
+              <a:buNone/>
+            </a:pPr>
+            <a:r>
+              <a:rPr lang="en-IN" dirty="0"/>
+              <a:t>{</a:t>
+            </a:r>
+          </a:p>
+          <a:p>
+            <a:endParaRPr lang="en-IN" dirty="0"/>
+          </a:p>
+          <a:p>
+            <a:pPr marL="0" indent="0">
+              <a:buNone/>
+            </a:pPr>
+            <a:r>
+              <a:rPr lang="en-IN" dirty="0"/>
+              <a:t>}</a:t>
+            </a:r>
+          </a:p>
+        </p:txBody>
+      </p:sp>
+    </p:spTree>
+    <p:extLst>
+      <p:ext uri="{BB962C8B-B14F-4D97-AF65-F5344CB8AC3E}">
+        <p14:creationId xmlns:p14="http://schemas.microsoft.com/office/powerpoint/2010/main" val="2116166561"/>
+      </p:ext>
+    </p:extLst>
+  </p:cSld>
+  <p:clrMapOvr>
+    <a:masterClrMapping/>
+  </p:clrMapOvr>
+</p:sld>
+</file>
+
+<file path=ppt/slides/slide21.xml><?xml version="1.0" encoding="utf-8"?>
+<p:sld xmlns:a="http://schemas.openxmlformats.org/drawingml/2006/main" xmlns:r="http://schemas.openxmlformats.org/officeDocument/2006/relationships" xmlns:p="http://schemas.openxmlformats.org/presentationml/2006/main">
+  <p:cSld>
+    <p:spTree>
+      <p:nvGrpSpPr>
+        <p:cNvPr id="1" name=""/>
+        <p:cNvGrpSpPr/>
+        <p:nvPr/>
+      </p:nvGrpSpPr>
+      <p:grpSpPr>
+        <a:xfrm>
+          <a:off x="0" y="0"/>
+          <a:ext cx="0" cy="0"/>
+          <a:chOff x="0" y="0"/>
+          <a:chExt cx="0" cy="0"/>
+        </a:xfrm>
+      </p:grpSpPr>
+      <p:sp>
+        <p:nvSpPr>
+          <p:cNvPr id="2" name="Title 1">
+            <a:extLst>
+              <a:ext uri="{FF2B5EF4-FFF2-40B4-BE49-F238E27FC236}">
+                <a16:creationId xmlns:a16="http://schemas.microsoft.com/office/drawing/2014/main" id="{460A79BB-F735-4A30-B00B-CD479C213880}"/>
+              </a:ext>
+            </a:extLst>
+          </p:cNvPr>
+          <p:cNvSpPr>
+            <a:spLocks noGrp="1"/>
+          </p:cNvSpPr>
+          <p:nvPr>
+            <p:ph type="title"/>
+          </p:nvPr>
+        </p:nvSpPr>
+        <p:spPr/>
+        <p:txBody>
+          <a:bodyPr/>
+          <a:lstStyle/>
+          <a:p>
+            <a:r>
+              <a:rPr lang="en-IN" dirty="0"/>
+              <a:t>Two forms of Data types</a:t>
+            </a:r>
+          </a:p>
+        </p:txBody>
+      </p:sp>
+      <p:sp>
+        <p:nvSpPr>
+          <p:cNvPr id="3" name="Text Placeholder 2">
+            <a:extLst>
+              <a:ext uri="{FF2B5EF4-FFF2-40B4-BE49-F238E27FC236}">
+                <a16:creationId xmlns:a16="http://schemas.microsoft.com/office/drawing/2014/main" id="{D7ABD31E-50E2-4878-B061-223D0067D9FF}"/>
+              </a:ext>
+            </a:extLst>
+          </p:cNvPr>
+          <p:cNvSpPr>
+            <a:spLocks noGrp="1"/>
+          </p:cNvSpPr>
+          <p:nvPr>
+            <p:ph type="body" idx="1"/>
+          </p:nvPr>
+        </p:nvSpPr>
+        <p:spPr/>
+        <p:txBody>
+          <a:bodyPr/>
+          <a:lstStyle/>
+          <a:p>
+            <a:r>
+              <a:rPr lang="en-IN" dirty="0"/>
+              <a:t>Implementation</a:t>
+            </a:r>
+          </a:p>
+        </p:txBody>
+      </p:sp>
+      <p:sp>
+        <p:nvSpPr>
+          <p:cNvPr id="4" name="Content Placeholder 3">
+            <a:extLst>
+              <a:ext uri="{FF2B5EF4-FFF2-40B4-BE49-F238E27FC236}">
+                <a16:creationId xmlns:a16="http://schemas.microsoft.com/office/drawing/2014/main" id="{BD668178-66C4-4A02-B218-F27B128F7F77}"/>
+              </a:ext>
+            </a:extLst>
+          </p:cNvPr>
+          <p:cNvSpPr>
+            <a:spLocks noGrp="1"/>
+          </p:cNvSpPr>
+          <p:nvPr>
+            <p:ph sz="half" idx="2"/>
+          </p:nvPr>
+        </p:nvSpPr>
+        <p:spPr/>
+        <p:txBody>
+          <a:bodyPr>
+            <a:normAutofit fontScale="85000" lnSpcReduction="10000"/>
+          </a:bodyPr>
+          <a:lstStyle/>
+          <a:p>
+            <a:r>
+              <a:rPr lang="en-IN" dirty="0"/>
+              <a:t>Any class object can be created</a:t>
+            </a:r>
+          </a:p>
+          <a:p>
+            <a:r>
+              <a:rPr lang="en-IN" dirty="0"/>
+              <a:t>On which operations are performed</a:t>
+            </a:r>
+          </a:p>
+          <a:p>
+            <a:r>
+              <a:rPr lang="en-IN" dirty="0"/>
+              <a:t>Is a data type  whose object we create to hold the data and perform some operation</a:t>
+            </a:r>
+          </a:p>
+          <a:p>
+            <a:r>
+              <a:rPr lang="en-IN" dirty="0"/>
+              <a:t>If reference decided during the compilation</a:t>
+            </a:r>
+            <a:r>
+              <a:rPr lang="en-IN" dirty="0">
+                <a:sym typeface="Wingdings" panose="05000000000000000000" pitchFamily="2" charset="2"/>
+              </a:rPr>
+              <a:t> </a:t>
+            </a:r>
+            <a:r>
+              <a:rPr lang="en-IN" dirty="0"/>
+              <a:t> early-binding</a:t>
+            </a:r>
+          </a:p>
+          <a:p>
+            <a:r>
+              <a:rPr lang="en-IN" dirty="0"/>
+              <a:t>Ex: </a:t>
+            </a:r>
+          </a:p>
+          <a:p>
+            <a:endParaRPr lang="en-IN" dirty="0"/>
+          </a:p>
+        </p:txBody>
+      </p:sp>
+      <p:sp>
+        <p:nvSpPr>
+          <p:cNvPr id="5" name="Text Placeholder 4">
+            <a:extLst>
+              <a:ext uri="{FF2B5EF4-FFF2-40B4-BE49-F238E27FC236}">
+                <a16:creationId xmlns:a16="http://schemas.microsoft.com/office/drawing/2014/main" id="{A1003DBB-9639-4493-B03F-3DA08C98EF20}"/>
+              </a:ext>
+            </a:extLst>
+          </p:cNvPr>
+          <p:cNvSpPr>
+            <a:spLocks noGrp="1"/>
+          </p:cNvSpPr>
+          <p:nvPr>
+            <p:ph type="body" sz="quarter" idx="3"/>
+          </p:nvPr>
+        </p:nvSpPr>
+        <p:spPr/>
+        <p:txBody>
+          <a:bodyPr/>
+          <a:lstStyle/>
+          <a:p>
+            <a:r>
+              <a:rPr lang="en-IN" dirty="0"/>
+              <a:t>Abstraction </a:t>
+            </a:r>
+          </a:p>
+        </p:txBody>
+      </p:sp>
+      <p:sp>
+        <p:nvSpPr>
+          <p:cNvPr id="6" name="Content Placeholder 5">
+            <a:extLst>
+              <a:ext uri="{FF2B5EF4-FFF2-40B4-BE49-F238E27FC236}">
+                <a16:creationId xmlns:a16="http://schemas.microsoft.com/office/drawing/2014/main" id="{27A2F2B9-2326-4F17-AE4F-6D275D33B80A}"/>
+              </a:ext>
+            </a:extLst>
+          </p:cNvPr>
+          <p:cNvSpPr>
+            <a:spLocks noGrp="1"/>
+          </p:cNvSpPr>
+          <p:nvPr>
+            <p:ph sz="quarter" idx="4"/>
+          </p:nvPr>
+        </p:nvSpPr>
+        <p:spPr/>
+        <p:txBody>
+          <a:bodyPr>
+            <a:normAutofit fontScale="85000" lnSpcReduction="10000"/>
+          </a:bodyPr>
+          <a:lstStyle/>
+          <a:p>
+            <a:r>
+              <a:rPr lang="en-IN" dirty="0"/>
+              <a:t>Only reference can be created </a:t>
+            </a:r>
+          </a:p>
+          <a:p>
+            <a:endParaRPr lang="en-IN" dirty="0"/>
+          </a:p>
+          <a:p>
+            <a:endParaRPr lang="en-IN" dirty="0"/>
+          </a:p>
+          <a:p>
+            <a:r>
+              <a:rPr lang="en-IN" dirty="0"/>
+              <a:t>Whose object we never created only reference variable is created so that we can use that to call function </a:t>
+            </a:r>
+          </a:p>
+          <a:p>
+            <a:r>
+              <a:rPr lang="en-IN" dirty="0"/>
+              <a:t>If reference decided when the control reaches the call</a:t>
+            </a:r>
+            <a:r>
+              <a:rPr lang="en-IN" dirty="0">
+                <a:sym typeface="Wingdings" panose="05000000000000000000" pitchFamily="2" charset="2"/>
+              </a:rPr>
+              <a:t></a:t>
+            </a:r>
+            <a:r>
+              <a:rPr lang="en-IN" dirty="0"/>
+              <a:t> late-binding</a:t>
+            </a:r>
+          </a:p>
+          <a:p>
+            <a:r>
+              <a:rPr lang="en-IN" dirty="0"/>
+              <a:t>Ex: interface</a:t>
+            </a:r>
+          </a:p>
+        </p:txBody>
+      </p:sp>
+    </p:spTree>
+    <p:extLst>
+      <p:ext uri="{BB962C8B-B14F-4D97-AF65-F5344CB8AC3E}">
+        <p14:creationId xmlns:p14="http://schemas.microsoft.com/office/powerpoint/2010/main" val="3040369368"/>
+      </p:ext>
+    </p:extLst>
+  </p:cSld>
+  <p:clrMapOvr>
+    <a:masterClrMapping/>
+  </p:clrMapOvr>
+</p:sld>
+</file>
+
+<file path=ppt/slides/slide22.xml><?xml version="1.0" encoding="utf-8"?>
+<p:sld xmlns:a="http://schemas.openxmlformats.org/drawingml/2006/main" xmlns:r="http://schemas.openxmlformats.org/officeDocument/2006/relationships" xmlns:p="http://schemas.openxmlformats.org/presentationml/2006/main">
+  <p:cSld>
+    <p:spTree>
+      <p:nvGrpSpPr>
+        <p:cNvPr id="1" name=""/>
+        <p:cNvGrpSpPr/>
+        <p:nvPr/>
+      </p:nvGrpSpPr>
+      <p:grpSpPr>
+        <a:xfrm>
+          <a:off x="0" y="0"/>
+          <a:ext cx="0" cy="0"/>
+          <a:chOff x="0" y="0"/>
+          <a:chExt cx="0" cy="0"/>
+        </a:xfrm>
+      </p:grpSpPr>
+      <p:sp>
+        <p:nvSpPr>
+          <p:cNvPr id="2" name="Title 1">
+            <a:extLst>
+              <a:ext uri="{FF2B5EF4-FFF2-40B4-BE49-F238E27FC236}">
+                <a16:creationId xmlns:a16="http://schemas.microsoft.com/office/drawing/2014/main" id="{43D4D6DE-53CA-44C2-9BD2-88E13D575302}"/>
+              </a:ext>
+            </a:extLst>
+          </p:cNvPr>
+          <p:cNvSpPr>
+            <a:spLocks noGrp="1"/>
+          </p:cNvSpPr>
+          <p:nvPr>
+            <p:ph type="title"/>
+          </p:nvPr>
+        </p:nvSpPr>
+        <p:spPr/>
+        <p:txBody>
+          <a:bodyPr/>
+          <a:lstStyle/>
+          <a:p>
+            <a:r>
+              <a:rPr lang="en-IN" dirty="0"/>
+              <a:t>Requirement 3</a:t>
+            </a:r>
+          </a:p>
+        </p:txBody>
+      </p:sp>
+      <p:sp>
+        <p:nvSpPr>
+          <p:cNvPr id="3" name="Content Placeholder 2">
+            <a:extLst>
+              <a:ext uri="{FF2B5EF4-FFF2-40B4-BE49-F238E27FC236}">
+                <a16:creationId xmlns:a16="http://schemas.microsoft.com/office/drawing/2014/main" id="{6D0758D1-E6FB-4EFA-86AE-FE2C07082C5F}"/>
+              </a:ext>
+            </a:extLst>
+          </p:cNvPr>
+          <p:cNvSpPr>
+            <a:spLocks noGrp="1"/>
+          </p:cNvSpPr>
+          <p:nvPr>
+            <p:ph idx="1"/>
+          </p:nvPr>
+        </p:nvSpPr>
+        <p:spPr/>
+        <p:txBody>
+          <a:bodyPr/>
+          <a:lstStyle/>
+          <a:p>
+            <a:r>
+              <a:rPr lang="en-IN" dirty="0"/>
+              <a:t>Develop reminder application, in which user supplies day, month, year, hour, minute and message </a:t>
+            </a:r>
+          </a:p>
+          <a:p>
+            <a:r>
+              <a:rPr lang="en-IN" dirty="0"/>
+              <a:t>Application should monitor current date and time </a:t>
+            </a:r>
+          </a:p>
+          <a:p>
+            <a:r>
+              <a:rPr lang="en-IN" dirty="0"/>
+              <a:t>Compare the current date and time with the user supplied date and time </a:t>
+            </a:r>
+          </a:p>
+          <a:p>
+            <a:pPr lvl="1"/>
+            <a:r>
+              <a:rPr lang="en-IN" dirty="0"/>
+              <a:t>If found same display the message. </a:t>
+            </a:r>
+          </a:p>
+          <a:p>
+            <a:r>
+              <a:rPr lang="en-IN" dirty="0"/>
+              <a:t>Allow the user to supply date, time and message any number of times. Date and time can be same for multiple messages </a:t>
+            </a:r>
+          </a:p>
+        </p:txBody>
+      </p:sp>
+    </p:spTree>
+    <p:extLst>
+      <p:ext uri="{BB962C8B-B14F-4D97-AF65-F5344CB8AC3E}">
+        <p14:creationId xmlns:p14="http://schemas.microsoft.com/office/powerpoint/2010/main" val="3233840399"/>
       </p:ext>
     </p:extLst>
   </p:cSld>

--- a/Theory.pptx
+++ b/Theory.pptx
@@ -5,7 +5,7 @@
     <p:sldMasterId id="2147483648" r:id="rId1"/>
   </p:sldMasterIdLst>
   <p:notesMasterIdLst>
-    <p:notesMasterId r:id="rId24"/>
+    <p:notesMasterId r:id="rId28"/>
   </p:notesMasterIdLst>
   <p:sldIdLst>
     <p:sldId id="256" r:id="rId2"/>
@@ -30,6 +30,10 @@
     <p:sldId id="276" r:id="rId21"/>
     <p:sldId id="277" r:id="rId22"/>
     <p:sldId id="263" r:id="rId23"/>
+    <p:sldId id="278" r:id="rId24"/>
+    <p:sldId id="279" r:id="rId25"/>
+    <p:sldId id="281" r:id="rId26"/>
+    <p:sldId id="280" r:id="rId27"/>
   </p:sldIdLst>
   <p:sldSz cx="12192000" cy="6858000"/>
   <p:notesSz cx="6858000" cy="9144000"/>
@@ -218,7 +222,7 @@
           <a:p>
             <a:fld id="{E10A149A-767C-45F6-96F8-8A5ED7254604}" type="datetimeFigureOut">
               <a:rPr lang="en-IN" smtClean="0"/>
-              <a:t>06-03-2019</a:t>
+              <a:t>07-03-2019</a:t>
             </a:fld>
             <a:endParaRPr lang="en-IN"/>
           </a:p>
@@ -1374,6 +1378,252 @@
 </p:notes>
 </file>
 
+<file path=ppt/notesSlides/notesSlide8.xml><?xml version="1.0" encoding="utf-8"?>
+<p:notes xmlns:a="http://schemas.openxmlformats.org/drawingml/2006/main" xmlns:r="http://schemas.openxmlformats.org/officeDocument/2006/relationships" xmlns:p="http://schemas.openxmlformats.org/presentationml/2006/main">
+  <p:cSld>
+    <p:spTree>
+      <p:nvGrpSpPr>
+        <p:cNvPr id="1" name=""/>
+        <p:cNvGrpSpPr/>
+        <p:nvPr/>
+      </p:nvGrpSpPr>
+      <p:grpSpPr>
+        <a:xfrm>
+          <a:off x="0" y="0"/>
+          <a:ext cx="0" cy="0"/>
+          <a:chOff x="0" y="0"/>
+          <a:chExt cx="0" cy="0"/>
+        </a:xfrm>
+      </p:grpSpPr>
+      <p:sp>
+        <p:nvSpPr>
+          <p:cNvPr id="2" name="Slide Image Placeholder 1"/>
+          <p:cNvSpPr>
+            <a:spLocks noGrp="1" noRot="1" noChangeAspect="1"/>
+          </p:cNvSpPr>
+          <p:nvPr>
+            <p:ph type="sldImg"/>
+          </p:nvPr>
+        </p:nvSpPr>
+        <p:spPr/>
+      </p:sp>
+      <p:sp>
+        <p:nvSpPr>
+          <p:cNvPr id="3" name="Notes Placeholder 2"/>
+          <p:cNvSpPr>
+            <a:spLocks noGrp="1"/>
+          </p:cNvSpPr>
+          <p:nvPr>
+            <p:ph type="body" idx="1"/>
+          </p:nvPr>
+        </p:nvSpPr>
+        <p:spPr/>
+        <p:txBody>
+          <a:bodyPr/>
+          <a:lstStyle/>
+          <a:p>
+            <a:r>
+              <a:rPr lang="en-IN" dirty="0"/>
+              <a:t>In dot net fragmentation does not happen this is seen in </a:t>
+            </a:r>
+            <a:r>
+              <a:rPr lang="en-IN" dirty="0" err="1"/>
+              <a:t>c++</a:t>
+            </a:r>
+            <a:endParaRPr lang="en-IN" dirty="0"/>
+          </a:p>
+          <a:p>
+            <a:endParaRPr lang="en-IN" dirty="0"/>
+          </a:p>
+          <a:p>
+            <a:r>
+              <a:rPr lang="en-IN" dirty="0"/>
+              <a:t>In dot net defragmentation happens </a:t>
+            </a:r>
+          </a:p>
+          <a:p>
+            <a:r>
+              <a:rPr lang="en-IN" dirty="0"/>
+              <a:t>This is done while de allocating the object </a:t>
+            </a:r>
+          </a:p>
+          <a:p>
+            <a:r>
+              <a:rPr lang="en-IN" dirty="0"/>
+              <a:t>This is done by </a:t>
+            </a:r>
+            <a:r>
+              <a:rPr lang="en-IN" b="1" dirty="0"/>
+              <a:t>garbage collection </a:t>
+            </a:r>
+          </a:p>
+          <a:p>
+            <a:r>
+              <a:rPr lang="en-IN" dirty="0"/>
+              <a:t>Deallocation starts only after the threshold is reached </a:t>
+            </a:r>
+          </a:p>
+          <a:p>
+            <a:r>
+              <a:rPr lang="en-IN" dirty="0"/>
+              <a:t>The logic used here is generation logic </a:t>
+            </a:r>
+          </a:p>
+          <a:p>
+            <a:pPr marL="171450" indent="-171450">
+              <a:buFont typeface="Arial" panose="020B0604020202020204" pitchFamily="34" charset="0"/>
+              <a:buChar char="•"/>
+            </a:pPr>
+            <a:r>
+              <a:rPr lang="en-IN" dirty="0"/>
+              <a:t>Generation 1 – 64K </a:t>
+            </a:r>
+          </a:p>
+          <a:p>
+            <a:pPr marL="171450" indent="-171450">
+              <a:buFont typeface="Arial" panose="020B0604020202020204" pitchFamily="34" charset="0"/>
+              <a:buChar char="•"/>
+            </a:pPr>
+            <a:r>
+              <a:rPr lang="en-IN" dirty="0"/>
+              <a:t>Generation 2 – 2MB </a:t>
+            </a:r>
+          </a:p>
+          <a:p>
+            <a:pPr marL="171450" indent="-171450">
+              <a:buFont typeface="Arial" panose="020B0604020202020204" pitchFamily="34" charset="0"/>
+              <a:buChar char="•"/>
+            </a:pPr>
+            <a:r>
+              <a:rPr lang="en-IN" dirty="0"/>
+              <a:t>Generation 3 – unlimited i.e. up to the total memory </a:t>
+            </a:r>
+          </a:p>
+        </p:txBody>
+      </p:sp>
+      <p:sp>
+        <p:nvSpPr>
+          <p:cNvPr id="4" name="Slide Number Placeholder 3"/>
+          <p:cNvSpPr>
+            <a:spLocks noGrp="1"/>
+          </p:cNvSpPr>
+          <p:nvPr>
+            <p:ph type="sldNum" sz="quarter" idx="5"/>
+          </p:nvPr>
+        </p:nvSpPr>
+        <p:spPr/>
+        <p:txBody>
+          <a:bodyPr/>
+          <a:lstStyle/>
+          <a:p>
+            <a:fld id="{EFF0FF49-AF3D-46B8-94EB-C37AFFF66564}" type="slidenum">
+              <a:rPr lang="en-IN" smtClean="0"/>
+              <a:t>24</a:t>
+            </a:fld>
+            <a:endParaRPr lang="en-IN"/>
+          </a:p>
+        </p:txBody>
+      </p:sp>
+    </p:spTree>
+    <p:extLst>
+      <p:ext uri="{BB962C8B-B14F-4D97-AF65-F5344CB8AC3E}">
+        <p14:creationId xmlns:p14="http://schemas.microsoft.com/office/powerpoint/2010/main" val="501348035"/>
+      </p:ext>
+    </p:extLst>
+  </p:cSld>
+  <p:clrMapOvr>
+    <a:masterClrMapping/>
+  </p:clrMapOvr>
+</p:notes>
+</file>
+
+<file path=ppt/notesSlides/notesSlide9.xml><?xml version="1.0" encoding="utf-8"?>
+<p:notes xmlns:a="http://schemas.openxmlformats.org/drawingml/2006/main" xmlns:r="http://schemas.openxmlformats.org/officeDocument/2006/relationships" xmlns:p="http://schemas.openxmlformats.org/presentationml/2006/main">
+  <p:cSld>
+    <p:spTree>
+      <p:nvGrpSpPr>
+        <p:cNvPr id="1" name=""/>
+        <p:cNvGrpSpPr/>
+        <p:nvPr/>
+      </p:nvGrpSpPr>
+      <p:grpSpPr>
+        <a:xfrm>
+          <a:off x="0" y="0"/>
+          <a:ext cx="0" cy="0"/>
+          <a:chOff x="0" y="0"/>
+          <a:chExt cx="0" cy="0"/>
+        </a:xfrm>
+      </p:grpSpPr>
+      <p:sp>
+        <p:nvSpPr>
+          <p:cNvPr id="2" name="Slide Image Placeholder 1"/>
+          <p:cNvSpPr>
+            <a:spLocks noGrp="1" noRot="1" noChangeAspect="1"/>
+          </p:cNvSpPr>
+          <p:nvPr>
+            <p:ph type="sldImg"/>
+          </p:nvPr>
+        </p:nvSpPr>
+        <p:spPr/>
+      </p:sp>
+      <p:sp>
+        <p:nvSpPr>
+          <p:cNvPr id="3" name="Notes Placeholder 2"/>
+          <p:cNvSpPr>
+            <a:spLocks noGrp="1"/>
+          </p:cNvSpPr>
+          <p:nvPr>
+            <p:ph type="body" idx="1"/>
+          </p:nvPr>
+        </p:nvSpPr>
+        <p:spPr/>
+        <p:txBody>
+          <a:bodyPr/>
+          <a:lstStyle/>
+          <a:p>
+            <a:r>
+              <a:rPr lang="en-IN" dirty="0"/>
+              <a:t>As there are two threads invoked and the reminder object is accessed from two thread thereby it will cause synchronization issues </a:t>
+            </a:r>
+          </a:p>
+        </p:txBody>
+      </p:sp>
+      <p:sp>
+        <p:nvSpPr>
+          <p:cNvPr id="4" name="Slide Number Placeholder 3"/>
+          <p:cNvSpPr>
+            <a:spLocks noGrp="1"/>
+          </p:cNvSpPr>
+          <p:nvPr>
+            <p:ph type="sldNum" sz="quarter" idx="5"/>
+          </p:nvPr>
+        </p:nvSpPr>
+        <p:spPr/>
+        <p:txBody>
+          <a:bodyPr/>
+          <a:lstStyle/>
+          <a:p>
+            <a:fld id="{EFF0FF49-AF3D-46B8-94EB-C37AFFF66564}" type="slidenum">
+              <a:rPr lang="en-IN" smtClean="0"/>
+              <a:t>26</a:t>
+            </a:fld>
+            <a:endParaRPr lang="en-IN"/>
+          </a:p>
+        </p:txBody>
+      </p:sp>
+    </p:spTree>
+    <p:extLst>
+      <p:ext uri="{BB962C8B-B14F-4D97-AF65-F5344CB8AC3E}">
+        <p14:creationId xmlns:p14="http://schemas.microsoft.com/office/powerpoint/2010/main" val="3186978097"/>
+      </p:ext>
+    </p:extLst>
+  </p:cSld>
+  <p:clrMapOvr>
+    <a:masterClrMapping/>
+  </p:clrMapOvr>
+</p:notes>
+</file>
+
 <file path=ppt/slideLayouts/slideLayout1.xml><?xml version="1.0" encoding="utf-8"?>
 <p:sldLayout xmlns:a="http://schemas.openxmlformats.org/drawingml/2006/main" xmlns:r="http://schemas.openxmlformats.org/officeDocument/2006/relationships" xmlns:p="http://schemas.openxmlformats.org/presentationml/2006/main" type="title" preserve="1">
   <p:cSld name="Title Slide">
@@ -1523,7 +1773,7 @@
           <a:p>
             <a:fld id="{8594F18B-712C-4789-90DB-6CB977E04FFB}" type="datetimeFigureOut">
               <a:rPr lang="en-IN" smtClean="0"/>
-              <a:t>06-03-2019</a:t>
+              <a:t>07-03-2019</a:t>
             </a:fld>
             <a:endParaRPr lang="en-IN"/>
           </a:p>
@@ -1723,7 +1973,7 @@
           <a:p>
             <a:fld id="{8594F18B-712C-4789-90DB-6CB977E04FFB}" type="datetimeFigureOut">
               <a:rPr lang="en-IN" smtClean="0"/>
-              <a:t>06-03-2019</a:t>
+              <a:t>07-03-2019</a:t>
             </a:fld>
             <a:endParaRPr lang="en-IN"/>
           </a:p>
@@ -1933,7 +2183,7 @@
           <a:p>
             <a:fld id="{8594F18B-712C-4789-90DB-6CB977E04FFB}" type="datetimeFigureOut">
               <a:rPr lang="en-IN" smtClean="0"/>
-              <a:t>06-03-2019</a:t>
+              <a:t>07-03-2019</a:t>
             </a:fld>
             <a:endParaRPr lang="en-IN"/>
           </a:p>
@@ -2133,7 +2383,7 @@
           <a:p>
             <a:fld id="{8594F18B-712C-4789-90DB-6CB977E04FFB}" type="datetimeFigureOut">
               <a:rPr lang="en-IN" smtClean="0"/>
-              <a:t>06-03-2019</a:t>
+              <a:t>07-03-2019</a:t>
             </a:fld>
             <a:endParaRPr lang="en-IN"/>
           </a:p>
@@ -2409,7 +2659,7 @@
           <a:p>
             <a:fld id="{8594F18B-712C-4789-90DB-6CB977E04FFB}" type="datetimeFigureOut">
               <a:rPr lang="en-IN" smtClean="0"/>
-              <a:t>06-03-2019</a:t>
+              <a:t>07-03-2019</a:t>
             </a:fld>
             <a:endParaRPr lang="en-IN"/>
           </a:p>
@@ -2677,7 +2927,7 @@
           <a:p>
             <a:fld id="{8594F18B-712C-4789-90DB-6CB977E04FFB}" type="datetimeFigureOut">
               <a:rPr lang="en-IN" smtClean="0"/>
-              <a:t>06-03-2019</a:t>
+              <a:t>07-03-2019</a:t>
             </a:fld>
             <a:endParaRPr lang="en-IN"/>
           </a:p>
@@ -3092,7 +3342,7 @@
           <a:p>
             <a:fld id="{8594F18B-712C-4789-90DB-6CB977E04FFB}" type="datetimeFigureOut">
               <a:rPr lang="en-IN" smtClean="0"/>
-              <a:t>06-03-2019</a:t>
+              <a:t>07-03-2019</a:t>
             </a:fld>
             <a:endParaRPr lang="en-IN"/>
           </a:p>
@@ -3234,7 +3484,7 @@
           <a:p>
             <a:fld id="{8594F18B-712C-4789-90DB-6CB977E04FFB}" type="datetimeFigureOut">
               <a:rPr lang="en-IN" smtClean="0"/>
-              <a:t>06-03-2019</a:t>
+              <a:t>07-03-2019</a:t>
             </a:fld>
             <a:endParaRPr lang="en-IN"/>
           </a:p>
@@ -3347,7 +3597,7 @@
           <a:p>
             <a:fld id="{8594F18B-712C-4789-90DB-6CB977E04FFB}" type="datetimeFigureOut">
               <a:rPr lang="en-IN" smtClean="0"/>
-              <a:t>06-03-2019</a:t>
+              <a:t>07-03-2019</a:t>
             </a:fld>
             <a:endParaRPr lang="en-IN"/>
           </a:p>
@@ -3660,7 +3910,7 @@
           <a:p>
             <a:fld id="{8594F18B-712C-4789-90DB-6CB977E04FFB}" type="datetimeFigureOut">
               <a:rPr lang="en-IN" smtClean="0"/>
-              <a:t>06-03-2019</a:t>
+              <a:t>07-03-2019</a:t>
             </a:fld>
             <a:endParaRPr lang="en-IN"/>
           </a:p>
@@ -3949,7 +4199,7 @@
           <a:p>
             <a:fld id="{8594F18B-712C-4789-90DB-6CB977E04FFB}" type="datetimeFigureOut">
               <a:rPr lang="en-IN" smtClean="0"/>
-              <a:t>06-03-2019</a:t>
+              <a:t>07-03-2019</a:t>
             </a:fld>
             <a:endParaRPr lang="en-IN"/>
           </a:p>
@@ -4192,7 +4442,7 @@
           <a:p>
             <a:fld id="{8594F18B-712C-4789-90DB-6CB977E04FFB}" type="datetimeFigureOut">
               <a:rPr lang="en-IN" smtClean="0"/>
-              <a:t>06-03-2019</a:t>
+              <a:t>07-03-2019</a:t>
             </a:fld>
             <a:endParaRPr lang="en-IN"/>
           </a:p>
@@ -12417,6 +12667,2225 @@
     <p:extLst>
       <p:ext uri="{BB962C8B-B14F-4D97-AF65-F5344CB8AC3E}">
         <p14:creationId xmlns:p14="http://schemas.microsoft.com/office/powerpoint/2010/main" val="3233840399"/>
+      </p:ext>
+    </p:extLst>
+  </p:cSld>
+  <p:clrMapOvr>
+    <a:masterClrMapping/>
+  </p:clrMapOvr>
+</p:sld>
+</file>
+
+<file path=ppt/slides/slide23.xml><?xml version="1.0" encoding="utf-8"?>
+<p:sld xmlns:a="http://schemas.openxmlformats.org/drawingml/2006/main" xmlns:r="http://schemas.openxmlformats.org/officeDocument/2006/relationships" xmlns:p="http://schemas.openxmlformats.org/presentationml/2006/main">
+  <p:cSld>
+    <p:spTree>
+      <p:nvGrpSpPr>
+        <p:cNvPr id="1" name=""/>
+        <p:cNvGrpSpPr/>
+        <p:nvPr/>
+      </p:nvGrpSpPr>
+      <p:grpSpPr>
+        <a:xfrm>
+          <a:off x="0" y="0"/>
+          <a:ext cx="0" cy="0"/>
+          <a:chOff x="0" y="0"/>
+          <a:chExt cx="0" cy="0"/>
+        </a:xfrm>
+      </p:grpSpPr>
+      <p:sp>
+        <p:nvSpPr>
+          <p:cNvPr id="2" name="Title 1">
+            <a:extLst>
+              <a:ext uri="{FF2B5EF4-FFF2-40B4-BE49-F238E27FC236}">
+                <a16:creationId xmlns:a16="http://schemas.microsoft.com/office/drawing/2014/main" id="{1BD4183B-F741-4CA1-962C-B1750B0AD3E1}"/>
+              </a:ext>
+            </a:extLst>
+          </p:cNvPr>
+          <p:cNvSpPr>
+            <a:spLocks noGrp="1"/>
+          </p:cNvSpPr>
+          <p:nvPr>
+            <p:ph type="ctrTitle"/>
+          </p:nvPr>
+        </p:nvSpPr>
+        <p:spPr/>
+        <p:txBody>
+          <a:bodyPr/>
+          <a:lstStyle/>
+          <a:p>
+            <a:r>
+              <a:rPr lang="en-IN" dirty="0"/>
+              <a:t>Day 3 </a:t>
+            </a:r>
+          </a:p>
+        </p:txBody>
+      </p:sp>
+      <p:sp>
+        <p:nvSpPr>
+          <p:cNvPr id="3" name="Subtitle 2">
+            <a:extLst>
+              <a:ext uri="{FF2B5EF4-FFF2-40B4-BE49-F238E27FC236}">
+                <a16:creationId xmlns:a16="http://schemas.microsoft.com/office/drawing/2014/main" id="{75C16ADC-D57C-4A84-AB36-571F98217E61}"/>
+              </a:ext>
+            </a:extLst>
+          </p:cNvPr>
+          <p:cNvSpPr>
+            <a:spLocks noGrp="1"/>
+          </p:cNvSpPr>
+          <p:nvPr>
+            <p:ph type="subTitle" idx="1"/>
+          </p:nvPr>
+        </p:nvSpPr>
+        <p:spPr/>
+        <p:txBody>
+          <a:bodyPr/>
+          <a:lstStyle/>
+          <a:p>
+            <a:endParaRPr lang="en-IN"/>
+          </a:p>
+        </p:txBody>
+      </p:sp>
+    </p:spTree>
+    <p:extLst>
+      <p:ext uri="{BB962C8B-B14F-4D97-AF65-F5344CB8AC3E}">
+        <p14:creationId xmlns:p14="http://schemas.microsoft.com/office/powerpoint/2010/main" val="3227467475"/>
+      </p:ext>
+    </p:extLst>
+  </p:cSld>
+  <p:clrMapOvr>
+    <a:masterClrMapping/>
+  </p:clrMapOvr>
+</p:sld>
+</file>
+
+<file path=ppt/slides/slide24.xml><?xml version="1.0" encoding="utf-8"?>
+<p:sld xmlns:a="http://schemas.openxmlformats.org/drawingml/2006/main" xmlns:r="http://schemas.openxmlformats.org/officeDocument/2006/relationships" xmlns:p="http://schemas.openxmlformats.org/presentationml/2006/main">
+  <p:cSld>
+    <p:spTree>
+      <p:nvGrpSpPr>
+        <p:cNvPr id="1" name=""/>
+        <p:cNvGrpSpPr/>
+        <p:nvPr/>
+      </p:nvGrpSpPr>
+      <p:grpSpPr>
+        <a:xfrm>
+          <a:off x="0" y="0"/>
+          <a:ext cx="0" cy="0"/>
+          <a:chOff x="0" y="0"/>
+          <a:chExt cx="0" cy="0"/>
+        </a:xfrm>
+      </p:grpSpPr>
+      <p:sp>
+        <p:nvSpPr>
+          <p:cNvPr id="28" name="Rectangle 27">
+            <a:extLst>
+              <a:ext uri="{FF2B5EF4-FFF2-40B4-BE49-F238E27FC236}">
+                <a16:creationId xmlns:a16="http://schemas.microsoft.com/office/drawing/2014/main" id="{04F849C0-0292-4E63-BAEE-7873C69BCA2A}"/>
+              </a:ext>
+            </a:extLst>
+          </p:cNvPr>
+          <p:cNvSpPr/>
+          <p:nvPr/>
+        </p:nvSpPr>
+        <p:spPr>
+          <a:xfrm>
+            <a:off x="296192" y="2088859"/>
+            <a:ext cx="11781367" cy="5498983"/>
+          </a:xfrm>
+          <a:prstGeom prst="rect">
+            <a:avLst/>
+          </a:prstGeom>
+        </p:spPr>
+        <p:style>
+          <a:lnRef idx="1">
+            <a:schemeClr val="accent3"/>
+          </a:lnRef>
+          <a:fillRef idx="2">
+            <a:schemeClr val="accent3"/>
+          </a:fillRef>
+          <a:effectRef idx="1">
+            <a:schemeClr val="accent3"/>
+          </a:effectRef>
+          <a:fontRef idx="minor">
+            <a:schemeClr val="dk1"/>
+          </a:fontRef>
+        </p:style>
+        <p:txBody>
+          <a:bodyPr rtlCol="0" anchor="b"/>
+          <a:lstStyle/>
+          <a:p>
+            <a:pPr algn="ctr"/>
+            <a:r>
+              <a:rPr lang="en-IN" dirty="0"/>
+              <a:t>HEAP</a:t>
+            </a:r>
+          </a:p>
+        </p:txBody>
+      </p:sp>
+      <p:sp>
+        <p:nvSpPr>
+          <p:cNvPr id="2" name="Rectangle 1">
+            <a:extLst>
+              <a:ext uri="{FF2B5EF4-FFF2-40B4-BE49-F238E27FC236}">
+                <a16:creationId xmlns:a16="http://schemas.microsoft.com/office/drawing/2014/main" id="{53623B26-0794-4477-92CF-B86211C6CD4C}"/>
+              </a:ext>
+            </a:extLst>
+          </p:cNvPr>
+          <p:cNvSpPr/>
+          <p:nvPr/>
+        </p:nvSpPr>
+        <p:spPr>
+          <a:xfrm>
+            <a:off x="444617" y="914400"/>
+            <a:ext cx="6912528" cy="444617"/>
+          </a:xfrm>
+          <a:prstGeom prst="rect">
+            <a:avLst/>
+          </a:prstGeom>
+        </p:spPr>
+        <p:style>
+          <a:lnRef idx="2">
+            <a:schemeClr val="accent5"/>
+          </a:lnRef>
+          <a:fillRef idx="1">
+            <a:schemeClr val="lt1"/>
+          </a:fillRef>
+          <a:effectRef idx="0">
+            <a:schemeClr val="accent5"/>
+          </a:effectRef>
+          <a:fontRef idx="minor">
+            <a:schemeClr val="dk1"/>
+          </a:fontRef>
+        </p:style>
+        <p:txBody>
+          <a:bodyPr rtlCol="0" anchor="ctr"/>
+          <a:lstStyle/>
+          <a:p>
+            <a:pPr algn="ctr"/>
+            <a:endParaRPr lang="en-IN" dirty="0"/>
+          </a:p>
+        </p:txBody>
+      </p:sp>
+      <p:sp>
+        <p:nvSpPr>
+          <p:cNvPr id="3" name="Arrow: Down 2">
+            <a:extLst>
+              <a:ext uri="{FF2B5EF4-FFF2-40B4-BE49-F238E27FC236}">
+                <a16:creationId xmlns:a16="http://schemas.microsoft.com/office/drawing/2014/main" id="{A1AA1669-100D-40A4-A570-3BB2653FF849}"/>
+              </a:ext>
+            </a:extLst>
+          </p:cNvPr>
+          <p:cNvSpPr/>
+          <p:nvPr/>
+        </p:nvSpPr>
+        <p:spPr>
+          <a:xfrm>
+            <a:off x="-58723" y="184558"/>
+            <a:ext cx="1006679" cy="729842"/>
+          </a:xfrm>
+          <a:prstGeom prst="downArrow">
+            <a:avLst/>
+          </a:prstGeom>
+        </p:spPr>
+        <p:style>
+          <a:lnRef idx="2">
+            <a:schemeClr val="accent1">
+              <a:shade val="50000"/>
+            </a:schemeClr>
+          </a:lnRef>
+          <a:fillRef idx="1">
+            <a:schemeClr val="accent1"/>
+          </a:fillRef>
+          <a:effectRef idx="0">
+            <a:schemeClr val="accent1"/>
+          </a:effectRef>
+          <a:fontRef idx="minor">
+            <a:schemeClr val="lt1"/>
+          </a:fontRef>
+        </p:style>
+        <p:txBody>
+          <a:bodyPr rtlCol="0" anchor="ctr"/>
+          <a:lstStyle/>
+          <a:p>
+            <a:pPr algn="ctr"/>
+            <a:r>
+              <a:rPr lang="en-IN" dirty="0"/>
+              <a:t>SP</a:t>
+            </a:r>
+          </a:p>
+        </p:txBody>
+      </p:sp>
+      <p:sp>
+        <p:nvSpPr>
+          <p:cNvPr id="4" name="Rectangle 3">
+            <a:extLst>
+              <a:ext uri="{FF2B5EF4-FFF2-40B4-BE49-F238E27FC236}">
+                <a16:creationId xmlns:a16="http://schemas.microsoft.com/office/drawing/2014/main" id="{454430F0-8B79-4A07-BEB3-4CA1A7DAF2E0}"/>
+              </a:ext>
+            </a:extLst>
+          </p:cNvPr>
+          <p:cNvSpPr/>
+          <p:nvPr/>
+        </p:nvSpPr>
+        <p:spPr>
+          <a:xfrm>
+            <a:off x="444616" y="914400"/>
+            <a:ext cx="704676" cy="444617"/>
+          </a:xfrm>
+          <a:prstGeom prst="rect">
+            <a:avLst/>
+          </a:prstGeom>
+        </p:spPr>
+        <p:style>
+          <a:lnRef idx="2">
+            <a:schemeClr val="accent1">
+              <a:shade val="50000"/>
+            </a:schemeClr>
+          </a:lnRef>
+          <a:fillRef idx="1">
+            <a:schemeClr val="accent1"/>
+          </a:fillRef>
+          <a:effectRef idx="0">
+            <a:schemeClr val="accent1"/>
+          </a:effectRef>
+          <a:fontRef idx="minor">
+            <a:schemeClr val="lt1"/>
+          </a:fontRef>
+        </p:style>
+        <p:txBody>
+          <a:bodyPr rtlCol="0" anchor="ctr"/>
+          <a:lstStyle/>
+          <a:p>
+            <a:pPr algn="ctr"/>
+            <a:r>
+              <a:rPr lang="en-IN" dirty="0"/>
+              <a:t>x</a:t>
+            </a:r>
+          </a:p>
+        </p:txBody>
+      </p:sp>
+      <p:sp>
+        <p:nvSpPr>
+          <p:cNvPr id="5" name="Rectangle 4">
+            <a:extLst>
+              <a:ext uri="{FF2B5EF4-FFF2-40B4-BE49-F238E27FC236}">
+                <a16:creationId xmlns:a16="http://schemas.microsoft.com/office/drawing/2014/main" id="{E14424E1-B3F9-4EBD-A557-CF1294B56CC1}"/>
+              </a:ext>
+            </a:extLst>
+          </p:cNvPr>
+          <p:cNvSpPr/>
+          <p:nvPr/>
+        </p:nvSpPr>
+        <p:spPr>
+          <a:xfrm>
+            <a:off x="1166070" y="914400"/>
+            <a:ext cx="1392572" cy="444617"/>
+          </a:xfrm>
+          <a:prstGeom prst="rect">
+            <a:avLst/>
+          </a:prstGeom>
+        </p:spPr>
+        <p:style>
+          <a:lnRef idx="2">
+            <a:schemeClr val="accent1">
+              <a:shade val="50000"/>
+            </a:schemeClr>
+          </a:lnRef>
+          <a:fillRef idx="1">
+            <a:schemeClr val="accent1"/>
+          </a:fillRef>
+          <a:effectRef idx="0">
+            <a:schemeClr val="accent1"/>
+          </a:effectRef>
+          <a:fontRef idx="minor">
+            <a:schemeClr val="lt1"/>
+          </a:fontRef>
+        </p:style>
+        <p:txBody>
+          <a:bodyPr rtlCol="0" anchor="ctr"/>
+          <a:lstStyle/>
+          <a:p>
+            <a:pPr algn="ctr"/>
+            <a:r>
+              <a:rPr lang="en-IN" dirty="0"/>
+              <a:t>P1[x and y]</a:t>
+            </a:r>
+          </a:p>
+        </p:txBody>
+      </p:sp>
+      <p:sp>
+        <p:nvSpPr>
+          <p:cNvPr id="6" name="Rectangle 5">
+            <a:extLst>
+              <a:ext uri="{FF2B5EF4-FFF2-40B4-BE49-F238E27FC236}">
+                <a16:creationId xmlns:a16="http://schemas.microsoft.com/office/drawing/2014/main" id="{820EB178-E82F-4501-A359-E25DA506DDE2}"/>
+              </a:ext>
+            </a:extLst>
+          </p:cNvPr>
+          <p:cNvSpPr/>
+          <p:nvPr/>
+        </p:nvSpPr>
+        <p:spPr>
+          <a:xfrm>
+            <a:off x="444617" y="3206691"/>
+            <a:ext cx="6912528" cy="444617"/>
+          </a:xfrm>
+          <a:prstGeom prst="rect">
+            <a:avLst/>
+          </a:prstGeom>
+        </p:spPr>
+        <p:style>
+          <a:lnRef idx="2">
+            <a:schemeClr val="accent5"/>
+          </a:lnRef>
+          <a:fillRef idx="1">
+            <a:schemeClr val="lt1"/>
+          </a:fillRef>
+          <a:effectRef idx="0">
+            <a:schemeClr val="accent5"/>
+          </a:effectRef>
+          <a:fontRef idx="minor">
+            <a:schemeClr val="dk1"/>
+          </a:fontRef>
+        </p:style>
+        <p:txBody>
+          <a:bodyPr rtlCol="0" anchor="ctr"/>
+          <a:lstStyle/>
+          <a:p>
+            <a:pPr algn="ctr"/>
+            <a:endParaRPr lang="en-IN" dirty="0"/>
+          </a:p>
+        </p:txBody>
+      </p:sp>
+      <p:sp>
+        <p:nvSpPr>
+          <p:cNvPr id="7" name="Arrow: Down 6">
+            <a:extLst>
+              <a:ext uri="{FF2B5EF4-FFF2-40B4-BE49-F238E27FC236}">
+                <a16:creationId xmlns:a16="http://schemas.microsoft.com/office/drawing/2014/main" id="{C28A67D9-E0E9-42A6-8E34-85B42A453E9B}"/>
+              </a:ext>
+            </a:extLst>
+          </p:cNvPr>
+          <p:cNvSpPr/>
+          <p:nvPr/>
+        </p:nvSpPr>
+        <p:spPr>
+          <a:xfrm>
+            <a:off x="3456268" y="2476849"/>
+            <a:ext cx="1006679" cy="729842"/>
+          </a:xfrm>
+          <a:prstGeom prst="downArrow">
+            <a:avLst/>
+          </a:prstGeom>
+        </p:spPr>
+        <p:style>
+          <a:lnRef idx="2">
+            <a:schemeClr val="accent1">
+              <a:shade val="50000"/>
+            </a:schemeClr>
+          </a:lnRef>
+          <a:fillRef idx="1">
+            <a:schemeClr val="accent1"/>
+          </a:fillRef>
+          <a:effectRef idx="0">
+            <a:schemeClr val="accent1"/>
+          </a:effectRef>
+          <a:fontRef idx="minor">
+            <a:schemeClr val="lt1"/>
+          </a:fontRef>
+        </p:style>
+        <p:txBody>
+          <a:bodyPr rtlCol="0" anchor="ctr"/>
+          <a:lstStyle/>
+          <a:p>
+            <a:pPr algn="ctr"/>
+            <a:r>
+              <a:rPr lang="en-IN" dirty="0"/>
+              <a:t>HP</a:t>
+            </a:r>
+          </a:p>
+        </p:txBody>
+      </p:sp>
+      <p:sp>
+        <p:nvSpPr>
+          <p:cNvPr id="8" name="Rectangle 7">
+            <a:extLst>
+              <a:ext uri="{FF2B5EF4-FFF2-40B4-BE49-F238E27FC236}">
+                <a16:creationId xmlns:a16="http://schemas.microsoft.com/office/drawing/2014/main" id="{69D2E148-CC00-41F2-B9F4-60C68A4EFF23}"/>
+              </a:ext>
+            </a:extLst>
+          </p:cNvPr>
+          <p:cNvSpPr/>
+          <p:nvPr/>
+        </p:nvSpPr>
+        <p:spPr>
+          <a:xfrm>
+            <a:off x="444616" y="3206691"/>
+            <a:ext cx="1166070" cy="444617"/>
+          </a:xfrm>
+          <a:prstGeom prst="rect">
+            <a:avLst/>
+          </a:prstGeom>
+        </p:spPr>
+        <p:style>
+          <a:lnRef idx="2">
+            <a:schemeClr val="accent1">
+              <a:shade val="50000"/>
+            </a:schemeClr>
+          </a:lnRef>
+          <a:fillRef idx="1">
+            <a:schemeClr val="accent1"/>
+          </a:fillRef>
+          <a:effectRef idx="0">
+            <a:schemeClr val="accent1"/>
+          </a:effectRef>
+          <a:fontRef idx="minor">
+            <a:schemeClr val="lt1"/>
+          </a:fontRef>
+        </p:style>
+        <p:txBody>
+          <a:bodyPr rtlCol="0" anchor="ctr"/>
+          <a:lstStyle/>
+          <a:p>
+            <a:pPr algn="ctr"/>
+            <a:r>
+              <a:rPr lang="en-IN" dirty="0"/>
+              <a:t>Object1</a:t>
+            </a:r>
+          </a:p>
+        </p:txBody>
+      </p:sp>
+      <p:sp>
+        <p:nvSpPr>
+          <p:cNvPr id="11" name="Rectangle 10">
+            <a:extLst>
+              <a:ext uri="{FF2B5EF4-FFF2-40B4-BE49-F238E27FC236}">
+                <a16:creationId xmlns:a16="http://schemas.microsoft.com/office/drawing/2014/main" id="{7E6034CE-4B96-4CB5-8F09-084BA2D63E48}"/>
+              </a:ext>
+            </a:extLst>
+          </p:cNvPr>
+          <p:cNvSpPr/>
+          <p:nvPr/>
+        </p:nvSpPr>
+        <p:spPr>
+          <a:xfrm>
+            <a:off x="2793533" y="3206689"/>
+            <a:ext cx="1166070" cy="444617"/>
+          </a:xfrm>
+          <a:prstGeom prst="rect">
+            <a:avLst/>
+          </a:prstGeom>
+        </p:spPr>
+        <p:style>
+          <a:lnRef idx="2">
+            <a:schemeClr val="accent1">
+              <a:shade val="50000"/>
+            </a:schemeClr>
+          </a:lnRef>
+          <a:fillRef idx="1">
+            <a:schemeClr val="accent1"/>
+          </a:fillRef>
+          <a:effectRef idx="0">
+            <a:schemeClr val="accent1"/>
+          </a:effectRef>
+          <a:fontRef idx="minor">
+            <a:schemeClr val="lt1"/>
+          </a:fontRef>
+        </p:style>
+        <p:txBody>
+          <a:bodyPr rtlCol="0" anchor="ctr"/>
+          <a:lstStyle/>
+          <a:p>
+            <a:pPr algn="ctr"/>
+            <a:r>
+              <a:rPr lang="en-IN" dirty="0"/>
+              <a:t>Object3</a:t>
+            </a:r>
+          </a:p>
+        </p:txBody>
+      </p:sp>
+      <p:sp>
+        <p:nvSpPr>
+          <p:cNvPr id="12" name="TextBox 11">
+            <a:extLst>
+              <a:ext uri="{FF2B5EF4-FFF2-40B4-BE49-F238E27FC236}">
+                <a16:creationId xmlns:a16="http://schemas.microsoft.com/office/drawing/2014/main" id="{29744352-1F77-4651-8034-2E766735900D}"/>
+              </a:ext>
+            </a:extLst>
+          </p:cNvPr>
+          <p:cNvSpPr txBox="1"/>
+          <p:nvPr/>
+        </p:nvSpPr>
+        <p:spPr>
+          <a:xfrm>
+            <a:off x="8019874" y="813542"/>
+            <a:ext cx="3271707" cy="646331"/>
+          </a:xfrm>
+          <a:prstGeom prst="rect">
+            <a:avLst/>
+          </a:prstGeom>
+          <a:noFill/>
+        </p:spPr>
+        <p:txBody>
+          <a:bodyPr wrap="square" rtlCol="0">
+            <a:spAutoFit/>
+          </a:bodyPr>
+          <a:lstStyle/>
+          <a:p>
+            <a:r>
+              <a:rPr lang="en-IN" dirty="0"/>
+              <a:t>Deallocation happens based on last in first out </a:t>
+            </a:r>
+          </a:p>
+        </p:txBody>
+      </p:sp>
+      <p:sp>
+        <p:nvSpPr>
+          <p:cNvPr id="13" name="TextBox 12">
+            <a:extLst>
+              <a:ext uri="{FF2B5EF4-FFF2-40B4-BE49-F238E27FC236}">
+                <a16:creationId xmlns:a16="http://schemas.microsoft.com/office/drawing/2014/main" id="{52D10396-86FD-435D-A24C-F36FC9E32C36}"/>
+              </a:ext>
+            </a:extLst>
+          </p:cNvPr>
+          <p:cNvSpPr txBox="1"/>
+          <p:nvPr/>
+        </p:nvSpPr>
+        <p:spPr>
+          <a:xfrm>
+            <a:off x="8019874" y="2478942"/>
+            <a:ext cx="3271707" cy="2308324"/>
+          </a:xfrm>
+          <a:prstGeom prst="rect">
+            <a:avLst/>
+          </a:prstGeom>
+          <a:noFill/>
+        </p:spPr>
+        <p:txBody>
+          <a:bodyPr wrap="square" rtlCol="0">
+            <a:spAutoFit/>
+          </a:bodyPr>
+          <a:lstStyle/>
+          <a:p>
+            <a:r>
+              <a:rPr lang="en-IN" dirty="0"/>
+              <a:t>Deallocation happens randomly</a:t>
+            </a:r>
+          </a:p>
+          <a:p>
+            <a:endParaRPr lang="en-IN" dirty="0"/>
+          </a:p>
+          <a:p>
+            <a:r>
+              <a:rPr lang="en-IN" dirty="0"/>
+              <a:t>Lot of fragmentation happens in the heap</a:t>
+            </a:r>
+          </a:p>
+          <a:p>
+            <a:endParaRPr lang="en-IN" dirty="0"/>
+          </a:p>
+          <a:p>
+            <a:r>
+              <a:rPr lang="en-IN" dirty="0"/>
+              <a:t>You would need multiple pointers </a:t>
+            </a:r>
+          </a:p>
+          <a:p>
+            <a:endParaRPr lang="en-IN" dirty="0"/>
+          </a:p>
+        </p:txBody>
+      </p:sp>
+      <p:sp>
+        <p:nvSpPr>
+          <p:cNvPr id="14" name="Arrow: Down 13">
+            <a:extLst>
+              <a:ext uri="{FF2B5EF4-FFF2-40B4-BE49-F238E27FC236}">
+                <a16:creationId xmlns:a16="http://schemas.microsoft.com/office/drawing/2014/main" id="{E73EF773-3EB0-414D-A39D-9D3FC488F274}"/>
+              </a:ext>
+            </a:extLst>
+          </p:cNvPr>
+          <p:cNvSpPr/>
+          <p:nvPr/>
+        </p:nvSpPr>
+        <p:spPr>
+          <a:xfrm>
+            <a:off x="1107346" y="2476847"/>
+            <a:ext cx="1006679" cy="729842"/>
+          </a:xfrm>
+          <a:prstGeom prst="downArrow">
+            <a:avLst/>
+          </a:prstGeom>
+        </p:spPr>
+        <p:style>
+          <a:lnRef idx="2">
+            <a:schemeClr val="accent1">
+              <a:shade val="50000"/>
+            </a:schemeClr>
+          </a:lnRef>
+          <a:fillRef idx="1">
+            <a:schemeClr val="accent1"/>
+          </a:fillRef>
+          <a:effectRef idx="0">
+            <a:schemeClr val="accent1"/>
+          </a:effectRef>
+          <a:fontRef idx="minor">
+            <a:schemeClr val="lt1"/>
+          </a:fontRef>
+        </p:style>
+        <p:txBody>
+          <a:bodyPr rtlCol="0" anchor="ctr"/>
+          <a:lstStyle/>
+          <a:p>
+            <a:pPr algn="ctr"/>
+            <a:r>
+              <a:rPr lang="en-IN" dirty="0"/>
+              <a:t>HP</a:t>
+            </a:r>
+          </a:p>
+        </p:txBody>
+      </p:sp>
+      <p:sp>
+        <p:nvSpPr>
+          <p:cNvPr id="15" name="Arrow: Down 14">
+            <a:extLst>
+              <a:ext uri="{FF2B5EF4-FFF2-40B4-BE49-F238E27FC236}">
+                <a16:creationId xmlns:a16="http://schemas.microsoft.com/office/drawing/2014/main" id="{4E3359F4-46F0-4495-864C-DD386EACE869}"/>
+              </a:ext>
+            </a:extLst>
+          </p:cNvPr>
+          <p:cNvSpPr/>
+          <p:nvPr/>
+        </p:nvSpPr>
+        <p:spPr>
+          <a:xfrm>
+            <a:off x="6849611" y="2476847"/>
+            <a:ext cx="1006679" cy="729842"/>
+          </a:xfrm>
+          <a:prstGeom prst="downArrow">
+            <a:avLst/>
+          </a:prstGeom>
+        </p:spPr>
+        <p:style>
+          <a:lnRef idx="2">
+            <a:schemeClr val="accent1">
+              <a:shade val="50000"/>
+            </a:schemeClr>
+          </a:lnRef>
+          <a:fillRef idx="1">
+            <a:schemeClr val="accent1"/>
+          </a:fillRef>
+          <a:effectRef idx="0">
+            <a:schemeClr val="accent1"/>
+          </a:effectRef>
+          <a:fontRef idx="minor">
+            <a:schemeClr val="lt1"/>
+          </a:fontRef>
+        </p:style>
+        <p:txBody>
+          <a:bodyPr rtlCol="0" anchor="ctr"/>
+          <a:lstStyle/>
+          <a:p>
+            <a:pPr algn="ctr"/>
+            <a:r>
+              <a:rPr lang="en-IN" dirty="0"/>
+              <a:t>HP</a:t>
+            </a:r>
+          </a:p>
+        </p:txBody>
+      </p:sp>
+      <p:sp>
+        <p:nvSpPr>
+          <p:cNvPr id="16" name="Rectangle 15">
+            <a:extLst>
+              <a:ext uri="{FF2B5EF4-FFF2-40B4-BE49-F238E27FC236}">
+                <a16:creationId xmlns:a16="http://schemas.microsoft.com/office/drawing/2014/main" id="{77C4E9EA-CD01-402B-9365-9DAEF79AEF0B}"/>
+              </a:ext>
+            </a:extLst>
+          </p:cNvPr>
+          <p:cNvSpPr/>
+          <p:nvPr/>
+        </p:nvSpPr>
+        <p:spPr>
+          <a:xfrm>
+            <a:off x="6186876" y="3206687"/>
+            <a:ext cx="1166070" cy="444617"/>
+          </a:xfrm>
+          <a:prstGeom prst="rect">
+            <a:avLst/>
+          </a:prstGeom>
+        </p:spPr>
+        <p:style>
+          <a:lnRef idx="2">
+            <a:schemeClr val="accent1">
+              <a:shade val="50000"/>
+            </a:schemeClr>
+          </a:lnRef>
+          <a:fillRef idx="1">
+            <a:schemeClr val="accent1"/>
+          </a:fillRef>
+          <a:effectRef idx="0">
+            <a:schemeClr val="accent1"/>
+          </a:effectRef>
+          <a:fontRef idx="minor">
+            <a:schemeClr val="lt1"/>
+          </a:fontRef>
+        </p:style>
+        <p:txBody>
+          <a:bodyPr rtlCol="0" anchor="ctr"/>
+          <a:lstStyle/>
+          <a:p>
+            <a:pPr algn="ctr"/>
+            <a:r>
+              <a:rPr lang="en-IN" dirty="0"/>
+              <a:t>Object6</a:t>
+            </a:r>
+          </a:p>
+        </p:txBody>
+      </p:sp>
+      <p:sp>
+        <p:nvSpPr>
+          <p:cNvPr id="17" name="Rectangle 16">
+            <a:extLst>
+              <a:ext uri="{FF2B5EF4-FFF2-40B4-BE49-F238E27FC236}">
+                <a16:creationId xmlns:a16="http://schemas.microsoft.com/office/drawing/2014/main" id="{B2C55AAE-38BD-49F1-983D-36A45976CFCF}"/>
+              </a:ext>
+            </a:extLst>
+          </p:cNvPr>
+          <p:cNvSpPr/>
+          <p:nvPr/>
+        </p:nvSpPr>
+        <p:spPr>
+          <a:xfrm>
+            <a:off x="503339" y="5943600"/>
+            <a:ext cx="6912528" cy="444617"/>
+          </a:xfrm>
+          <a:prstGeom prst="rect">
+            <a:avLst/>
+          </a:prstGeom>
+        </p:spPr>
+        <p:style>
+          <a:lnRef idx="2">
+            <a:schemeClr val="accent5"/>
+          </a:lnRef>
+          <a:fillRef idx="1">
+            <a:schemeClr val="lt1"/>
+          </a:fillRef>
+          <a:effectRef idx="0">
+            <a:schemeClr val="accent5"/>
+          </a:effectRef>
+          <a:fontRef idx="minor">
+            <a:schemeClr val="dk1"/>
+          </a:fontRef>
+        </p:style>
+        <p:txBody>
+          <a:bodyPr rtlCol="0" anchor="ctr"/>
+          <a:lstStyle/>
+          <a:p>
+            <a:pPr algn="ctr"/>
+            <a:endParaRPr lang="en-IN" dirty="0"/>
+          </a:p>
+        </p:txBody>
+      </p:sp>
+      <p:sp>
+        <p:nvSpPr>
+          <p:cNvPr id="18" name="Arrow: Down 17">
+            <a:extLst>
+              <a:ext uri="{FF2B5EF4-FFF2-40B4-BE49-F238E27FC236}">
+                <a16:creationId xmlns:a16="http://schemas.microsoft.com/office/drawing/2014/main" id="{654B4CD6-2931-4EFB-B709-A204894F779F}"/>
+              </a:ext>
+            </a:extLst>
+          </p:cNvPr>
+          <p:cNvSpPr/>
+          <p:nvPr/>
+        </p:nvSpPr>
+        <p:spPr>
+          <a:xfrm>
+            <a:off x="3514990" y="5213758"/>
+            <a:ext cx="1006679" cy="729842"/>
+          </a:xfrm>
+          <a:prstGeom prst="downArrow">
+            <a:avLst/>
+          </a:prstGeom>
+        </p:spPr>
+        <p:style>
+          <a:lnRef idx="2">
+            <a:schemeClr val="accent1">
+              <a:shade val="50000"/>
+            </a:schemeClr>
+          </a:lnRef>
+          <a:fillRef idx="1">
+            <a:schemeClr val="accent1"/>
+          </a:fillRef>
+          <a:effectRef idx="0">
+            <a:schemeClr val="accent1"/>
+          </a:effectRef>
+          <a:fontRef idx="minor">
+            <a:schemeClr val="lt1"/>
+          </a:fontRef>
+        </p:style>
+        <p:txBody>
+          <a:bodyPr rtlCol="0" anchor="ctr"/>
+          <a:lstStyle/>
+          <a:p>
+            <a:pPr algn="ctr"/>
+            <a:r>
+              <a:rPr lang="en-IN" dirty="0"/>
+              <a:t>HP</a:t>
+            </a:r>
+          </a:p>
+        </p:txBody>
+      </p:sp>
+      <p:sp>
+        <p:nvSpPr>
+          <p:cNvPr id="19" name="Rectangle 18">
+            <a:extLst>
+              <a:ext uri="{FF2B5EF4-FFF2-40B4-BE49-F238E27FC236}">
+                <a16:creationId xmlns:a16="http://schemas.microsoft.com/office/drawing/2014/main" id="{BDC5299B-2CCB-4121-8991-B80C66956B7B}"/>
+              </a:ext>
+            </a:extLst>
+          </p:cNvPr>
+          <p:cNvSpPr/>
+          <p:nvPr/>
+        </p:nvSpPr>
+        <p:spPr>
+          <a:xfrm>
+            <a:off x="503338" y="5943600"/>
+            <a:ext cx="1166070" cy="444617"/>
+          </a:xfrm>
+          <a:prstGeom prst="rect">
+            <a:avLst/>
+          </a:prstGeom>
+        </p:spPr>
+        <p:style>
+          <a:lnRef idx="2">
+            <a:schemeClr val="accent1">
+              <a:shade val="50000"/>
+            </a:schemeClr>
+          </a:lnRef>
+          <a:fillRef idx="1">
+            <a:schemeClr val="accent1"/>
+          </a:fillRef>
+          <a:effectRef idx="0">
+            <a:schemeClr val="accent1"/>
+          </a:effectRef>
+          <a:fontRef idx="minor">
+            <a:schemeClr val="lt1"/>
+          </a:fontRef>
+        </p:style>
+        <p:txBody>
+          <a:bodyPr rtlCol="0" anchor="ctr"/>
+          <a:lstStyle/>
+          <a:p>
+            <a:pPr algn="ctr"/>
+            <a:r>
+              <a:rPr lang="en-IN" dirty="0"/>
+              <a:t>Object1</a:t>
+            </a:r>
+          </a:p>
+        </p:txBody>
+      </p:sp>
+      <p:sp>
+        <p:nvSpPr>
+          <p:cNvPr id="20" name="Rectangle 19">
+            <a:extLst>
+              <a:ext uri="{FF2B5EF4-FFF2-40B4-BE49-F238E27FC236}">
+                <a16:creationId xmlns:a16="http://schemas.microsoft.com/office/drawing/2014/main" id="{1F5E4306-E469-4E55-A9A1-0D258E4B38A9}"/>
+              </a:ext>
+            </a:extLst>
+          </p:cNvPr>
+          <p:cNvSpPr/>
+          <p:nvPr/>
+        </p:nvSpPr>
+        <p:spPr>
+          <a:xfrm>
+            <a:off x="1677798" y="5943596"/>
+            <a:ext cx="1166070" cy="444617"/>
+          </a:xfrm>
+          <a:prstGeom prst="rect">
+            <a:avLst/>
+          </a:prstGeom>
+        </p:spPr>
+        <p:style>
+          <a:lnRef idx="2">
+            <a:schemeClr val="accent1">
+              <a:shade val="50000"/>
+            </a:schemeClr>
+          </a:lnRef>
+          <a:fillRef idx="1">
+            <a:schemeClr val="accent1"/>
+          </a:fillRef>
+          <a:effectRef idx="0">
+            <a:schemeClr val="accent1"/>
+          </a:effectRef>
+          <a:fontRef idx="minor">
+            <a:schemeClr val="lt1"/>
+          </a:fontRef>
+        </p:style>
+        <p:txBody>
+          <a:bodyPr rtlCol="0" anchor="ctr"/>
+          <a:lstStyle/>
+          <a:p>
+            <a:pPr algn="ctr"/>
+            <a:r>
+              <a:rPr lang="en-IN" dirty="0"/>
+              <a:t>Object3</a:t>
+            </a:r>
+          </a:p>
+        </p:txBody>
+      </p:sp>
+      <p:sp>
+        <p:nvSpPr>
+          <p:cNvPr id="22" name="Rectangle 21">
+            <a:extLst>
+              <a:ext uri="{FF2B5EF4-FFF2-40B4-BE49-F238E27FC236}">
+                <a16:creationId xmlns:a16="http://schemas.microsoft.com/office/drawing/2014/main" id="{ABDF30AD-B1C2-4B32-8AE4-A9B7DE1CEF9F}"/>
+              </a:ext>
+            </a:extLst>
+          </p:cNvPr>
+          <p:cNvSpPr/>
+          <p:nvPr/>
+        </p:nvSpPr>
+        <p:spPr>
+          <a:xfrm>
+            <a:off x="2852258" y="5943596"/>
+            <a:ext cx="1166070" cy="444617"/>
+          </a:xfrm>
+          <a:prstGeom prst="rect">
+            <a:avLst/>
+          </a:prstGeom>
+        </p:spPr>
+        <p:style>
+          <a:lnRef idx="2">
+            <a:schemeClr val="accent1">
+              <a:shade val="50000"/>
+            </a:schemeClr>
+          </a:lnRef>
+          <a:fillRef idx="1">
+            <a:schemeClr val="accent1"/>
+          </a:fillRef>
+          <a:effectRef idx="0">
+            <a:schemeClr val="accent1"/>
+          </a:effectRef>
+          <a:fontRef idx="minor">
+            <a:schemeClr val="lt1"/>
+          </a:fontRef>
+        </p:style>
+        <p:txBody>
+          <a:bodyPr rtlCol="0" anchor="ctr"/>
+          <a:lstStyle/>
+          <a:p>
+            <a:pPr algn="ctr"/>
+            <a:r>
+              <a:rPr lang="en-IN" dirty="0"/>
+              <a:t>Object6</a:t>
+            </a:r>
+          </a:p>
+        </p:txBody>
+      </p:sp>
+      <p:sp>
+        <p:nvSpPr>
+          <p:cNvPr id="24" name="TextBox 23">
+            <a:extLst>
+              <a:ext uri="{FF2B5EF4-FFF2-40B4-BE49-F238E27FC236}">
+                <a16:creationId xmlns:a16="http://schemas.microsoft.com/office/drawing/2014/main" id="{AF05E62F-B2A8-4BF6-A08C-B3C482F57F11}"/>
+              </a:ext>
+            </a:extLst>
+          </p:cNvPr>
+          <p:cNvSpPr txBox="1"/>
+          <p:nvPr/>
+        </p:nvSpPr>
+        <p:spPr>
+          <a:xfrm>
+            <a:off x="7856290" y="5806335"/>
+            <a:ext cx="3271707" cy="923330"/>
+          </a:xfrm>
+          <a:prstGeom prst="rect">
+            <a:avLst/>
+          </a:prstGeom>
+          <a:noFill/>
+        </p:spPr>
+        <p:txBody>
+          <a:bodyPr wrap="square" rtlCol="0">
+            <a:spAutoFit/>
+          </a:bodyPr>
+          <a:lstStyle/>
+          <a:p>
+            <a:r>
+              <a:rPr lang="en-IN" dirty="0"/>
+              <a:t>Garbage collection takes time while defragmentation so that allocation can happen very fast</a:t>
+            </a:r>
+          </a:p>
+        </p:txBody>
+      </p:sp>
+      <p:sp>
+        <p:nvSpPr>
+          <p:cNvPr id="25" name="TextBox 24">
+            <a:extLst>
+              <a:ext uri="{FF2B5EF4-FFF2-40B4-BE49-F238E27FC236}">
+                <a16:creationId xmlns:a16="http://schemas.microsoft.com/office/drawing/2014/main" id="{490743E5-CACA-4969-B319-CFBDC5EADC7A}"/>
+              </a:ext>
+            </a:extLst>
+          </p:cNvPr>
+          <p:cNvSpPr txBox="1"/>
+          <p:nvPr/>
+        </p:nvSpPr>
+        <p:spPr>
+          <a:xfrm>
+            <a:off x="-771269" y="975947"/>
+            <a:ext cx="1106311" cy="369332"/>
+          </a:xfrm>
+          <a:prstGeom prst="rect">
+            <a:avLst/>
+          </a:prstGeom>
+          <a:noFill/>
+        </p:spPr>
+        <p:txBody>
+          <a:bodyPr wrap="square" rtlCol="0">
+            <a:spAutoFit/>
+          </a:bodyPr>
+          <a:lstStyle/>
+          <a:p>
+            <a:r>
+              <a:rPr lang="en-IN" dirty="0"/>
+              <a:t>STACK</a:t>
+            </a:r>
+          </a:p>
+        </p:txBody>
+      </p:sp>
+      <p:sp>
+        <p:nvSpPr>
+          <p:cNvPr id="26" name="TextBox 25">
+            <a:extLst>
+              <a:ext uri="{FF2B5EF4-FFF2-40B4-BE49-F238E27FC236}">
+                <a16:creationId xmlns:a16="http://schemas.microsoft.com/office/drawing/2014/main" id="{749718A4-E269-4DC4-B914-7486893215A8}"/>
+              </a:ext>
+            </a:extLst>
+          </p:cNvPr>
+          <p:cNvSpPr txBox="1"/>
+          <p:nvPr/>
+        </p:nvSpPr>
+        <p:spPr>
+          <a:xfrm>
+            <a:off x="-680571" y="3206687"/>
+            <a:ext cx="1106311" cy="369332"/>
+          </a:xfrm>
+          <a:prstGeom prst="rect">
+            <a:avLst/>
+          </a:prstGeom>
+          <a:noFill/>
+        </p:spPr>
+        <p:txBody>
+          <a:bodyPr wrap="square" rtlCol="0">
+            <a:spAutoFit/>
+          </a:bodyPr>
+          <a:lstStyle/>
+          <a:p>
+            <a:r>
+              <a:rPr lang="en-IN" dirty="0"/>
+              <a:t>C++</a:t>
+            </a:r>
+          </a:p>
+        </p:txBody>
+      </p:sp>
+      <p:sp>
+        <p:nvSpPr>
+          <p:cNvPr id="27" name="TextBox 26">
+            <a:extLst>
+              <a:ext uri="{FF2B5EF4-FFF2-40B4-BE49-F238E27FC236}">
+                <a16:creationId xmlns:a16="http://schemas.microsoft.com/office/drawing/2014/main" id="{0DD79354-D6D9-4B53-8E92-0FE3F44D8088}"/>
+              </a:ext>
+            </a:extLst>
+          </p:cNvPr>
+          <p:cNvSpPr txBox="1"/>
+          <p:nvPr/>
+        </p:nvSpPr>
+        <p:spPr>
+          <a:xfrm>
+            <a:off x="-545281" y="5981238"/>
+            <a:ext cx="1106311" cy="369332"/>
+          </a:xfrm>
+          <a:prstGeom prst="rect">
+            <a:avLst/>
+          </a:prstGeom>
+          <a:noFill/>
+        </p:spPr>
+        <p:txBody>
+          <a:bodyPr wrap="square" rtlCol="0">
+            <a:spAutoFit/>
+          </a:bodyPr>
+          <a:lstStyle/>
+          <a:p>
+            <a:r>
+              <a:rPr lang="en-IN" dirty="0"/>
+              <a:t>.NET</a:t>
+            </a:r>
+          </a:p>
+        </p:txBody>
+      </p:sp>
+    </p:spTree>
+    <p:extLst>
+      <p:ext uri="{BB962C8B-B14F-4D97-AF65-F5344CB8AC3E}">
+        <p14:creationId xmlns:p14="http://schemas.microsoft.com/office/powerpoint/2010/main" val="2292267395"/>
+      </p:ext>
+    </p:extLst>
+  </p:cSld>
+  <p:clrMapOvr>
+    <a:masterClrMapping/>
+  </p:clrMapOvr>
+</p:sld>
+</file>
+
+<file path=ppt/slides/slide25.xml><?xml version="1.0" encoding="utf-8"?>
+<p:sld xmlns:a="http://schemas.openxmlformats.org/drawingml/2006/main" xmlns:r="http://schemas.openxmlformats.org/officeDocument/2006/relationships" xmlns:p="http://schemas.openxmlformats.org/presentationml/2006/main">
+  <p:cSld>
+    <p:spTree>
+      <p:nvGrpSpPr>
+        <p:cNvPr id="1" name=""/>
+        <p:cNvGrpSpPr/>
+        <p:nvPr/>
+      </p:nvGrpSpPr>
+      <p:grpSpPr>
+        <a:xfrm>
+          <a:off x="0" y="0"/>
+          <a:ext cx="0" cy="0"/>
+          <a:chOff x="0" y="0"/>
+          <a:chExt cx="0" cy="0"/>
+        </a:xfrm>
+      </p:grpSpPr>
+      <p:sp>
+        <p:nvSpPr>
+          <p:cNvPr id="2" name="Title 1">
+            <a:extLst>
+              <a:ext uri="{FF2B5EF4-FFF2-40B4-BE49-F238E27FC236}">
+                <a16:creationId xmlns:a16="http://schemas.microsoft.com/office/drawing/2014/main" id="{442B87F4-8EFE-468D-95B2-D222B062799D}"/>
+              </a:ext>
+            </a:extLst>
+          </p:cNvPr>
+          <p:cNvSpPr>
+            <a:spLocks noGrp="1"/>
+          </p:cNvSpPr>
+          <p:nvPr>
+            <p:ph type="title"/>
+          </p:nvPr>
+        </p:nvSpPr>
+        <p:spPr/>
+        <p:txBody>
+          <a:bodyPr/>
+          <a:lstStyle/>
+          <a:p>
+            <a:r>
+              <a:rPr lang="en-IN" dirty="0"/>
+              <a:t>Delegate</a:t>
+            </a:r>
+          </a:p>
+        </p:txBody>
+      </p:sp>
+      <p:sp>
+        <p:nvSpPr>
+          <p:cNvPr id="3" name="Content Placeholder 2">
+            <a:extLst>
+              <a:ext uri="{FF2B5EF4-FFF2-40B4-BE49-F238E27FC236}">
+                <a16:creationId xmlns:a16="http://schemas.microsoft.com/office/drawing/2014/main" id="{F121BC33-B980-4905-8CAB-6EB95204096B}"/>
+              </a:ext>
+            </a:extLst>
+          </p:cNvPr>
+          <p:cNvSpPr>
+            <a:spLocks noGrp="1"/>
+          </p:cNvSpPr>
+          <p:nvPr>
+            <p:ph idx="1"/>
+          </p:nvPr>
+        </p:nvSpPr>
+        <p:spPr/>
+        <p:txBody>
+          <a:bodyPr/>
+          <a:lstStyle/>
+          <a:p>
+            <a:r>
+              <a:rPr lang="en-IN" dirty="0"/>
+              <a:t>When we want to pass the reference of the object and reference of the function to a method. This can be done by using the delegate</a:t>
+            </a:r>
+          </a:p>
+          <a:p>
+            <a:endParaRPr lang="en-IN" dirty="0"/>
+          </a:p>
+          <a:p>
+            <a:endParaRPr lang="en-IN" dirty="0"/>
+          </a:p>
+        </p:txBody>
+      </p:sp>
+      <p:sp>
+        <p:nvSpPr>
+          <p:cNvPr id="4" name="Rectangle 3">
+            <a:extLst>
+              <a:ext uri="{FF2B5EF4-FFF2-40B4-BE49-F238E27FC236}">
+                <a16:creationId xmlns:a16="http://schemas.microsoft.com/office/drawing/2014/main" id="{C4C1DD6D-3856-42D5-B8D4-8CE516444B08}"/>
+              </a:ext>
+            </a:extLst>
+          </p:cNvPr>
+          <p:cNvSpPr/>
+          <p:nvPr/>
+        </p:nvSpPr>
+        <p:spPr>
+          <a:xfrm>
+            <a:off x="304800" y="2840841"/>
+            <a:ext cx="15532100" cy="2862322"/>
+          </a:xfrm>
+          <a:prstGeom prst="rect">
+            <a:avLst/>
+          </a:prstGeom>
+        </p:spPr>
+        <p:txBody>
+          <a:bodyPr wrap="square">
+            <a:spAutoFit/>
+          </a:bodyPr>
+          <a:lstStyle/>
+          <a:p>
+            <a:r>
+              <a:rPr lang="en-IN" dirty="0">
+                <a:solidFill>
+                  <a:srgbClr val="000000"/>
+                </a:solidFill>
+                <a:latin typeface="Consolas" panose="020B0609020204030204" pitchFamily="49" charset="0"/>
+              </a:rPr>
+              <a:t> </a:t>
+            </a:r>
+            <a:r>
+              <a:rPr lang="en-IN" dirty="0">
+                <a:solidFill>
+                  <a:srgbClr val="0000FF"/>
+                </a:solidFill>
+                <a:latin typeface="Consolas" panose="020B0609020204030204" pitchFamily="49" charset="0"/>
+              </a:rPr>
+              <a:t>public</a:t>
+            </a:r>
+            <a:r>
+              <a:rPr lang="en-IN" dirty="0">
+                <a:solidFill>
+                  <a:srgbClr val="000000"/>
+                </a:solidFill>
+                <a:latin typeface="Consolas" panose="020B0609020204030204" pitchFamily="49" charset="0"/>
+              </a:rPr>
+              <a:t> </a:t>
+            </a:r>
+            <a:r>
+              <a:rPr lang="en-IN" dirty="0">
+                <a:solidFill>
+                  <a:srgbClr val="0000FF"/>
+                </a:solidFill>
+                <a:latin typeface="Consolas" panose="020B0609020204030204" pitchFamily="49" charset="0"/>
+              </a:rPr>
+              <a:t>void</a:t>
+            </a:r>
+            <a:r>
+              <a:rPr lang="en-IN" dirty="0">
+                <a:solidFill>
+                  <a:srgbClr val="000000"/>
+                </a:solidFill>
+                <a:latin typeface="Consolas" panose="020B0609020204030204" pitchFamily="49" charset="0"/>
+              </a:rPr>
+              <a:t> Start(</a:t>
+            </a:r>
+            <a:r>
+              <a:rPr lang="en-IN" dirty="0">
+                <a:solidFill>
+                  <a:srgbClr val="008000"/>
+                </a:solidFill>
+                <a:latin typeface="Consolas" panose="020B0609020204030204" pitchFamily="49" charset="0"/>
+              </a:rPr>
+              <a:t>/*this = ref of timer object*/</a:t>
+            </a:r>
+            <a:r>
+              <a:rPr lang="en-IN" dirty="0">
+                <a:solidFill>
+                  <a:srgbClr val="000000"/>
+                </a:solidFill>
+                <a:latin typeface="Consolas" panose="020B0609020204030204" pitchFamily="49" charset="0"/>
+              </a:rPr>
+              <a:t>)</a:t>
+            </a:r>
+          </a:p>
+          <a:p>
+            <a:r>
+              <a:rPr lang="en-IN" dirty="0">
+                <a:solidFill>
+                  <a:srgbClr val="000000"/>
+                </a:solidFill>
+                <a:latin typeface="Consolas" panose="020B0609020204030204" pitchFamily="49" charset="0"/>
+              </a:rPr>
+              <a:t>    {</a:t>
+            </a:r>
+          </a:p>
+          <a:p>
+            <a:r>
+              <a:rPr lang="en-IN" dirty="0">
+                <a:solidFill>
+                  <a:srgbClr val="000000"/>
+                </a:solidFill>
+                <a:latin typeface="Consolas" panose="020B0609020204030204" pitchFamily="49" charset="0"/>
+              </a:rPr>
+              <a:t>        </a:t>
+            </a:r>
+            <a:r>
+              <a:rPr lang="en-IN" dirty="0" err="1">
+                <a:solidFill>
+                  <a:srgbClr val="000000"/>
+                </a:solidFill>
+                <a:latin typeface="Consolas" panose="020B0609020204030204" pitchFamily="49" charset="0"/>
+              </a:rPr>
+              <a:t>Task.Run</a:t>
+            </a:r>
+            <a:r>
+              <a:rPr lang="en-IN" dirty="0">
+                <a:solidFill>
+                  <a:srgbClr val="000000"/>
+                </a:solidFill>
+                <a:latin typeface="Consolas" panose="020B0609020204030204" pitchFamily="49" charset="0"/>
+              </a:rPr>
+              <a:t>(</a:t>
+            </a:r>
+            <a:r>
+              <a:rPr lang="en-IN" dirty="0">
+                <a:solidFill>
+                  <a:srgbClr val="0000FF"/>
+                </a:solidFill>
+                <a:latin typeface="Consolas" panose="020B0609020204030204" pitchFamily="49" charset="0"/>
+              </a:rPr>
+              <a:t>new</a:t>
+            </a:r>
+            <a:r>
+              <a:rPr lang="en-IN" dirty="0">
+                <a:solidFill>
+                  <a:srgbClr val="000000"/>
+                </a:solidFill>
+                <a:latin typeface="Consolas" panose="020B0609020204030204" pitchFamily="49" charset="0"/>
+              </a:rPr>
+              <a:t> Action(</a:t>
+            </a:r>
+            <a:r>
+              <a:rPr lang="en-IN" dirty="0" err="1">
+                <a:solidFill>
+                  <a:srgbClr val="0000FF"/>
+                </a:solidFill>
+                <a:latin typeface="Consolas" panose="020B0609020204030204" pitchFamily="49" charset="0"/>
+              </a:rPr>
+              <a:t>this</a:t>
+            </a:r>
+            <a:r>
+              <a:rPr lang="en-IN" dirty="0" err="1">
+                <a:solidFill>
+                  <a:srgbClr val="000000"/>
+                </a:solidFill>
+                <a:latin typeface="Consolas" panose="020B0609020204030204" pitchFamily="49" charset="0"/>
+              </a:rPr>
+              <a:t>.SecondaryThreadFunction</a:t>
+            </a:r>
+            <a:r>
+              <a:rPr lang="en-IN" dirty="0">
+                <a:solidFill>
+                  <a:srgbClr val="000000"/>
+                </a:solidFill>
+                <a:latin typeface="Consolas" panose="020B0609020204030204" pitchFamily="49" charset="0"/>
+              </a:rPr>
+              <a:t>)); </a:t>
+            </a:r>
+            <a:r>
+              <a:rPr lang="en-IN" dirty="0">
+                <a:solidFill>
+                  <a:srgbClr val="008000"/>
+                </a:solidFill>
+                <a:latin typeface="Consolas" panose="020B0609020204030204" pitchFamily="49" charset="0"/>
+              </a:rPr>
+              <a:t>//gets the thread from CLRs thread pool which is per process</a:t>
+            </a:r>
+          </a:p>
+          <a:p>
+            <a:r>
+              <a:rPr lang="en-IN" dirty="0">
+                <a:solidFill>
+                  <a:srgbClr val="008000"/>
+                </a:solidFill>
+                <a:latin typeface="Consolas" panose="020B0609020204030204" pitchFamily="49" charset="0"/>
+              </a:rPr>
+              <a:t>			//Action is delegate object</a:t>
+            </a:r>
+            <a:endParaRPr lang="en-IN" dirty="0">
+              <a:solidFill>
+                <a:srgbClr val="000000"/>
+              </a:solidFill>
+              <a:latin typeface="Consolas" panose="020B0609020204030204" pitchFamily="49" charset="0"/>
+            </a:endParaRPr>
+          </a:p>
+          <a:p>
+            <a:r>
+              <a:rPr lang="en-IN" dirty="0">
+                <a:solidFill>
+                  <a:srgbClr val="000000"/>
+                </a:solidFill>
+                <a:latin typeface="Consolas" panose="020B0609020204030204" pitchFamily="49" charset="0"/>
+              </a:rPr>
+              <a:t>    }</a:t>
+            </a:r>
+          </a:p>
+          <a:p>
+            <a:endParaRPr lang="en-IN" dirty="0">
+              <a:solidFill>
+                <a:srgbClr val="000000"/>
+              </a:solidFill>
+              <a:latin typeface="Consolas" panose="020B0609020204030204" pitchFamily="49" charset="0"/>
+            </a:endParaRPr>
+          </a:p>
+          <a:p>
+            <a:r>
+              <a:rPr lang="en-IN" dirty="0">
+                <a:solidFill>
+                  <a:srgbClr val="000000"/>
+                </a:solidFill>
+                <a:latin typeface="Consolas" panose="020B0609020204030204" pitchFamily="49" charset="0"/>
+              </a:rPr>
+              <a:t>    </a:t>
+            </a:r>
+            <a:r>
+              <a:rPr lang="en-IN" dirty="0">
+                <a:solidFill>
+                  <a:srgbClr val="0000FF"/>
+                </a:solidFill>
+                <a:latin typeface="Consolas" panose="020B0609020204030204" pitchFamily="49" charset="0"/>
+              </a:rPr>
+              <a:t>void</a:t>
+            </a:r>
+            <a:r>
+              <a:rPr lang="en-IN" dirty="0">
+                <a:solidFill>
+                  <a:srgbClr val="000000"/>
+                </a:solidFill>
+                <a:latin typeface="Consolas" panose="020B0609020204030204" pitchFamily="49" charset="0"/>
+              </a:rPr>
+              <a:t> </a:t>
+            </a:r>
+            <a:r>
+              <a:rPr lang="en-IN" dirty="0" err="1">
+                <a:solidFill>
+                  <a:srgbClr val="000000"/>
+                </a:solidFill>
+                <a:latin typeface="Consolas" panose="020B0609020204030204" pitchFamily="49" charset="0"/>
+              </a:rPr>
+              <a:t>SecondaryThreadFunction</a:t>
+            </a:r>
+            <a:r>
+              <a:rPr lang="en-IN" dirty="0">
+                <a:solidFill>
+                  <a:srgbClr val="000000"/>
+                </a:solidFill>
+                <a:latin typeface="Consolas" panose="020B0609020204030204" pitchFamily="49" charset="0"/>
+              </a:rPr>
+              <a:t>(</a:t>
+            </a:r>
+            <a:r>
+              <a:rPr lang="en-IN" dirty="0">
+                <a:solidFill>
+                  <a:srgbClr val="008000"/>
+                </a:solidFill>
+                <a:latin typeface="Consolas" panose="020B0609020204030204" pitchFamily="49" charset="0"/>
+              </a:rPr>
+              <a:t>/*this = ref of timer object*/</a:t>
+            </a:r>
+            <a:r>
+              <a:rPr lang="en-IN" dirty="0">
+                <a:solidFill>
+                  <a:srgbClr val="000000"/>
+                </a:solidFill>
+                <a:latin typeface="Consolas" panose="020B0609020204030204" pitchFamily="49" charset="0"/>
+              </a:rPr>
+              <a:t>)</a:t>
+            </a:r>
+          </a:p>
+          <a:p>
+            <a:r>
+              <a:rPr lang="en-IN" dirty="0">
+                <a:solidFill>
+                  <a:srgbClr val="000000"/>
+                </a:solidFill>
+                <a:latin typeface="Consolas" panose="020B0609020204030204" pitchFamily="49" charset="0"/>
+              </a:rPr>
+              <a:t>    {</a:t>
+            </a:r>
+          </a:p>
+          <a:p>
+            <a:endParaRPr lang="en-IN" dirty="0">
+              <a:solidFill>
+                <a:srgbClr val="000000"/>
+              </a:solidFill>
+              <a:latin typeface="Consolas" panose="020B0609020204030204" pitchFamily="49" charset="0"/>
+            </a:endParaRPr>
+          </a:p>
+          <a:p>
+            <a:r>
+              <a:rPr lang="en-IN" dirty="0">
+                <a:solidFill>
+                  <a:srgbClr val="000000"/>
+                </a:solidFill>
+                <a:latin typeface="Consolas" panose="020B0609020204030204" pitchFamily="49" charset="0"/>
+              </a:rPr>
+              <a:t>    }</a:t>
+            </a:r>
+            <a:endParaRPr lang="en-IN" dirty="0"/>
+          </a:p>
+        </p:txBody>
+      </p:sp>
+    </p:spTree>
+    <p:extLst>
+      <p:ext uri="{BB962C8B-B14F-4D97-AF65-F5344CB8AC3E}">
+        <p14:creationId xmlns:p14="http://schemas.microsoft.com/office/powerpoint/2010/main" val="2454924664"/>
+      </p:ext>
+    </p:extLst>
+  </p:cSld>
+  <p:clrMapOvr>
+    <a:masterClrMapping/>
+  </p:clrMapOvr>
+</p:sld>
+</file>
+
+<file path=ppt/slides/slide26.xml><?xml version="1.0" encoding="utf-8"?>
+<p:sld xmlns:a="http://schemas.openxmlformats.org/drawingml/2006/main" xmlns:r="http://schemas.openxmlformats.org/officeDocument/2006/relationships" xmlns:p="http://schemas.openxmlformats.org/presentationml/2006/main">
+  <p:cSld>
+    <p:spTree>
+      <p:nvGrpSpPr>
+        <p:cNvPr id="1" name=""/>
+        <p:cNvGrpSpPr/>
+        <p:nvPr/>
+      </p:nvGrpSpPr>
+      <p:grpSpPr>
+        <a:xfrm>
+          <a:off x="0" y="0"/>
+          <a:ext cx="0" cy="0"/>
+          <a:chOff x="0" y="0"/>
+          <a:chExt cx="0" cy="0"/>
+        </a:xfrm>
+      </p:grpSpPr>
+      <p:sp>
+        <p:nvSpPr>
+          <p:cNvPr id="2" name="Rectangle 1">
+            <a:extLst>
+              <a:ext uri="{FF2B5EF4-FFF2-40B4-BE49-F238E27FC236}">
+                <a16:creationId xmlns:a16="http://schemas.microsoft.com/office/drawing/2014/main" id="{2E7126FB-B3D4-44D0-A141-C071319B9BBC}"/>
+              </a:ext>
+            </a:extLst>
+          </p:cNvPr>
+          <p:cNvSpPr/>
+          <p:nvPr/>
+        </p:nvSpPr>
+        <p:spPr>
+          <a:xfrm>
+            <a:off x="637563" y="696286"/>
+            <a:ext cx="1862356" cy="3800213"/>
+          </a:xfrm>
+          <a:prstGeom prst="rect">
+            <a:avLst/>
+          </a:prstGeom>
+        </p:spPr>
+        <p:style>
+          <a:lnRef idx="2">
+            <a:schemeClr val="accent1">
+              <a:shade val="50000"/>
+            </a:schemeClr>
+          </a:lnRef>
+          <a:fillRef idx="1">
+            <a:schemeClr val="accent1"/>
+          </a:fillRef>
+          <a:effectRef idx="0">
+            <a:schemeClr val="accent1"/>
+          </a:effectRef>
+          <a:fontRef idx="minor">
+            <a:schemeClr val="lt1"/>
+          </a:fontRef>
+        </p:style>
+        <p:txBody>
+          <a:bodyPr rtlCol="0" anchor="ctr"/>
+          <a:lstStyle/>
+          <a:p>
+            <a:pPr algn="ctr"/>
+            <a:r>
+              <a:rPr lang="en-IN" dirty="0" err="1"/>
+              <a:t>ConsoleUI</a:t>
+            </a:r>
+            <a:endParaRPr lang="en-IN" dirty="0"/>
+          </a:p>
+          <a:p>
+            <a:pPr algn="ctr"/>
+            <a:r>
+              <a:rPr lang="en-IN" dirty="0"/>
+              <a:t>Object</a:t>
+            </a:r>
+          </a:p>
+        </p:txBody>
+      </p:sp>
+      <p:sp>
+        <p:nvSpPr>
+          <p:cNvPr id="3" name="Arrow: Right 2">
+            <a:extLst>
+              <a:ext uri="{FF2B5EF4-FFF2-40B4-BE49-F238E27FC236}">
+                <a16:creationId xmlns:a16="http://schemas.microsoft.com/office/drawing/2014/main" id="{51C9946F-B994-4B94-964C-49CF156AF834}"/>
+              </a:ext>
+            </a:extLst>
+          </p:cNvPr>
+          <p:cNvSpPr/>
+          <p:nvPr/>
+        </p:nvSpPr>
+        <p:spPr>
+          <a:xfrm>
+            <a:off x="2499919" y="696286"/>
+            <a:ext cx="1359017" cy="796954"/>
+          </a:xfrm>
+          <a:prstGeom prst="rightArrow">
+            <a:avLst/>
+          </a:prstGeom>
+        </p:spPr>
+        <p:style>
+          <a:lnRef idx="2">
+            <a:schemeClr val="accent3">
+              <a:shade val="50000"/>
+            </a:schemeClr>
+          </a:lnRef>
+          <a:fillRef idx="1">
+            <a:schemeClr val="accent3"/>
+          </a:fillRef>
+          <a:effectRef idx="0">
+            <a:schemeClr val="accent3"/>
+          </a:effectRef>
+          <a:fontRef idx="minor">
+            <a:schemeClr val="lt1"/>
+          </a:fontRef>
+        </p:style>
+        <p:txBody>
+          <a:bodyPr rtlCol="0" anchor="ctr"/>
+          <a:lstStyle/>
+          <a:p>
+            <a:pPr algn="ctr"/>
+            <a:r>
+              <a:rPr lang="en-IN" sz="1400" dirty="0"/>
+              <a:t>Call</a:t>
+            </a:r>
+          </a:p>
+          <a:p>
+            <a:pPr algn="ctr"/>
+            <a:r>
+              <a:rPr lang="en-IN" sz="1400" dirty="0"/>
+              <a:t>Add()</a:t>
+            </a:r>
+          </a:p>
+        </p:txBody>
+      </p:sp>
+      <p:sp>
+        <p:nvSpPr>
+          <p:cNvPr id="4" name="Rectangle 3">
+            <a:extLst>
+              <a:ext uri="{FF2B5EF4-FFF2-40B4-BE49-F238E27FC236}">
+                <a16:creationId xmlns:a16="http://schemas.microsoft.com/office/drawing/2014/main" id="{3AF68467-5204-4346-B221-1BF878DAFC77}"/>
+              </a:ext>
+            </a:extLst>
+          </p:cNvPr>
+          <p:cNvSpPr/>
+          <p:nvPr/>
+        </p:nvSpPr>
+        <p:spPr>
+          <a:xfrm>
+            <a:off x="3858936" y="696286"/>
+            <a:ext cx="1862356" cy="3800213"/>
+          </a:xfrm>
+          <a:prstGeom prst="rect">
+            <a:avLst/>
+          </a:prstGeom>
+        </p:spPr>
+        <p:style>
+          <a:lnRef idx="2">
+            <a:schemeClr val="accent1">
+              <a:shade val="50000"/>
+            </a:schemeClr>
+          </a:lnRef>
+          <a:fillRef idx="1">
+            <a:schemeClr val="accent1"/>
+          </a:fillRef>
+          <a:effectRef idx="0">
+            <a:schemeClr val="accent1"/>
+          </a:effectRef>
+          <a:fontRef idx="minor">
+            <a:schemeClr val="lt1"/>
+          </a:fontRef>
+        </p:style>
+        <p:txBody>
+          <a:bodyPr rtlCol="0" anchor="ctr"/>
+          <a:lstStyle/>
+          <a:p>
+            <a:pPr algn="ctr"/>
+            <a:r>
+              <a:rPr lang="en-IN" dirty="0" err="1"/>
+              <a:t>ReminderLogic</a:t>
+            </a:r>
+            <a:endParaRPr lang="en-IN" dirty="0"/>
+          </a:p>
+          <a:p>
+            <a:pPr algn="ctr"/>
+            <a:r>
+              <a:rPr lang="en-IN" dirty="0"/>
+              <a:t>Object</a:t>
+            </a:r>
+          </a:p>
+        </p:txBody>
+      </p:sp>
+      <p:sp>
+        <p:nvSpPr>
+          <p:cNvPr id="6" name="Rectangle 5">
+            <a:extLst>
+              <a:ext uri="{FF2B5EF4-FFF2-40B4-BE49-F238E27FC236}">
+                <a16:creationId xmlns:a16="http://schemas.microsoft.com/office/drawing/2014/main" id="{B96CB524-7488-431D-A736-0AB05EB68BF0}"/>
+              </a:ext>
+            </a:extLst>
+          </p:cNvPr>
+          <p:cNvSpPr/>
+          <p:nvPr/>
+        </p:nvSpPr>
+        <p:spPr>
+          <a:xfrm>
+            <a:off x="7080309" y="654340"/>
+            <a:ext cx="1862356" cy="3842159"/>
+          </a:xfrm>
+          <a:prstGeom prst="rect">
+            <a:avLst/>
+          </a:prstGeom>
+        </p:spPr>
+        <p:style>
+          <a:lnRef idx="2">
+            <a:schemeClr val="accent1">
+              <a:shade val="50000"/>
+            </a:schemeClr>
+          </a:lnRef>
+          <a:fillRef idx="1">
+            <a:schemeClr val="accent1"/>
+          </a:fillRef>
+          <a:effectRef idx="0">
+            <a:schemeClr val="accent1"/>
+          </a:effectRef>
+          <a:fontRef idx="minor">
+            <a:schemeClr val="lt1"/>
+          </a:fontRef>
+        </p:style>
+        <p:txBody>
+          <a:bodyPr rtlCol="0" anchor="ctr"/>
+          <a:lstStyle/>
+          <a:p>
+            <a:pPr algn="ctr"/>
+            <a:r>
+              <a:rPr lang="en-IN" dirty="0"/>
+              <a:t>Timer</a:t>
+            </a:r>
+          </a:p>
+          <a:p>
+            <a:pPr algn="ctr"/>
+            <a:r>
+              <a:rPr lang="en-IN" dirty="0"/>
+              <a:t>Object</a:t>
+            </a:r>
+          </a:p>
+        </p:txBody>
+      </p:sp>
+      <p:sp>
+        <p:nvSpPr>
+          <p:cNvPr id="7" name="Arrow: Right 6">
+            <a:extLst>
+              <a:ext uri="{FF2B5EF4-FFF2-40B4-BE49-F238E27FC236}">
+                <a16:creationId xmlns:a16="http://schemas.microsoft.com/office/drawing/2014/main" id="{7A52B008-02BC-49FF-82A6-80DBD7BE79E3}"/>
+              </a:ext>
+            </a:extLst>
+          </p:cNvPr>
+          <p:cNvSpPr/>
+          <p:nvPr/>
+        </p:nvSpPr>
+        <p:spPr>
+          <a:xfrm>
+            <a:off x="5721292" y="654340"/>
+            <a:ext cx="1359017" cy="796954"/>
+          </a:xfrm>
+          <a:prstGeom prst="rightArrow">
+            <a:avLst/>
+          </a:prstGeom>
+        </p:spPr>
+        <p:style>
+          <a:lnRef idx="2">
+            <a:schemeClr val="accent3">
+              <a:shade val="50000"/>
+            </a:schemeClr>
+          </a:lnRef>
+          <a:fillRef idx="1">
+            <a:schemeClr val="accent3"/>
+          </a:fillRef>
+          <a:effectRef idx="0">
+            <a:schemeClr val="accent3"/>
+          </a:effectRef>
+          <a:fontRef idx="minor">
+            <a:schemeClr val="lt1"/>
+          </a:fontRef>
+        </p:style>
+        <p:txBody>
+          <a:bodyPr rtlCol="0" anchor="ctr"/>
+          <a:lstStyle/>
+          <a:p>
+            <a:pPr algn="ctr"/>
+            <a:r>
+              <a:rPr lang="en-IN" sz="1400" dirty="0"/>
+              <a:t>Call</a:t>
+            </a:r>
+          </a:p>
+          <a:p>
+            <a:pPr algn="ctr"/>
+            <a:r>
+              <a:rPr lang="en-IN" sz="1400" dirty="0"/>
+              <a:t>Start()</a:t>
+            </a:r>
+          </a:p>
+        </p:txBody>
+      </p:sp>
+      <p:sp>
+        <p:nvSpPr>
+          <p:cNvPr id="8" name="Arrow: Left 7">
+            <a:extLst>
+              <a:ext uri="{FF2B5EF4-FFF2-40B4-BE49-F238E27FC236}">
+                <a16:creationId xmlns:a16="http://schemas.microsoft.com/office/drawing/2014/main" id="{8298EE88-26DB-4FAC-9723-13BFAE72F5FD}"/>
+              </a:ext>
+            </a:extLst>
+          </p:cNvPr>
+          <p:cNvSpPr/>
+          <p:nvPr/>
+        </p:nvSpPr>
+        <p:spPr>
+          <a:xfrm>
+            <a:off x="2499919" y="1929468"/>
+            <a:ext cx="1300294" cy="504738"/>
+          </a:xfrm>
+          <a:prstGeom prst="leftArrow">
+            <a:avLst/>
+          </a:prstGeom>
+        </p:spPr>
+        <p:style>
+          <a:lnRef idx="2">
+            <a:schemeClr val="accent3">
+              <a:shade val="50000"/>
+            </a:schemeClr>
+          </a:lnRef>
+          <a:fillRef idx="1">
+            <a:schemeClr val="accent3"/>
+          </a:fillRef>
+          <a:effectRef idx="0">
+            <a:schemeClr val="accent3"/>
+          </a:effectRef>
+          <a:fontRef idx="minor">
+            <a:schemeClr val="lt1"/>
+          </a:fontRef>
+        </p:style>
+        <p:txBody>
+          <a:bodyPr rtlCol="0" anchor="ctr"/>
+          <a:lstStyle/>
+          <a:p>
+            <a:pPr algn="ctr"/>
+            <a:r>
+              <a:rPr lang="en-IN" dirty="0"/>
+              <a:t>return</a:t>
+            </a:r>
+          </a:p>
+        </p:txBody>
+      </p:sp>
+      <p:sp>
+        <p:nvSpPr>
+          <p:cNvPr id="9" name="Arrow: Left 8">
+            <a:extLst>
+              <a:ext uri="{FF2B5EF4-FFF2-40B4-BE49-F238E27FC236}">
+                <a16:creationId xmlns:a16="http://schemas.microsoft.com/office/drawing/2014/main" id="{7D02296F-517B-43BB-A328-D0F4B7CFA192}"/>
+              </a:ext>
+            </a:extLst>
+          </p:cNvPr>
+          <p:cNvSpPr/>
+          <p:nvPr/>
+        </p:nvSpPr>
+        <p:spPr>
+          <a:xfrm>
+            <a:off x="5721292" y="1929468"/>
+            <a:ext cx="1300294" cy="527807"/>
+          </a:xfrm>
+          <a:prstGeom prst="leftArrow">
+            <a:avLst/>
+          </a:prstGeom>
+        </p:spPr>
+        <p:style>
+          <a:lnRef idx="2">
+            <a:schemeClr val="accent3">
+              <a:shade val="50000"/>
+            </a:schemeClr>
+          </a:lnRef>
+          <a:fillRef idx="1">
+            <a:schemeClr val="accent3"/>
+          </a:fillRef>
+          <a:effectRef idx="0">
+            <a:schemeClr val="accent3"/>
+          </a:effectRef>
+          <a:fontRef idx="minor">
+            <a:schemeClr val="lt1"/>
+          </a:fontRef>
+        </p:style>
+        <p:txBody>
+          <a:bodyPr rtlCol="0" anchor="ctr"/>
+          <a:lstStyle/>
+          <a:p>
+            <a:pPr algn="ctr"/>
+            <a:r>
+              <a:rPr lang="en-IN" dirty="0"/>
+              <a:t>return</a:t>
+            </a:r>
+          </a:p>
+        </p:txBody>
+      </p:sp>
+      <p:sp>
+        <p:nvSpPr>
+          <p:cNvPr id="10" name="Arrow: Left 9">
+            <a:extLst>
+              <a:ext uri="{FF2B5EF4-FFF2-40B4-BE49-F238E27FC236}">
+                <a16:creationId xmlns:a16="http://schemas.microsoft.com/office/drawing/2014/main" id="{D6A4A8A3-327B-41CA-B73C-05E2EB39B7A1}"/>
+              </a:ext>
+            </a:extLst>
+          </p:cNvPr>
+          <p:cNvSpPr/>
+          <p:nvPr/>
+        </p:nvSpPr>
+        <p:spPr>
+          <a:xfrm>
+            <a:off x="2529280" y="3818390"/>
+            <a:ext cx="1300294" cy="504738"/>
+          </a:xfrm>
+          <a:prstGeom prst="leftArrow">
+            <a:avLst/>
+          </a:prstGeom>
+        </p:spPr>
+        <p:style>
+          <a:lnRef idx="2">
+            <a:schemeClr val="accent3">
+              <a:shade val="50000"/>
+            </a:schemeClr>
+          </a:lnRef>
+          <a:fillRef idx="1">
+            <a:schemeClr val="accent3"/>
+          </a:fillRef>
+          <a:effectRef idx="0">
+            <a:schemeClr val="accent3"/>
+          </a:effectRef>
+          <a:fontRef idx="minor">
+            <a:schemeClr val="lt1"/>
+          </a:fontRef>
+        </p:style>
+        <p:txBody>
+          <a:bodyPr rtlCol="0" anchor="ctr"/>
+          <a:lstStyle/>
+          <a:p>
+            <a:pPr algn="ctr"/>
+            <a:r>
+              <a:rPr lang="en-IN" dirty="0"/>
+              <a:t>Event</a:t>
+            </a:r>
+          </a:p>
+        </p:txBody>
+      </p:sp>
+      <p:sp>
+        <p:nvSpPr>
+          <p:cNvPr id="11" name="Arrow: Left 10">
+            <a:extLst>
+              <a:ext uri="{FF2B5EF4-FFF2-40B4-BE49-F238E27FC236}">
+                <a16:creationId xmlns:a16="http://schemas.microsoft.com/office/drawing/2014/main" id="{B2F42CFD-412E-43C0-85C2-C1BFDF82FF2F}"/>
+              </a:ext>
+            </a:extLst>
+          </p:cNvPr>
+          <p:cNvSpPr/>
+          <p:nvPr/>
+        </p:nvSpPr>
+        <p:spPr>
+          <a:xfrm>
+            <a:off x="5750653" y="3818390"/>
+            <a:ext cx="1300294" cy="504738"/>
+          </a:xfrm>
+          <a:prstGeom prst="leftArrow">
+            <a:avLst/>
+          </a:prstGeom>
+        </p:spPr>
+        <p:style>
+          <a:lnRef idx="2">
+            <a:schemeClr val="accent3">
+              <a:shade val="50000"/>
+            </a:schemeClr>
+          </a:lnRef>
+          <a:fillRef idx="1">
+            <a:schemeClr val="accent3"/>
+          </a:fillRef>
+          <a:effectRef idx="0">
+            <a:schemeClr val="accent3"/>
+          </a:effectRef>
+          <a:fontRef idx="minor">
+            <a:schemeClr val="lt1"/>
+          </a:fontRef>
+        </p:style>
+        <p:txBody>
+          <a:bodyPr rtlCol="0" anchor="ctr"/>
+          <a:lstStyle/>
+          <a:p>
+            <a:pPr algn="ctr"/>
+            <a:r>
+              <a:rPr lang="en-IN" dirty="0"/>
+              <a:t>Event</a:t>
+            </a:r>
+          </a:p>
+        </p:txBody>
+      </p:sp>
+      <p:sp>
+        <p:nvSpPr>
+          <p:cNvPr id="12" name="TextBox 11">
+            <a:extLst>
+              <a:ext uri="{FF2B5EF4-FFF2-40B4-BE49-F238E27FC236}">
+                <a16:creationId xmlns:a16="http://schemas.microsoft.com/office/drawing/2014/main" id="{ADEF42C0-3584-438D-85E3-35135C553813}"/>
+              </a:ext>
+            </a:extLst>
+          </p:cNvPr>
+          <p:cNvSpPr txBox="1"/>
+          <p:nvPr/>
+        </p:nvSpPr>
+        <p:spPr>
+          <a:xfrm>
+            <a:off x="2395057" y="326954"/>
+            <a:ext cx="2072081" cy="369332"/>
+          </a:xfrm>
+          <a:prstGeom prst="rect">
+            <a:avLst/>
+          </a:prstGeom>
+          <a:noFill/>
+        </p:spPr>
+        <p:txBody>
+          <a:bodyPr wrap="square" rtlCol="0">
+            <a:spAutoFit/>
+          </a:bodyPr>
+          <a:lstStyle/>
+          <a:p>
+            <a:r>
+              <a:rPr lang="en-IN" dirty="0"/>
+              <a:t>Main Thread</a:t>
+            </a:r>
+          </a:p>
+        </p:txBody>
+      </p:sp>
+      <p:sp>
+        <p:nvSpPr>
+          <p:cNvPr id="13" name="TextBox 12">
+            <a:extLst>
+              <a:ext uri="{FF2B5EF4-FFF2-40B4-BE49-F238E27FC236}">
+                <a16:creationId xmlns:a16="http://schemas.microsoft.com/office/drawing/2014/main" id="{59C22364-86A6-4126-AEAE-AD9848DEDF49}"/>
+              </a:ext>
+            </a:extLst>
+          </p:cNvPr>
+          <p:cNvSpPr txBox="1"/>
+          <p:nvPr/>
+        </p:nvSpPr>
+        <p:spPr>
+          <a:xfrm>
+            <a:off x="5721292" y="285008"/>
+            <a:ext cx="2072081" cy="369332"/>
+          </a:xfrm>
+          <a:prstGeom prst="rect">
+            <a:avLst/>
+          </a:prstGeom>
+          <a:noFill/>
+        </p:spPr>
+        <p:txBody>
+          <a:bodyPr wrap="square" rtlCol="0">
+            <a:spAutoFit/>
+          </a:bodyPr>
+          <a:lstStyle/>
+          <a:p>
+            <a:r>
+              <a:rPr lang="en-IN" dirty="0"/>
+              <a:t>Main Thread</a:t>
+            </a:r>
+          </a:p>
+        </p:txBody>
+      </p:sp>
+      <p:sp>
+        <p:nvSpPr>
+          <p:cNvPr id="14" name="TextBox 13">
+            <a:extLst>
+              <a:ext uri="{FF2B5EF4-FFF2-40B4-BE49-F238E27FC236}">
+                <a16:creationId xmlns:a16="http://schemas.microsoft.com/office/drawing/2014/main" id="{03C49868-F066-40E1-BE15-0C41D4A82510}"/>
+              </a:ext>
+            </a:extLst>
+          </p:cNvPr>
+          <p:cNvSpPr txBox="1"/>
+          <p:nvPr/>
+        </p:nvSpPr>
+        <p:spPr>
+          <a:xfrm>
+            <a:off x="2319555" y="4496499"/>
+            <a:ext cx="2072081" cy="369332"/>
+          </a:xfrm>
+          <a:prstGeom prst="rect">
+            <a:avLst/>
+          </a:prstGeom>
+          <a:noFill/>
+        </p:spPr>
+        <p:txBody>
+          <a:bodyPr wrap="square" rtlCol="0">
+            <a:spAutoFit/>
+          </a:bodyPr>
+          <a:lstStyle/>
+          <a:p>
+            <a:r>
+              <a:rPr lang="en-IN" dirty="0"/>
+              <a:t>Secondary Thread</a:t>
+            </a:r>
+          </a:p>
+        </p:txBody>
+      </p:sp>
+      <p:sp>
+        <p:nvSpPr>
+          <p:cNvPr id="15" name="TextBox 14">
+            <a:extLst>
+              <a:ext uri="{FF2B5EF4-FFF2-40B4-BE49-F238E27FC236}">
+                <a16:creationId xmlns:a16="http://schemas.microsoft.com/office/drawing/2014/main" id="{3364D99B-8C44-439E-A8EA-A8EE66CB2F17}"/>
+              </a:ext>
+            </a:extLst>
+          </p:cNvPr>
+          <p:cNvSpPr txBox="1"/>
+          <p:nvPr/>
+        </p:nvSpPr>
+        <p:spPr>
+          <a:xfrm>
+            <a:off x="5518560" y="4455039"/>
+            <a:ext cx="2072081" cy="369332"/>
+          </a:xfrm>
+          <a:prstGeom prst="rect">
+            <a:avLst/>
+          </a:prstGeom>
+          <a:noFill/>
+        </p:spPr>
+        <p:txBody>
+          <a:bodyPr wrap="square" rtlCol="0">
+            <a:spAutoFit/>
+          </a:bodyPr>
+          <a:lstStyle/>
+          <a:p>
+            <a:r>
+              <a:rPr lang="en-IN" dirty="0"/>
+              <a:t>Secondary Thread</a:t>
+            </a:r>
+          </a:p>
+        </p:txBody>
+      </p:sp>
+    </p:spTree>
+    <p:extLst>
+      <p:ext uri="{BB962C8B-B14F-4D97-AF65-F5344CB8AC3E}">
+        <p14:creationId xmlns:p14="http://schemas.microsoft.com/office/powerpoint/2010/main" val="1047714034"/>
       </p:ext>
     </p:extLst>
   </p:cSld>

--- a/Theory.pptx
+++ b/Theory.pptx
@@ -5,7 +5,7 @@
     <p:sldMasterId id="2147483648" r:id="rId1"/>
   </p:sldMasterIdLst>
   <p:notesMasterIdLst>
-    <p:notesMasterId r:id="rId28"/>
+    <p:notesMasterId r:id="rId36"/>
   </p:notesMasterIdLst>
   <p:sldIdLst>
     <p:sldId id="256" r:id="rId2"/>
@@ -34,6 +34,14 @@
     <p:sldId id="279" r:id="rId25"/>
     <p:sldId id="281" r:id="rId26"/>
     <p:sldId id="280" r:id="rId27"/>
+    <p:sldId id="282" r:id="rId28"/>
+    <p:sldId id="283" r:id="rId29"/>
+    <p:sldId id="284" r:id="rId30"/>
+    <p:sldId id="285" r:id="rId31"/>
+    <p:sldId id="286" r:id="rId32"/>
+    <p:sldId id="287" r:id="rId33"/>
+    <p:sldId id="289" r:id="rId34"/>
+    <p:sldId id="288" r:id="rId35"/>
   </p:sldIdLst>
   <p:sldSz cx="12192000" cy="6858000"/>
   <p:notesSz cx="6858000" cy="9144000"/>
@@ -222,7 +230,7 @@
           <a:p>
             <a:fld id="{E10A149A-767C-45F6-96F8-8A5ED7254604}" type="datetimeFigureOut">
               <a:rPr lang="en-IN" smtClean="0"/>
-              <a:t>07-03-2019</a:t>
+              <a:t>08-03-2019</a:t>
             </a:fld>
             <a:endParaRPr lang="en-IN"/>
           </a:p>
@@ -577,6 +585,276 @@
 </p:notes>
 </file>
 
+<file path=ppt/notesSlides/notesSlide10.xml><?xml version="1.0" encoding="utf-8"?>
+<p:notes xmlns:a="http://schemas.openxmlformats.org/drawingml/2006/main" xmlns:r="http://schemas.openxmlformats.org/officeDocument/2006/relationships" xmlns:p="http://schemas.openxmlformats.org/presentationml/2006/main">
+  <p:cSld>
+    <p:spTree>
+      <p:nvGrpSpPr>
+        <p:cNvPr id="1" name=""/>
+        <p:cNvGrpSpPr/>
+        <p:nvPr/>
+      </p:nvGrpSpPr>
+      <p:grpSpPr>
+        <a:xfrm>
+          <a:off x="0" y="0"/>
+          <a:ext cx="0" cy="0"/>
+          <a:chOff x="0" y="0"/>
+          <a:chExt cx="0" cy="0"/>
+        </a:xfrm>
+      </p:grpSpPr>
+      <p:sp>
+        <p:nvSpPr>
+          <p:cNvPr id="2" name="Slide Image Placeholder 1"/>
+          <p:cNvSpPr>
+            <a:spLocks noGrp="1" noRot="1" noChangeAspect="1"/>
+          </p:cNvSpPr>
+          <p:nvPr>
+            <p:ph type="sldImg"/>
+          </p:nvPr>
+        </p:nvSpPr>
+        <p:spPr/>
+      </p:sp>
+      <p:sp>
+        <p:nvSpPr>
+          <p:cNvPr id="3" name="Notes Placeholder 2"/>
+          <p:cNvSpPr>
+            <a:spLocks noGrp="1"/>
+          </p:cNvSpPr>
+          <p:nvPr>
+            <p:ph type="body" idx="1"/>
+          </p:nvPr>
+        </p:nvSpPr>
+        <p:spPr/>
+        <p:txBody>
+          <a:bodyPr/>
+          <a:lstStyle/>
+          <a:p>
+            <a:r>
+              <a:rPr lang="en-IN" dirty="0"/>
+              <a:t>Exception handling should be handled by the user </a:t>
+            </a:r>
+          </a:p>
+          <a:p>
+            <a:r>
+              <a:rPr lang="en-IN" dirty="0"/>
+              <a:t>Log the exception is a better practice </a:t>
+            </a:r>
+          </a:p>
+          <a:p>
+            <a:endParaRPr lang="en-IN" dirty="0"/>
+          </a:p>
+        </p:txBody>
+      </p:sp>
+      <p:sp>
+        <p:nvSpPr>
+          <p:cNvPr id="4" name="Slide Number Placeholder 3"/>
+          <p:cNvSpPr>
+            <a:spLocks noGrp="1"/>
+          </p:cNvSpPr>
+          <p:nvPr>
+            <p:ph type="sldNum" sz="quarter" idx="5"/>
+          </p:nvPr>
+        </p:nvSpPr>
+        <p:spPr/>
+        <p:txBody>
+          <a:bodyPr/>
+          <a:lstStyle/>
+          <a:p>
+            <a:fld id="{EFF0FF49-AF3D-46B8-94EB-C37AFFF66564}" type="slidenum">
+              <a:rPr lang="en-IN" smtClean="0"/>
+              <a:t>28</a:t>
+            </a:fld>
+            <a:endParaRPr lang="en-IN"/>
+          </a:p>
+        </p:txBody>
+      </p:sp>
+    </p:spTree>
+    <p:extLst>
+      <p:ext uri="{BB962C8B-B14F-4D97-AF65-F5344CB8AC3E}">
+        <p14:creationId xmlns:p14="http://schemas.microsoft.com/office/powerpoint/2010/main" val="2859177524"/>
+      </p:ext>
+    </p:extLst>
+  </p:cSld>
+  <p:clrMapOvr>
+    <a:masterClrMapping/>
+  </p:clrMapOvr>
+</p:notes>
+</file>
+
+<file path=ppt/notesSlides/notesSlide11.xml><?xml version="1.0" encoding="utf-8"?>
+<p:notes xmlns:a="http://schemas.openxmlformats.org/drawingml/2006/main" xmlns:r="http://schemas.openxmlformats.org/officeDocument/2006/relationships" xmlns:p="http://schemas.openxmlformats.org/presentationml/2006/main">
+  <p:cSld>
+    <p:spTree>
+      <p:nvGrpSpPr>
+        <p:cNvPr id="1" name=""/>
+        <p:cNvGrpSpPr/>
+        <p:nvPr/>
+      </p:nvGrpSpPr>
+      <p:grpSpPr>
+        <a:xfrm>
+          <a:off x="0" y="0"/>
+          <a:ext cx="0" cy="0"/>
+          <a:chOff x="0" y="0"/>
+          <a:chExt cx="0" cy="0"/>
+        </a:xfrm>
+      </p:grpSpPr>
+      <p:sp>
+        <p:nvSpPr>
+          <p:cNvPr id="2" name="Slide Image Placeholder 1"/>
+          <p:cNvSpPr>
+            <a:spLocks noGrp="1" noRot="1" noChangeAspect="1"/>
+          </p:cNvSpPr>
+          <p:nvPr>
+            <p:ph type="sldImg"/>
+          </p:nvPr>
+        </p:nvSpPr>
+        <p:spPr/>
+      </p:sp>
+      <p:sp>
+        <p:nvSpPr>
+          <p:cNvPr id="3" name="Notes Placeholder 2"/>
+          <p:cNvSpPr>
+            <a:spLocks noGrp="1"/>
+          </p:cNvSpPr>
+          <p:nvPr>
+            <p:ph type="body" idx="1"/>
+          </p:nvPr>
+        </p:nvSpPr>
+        <p:spPr/>
+        <p:txBody>
+          <a:bodyPr/>
+          <a:lstStyle/>
+          <a:p>
+            <a:r>
+              <a:rPr lang="en-IN" dirty="0"/>
+              <a:t>As there are two threads invoked and the reminder object is accessed from two thread thereby it will cause synchronization issues </a:t>
+            </a:r>
+          </a:p>
+        </p:txBody>
+      </p:sp>
+      <p:sp>
+        <p:nvSpPr>
+          <p:cNvPr id="4" name="Slide Number Placeholder 3"/>
+          <p:cNvSpPr>
+            <a:spLocks noGrp="1"/>
+          </p:cNvSpPr>
+          <p:nvPr>
+            <p:ph type="sldNum" sz="quarter" idx="5"/>
+          </p:nvPr>
+        </p:nvSpPr>
+        <p:spPr/>
+        <p:txBody>
+          <a:bodyPr/>
+          <a:lstStyle/>
+          <a:p>
+            <a:fld id="{EFF0FF49-AF3D-46B8-94EB-C37AFFF66564}" type="slidenum">
+              <a:rPr lang="en-IN" smtClean="0"/>
+              <a:t>30</a:t>
+            </a:fld>
+            <a:endParaRPr lang="en-IN"/>
+          </a:p>
+        </p:txBody>
+      </p:sp>
+    </p:spTree>
+    <p:extLst>
+      <p:ext uri="{BB962C8B-B14F-4D97-AF65-F5344CB8AC3E}">
+        <p14:creationId xmlns:p14="http://schemas.microsoft.com/office/powerpoint/2010/main" val="121544161"/>
+      </p:ext>
+    </p:extLst>
+  </p:cSld>
+  <p:clrMapOvr>
+    <a:masterClrMapping/>
+  </p:clrMapOvr>
+</p:notes>
+</file>
+
+<file path=ppt/notesSlides/notesSlide12.xml><?xml version="1.0" encoding="utf-8"?>
+<p:notes xmlns:a="http://schemas.openxmlformats.org/drawingml/2006/main" xmlns:r="http://schemas.openxmlformats.org/officeDocument/2006/relationships" xmlns:p="http://schemas.openxmlformats.org/presentationml/2006/main">
+  <p:cSld>
+    <p:spTree>
+      <p:nvGrpSpPr>
+        <p:cNvPr id="1" name=""/>
+        <p:cNvGrpSpPr/>
+        <p:nvPr/>
+      </p:nvGrpSpPr>
+      <p:grpSpPr>
+        <a:xfrm>
+          <a:off x="0" y="0"/>
+          <a:ext cx="0" cy="0"/>
+          <a:chOff x="0" y="0"/>
+          <a:chExt cx="0" cy="0"/>
+        </a:xfrm>
+      </p:grpSpPr>
+      <p:sp>
+        <p:nvSpPr>
+          <p:cNvPr id="2" name="Slide Image Placeholder 1"/>
+          <p:cNvSpPr>
+            <a:spLocks noGrp="1" noRot="1" noChangeAspect="1"/>
+          </p:cNvSpPr>
+          <p:nvPr>
+            <p:ph type="sldImg"/>
+          </p:nvPr>
+        </p:nvSpPr>
+        <p:spPr/>
+      </p:sp>
+      <p:sp>
+        <p:nvSpPr>
+          <p:cNvPr id="3" name="Notes Placeholder 2"/>
+          <p:cNvSpPr>
+            <a:spLocks noGrp="1"/>
+          </p:cNvSpPr>
+          <p:nvPr>
+            <p:ph type="body" idx="1"/>
+          </p:nvPr>
+        </p:nvSpPr>
+        <p:spPr/>
+        <p:txBody>
+          <a:bodyPr/>
+          <a:lstStyle/>
+          <a:p>
+            <a:r>
+              <a:rPr lang="en-IN" dirty="0"/>
+              <a:t>Namespace is a logical </a:t>
+            </a:r>
+          </a:p>
+        </p:txBody>
+      </p:sp>
+      <p:sp>
+        <p:nvSpPr>
+          <p:cNvPr id="4" name="Slide Number Placeholder 3"/>
+          <p:cNvSpPr>
+            <a:spLocks noGrp="1"/>
+          </p:cNvSpPr>
+          <p:nvPr>
+            <p:ph type="sldNum" sz="quarter" idx="5"/>
+          </p:nvPr>
+        </p:nvSpPr>
+        <p:spPr/>
+        <p:txBody>
+          <a:bodyPr/>
+          <a:lstStyle/>
+          <a:p>
+            <a:fld id="{EFF0FF49-AF3D-46B8-94EB-C37AFFF66564}" type="slidenum">
+              <a:rPr lang="en-IN" smtClean="0"/>
+              <a:t>31</a:t>
+            </a:fld>
+            <a:endParaRPr lang="en-IN"/>
+          </a:p>
+        </p:txBody>
+      </p:sp>
+    </p:spTree>
+    <p:extLst>
+      <p:ext uri="{BB962C8B-B14F-4D97-AF65-F5344CB8AC3E}">
+        <p14:creationId xmlns:p14="http://schemas.microsoft.com/office/powerpoint/2010/main" val="2260472272"/>
+      </p:ext>
+    </p:extLst>
+  </p:cSld>
+  <p:clrMapOvr>
+    <a:masterClrMapping/>
+  </p:clrMapOvr>
+</p:notes>
+</file>
+
 <file path=ppt/notesSlides/notesSlide2.xml><?xml version="1.0" encoding="utf-8"?>
 <p:notes xmlns:a="http://schemas.openxmlformats.org/drawingml/2006/main" xmlns:r="http://schemas.openxmlformats.org/officeDocument/2006/relationships" xmlns:p="http://schemas.openxmlformats.org/presentationml/2006/main">
   <p:cSld>
@@ -1773,7 +2051,7 @@
           <a:p>
             <a:fld id="{8594F18B-712C-4789-90DB-6CB977E04FFB}" type="datetimeFigureOut">
               <a:rPr lang="en-IN" smtClean="0"/>
-              <a:t>07-03-2019</a:t>
+              <a:t>08-03-2019</a:t>
             </a:fld>
             <a:endParaRPr lang="en-IN"/>
           </a:p>
@@ -1973,7 +2251,7 @@
           <a:p>
             <a:fld id="{8594F18B-712C-4789-90DB-6CB977E04FFB}" type="datetimeFigureOut">
               <a:rPr lang="en-IN" smtClean="0"/>
-              <a:t>07-03-2019</a:t>
+              <a:t>08-03-2019</a:t>
             </a:fld>
             <a:endParaRPr lang="en-IN"/>
           </a:p>
@@ -2183,7 +2461,7 @@
           <a:p>
             <a:fld id="{8594F18B-712C-4789-90DB-6CB977E04FFB}" type="datetimeFigureOut">
               <a:rPr lang="en-IN" smtClean="0"/>
-              <a:t>07-03-2019</a:t>
+              <a:t>08-03-2019</a:t>
             </a:fld>
             <a:endParaRPr lang="en-IN"/>
           </a:p>
@@ -2383,7 +2661,7 @@
           <a:p>
             <a:fld id="{8594F18B-712C-4789-90DB-6CB977E04FFB}" type="datetimeFigureOut">
               <a:rPr lang="en-IN" smtClean="0"/>
-              <a:t>07-03-2019</a:t>
+              <a:t>08-03-2019</a:t>
             </a:fld>
             <a:endParaRPr lang="en-IN"/>
           </a:p>
@@ -2659,7 +2937,7 @@
           <a:p>
             <a:fld id="{8594F18B-712C-4789-90DB-6CB977E04FFB}" type="datetimeFigureOut">
               <a:rPr lang="en-IN" smtClean="0"/>
-              <a:t>07-03-2019</a:t>
+              <a:t>08-03-2019</a:t>
             </a:fld>
             <a:endParaRPr lang="en-IN"/>
           </a:p>
@@ -2927,7 +3205,7 @@
           <a:p>
             <a:fld id="{8594F18B-712C-4789-90DB-6CB977E04FFB}" type="datetimeFigureOut">
               <a:rPr lang="en-IN" smtClean="0"/>
-              <a:t>07-03-2019</a:t>
+              <a:t>08-03-2019</a:t>
             </a:fld>
             <a:endParaRPr lang="en-IN"/>
           </a:p>
@@ -3342,7 +3620,7 @@
           <a:p>
             <a:fld id="{8594F18B-712C-4789-90DB-6CB977E04FFB}" type="datetimeFigureOut">
               <a:rPr lang="en-IN" smtClean="0"/>
-              <a:t>07-03-2019</a:t>
+              <a:t>08-03-2019</a:t>
             </a:fld>
             <a:endParaRPr lang="en-IN"/>
           </a:p>
@@ -3484,7 +3762,7 @@
           <a:p>
             <a:fld id="{8594F18B-712C-4789-90DB-6CB977E04FFB}" type="datetimeFigureOut">
               <a:rPr lang="en-IN" smtClean="0"/>
-              <a:t>07-03-2019</a:t>
+              <a:t>08-03-2019</a:t>
             </a:fld>
             <a:endParaRPr lang="en-IN"/>
           </a:p>
@@ -3597,7 +3875,7 @@
           <a:p>
             <a:fld id="{8594F18B-712C-4789-90DB-6CB977E04FFB}" type="datetimeFigureOut">
               <a:rPr lang="en-IN" smtClean="0"/>
-              <a:t>07-03-2019</a:t>
+              <a:t>08-03-2019</a:t>
             </a:fld>
             <a:endParaRPr lang="en-IN"/>
           </a:p>
@@ -3910,7 +4188,7 @@
           <a:p>
             <a:fld id="{8594F18B-712C-4789-90DB-6CB977E04FFB}" type="datetimeFigureOut">
               <a:rPr lang="en-IN" smtClean="0"/>
-              <a:t>07-03-2019</a:t>
+              <a:t>08-03-2019</a:t>
             </a:fld>
             <a:endParaRPr lang="en-IN"/>
           </a:p>
@@ -4199,7 +4477,7 @@
           <a:p>
             <a:fld id="{8594F18B-712C-4789-90DB-6CB977E04FFB}" type="datetimeFigureOut">
               <a:rPr lang="en-IN" smtClean="0"/>
-              <a:t>07-03-2019</a:t>
+              <a:t>08-03-2019</a:t>
             </a:fld>
             <a:endParaRPr lang="en-IN"/>
           </a:p>
@@ -4442,7 +4720,7 @@
           <a:p>
             <a:fld id="{8594F18B-712C-4789-90DB-6CB977E04FFB}" type="datetimeFigureOut">
               <a:rPr lang="en-IN" smtClean="0"/>
-              <a:t>07-03-2019</a:t>
+              <a:t>08-03-2019</a:t>
             </a:fld>
             <a:endParaRPr lang="en-IN"/>
           </a:p>
@@ -14895,6 +15173,515 @@
 </p:sld>
 </file>
 
+<file path=ppt/slides/slide27.xml><?xml version="1.0" encoding="utf-8"?>
+<p:sld xmlns:a="http://schemas.openxmlformats.org/drawingml/2006/main" xmlns:r="http://schemas.openxmlformats.org/officeDocument/2006/relationships" xmlns:p="http://schemas.openxmlformats.org/presentationml/2006/main">
+  <p:cSld>
+    <p:spTree>
+      <p:nvGrpSpPr>
+        <p:cNvPr id="1" name=""/>
+        <p:cNvGrpSpPr/>
+        <p:nvPr/>
+      </p:nvGrpSpPr>
+      <p:grpSpPr>
+        <a:xfrm>
+          <a:off x="0" y="0"/>
+          <a:ext cx="0" cy="0"/>
+          <a:chOff x="0" y="0"/>
+          <a:chExt cx="0" cy="0"/>
+        </a:xfrm>
+      </p:grpSpPr>
+      <p:sp>
+        <p:nvSpPr>
+          <p:cNvPr id="2" name="Title 1">
+            <a:extLst>
+              <a:ext uri="{FF2B5EF4-FFF2-40B4-BE49-F238E27FC236}">
+                <a16:creationId xmlns:a16="http://schemas.microsoft.com/office/drawing/2014/main" id="{1BD4183B-F741-4CA1-962C-B1750B0AD3E1}"/>
+              </a:ext>
+            </a:extLst>
+          </p:cNvPr>
+          <p:cNvSpPr>
+            <a:spLocks noGrp="1"/>
+          </p:cNvSpPr>
+          <p:nvPr>
+            <p:ph type="ctrTitle"/>
+          </p:nvPr>
+        </p:nvSpPr>
+        <p:spPr/>
+        <p:txBody>
+          <a:bodyPr/>
+          <a:lstStyle/>
+          <a:p>
+            <a:r>
+              <a:rPr lang="en-IN" dirty="0"/>
+              <a:t>Day 4 </a:t>
+            </a:r>
+          </a:p>
+        </p:txBody>
+      </p:sp>
+      <p:sp>
+        <p:nvSpPr>
+          <p:cNvPr id="3" name="Subtitle 2">
+            <a:extLst>
+              <a:ext uri="{FF2B5EF4-FFF2-40B4-BE49-F238E27FC236}">
+                <a16:creationId xmlns:a16="http://schemas.microsoft.com/office/drawing/2014/main" id="{75C16ADC-D57C-4A84-AB36-571F98217E61}"/>
+              </a:ext>
+            </a:extLst>
+          </p:cNvPr>
+          <p:cNvSpPr>
+            <a:spLocks noGrp="1"/>
+          </p:cNvSpPr>
+          <p:nvPr>
+            <p:ph type="subTitle" idx="1"/>
+          </p:nvPr>
+        </p:nvSpPr>
+        <p:spPr/>
+        <p:txBody>
+          <a:bodyPr/>
+          <a:lstStyle/>
+          <a:p>
+            <a:endParaRPr lang="en-IN"/>
+          </a:p>
+        </p:txBody>
+      </p:sp>
+    </p:spTree>
+    <p:extLst>
+      <p:ext uri="{BB962C8B-B14F-4D97-AF65-F5344CB8AC3E}">
+        <p14:creationId xmlns:p14="http://schemas.microsoft.com/office/powerpoint/2010/main" val="3284519601"/>
+      </p:ext>
+    </p:extLst>
+  </p:cSld>
+  <p:clrMapOvr>
+    <a:masterClrMapping/>
+  </p:clrMapOvr>
+</p:sld>
+</file>
+
+<file path=ppt/slides/slide28.xml><?xml version="1.0" encoding="utf-8"?>
+<p:sld xmlns:a="http://schemas.openxmlformats.org/drawingml/2006/main" xmlns:r="http://schemas.openxmlformats.org/officeDocument/2006/relationships" xmlns:p="http://schemas.openxmlformats.org/presentationml/2006/main">
+  <p:cSld>
+    <p:spTree>
+      <p:nvGrpSpPr>
+        <p:cNvPr id="1" name=""/>
+        <p:cNvGrpSpPr/>
+        <p:nvPr/>
+      </p:nvGrpSpPr>
+      <p:grpSpPr>
+        <a:xfrm>
+          <a:off x="0" y="0"/>
+          <a:ext cx="0" cy="0"/>
+          <a:chOff x="0" y="0"/>
+          <a:chExt cx="0" cy="0"/>
+        </a:xfrm>
+      </p:grpSpPr>
+      <p:sp>
+        <p:nvSpPr>
+          <p:cNvPr id="2" name="Rectangle 1">
+            <a:extLst>
+              <a:ext uri="{FF2B5EF4-FFF2-40B4-BE49-F238E27FC236}">
+                <a16:creationId xmlns:a16="http://schemas.microsoft.com/office/drawing/2014/main" id="{9AA3CEBF-15A0-4995-97AD-ED50EE0FF5F0}"/>
+              </a:ext>
+            </a:extLst>
+          </p:cNvPr>
+          <p:cNvSpPr/>
+          <p:nvPr/>
+        </p:nvSpPr>
+        <p:spPr>
+          <a:xfrm>
+            <a:off x="1087405" y="1600783"/>
+            <a:ext cx="2628900" cy="657225"/>
+          </a:xfrm>
+          <a:prstGeom prst="rect">
+            <a:avLst/>
+          </a:prstGeom>
+        </p:spPr>
+        <p:style>
+          <a:lnRef idx="2">
+            <a:schemeClr val="accent1">
+              <a:shade val="50000"/>
+            </a:schemeClr>
+          </a:lnRef>
+          <a:fillRef idx="1">
+            <a:schemeClr val="accent1"/>
+          </a:fillRef>
+          <a:effectRef idx="0">
+            <a:schemeClr val="accent1"/>
+          </a:effectRef>
+          <a:fontRef idx="minor">
+            <a:schemeClr val="lt1"/>
+          </a:fontRef>
+        </p:style>
+        <p:txBody>
+          <a:bodyPr rtlCol="0" anchor="ctr"/>
+          <a:lstStyle/>
+          <a:p>
+            <a:pPr algn="ctr"/>
+            <a:r>
+              <a:rPr lang="en-IN" dirty="0"/>
+              <a:t>DAL</a:t>
+            </a:r>
+          </a:p>
+        </p:txBody>
+      </p:sp>
+      <p:sp>
+        <p:nvSpPr>
+          <p:cNvPr id="3" name="Rectangle 2">
+            <a:extLst>
+              <a:ext uri="{FF2B5EF4-FFF2-40B4-BE49-F238E27FC236}">
+                <a16:creationId xmlns:a16="http://schemas.microsoft.com/office/drawing/2014/main" id="{A19969DA-3FE9-46F4-8B9B-09053F9B0601}"/>
+              </a:ext>
+            </a:extLst>
+          </p:cNvPr>
+          <p:cNvSpPr/>
+          <p:nvPr/>
+        </p:nvSpPr>
+        <p:spPr>
+          <a:xfrm>
+            <a:off x="1087405" y="3453888"/>
+            <a:ext cx="2628900" cy="657225"/>
+          </a:xfrm>
+          <a:prstGeom prst="rect">
+            <a:avLst/>
+          </a:prstGeom>
+        </p:spPr>
+        <p:style>
+          <a:lnRef idx="2">
+            <a:schemeClr val="accent1">
+              <a:shade val="50000"/>
+            </a:schemeClr>
+          </a:lnRef>
+          <a:fillRef idx="1">
+            <a:schemeClr val="accent1"/>
+          </a:fillRef>
+          <a:effectRef idx="0">
+            <a:schemeClr val="accent1"/>
+          </a:effectRef>
+          <a:fontRef idx="minor">
+            <a:schemeClr val="lt1"/>
+          </a:fontRef>
+        </p:style>
+        <p:txBody>
+          <a:bodyPr rtlCol="0" anchor="ctr"/>
+          <a:lstStyle/>
+          <a:p>
+            <a:pPr algn="ctr"/>
+            <a:r>
+              <a:rPr lang="en-IN" dirty="0"/>
+              <a:t>BL</a:t>
+            </a:r>
+          </a:p>
+        </p:txBody>
+      </p:sp>
+      <p:sp>
+        <p:nvSpPr>
+          <p:cNvPr id="4" name="Rectangle 3">
+            <a:extLst>
+              <a:ext uri="{FF2B5EF4-FFF2-40B4-BE49-F238E27FC236}">
+                <a16:creationId xmlns:a16="http://schemas.microsoft.com/office/drawing/2014/main" id="{CF8BB9E5-BD49-4403-AC7B-DF2C17385CC4}"/>
+              </a:ext>
+            </a:extLst>
+          </p:cNvPr>
+          <p:cNvSpPr/>
+          <p:nvPr/>
+        </p:nvSpPr>
+        <p:spPr>
+          <a:xfrm>
+            <a:off x="1087405" y="5382208"/>
+            <a:ext cx="2628900" cy="657225"/>
+          </a:xfrm>
+          <a:prstGeom prst="rect">
+            <a:avLst/>
+          </a:prstGeom>
+        </p:spPr>
+        <p:style>
+          <a:lnRef idx="2">
+            <a:schemeClr val="accent1">
+              <a:shade val="50000"/>
+            </a:schemeClr>
+          </a:lnRef>
+          <a:fillRef idx="1">
+            <a:schemeClr val="accent1"/>
+          </a:fillRef>
+          <a:effectRef idx="0">
+            <a:schemeClr val="accent1"/>
+          </a:effectRef>
+          <a:fontRef idx="minor">
+            <a:schemeClr val="lt1"/>
+          </a:fontRef>
+        </p:style>
+        <p:txBody>
+          <a:bodyPr rtlCol="0" anchor="ctr"/>
+          <a:lstStyle/>
+          <a:p>
+            <a:pPr algn="ctr"/>
+            <a:r>
+              <a:rPr lang="en-IN" dirty="0"/>
+              <a:t>PL</a:t>
+            </a:r>
+          </a:p>
+        </p:txBody>
+      </p:sp>
+      <p:cxnSp>
+        <p:nvCxnSpPr>
+          <p:cNvPr id="6" name="Straight Arrow Connector 5">
+            <a:extLst>
+              <a:ext uri="{FF2B5EF4-FFF2-40B4-BE49-F238E27FC236}">
+                <a16:creationId xmlns:a16="http://schemas.microsoft.com/office/drawing/2014/main" id="{2E42C6DC-36FE-4005-B75F-101A315DEF4C}"/>
+              </a:ext>
+            </a:extLst>
+          </p:cNvPr>
+          <p:cNvCxnSpPr>
+            <a:stCxn id="2" idx="2"/>
+            <a:endCxn id="3" idx="0"/>
+          </p:cNvCxnSpPr>
+          <p:nvPr/>
+        </p:nvCxnSpPr>
+        <p:spPr>
+          <a:xfrm>
+            <a:off x="2401855" y="2258008"/>
+            <a:ext cx="0" cy="1195880"/>
+          </a:xfrm>
+          <a:prstGeom prst="straightConnector1">
+            <a:avLst/>
+          </a:prstGeom>
+          <a:ln>
+            <a:tailEnd type="triangle"/>
+          </a:ln>
+        </p:spPr>
+        <p:style>
+          <a:lnRef idx="1">
+            <a:schemeClr val="accent1"/>
+          </a:lnRef>
+          <a:fillRef idx="0">
+            <a:schemeClr val="accent1"/>
+          </a:fillRef>
+          <a:effectRef idx="0">
+            <a:schemeClr val="accent1"/>
+          </a:effectRef>
+          <a:fontRef idx="minor">
+            <a:schemeClr val="tx1"/>
+          </a:fontRef>
+        </p:style>
+      </p:cxnSp>
+      <p:cxnSp>
+        <p:nvCxnSpPr>
+          <p:cNvPr id="8" name="Straight Arrow Connector 7">
+            <a:extLst>
+              <a:ext uri="{FF2B5EF4-FFF2-40B4-BE49-F238E27FC236}">
+                <a16:creationId xmlns:a16="http://schemas.microsoft.com/office/drawing/2014/main" id="{33174897-F034-493B-B9B5-6763E2DFB424}"/>
+              </a:ext>
+            </a:extLst>
+          </p:cNvPr>
+          <p:cNvCxnSpPr>
+            <a:stCxn id="3" idx="2"/>
+            <a:endCxn id="4" idx="0"/>
+          </p:cNvCxnSpPr>
+          <p:nvPr/>
+        </p:nvCxnSpPr>
+        <p:spPr>
+          <a:xfrm>
+            <a:off x="2401855" y="4111113"/>
+            <a:ext cx="0" cy="1271095"/>
+          </a:xfrm>
+          <a:prstGeom prst="straightConnector1">
+            <a:avLst/>
+          </a:prstGeom>
+          <a:ln>
+            <a:tailEnd type="triangle"/>
+          </a:ln>
+        </p:spPr>
+        <p:style>
+          <a:lnRef idx="1">
+            <a:schemeClr val="accent1"/>
+          </a:lnRef>
+          <a:fillRef idx="0">
+            <a:schemeClr val="accent1"/>
+          </a:fillRef>
+          <a:effectRef idx="0">
+            <a:schemeClr val="accent1"/>
+          </a:effectRef>
+          <a:fontRef idx="minor">
+            <a:schemeClr val="tx1"/>
+          </a:fontRef>
+        </p:style>
+      </p:cxnSp>
+      <p:sp>
+        <p:nvSpPr>
+          <p:cNvPr id="9" name="TextBox 8">
+            <a:extLst>
+              <a:ext uri="{FF2B5EF4-FFF2-40B4-BE49-F238E27FC236}">
+                <a16:creationId xmlns:a16="http://schemas.microsoft.com/office/drawing/2014/main" id="{31C5D6CF-49ED-406B-823E-02B914746898}"/>
+              </a:ext>
+            </a:extLst>
+          </p:cNvPr>
+          <p:cNvSpPr txBox="1"/>
+          <p:nvPr/>
+        </p:nvSpPr>
+        <p:spPr>
+          <a:xfrm>
+            <a:off x="4292403" y="5382208"/>
+            <a:ext cx="2312273" cy="923330"/>
+          </a:xfrm>
+          <a:prstGeom prst="rect">
+            <a:avLst/>
+          </a:prstGeom>
+          <a:noFill/>
+        </p:spPr>
+        <p:txBody>
+          <a:bodyPr wrap="square" rtlCol="0">
+            <a:spAutoFit/>
+          </a:bodyPr>
+          <a:lstStyle/>
+          <a:p>
+            <a:r>
+              <a:rPr lang="en-IN" dirty="0"/>
+              <a:t>Based on the caller we need to handle the exception. </a:t>
+            </a:r>
+          </a:p>
+        </p:txBody>
+      </p:sp>
+      <p:sp>
+        <p:nvSpPr>
+          <p:cNvPr id="12" name="TextBox 11">
+            <a:extLst>
+              <a:ext uri="{FF2B5EF4-FFF2-40B4-BE49-F238E27FC236}">
+                <a16:creationId xmlns:a16="http://schemas.microsoft.com/office/drawing/2014/main" id="{D9FE41B4-D718-4D0B-8DD1-C4B2FF47F03D}"/>
+              </a:ext>
+            </a:extLst>
+          </p:cNvPr>
+          <p:cNvSpPr txBox="1"/>
+          <p:nvPr/>
+        </p:nvSpPr>
+        <p:spPr>
+          <a:xfrm>
+            <a:off x="911610" y="291732"/>
+            <a:ext cx="5184390" cy="584775"/>
+          </a:xfrm>
+          <a:prstGeom prst="rect">
+            <a:avLst/>
+          </a:prstGeom>
+          <a:noFill/>
+        </p:spPr>
+        <p:txBody>
+          <a:bodyPr wrap="square" rtlCol="0">
+            <a:spAutoFit/>
+          </a:bodyPr>
+          <a:lstStyle/>
+          <a:p>
+            <a:r>
+              <a:rPr lang="en-IN" sz="3200" dirty="0"/>
+              <a:t>Exception Handling</a:t>
+            </a:r>
+          </a:p>
+        </p:txBody>
+      </p:sp>
+    </p:spTree>
+    <p:extLst>
+      <p:ext uri="{BB962C8B-B14F-4D97-AF65-F5344CB8AC3E}">
+        <p14:creationId xmlns:p14="http://schemas.microsoft.com/office/powerpoint/2010/main" val="3869356765"/>
+      </p:ext>
+    </p:extLst>
+  </p:cSld>
+  <p:clrMapOvr>
+    <a:masterClrMapping/>
+  </p:clrMapOvr>
+</p:sld>
+</file>
+
+<file path=ppt/slides/slide29.xml><?xml version="1.0" encoding="utf-8"?>
+<p:sld xmlns:a="http://schemas.openxmlformats.org/drawingml/2006/main" xmlns:r="http://schemas.openxmlformats.org/officeDocument/2006/relationships" xmlns:p="http://schemas.openxmlformats.org/presentationml/2006/main">
+  <p:cSld>
+    <p:spTree>
+      <p:nvGrpSpPr>
+        <p:cNvPr id="1" name=""/>
+        <p:cNvGrpSpPr/>
+        <p:nvPr/>
+      </p:nvGrpSpPr>
+      <p:grpSpPr>
+        <a:xfrm>
+          <a:off x="0" y="0"/>
+          <a:ext cx="0" cy="0"/>
+          <a:chOff x="0" y="0"/>
+          <a:chExt cx="0" cy="0"/>
+        </a:xfrm>
+      </p:grpSpPr>
+      <p:sp>
+        <p:nvSpPr>
+          <p:cNvPr id="2" name="Title 1">
+            <a:extLst>
+              <a:ext uri="{FF2B5EF4-FFF2-40B4-BE49-F238E27FC236}">
+                <a16:creationId xmlns:a16="http://schemas.microsoft.com/office/drawing/2014/main" id="{3CB0CEA3-14C9-496E-BDD9-03AD872642C1}"/>
+              </a:ext>
+            </a:extLst>
+          </p:cNvPr>
+          <p:cNvSpPr>
+            <a:spLocks noGrp="1"/>
+          </p:cNvSpPr>
+          <p:nvPr>
+            <p:ph type="title"/>
+          </p:nvPr>
+        </p:nvSpPr>
+        <p:spPr/>
+        <p:txBody>
+          <a:bodyPr/>
+          <a:lstStyle/>
+          <a:p>
+            <a:r>
+              <a:rPr lang="en-IN" dirty="0"/>
+              <a:t>Technical Document</a:t>
+            </a:r>
+          </a:p>
+        </p:txBody>
+      </p:sp>
+      <p:sp>
+        <p:nvSpPr>
+          <p:cNvPr id="3" name="Content Placeholder 2">
+            <a:extLst>
+              <a:ext uri="{FF2B5EF4-FFF2-40B4-BE49-F238E27FC236}">
+                <a16:creationId xmlns:a16="http://schemas.microsoft.com/office/drawing/2014/main" id="{8DA122D0-2155-428A-A23C-D28C0D31455B}"/>
+              </a:ext>
+            </a:extLst>
+          </p:cNvPr>
+          <p:cNvSpPr>
+            <a:spLocks noGrp="1"/>
+          </p:cNvSpPr>
+          <p:nvPr>
+            <p:ph idx="1"/>
+          </p:nvPr>
+        </p:nvSpPr>
+        <p:spPr/>
+        <p:txBody>
+          <a:bodyPr/>
+          <a:lstStyle/>
+          <a:p>
+            <a:r>
+              <a:rPr lang="en-IN" dirty="0"/>
+              <a:t>All exceptions must be handled at least in presentation layer(based on the expectations) </a:t>
+            </a:r>
+          </a:p>
+          <a:p>
+            <a:r>
+              <a:rPr lang="en-IN" dirty="0"/>
+              <a:t>Log the exception in a log file </a:t>
+            </a:r>
+          </a:p>
+          <a:p>
+            <a:endParaRPr lang="en-IN" dirty="0"/>
+          </a:p>
+        </p:txBody>
+      </p:sp>
+    </p:spTree>
+    <p:extLst>
+      <p:ext uri="{BB962C8B-B14F-4D97-AF65-F5344CB8AC3E}">
+        <p14:creationId xmlns:p14="http://schemas.microsoft.com/office/powerpoint/2010/main" val="1768065174"/>
+      </p:ext>
+    </p:extLst>
+  </p:cSld>
+  <p:clrMapOvr>
+    <a:masterClrMapping/>
+  </p:clrMapOvr>
+</p:sld>
+</file>
+
 <file path=ppt/slides/slide3.xml><?xml version="1.0" encoding="utf-8"?>
 <p:sld xmlns:a="http://schemas.openxmlformats.org/drawingml/2006/main" xmlns:r="http://schemas.openxmlformats.org/officeDocument/2006/relationships" xmlns:p="http://schemas.openxmlformats.org/presentationml/2006/main">
   <p:cSld>
@@ -15133,6 +15920,3546 @@
     <p:extLst>
       <p:ext uri="{BB962C8B-B14F-4D97-AF65-F5344CB8AC3E}">
         <p14:creationId xmlns:p14="http://schemas.microsoft.com/office/powerpoint/2010/main" val="2645782276"/>
+      </p:ext>
+    </p:extLst>
+  </p:cSld>
+  <p:clrMapOvr>
+    <a:masterClrMapping/>
+  </p:clrMapOvr>
+</p:sld>
+</file>
+
+<file path=ppt/slides/slide30.xml><?xml version="1.0" encoding="utf-8"?>
+<p:sld xmlns:a="http://schemas.openxmlformats.org/drawingml/2006/main" xmlns:r="http://schemas.openxmlformats.org/officeDocument/2006/relationships" xmlns:p="http://schemas.openxmlformats.org/presentationml/2006/main">
+  <p:cSld>
+    <p:spTree>
+      <p:nvGrpSpPr>
+        <p:cNvPr id="1" name=""/>
+        <p:cNvGrpSpPr/>
+        <p:nvPr/>
+      </p:nvGrpSpPr>
+      <p:grpSpPr>
+        <a:xfrm>
+          <a:off x="0" y="0"/>
+          <a:ext cx="0" cy="0"/>
+          <a:chOff x="0" y="0"/>
+          <a:chExt cx="0" cy="0"/>
+        </a:xfrm>
+      </p:grpSpPr>
+      <p:sp>
+        <p:nvSpPr>
+          <p:cNvPr id="2" name="Rectangle 1">
+            <a:extLst>
+              <a:ext uri="{FF2B5EF4-FFF2-40B4-BE49-F238E27FC236}">
+                <a16:creationId xmlns:a16="http://schemas.microsoft.com/office/drawing/2014/main" id="{2E7126FB-B3D4-44D0-A141-C071319B9BBC}"/>
+              </a:ext>
+            </a:extLst>
+          </p:cNvPr>
+          <p:cNvSpPr/>
+          <p:nvPr/>
+        </p:nvSpPr>
+        <p:spPr>
+          <a:xfrm>
+            <a:off x="637563" y="696286"/>
+            <a:ext cx="1862356" cy="3800213"/>
+          </a:xfrm>
+          <a:prstGeom prst="rect">
+            <a:avLst/>
+          </a:prstGeom>
+        </p:spPr>
+        <p:style>
+          <a:lnRef idx="2">
+            <a:schemeClr val="accent1">
+              <a:shade val="50000"/>
+            </a:schemeClr>
+          </a:lnRef>
+          <a:fillRef idx="1">
+            <a:schemeClr val="accent1"/>
+          </a:fillRef>
+          <a:effectRef idx="0">
+            <a:schemeClr val="accent1"/>
+          </a:effectRef>
+          <a:fontRef idx="minor">
+            <a:schemeClr val="lt1"/>
+          </a:fontRef>
+        </p:style>
+        <p:txBody>
+          <a:bodyPr rtlCol="0" anchor="ctr"/>
+          <a:lstStyle/>
+          <a:p>
+            <a:pPr algn="ctr"/>
+            <a:r>
+              <a:rPr lang="en-IN" dirty="0" err="1"/>
+              <a:t>ConsoleUI</a:t>
+            </a:r>
+            <a:endParaRPr lang="en-IN" dirty="0"/>
+          </a:p>
+          <a:p>
+            <a:pPr algn="ctr"/>
+            <a:r>
+              <a:rPr lang="en-IN" dirty="0"/>
+              <a:t>Object</a:t>
+            </a:r>
+          </a:p>
+        </p:txBody>
+      </p:sp>
+      <p:sp>
+        <p:nvSpPr>
+          <p:cNvPr id="3" name="Arrow: Right 2">
+            <a:extLst>
+              <a:ext uri="{FF2B5EF4-FFF2-40B4-BE49-F238E27FC236}">
+                <a16:creationId xmlns:a16="http://schemas.microsoft.com/office/drawing/2014/main" id="{51C9946F-B994-4B94-964C-49CF156AF834}"/>
+              </a:ext>
+            </a:extLst>
+          </p:cNvPr>
+          <p:cNvSpPr/>
+          <p:nvPr/>
+        </p:nvSpPr>
+        <p:spPr>
+          <a:xfrm>
+            <a:off x="2499919" y="696286"/>
+            <a:ext cx="1359017" cy="796954"/>
+          </a:xfrm>
+          <a:prstGeom prst="rightArrow">
+            <a:avLst/>
+          </a:prstGeom>
+        </p:spPr>
+        <p:style>
+          <a:lnRef idx="2">
+            <a:schemeClr val="accent3">
+              <a:shade val="50000"/>
+            </a:schemeClr>
+          </a:lnRef>
+          <a:fillRef idx="1">
+            <a:schemeClr val="accent3"/>
+          </a:fillRef>
+          <a:effectRef idx="0">
+            <a:schemeClr val="accent3"/>
+          </a:effectRef>
+          <a:fontRef idx="minor">
+            <a:schemeClr val="lt1"/>
+          </a:fontRef>
+        </p:style>
+        <p:txBody>
+          <a:bodyPr rtlCol="0" anchor="ctr"/>
+          <a:lstStyle/>
+          <a:p>
+            <a:pPr algn="ctr"/>
+            <a:r>
+              <a:rPr lang="en-IN" sz="1400" dirty="0"/>
+              <a:t>Call</a:t>
+            </a:r>
+          </a:p>
+          <a:p>
+            <a:pPr algn="ctr"/>
+            <a:r>
+              <a:rPr lang="en-IN" sz="1400" dirty="0"/>
+              <a:t>Add()</a:t>
+            </a:r>
+          </a:p>
+        </p:txBody>
+      </p:sp>
+      <p:sp>
+        <p:nvSpPr>
+          <p:cNvPr id="4" name="Rectangle 3">
+            <a:extLst>
+              <a:ext uri="{FF2B5EF4-FFF2-40B4-BE49-F238E27FC236}">
+                <a16:creationId xmlns:a16="http://schemas.microsoft.com/office/drawing/2014/main" id="{3AF68467-5204-4346-B221-1BF878DAFC77}"/>
+              </a:ext>
+            </a:extLst>
+          </p:cNvPr>
+          <p:cNvSpPr/>
+          <p:nvPr/>
+        </p:nvSpPr>
+        <p:spPr>
+          <a:xfrm>
+            <a:off x="3858936" y="696286"/>
+            <a:ext cx="1862356" cy="3800213"/>
+          </a:xfrm>
+          <a:prstGeom prst="rect">
+            <a:avLst/>
+          </a:prstGeom>
+        </p:spPr>
+        <p:style>
+          <a:lnRef idx="2">
+            <a:schemeClr val="accent1">
+              <a:shade val="50000"/>
+            </a:schemeClr>
+          </a:lnRef>
+          <a:fillRef idx="1">
+            <a:schemeClr val="accent1"/>
+          </a:fillRef>
+          <a:effectRef idx="0">
+            <a:schemeClr val="accent1"/>
+          </a:effectRef>
+          <a:fontRef idx="minor">
+            <a:schemeClr val="lt1"/>
+          </a:fontRef>
+        </p:style>
+        <p:txBody>
+          <a:bodyPr rtlCol="0" anchor="ctr"/>
+          <a:lstStyle/>
+          <a:p>
+            <a:pPr algn="ctr"/>
+            <a:r>
+              <a:rPr lang="en-IN" dirty="0" err="1"/>
+              <a:t>ReminderLogic</a:t>
+            </a:r>
+            <a:endParaRPr lang="en-IN" dirty="0"/>
+          </a:p>
+          <a:p>
+            <a:pPr algn="ctr"/>
+            <a:r>
+              <a:rPr lang="en-IN" dirty="0"/>
+              <a:t>Object</a:t>
+            </a:r>
+          </a:p>
+        </p:txBody>
+      </p:sp>
+      <p:sp>
+        <p:nvSpPr>
+          <p:cNvPr id="6" name="Rectangle 5">
+            <a:extLst>
+              <a:ext uri="{FF2B5EF4-FFF2-40B4-BE49-F238E27FC236}">
+                <a16:creationId xmlns:a16="http://schemas.microsoft.com/office/drawing/2014/main" id="{B96CB524-7488-431D-A736-0AB05EB68BF0}"/>
+              </a:ext>
+            </a:extLst>
+          </p:cNvPr>
+          <p:cNvSpPr/>
+          <p:nvPr/>
+        </p:nvSpPr>
+        <p:spPr>
+          <a:xfrm>
+            <a:off x="7080309" y="654340"/>
+            <a:ext cx="1862356" cy="3842159"/>
+          </a:xfrm>
+          <a:prstGeom prst="rect">
+            <a:avLst/>
+          </a:prstGeom>
+        </p:spPr>
+        <p:style>
+          <a:lnRef idx="2">
+            <a:schemeClr val="accent1">
+              <a:shade val="50000"/>
+            </a:schemeClr>
+          </a:lnRef>
+          <a:fillRef idx="1">
+            <a:schemeClr val="accent1"/>
+          </a:fillRef>
+          <a:effectRef idx="0">
+            <a:schemeClr val="accent1"/>
+          </a:effectRef>
+          <a:fontRef idx="minor">
+            <a:schemeClr val="lt1"/>
+          </a:fontRef>
+        </p:style>
+        <p:txBody>
+          <a:bodyPr rtlCol="0" anchor="ctr"/>
+          <a:lstStyle/>
+          <a:p>
+            <a:pPr algn="ctr"/>
+            <a:r>
+              <a:rPr lang="en-IN" dirty="0"/>
+              <a:t>Timer</a:t>
+            </a:r>
+          </a:p>
+          <a:p>
+            <a:pPr algn="ctr"/>
+            <a:r>
+              <a:rPr lang="en-IN" dirty="0"/>
+              <a:t>Object</a:t>
+            </a:r>
+          </a:p>
+        </p:txBody>
+      </p:sp>
+      <p:sp>
+        <p:nvSpPr>
+          <p:cNvPr id="7" name="Arrow: Right 6">
+            <a:extLst>
+              <a:ext uri="{FF2B5EF4-FFF2-40B4-BE49-F238E27FC236}">
+                <a16:creationId xmlns:a16="http://schemas.microsoft.com/office/drawing/2014/main" id="{7A52B008-02BC-49FF-82A6-80DBD7BE79E3}"/>
+              </a:ext>
+            </a:extLst>
+          </p:cNvPr>
+          <p:cNvSpPr/>
+          <p:nvPr/>
+        </p:nvSpPr>
+        <p:spPr>
+          <a:xfrm>
+            <a:off x="5721292" y="654340"/>
+            <a:ext cx="1359017" cy="796954"/>
+          </a:xfrm>
+          <a:prstGeom prst="rightArrow">
+            <a:avLst/>
+          </a:prstGeom>
+        </p:spPr>
+        <p:style>
+          <a:lnRef idx="2">
+            <a:schemeClr val="accent3">
+              <a:shade val="50000"/>
+            </a:schemeClr>
+          </a:lnRef>
+          <a:fillRef idx="1">
+            <a:schemeClr val="accent3"/>
+          </a:fillRef>
+          <a:effectRef idx="0">
+            <a:schemeClr val="accent3"/>
+          </a:effectRef>
+          <a:fontRef idx="minor">
+            <a:schemeClr val="lt1"/>
+          </a:fontRef>
+        </p:style>
+        <p:txBody>
+          <a:bodyPr rtlCol="0" anchor="ctr"/>
+          <a:lstStyle/>
+          <a:p>
+            <a:pPr algn="ctr"/>
+            <a:r>
+              <a:rPr lang="en-IN" sz="1400" dirty="0"/>
+              <a:t>Call</a:t>
+            </a:r>
+          </a:p>
+          <a:p>
+            <a:pPr algn="ctr"/>
+            <a:r>
+              <a:rPr lang="en-IN" sz="1400" dirty="0"/>
+              <a:t>Start()</a:t>
+            </a:r>
+          </a:p>
+        </p:txBody>
+      </p:sp>
+      <p:sp>
+        <p:nvSpPr>
+          <p:cNvPr id="8" name="Arrow: Left 7">
+            <a:extLst>
+              <a:ext uri="{FF2B5EF4-FFF2-40B4-BE49-F238E27FC236}">
+                <a16:creationId xmlns:a16="http://schemas.microsoft.com/office/drawing/2014/main" id="{8298EE88-26DB-4FAC-9723-13BFAE72F5FD}"/>
+              </a:ext>
+            </a:extLst>
+          </p:cNvPr>
+          <p:cNvSpPr/>
+          <p:nvPr/>
+        </p:nvSpPr>
+        <p:spPr>
+          <a:xfrm>
+            <a:off x="2499919" y="1929468"/>
+            <a:ext cx="1300294" cy="504738"/>
+          </a:xfrm>
+          <a:prstGeom prst="leftArrow">
+            <a:avLst/>
+          </a:prstGeom>
+        </p:spPr>
+        <p:style>
+          <a:lnRef idx="2">
+            <a:schemeClr val="accent3">
+              <a:shade val="50000"/>
+            </a:schemeClr>
+          </a:lnRef>
+          <a:fillRef idx="1">
+            <a:schemeClr val="accent3"/>
+          </a:fillRef>
+          <a:effectRef idx="0">
+            <a:schemeClr val="accent3"/>
+          </a:effectRef>
+          <a:fontRef idx="minor">
+            <a:schemeClr val="lt1"/>
+          </a:fontRef>
+        </p:style>
+        <p:txBody>
+          <a:bodyPr rtlCol="0" anchor="ctr"/>
+          <a:lstStyle/>
+          <a:p>
+            <a:pPr algn="ctr"/>
+            <a:r>
+              <a:rPr lang="en-IN" dirty="0"/>
+              <a:t>return</a:t>
+            </a:r>
+          </a:p>
+        </p:txBody>
+      </p:sp>
+      <p:sp>
+        <p:nvSpPr>
+          <p:cNvPr id="9" name="Arrow: Left 8">
+            <a:extLst>
+              <a:ext uri="{FF2B5EF4-FFF2-40B4-BE49-F238E27FC236}">
+                <a16:creationId xmlns:a16="http://schemas.microsoft.com/office/drawing/2014/main" id="{7D02296F-517B-43BB-A328-D0F4B7CFA192}"/>
+              </a:ext>
+            </a:extLst>
+          </p:cNvPr>
+          <p:cNvSpPr/>
+          <p:nvPr/>
+        </p:nvSpPr>
+        <p:spPr>
+          <a:xfrm>
+            <a:off x="5721292" y="1929468"/>
+            <a:ext cx="1300294" cy="527807"/>
+          </a:xfrm>
+          <a:prstGeom prst="leftArrow">
+            <a:avLst/>
+          </a:prstGeom>
+        </p:spPr>
+        <p:style>
+          <a:lnRef idx="2">
+            <a:schemeClr val="accent3">
+              <a:shade val="50000"/>
+            </a:schemeClr>
+          </a:lnRef>
+          <a:fillRef idx="1">
+            <a:schemeClr val="accent3"/>
+          </a:fillRef>
+          <a:effectRef idx="0">
+            <a:schemeClr val="accent3"/>
+          </a:effectRef>
+          <a:fontRef idx="minor">
+            <a:schemeClr val="lt1"/>
+          </a:fontRef>
+        </p:style>
+        <p:txBody>
+          <a:bodyPr rtlCol="0" anchor="ctr"/>
+          <a:lstStyle/>
+          <a:p>
+            <a:pPr algn="ctr"/>
+            <a:r>
+              <a:rPr lang="en-IN" dirty="0"/>
+              <a:t>return</a:t>
+            </a:r>
+          </a:p>
+        </p:txBody>
+      </p:sp>
+      <p:sp>
+        <p:nvSpPr>
+          <p:cNvPr id="10" name="Arrow: Left 9">
+            <a:extLst>
+              <a:ext uri="{FF2B5EF4-FFF2-40B4-BE49-F238E27FC236}">
+                <a16:creationId xmlns:a16="http://schemas.microsoft.com/office/drawing/2014/main" id="{D6A4A8A3-327B-41CA-B73C-05E2EB39B7A1}"/>
+              </a:ext>
+            </a:extLst>
+          </p:cNvPr>
+          <p:cNvSpPr/>
+          <p:nvPr/>
+        </p:nvSpPr>
+        <p:spPr>
+          <a:xfrm>
+            <a:off x="2529280" y="3818390"/>
+            <a:ext cx="1300294" cy="504738"/>
+          </a:xfrm>
+          <a:prstGeom prst="leftArrow">
+            <a:avLst/>
+          </a:prstGeom>
+        </p:spPr>
+        <p:style>
+          <a:lnRef idx="2">
+            <a:schemeClr val="accent3">
+              <a:shade val="50000"/>
+            </a:schemeClr>
+          </a:lnRef>
+          <a:fillRef idx="1">
+            <a:schemeClr val="accent3"/>
+          </a:fillRef>
+          <a:effectRef idx="0">
+            <a:schemeClr val="accent3"/>
+          </a:effectRef>
+          <a:fontRef idx="minor">
+            <a:schemeClr val="lt1"/>
+          </a:fontRef>
+        </p:style>
+        <p:txBody>
+          <a:bodyPr rtlCol="0" anchor="ctr"/>
+          <a:lstStyle/>
+          <a:p>
+            <a:pPr algn="ctr"/>
+            <a:r>
+              <a:rPr lang="en-IN" dirty="0"/>
+              <a:t>Event</a:t>
+            </a:r>
+          </a:p>
+        </p:txBody>
+      </p:sp>
+      <p:sp>
+        <p:nvSpPr>
+          <p:cNvPr id="11" name="Arrow: Left 10">
+            <a:extLst>
+              <a:ext uri="{FF2B5EF4-FFF2-40B4-BE49-F238E27FC236}">
+                <a16:creationId xmlns:a16="http://schemas.microsoft.com/office/drawing/2014/main" id="{B2F42CFD-412E-43C0-85C2-C1BFDF82FF2F}"/>
+              </a:ext>
+            </a:extLst>
+          </p:cNvPr>
+          <p:cNvSpPr/>
+          <p:nvPr/>
+        </p:nvSpPr>
+        <p:spPr>
+          <a:xfrm>
+            <a:off x="5750653" y="3818390"/>
+            <a:ext cx="1300294" cy="504738"/>
+          </a:xfrm>
+          <a:prstGeom prst="leftArrow">
+            <a:avLst/>
+          </a:prstGeom>
+        </p:spPr>
+        <p:style>
+          <a:lnRef idx="2">
+            <a:schemeClr val="accent3">
+              <a:shade val="50000"/>
+            </a:schemeClr>
+          </a:lnRef>
+          <a:fillRef idx="1">
+            <a:schemeClr val="accent3"/>
+          </a:fillRef>
+          <a:effectRef idx="0">
+            <a:schemeClr val="accent3"/>
+          </a:effectRef>
+          <a:fontRef idx="minor">
+            <a:schemeClr val="lt1"/>
+          </a:fontRef>
+        </p:style>
+        <p:txBody>
+          <a:bodyPr rtlCol="0" anchor="ctr"/>
+          <a:lstStyle/>
+          <a:p>
+            <a:pPr algn="ctr"/>
+            <a:r>
+              <a:rPr lang="en-IN" dirty="0"/>
+              <a:t>Event</a:t>
+            </a:r>
+          </a:p>
+        </p:txBody>
+      </p:sp>
+      <p:sp>
+        <p:nvSpPr>
+          <p:cNvPr id="12" name="TextBox 11">
+            <a:extLst>
+              <a:ext uri="{FF2B5EF4-FFF2-40B4-BE49-F238E27FC236}">
+                <a16:creationId xmlns:a16="http://schemas.microsoft.com/office/drawing/2014/main" id="{ADEF42C0-3584-438D-85E3-35135C553813}"/>
+              </a:ext>
+            </a:extLst>
+          </p:cNvPr>
+          <p:cNvSpPr txBox="1"/>
+          <p:nvPr/>
+        </p:nvSpPr>
+        <p:spPr>
+          <a:xfrm>
+            <a:off x="2395057" y="326954"/>
+            <a:ext cx="2072081" cy="369332"/>
+          </a:xfrm>
+          <a:prstGeom prst="rect">
+            <a:avLst/>
+          </a:prstGeom>
+          <a:noFill/>
+        </p:spPr>
+        <p:txBody>
+          <a:bodyPr wrap="square" rtlCol="0">
+            <a:spAutoFit/>
+          </a:bodyPr>
+          <a:lstStyle/>
+          <a:p>
+            <a:r>
+              <a:rPr lang="en-IN" dirty="0"/>
+              <a:t>Main Thread</a:t>
+            </a:r>
+          </a:p>
+        </p:txBody>
+      </p:sp>
+      <p:sp>
+        <p:nvSpPr>
+          <p:cNvPr id="13" name="TextBox 12">
+            <a:extLst>
+              <a:ext uri="{FF2B5EF4-FFF2-40B4-BE49-F238E27FC236}">
+                <a16:creationId xmlns:a16="http://schemas.microsoft.com/office/drawing/2014/main" id="{59C22364-86A6-4126-AEAE-AD9848DEDF49}"/>
+              </a:ext>
+            </a:extLst>
+          </p:cNvPr>
+          <p:cNvSpPr txBox="1"/>
+          <p:nvPr/>
+        </p:nvSpPr>
+        <p:spPr>
+          <a:xfrm>
+            <a:off x="5721292" y="285008"/>
+            <a:ext cx="2072081" cy="369332"/>
+          </a:xfrm>
+          <a:prstGeom prst="rect">
+            <a:avLst/>
+          </a:prstGeom>
+          <a:noFill/>
+        </p:spPr>
+        <p:txBody>
+          <a:bodyPr wrap="square" rtlCol="0">
+            <a:spAutoFit/>
+          </a:bodyPr>
+          <a:lstStyle/>
+          <a:p>
+            <a:r>
+              <a:rPr lang="en-IN" dirty="0"/>
+              <a:t>Main Thread</a:t>
+            </a:r>
+          </a:p>
+        </p:txBody>
+      </p:sp>
+      <p:sp>
+        <p:nvSpPr>
+          <p:cNvPr id="14" name="TextBox 13">
+            <a:extLst>
+              <a:ext uri="{FF2B5EF4-FFF2-40B4-BE49-F238E27FC236}">
+                <a16:creationId xmlns:a16="http://schemas.microsoft.com/office/drawing/2014/main" id="{03C49868-F066-40E1-BE15-0C41D4A82510}"/>
+              </a:ext>
+            </a:extLst>
+          </p:cNvPr>
+          <p:cNvSpPr txBox="1"/>
+          <p:nvPr/>
+        </p:nvSpPr>
+        <p:spPr>
+          <a:xfrm>
+            <a:off x="2319555" y="4496499"/>
+            <a:ext cx="2072081" cy="369332"/>
+          </a:xfrm>
+          <a:prstGeom prst="rect">
+            <a:avLst/>
+          </a:prstGeom>
+          <a:noFill/>
+        </p:spPr>
+        <p:txBody>
+          <a:bodyPr wrap="square" rtlCol="0">
+            <a:spAutoFit/>
+          </a:bodyPr>
+          <a:lstStyle/>
+          <a:p>
+            <a:r>
+              <a:rPr lang="en-IN" dirty="0"/>
+              <a:t>Secondary Thread</a:t>
+            </a:r>
+          </a:p>
+        </p:txBody>
+      </p:sp>
+      <p:sp>
+        <p:nvSpPr>
+          <p:cNvPr id="15" name="TextBox 14">
+            <a:extLst>
+              <a:ext uri="{FF2B5EF4-FFF2-40B4-BE49-F238E27FC236}">
+                <a16:creationId xmlns:a16="http://schemas.microsoft.com/office/drawing/2014/main" id="{3364D99B-8C44-439E-A8EA-A8EE66CB2F17}"/>
+              </a:ext>
+            </a:extLst>
+          </p:cNvPr>
+          <p:cNvSpPr txBox="1"/>
+          <p:nvPr/>
+        </p:nvSpPr>
+        <p:spPr>
+          <a:xfrm>
+            <a:off x="5518560" y="4455039"/>
+            <a:ext cx="2072081" cy="369332"/>
+          </a:xfrm>
+          <a:prstGeom prst="rect">
+            <a:avLst/>
+          </a:prstGeom>
+          <a:noFill/>
+        </p:spPr>
+        <p:txBody>
+          <a:bodyPr wrap="square" rtlCol="0">
+            <a:spAutoFit/>
+          </a:bodyPr>
+          <a:lstStyle/>
+          <a:p>
+            <a:r>
+              <a:rPr lang="en-IN" dirty="0"/>
+              <a:t>Secondary Thread</a:t>
+            </a:r>
+          </a:p>
+        </p:txBody>
+      </p:sp>
+    </p:spTree>
+    <p:extLst>
+      <p:ext uri="{BB962C8B-B14F-4D97-AF65-F5344CB8AC3E}">
+        <p14:creationId xmlns:p14="http://schemas.microsoft.com/office/powerpoint/2010/main" val="2995350901"/>
+      </p:ext>
+    </p:extLst>
+  </p:cSld>
+  <p:clrMapOvr>
+    <a:masterClrMapping/>
+  </p:clrMapOvr>
+</p:sld>
+</file>
+
+<file path=ppt/slides/slide31.xml><?xml version="1.0" encoding="utf-8"?>
+<p:sld xmlns:a="http://schemas.openxmlformats.org/drawingml/2006/main" xmlns:r="http://schemas.openxmlformats.org/officeDocument/2006/relationships" xmlns:p="http://schemas.openxmlformats.org/presentationml/2006/main">
+  <p:cSld>
+    <p:spTree>
+      <p:nvGrpSpPr>
+        <p:cNvPr id="1" name=""/>
+        <p:cNvGrpSpPr/>
+        <p:nvPr/>
+      </p:nvGrpSpPr>
+      <p:grpSpPr>
+        <a:xfrm>
+          <a:off x="0" y="0"/>
+          <a:ext cx="0" cy="0"/>
+          <a:chOff x="0" y="0"/>
+          <a:chExt cx="0" cy="0"/>
+        </a:xfrm>
+      </p:grpSpPr>
+      <p:sp>
+        <p:nvSpPr>
+          <p:cNvPr id="2" name="Rectangle 1">
+            <a:extLst>
+              <a:ext uri="{FF2B5EF4-FFF2-40B4-BE49-F238E27FC236}">
+                <a16:creationId xmlns:a16="http://schemas.microsoft.com/office/drawing/2014/main" id="{43B5DA2B-93D0-4AA7-AD7E-0C34B385E63B}"/>
+              </a:ext>
+            </a:extLst>
+          </p:cNvPr>
+          <p:cNvSpPr/>
+          <p:nvPr/>
+        </p:nvSpPr>
+        <p:spPr>
+          <a:xfrm>
+            <a:off x="6195524" y="1894114"/>
+            <a:ext cx="5915609" cy="765110"/>
+          </a:xfrm>
+          <a:prstGeom prst="rect">
+            <a:avLst/>
+          </a:prstGeom>
+        </p:spPr>
+        <p:style>
+          <a:lnRef idx="2">
+            <a:schemeClr val="accent1">
+              <a:shade val="50000"/>
+            </a:schemeClr>
+          </a:lnRef>
+          <a:fillRef idx="1">
+            <a:schemeClr val="accent1"/>
+          </a:fillRef>
+          <a:effectRef idx="0">
+            <a:schemeClr val="accent1"/>
+          </a:effectRef>
+          <a:fontRef idx="minor">
+            <a:schemeClr val="lt1"/>
+          </a:fontRef>
+        </p:style>
+        <p:txBody>
+          <a:bodyPr rtlCol="0" anchor="ctr"/>
+          <a:lstStyle/>
+          <a:p>
+            <a:pPr algn="ctr"/>
+            <a:r>
+              <a:rPr lang="en-IN" dirty="0" err="1"/>
+              <a:t>System.Exception</a:t>
+            </a:r>
+            <a:endParaRPr lang="en-IN" dirty="0"/>
+          </a:p>
+        </p:txBody>
+      </p:sp>
+      <p:sp>
+        <p:nvSpPr>
+          <p:cNvPr id="3" name="Rectangle 2">
+            <a:extLst>
+              <a:ext uri="{FF2B5EF4-FFF2-40B4-BE49-F238E27FC236}">
+                <a16:creationId xmlns:a16="http://schemas.microsoft.com/office/drawing/2014/main" id="{7CA9FA09-DFA9-4012-8CEE-2455EB7F88F2}"/>
+              </a:ext>
+            </a:extLst>
+          </p:cNvPr>
+          <p:cNvSpPr/>
+          <p:nvPr/>
+        </p:nvSpPr>
+        <p:spPr>
+          <a:xfrm>
+            <a:off x="6195525" y="3240833"/>
+            <a:ext cx="2341984" cy="765110"/>
+          </a:xfrm>
+          <a:prstGeom prst="rect">
+            <a:avLst/>
+          </a:prstGeom>
+        </p:spPr>
+        <p:style>
+          <a:lnRef idx="2">
+            <a:schemeClr val="accent1">
+              <a:shade val="50000"/>
+            </a:schemeClr>
+          </a:lnRef>
+          <a:fillRef idx="1">
+            <a:schemeClr val="accent1"/>
+          </a:fillRef>
+          <a:effectRef idx="0">
+            <a:schemeClr val="accent1"/>
+          </a:effectRef>
+          <a:fontRef idx="minor">
+            <a:schemeClr val="lt1"/>
+          </a:fontRef>
+        </p:style>
+        <p:txBody>
+          <a:bodyPr rtlCol="0" anchor="ctr"/>
+          <a:lstStyle/>
+          <a:p>
+            <a:pPr algn="ctr"/>
+            <a:r>
+              <a:rPr lang="en-IN" dirty="0" err="1"/>
+              <a:t>StackFullException</a:t>
+            </a:r>
+            <a:endParaRPr lang="en-IN" dirty="0"/>
+          </a:p>
+        </p:txBody>
+      </p:sp>
+      <p:sp>
+        <p:nvSpPr>
+          <p:cNvPr id="4" name="Rectangle 3">
+            <a:extLst>
+              <a:ext uri="{FF2B5EF4-FFF2-40B4-BE49-F238E27FC236}">
+                <a16:creationId xmlns:a16="http://schemas.microsoft.com/office/drawing/2014/main" id="{98C1457D-CBF7-4789-B0F2-E4CD7CCF0313}"/>
+              </a:ext>
+            </a:extLst>
+          </p:cNvPr>
+          <p:cNvSpPr/>
+          <p:nvPr/>
+        </p:nvSpPr>
+        <p:spPr>
+          <a:xfrm>
+            <a:off x="9769149" y="3318588"/>
+            <a:ext cx="2341984" cy="765110"/>
+          </a:xfrm>
+          <a:prstGeom prst="rect">
+            <a:avLst/>
+          </a:prstGeom>
+        </p:spPr>
+        <p:style>
+          <a:lnRef idx="2">
+            <a:schemeClr val="accent1">
+              <a:shade val="50000"/>
+            </a:schemeClr>
+          </a:lnRef>
+          <a:fillRef idx="1">
+            <a:schemeClr val="accent1"/>
+          </a:fillRef>
+          <a:effectRef idx="0">
+            <a:schemeClr val="accent1"/>
+          </a:effectRef>
+          <a:fontRef idx="minor">
+            <a:schemeClr val="lt1"/>
+          </a:fontRef>
+        </p:style>
+        <p:txBody>
+          <a:bodyPr rtlCol="0" anchor="ctr"/>
+          <a:lstStyle/>
+          <a:p>
+            <a:pPr algn="ctr"/>
+            <a:r>
+              <a:rPr lang="en-IN" dirty="0" err="1"/>
+              <a:t>StackEmptyException</a:t>
+            </a:r>
+            <a:endParaRPr lang="en-IN" dirty="0"/>
+          </a:p>
+        </p:txBody>
+      </p:sp>
+      <p:sp>
+        <p:nvSpPr>
+          <p:cNvPr id="5" name="Rectangle 4">
+            <a:extLst>
+              <a:ext uri="{FF2B5EF4-FFF2-40B4-BE49-F238E27FC236}">
+                <a16:creationId xmlns:a16="http://schemas.microsoft.com/office/drawing/2014/main" id="{3A677DCB-429F-44B0-947D-899A05F0324B}"/>
+              </a:ext>
+            </a:extLst>
+          </p:cNvPr>
+          <p:cNvSpPr/>
+          <p:nvPr/>
+        </p:nvSpPr>
+        <p:spPr>
+          <a:xfrm>
+            <a:off x="6195525" y="220824"/>
+            <a:ext cx="5915609" cy="765110"/>
+          </a:xfrm>
+          <a:prstGeom prst="rect">
+            <a:avLst/>
+          </a:prstGeom>
+        </p:spPr>
+        <p:style>
+          <a:lnRef idx="2">
+            <a:schemeClr val="accent1">
+              <a:shade val="50000"/>
+            </a:schemeClr>
+          </a:lnRef>
+          <a:fillRef idx="1">
+            <a:schemeClr val="accent1"/>
+          </a:fillRef>
+          <a:effectRef idx="0">
+            <a:schemeClr val="accent1"/>
+          </a:effectRef>
+          <a:fontRef idx="minor">
+            <a:schemeClr val="lt1"/>
+          </a:fontRef>
+        </p:style>
+        <p:txBody>
+          <a:bodyPr rtlCol="0" anchor="ctr"/>
+          <a:lstStyle/>
+          <a:p>
+            <a:pPr algn="ctr"/>
+            <a:r>
+              <a:rPr lang="en-IN" dirty="0"/>
+              <a:t>System.Object</a:t>
+            </a:r>
+          </a:p>
+        </p:txBody>
+      </p:sp>
+      <p:cxnSp>
+        <p:nvCxnSpPr>
+          <p:cNvPr id="7" name="Straight Arrow Connector 6">
+            <a:extLst>
+              <a:ext uri="{FF2B5EF4-FFF2-40B4-BE49-F238E27FC236}">
+                <a16:creationId xmlns:a16="http://schemas.microsoft.com/office/drawing/2014/main" id="{5524C695-840B-4A49-827F-A22C1BC25807}"/>
+              </a:ext>
+            </a:extLst>
+          </p:cNvPr>
+          <p:cNvCxnSpPr>
+            <a:stCxn id="2" idx="0"/>
+            <a:endCxn id="5" idx="2"/>
+          </p:cNvCxnSpPr>
+          <p:nvPr/>
+        </p:nvCxnSpPr>
+        <p:spPr>
+          <a:xfrm flipV="1">
+            <a:off x="9153329" y="985934"/>
+            <a:ext cx="1" cy="908180"/>
+          </a:xfrm>
+          <a:prstGeom prst="straightConnector1">
+            <a:avLst/>
+          </a:prstGeom>
+          <a:ln>
+            <a:tailEnd type="triangle"/>
+          </a:ln>
+        </p:spPr>
+        <p:style>
+          <a:lnRef idx="1">
+            <a:schemeClr val="accent1"/>
+          </a:lnRef>
+          <a:fillRef idx="0">
+            <a:schemeClr val="accent1"/>
+          </a:fillRef>
+          <a:effectRef idx="0">
+            <a:schemeClr val="accent1"/>
+          </a:effectRef>
+          <a:fontRef idx="minor">
+            <a:schemeClr val="tx1"/>
+          </a:fontRef>
+        </p:style>
+      </p:cxnSp>
+      <p:cxnSp>
+        <p:nvCxnSpPr>
+          <p:cNvPr id="9" name="Straight Arrow Connector 8">
+            <a:extLst>
+              <a:ext uri="{FF2B5EF4-FFF2-40B4-BE49-F238E27FC236}">
+                <a16:creationId xmlns:a16="http://schemas.microsoft.com/office/drawing/2014/main" id="{7E1357ED-746B-4839-B179-A30A0B0E658B}"/>
+              </a:ext>
+            </a:extLst>
+          </p:cNvPr>
+          <p:cNvCxnSpPr>
+            <a:stCxn id="3" idx="0"/>
+          </p:cNvCxnSpPr>
+          <p:nvPr/>
+        </p:nvCxnSpPr>
+        <p:spPr>
+          <a:xfrm flipH="1" flipV="1">
+            <a:off x="7361853" y="2659224"/>
+            <a:ext cx="4664" cy="581609"/>
+          </a:xfrm>
+          <a:prstGeom prst="straightConnector1">
+            <a:avLst/>
+          </a:prstGeom>
+          <a:ln>
+            <a:tailEnd type="triangle"/>
+          </a:ln>
+        </p:spPr>
+        <p:style>
+          <a:lnRef idx="1">
+            <a:schemeClr val="accent1"/>
+          </a:lnRef>
+          <a:fillRef idx="0">
+            <a:schemeClr val="accent1"/>
+          </a:fillRef>
+          <a:effectRef idx="0">
+            <a:schemeClr val="accent1"/>
+          </a:effectRef>
+          <a:fontRef idx="minor">
+            <a:schemeClr val="tx1"/>
+          </a:fontRef>
+        </p:style>
+      </p:cxnSp>
+      <p:cxnSp>
+        <p:nvCxnSpPr>
+          <p:cNvPr id="11" name="Straight Arrow Connector 10">
+            <a:extLst>
+              <a:ext uri="{FF2B5EF4-FFF2-40B4-BE49-F238E27FC236}">
+                <a16:creationId xmlns:a16="http://schemas.microsoft.com/office/drawing/2014/main" id="{D56F238F-E3D0-4860-BA5E-342BF3026CAA}"/>
+              </a:ext>
+            </a:extLst>
+          </p:cNvPr>
+          <p:cNvCxnSpPr>
+            <a:stCxn id="4" idx="0"/>
+          </p:cNvCxnSpPr>
+          <p:nvPr/>
+        </p:nvCxnSpPr>
+        <p:spPr>
+          <a:xfrm flipV="1">
+            <a:off x="10940141" y="2659224"/>
+            <a:ext cx="13998" cy="659364"/>
+          </a:xfrm>
+          <a:prstGeom prst="straightConnector1">
+            <a:avLst/>
+          </a:prstGeom>
+          <a:ln>
+            <a:tailEnd type="triangle"/>
+          </a:ln>
+        </p:spPr>
+        <p:style>
+          <a:lnRef idx="1">
+            <a:schemeClr val="accent1"/>
+          </a:lnRef>
+          <a:fillRef idx="0">
+            <a:schemeClr val="accent1"/>
+          </a:fillRef>
+          <a:effectRef idx="0">
+            <a:schemeClr val="accent1"/>
+          </a:effectRef>
+          <a:fontRef idx="minor">
+            <a:schemeClr val="tx1"/>
+          </a:fontRef>
+        </p:style>
+      </p:cxnSp>
+      <p:grpSp>
+        <p:nvGrpSpPr>
+          <p:cNvPr id="21" name="Group 20">
+            <a:extLst>
+              <a:ext uri="{FF2B5EF4-FFF2-40B4-BE49-F238E27FC236}">
+                <a16:creationId xmlns:a16="http://schemas.microsoft.com/office/drawing/2014/main" id="{B371F319-8C8C-4042-A1B8-AC62F8FDF77A}"/>
+              </a:ext>
+            </a:extLst>
+          </p:cNvPr>
+          <p:cNvGrpSpPr/>
+          <p:nvPr/>
+        </p:nvGrpSpPr>
+        <p:grpSpPr>
+          <a:xfrm>
+            <a:off x="643812" y="2659224"/>
+            <a:ext cx="2258008" cy="3079105"/>
+            <a:chOff x="653143" y="2659224"/>
+            <a:chExt cx="2258008" cy="3079105"/>
+          </a:xfrm>
+        </p:grpSpPr>
+        <p:sp>
+          <p:nvSpPr>
+            <p:cNvPr id="12" name="Rectangle 11">
+              <a:extLst>
+                <a:ext uri="{FF2B5EF4-FFF2-40B4-BE49-F238E27FC236}">
+                  <a16:creationId xmlns:a16="http://schemas.microsoft.com/office/drawing/2014/main" id="{68C2E421-15FA-41E0-A7D5-78159E5A1797}"/>
+                </a:ext>
+              </a:extLst>
+            </p:cNvPr>
+            <p:cNvSpPr/>
+            <p:nvPr/>
+          </p:nvSpPr>
+          <p:spPr>
+            <a:xfrm>
+              <a:off x="653143" y="2659224"/>
+              <a:ext cx="2258008" cy="615821"/>
+            </a:xfrm>
+            <a:prstGeom prst="rect">
+              <a:avLst/>
+            </a:prstGeom>
+          </p:spPr>
+          <p:style>
+            <a:lnRef idx="2">
+              <a:schemeClr val="accent1">
+                <a:shade val="50000"/>
+              </a:schemeClr>
+            </a:lnRef>
+            <a:fillRef idx="1">
+              <a:schemeClr val="accent1"/>
+            </a:fillRef>
+            <a:effectRef idx="0">
+              <a:schemeClr val="accent1"/>
+            </a:effectRef>
+            <a:fontRef idx="minor">
+              <a:schemeClr val="lt1"/>
+            </a:fontRef>
+          </p:style>
+          <p:txBody>
+            <a:bodyPr rtlCol="0" anchor="ctr"/>
+            <a:lstStyle/>
+            <a:p>
+              <a:pPr algn="ctr"/>
+              <a:r>
+                <a:rPr lang="en-IN" dirty="0"/>
+                <a:t>Stack</a:t>
+              </a:r>
+            </a:p>
+          </p:txBody>
+        </p:sp>
+        <p:sp>
+          <p:nvSpPr>
+            <p:cNvPr id="13" name="Rectangle 12">
+              <a:extLst>
+                <a:ext uri="{FF2B5EF4-FFF2-40B4-BE49-F238E27FC236}">
+                  <a16:creationId xmlns:a16="http://schemas.microsoft.com/office/drawing/2014/main" id="{B735985E-83C1-4D02-BCB7-EAC6C6DF2E0A}"/>
+                </a:ext>
+              </a:extLst>
+            </p:cNvPr>
+            <p:cNvSpPr/>
+            <p:nvPr/>
+          </p:nvSpPr>
+          <p:spPr>
+            <a:xfrm>
+              <a:off x="653143" y="3275045"/>
+              <a:ext cx="2258008" cy="615821"/>
+            </a:xfrm>
+            <a:prstGeom prst="rect">
+              <a:avLst/>
+            </a:prstGeom>
+          </p:spPr>
+          <p:style>
+            <a:lnRef idx="2">
+              <a:schemeClr val="accent1">
+                <a:shade val="50000"/>
+              </a:schemeClr>
+            </a:lnRef>
+            <a:fillRef idx="1">
+              <a:schemeClr val="accent1"/>
+            </a:fillRef>
+            <a:effectRef idx="0">
+              <a:schemeClr val="accent1"/>
+            </a:effectRef>
+            <a:fontRef idx="minor">
+              <a:schemeClr val="lt1"/>
+            </a:fontRef>
+          </p:style>
+          <p:txBody>
+            <a:bodyPr rtlCol="0" anchor="ctr"/>
+            <a:lstStyle/>
+            <a:p>
+              <a:pPr algn="ctr"/>
+              <a:r>
+                <a:rPr lang="en-IN" dirty="0"/>
+                <a:t>-items : T[]</a:t>
+              </a:r>
+            </a:p>
+          </p:txBody>
+        </p:sp>
+        <p:sp>
+          <p:nvSpPr>
+            <p:cNvPr id="14" name="Rectangle 13">
+              <a:extLst>
+                <a:ext uri="{FF2B5EF4-FFF2-40B4-BE49-F238E27FC236}">
+                  <a16:creationId xmlns:a16="http://schemas.microsoft.com/office/drawing/2014/main" id="{1506ED18-53F5-41C4-95BD-3B0E5DB6A145}"/>
+                </a:ext>
+              </a:extLst>
+            </p:cNvPr>
+            <p:cNvSpPr/>
+            <p:nvPr/>
+          </p:nvSpPr>
+          <p:spPr>
+            <a:xfrm>
+              <a:off x="653143" y="3890866"/>
+              <a:ext cx="2258008" cy="615821"/>
+            </a:xfrm>
+            <a:prstGeom prst="rect">
+              <a:avLst/>
+            </a:prstGeom>
+          </p:spPr>
+          <p:style>
+            <a:lnRef idx="2">
+              <a:schemeClr val="accent1">
+                <a:shade val="50000"/>
+              </a:schemeClr>
+            </a:lnRef>
+            <a:fillRef idx="1">
+              <a:schemeClr val="accent1"/>
+            </a:fillRef>
+            <a:effectRef idx="0">
+              <a:schemeClr val="accent1"/>
+            </a:effectRef>
+            <a:fontRef idx="minor">
+              <a:schemeClr val="lt1"/>
+            </a:fontRef>
+          </p:style>
+          <p:txBody>
+            <a:bodyPr rtlCol="0" anchor="ctr"/>
+            <a:lstStyle/>
+            <a:p>
+              <a:pPr algn="ctr"/>
+              <a:r>
+                <a:rPr lang="en-IN" dirty="0"/>
+                <a:t>- top : </a:t>
+              </a:r>
+              <a:r>
+                <a:rPr lang="en-IN" dirty="0" err="1"/>
+                <a:t>uint</a:t>
+              </a:r>
+              <a:r>
+                <a:rPr lang="en-IN" dirty="0"/>
+                <a:t> = 0 </a:t>
+              </a:r>
+            </a:p>
+          </p:txBody>
+        </p:sp>
+        <p:sp>
+          <p:nvSpPr>
+            <p:cNvPr id="15" name="Rectangle 14">
+              <a:extLst>
+                <a:ext uri="{FF2B5EF4-FFF2-40B4-BE49-F238E27FC236}">
+                  <a16:creationId xmlns:a16="http://schemas.microsoft.com/office/drawing/2014/main" id="{FAAB0C9F-7CEE-4D76-B4CC-0FCE34F507C2}"/>
+                </a:ext>
+              </a:extLst>
+            </p:cNvPr>
+            <p:cNvSpPr/>
+            <p:nvPr/>
+          </p:nvSpPr>
+          <p:spPr>
+            <a:xfrm>
+              <a:off x="653143" y="4506687"/>
+              <a:ext cx="2258008" cy="615821"/>
+            </a:xfrm>
+            <a:prstGeom prst="rect">
+              <a:avLst/>
+            </a:prstGeom>
+          </p:spPr>
+          <p:style>
+            <a:lnRef idx="2">
+              <a:schemeClr val="accent1">
+                <a:shade val="50000"/>
+              </a:schemeClr>
+            </a:lnRef>
+            <a:fillRef idx="1">
+              <a:schemeClr val="accent1"/>
+            </a:fillRef>
+            <a:effectRef idx="0">
+              <a:schemeClr val="accent1"/>
+            </a:effectRef>
+            <a:fontRef idx="minor">
+              <a:schemeClr val="lt1"/>
+            </a:fontRef>
+          </p:style>
+          <p:txBody>
+            <a:bodyPr rtlCol="0" anchor="ctr"/>
+            <a:lstStyle/>
+            <a:p>
+              <a:pPr algn="ctr"/>
+              <a:r>
+                <a:rPr lang="en-IN" dirty="0"/>
+                <a:t>+ push (item: T) : void</a:t>
+              </a:r>
+            </a:p>
+          </p:txBody>
+        </p:sp>
+        <p:sp>
+          <p:nvSpPr>
+            <p:cNvPr id="16" name="Rectangle 15">
+              <a:extLst>
+                <a:ext uri="{FF2B5EF4-FFF2-40B4-BE49-F238E27FC236}">
+                  <a16:creationId xmlns:a16="http://schemas.microsoft.com/office/drawing/2014/main" id="{096C209B-E1FC-458B-969D-1C733DCDB60B}"/>
+                </a:ext>
+              </a:extLst>
+            </p:cNvPr>
+            <p:cNvSpPr/>
+            <p:nvPr/>
+          </p:nvSpPr>
+          <p:spPr>
+            <a:xfrm>
+              <a:off x="653143" y="5122508"/>
+              <a:ext cx="2258008" cy="615821"/>
+            </a:xfrm>
+            <a:prstGeom prst="rect">
+              <a:avLst/>
+            </a:prstGeom>
+          </p:spPr>
+          <p:style>
+            <a:lnRef idx="2">
+              <a:schemeClr val="accent1">
+                <a:shade val="50000"/>
+              </a:schemeClr>
+            </a:lnRef>
+            <a:fillRef idx="1">
+              <a:schemeClr val="accent1"/>
+            </a:fillRef>
+            <a:effectRef idx="0">
+              <a:schemeClr val="accent1"/>
+            </a:effectRef>
+            <a:fontRef idx="minor">
+              <a:schemeClr val="lt1"/>
+            </a:fontRef>
+          </p:style>
+          <p:txBody>
+            <a:bodyPr rtlCol="0" anchor="ctr"/>
+            <a:lstStyle/>
+            <a:p>
+              <a:pPr algn="ctr"/>
+              <a:r>
+                <a:rPr lang="en-IN" dirty="0"/>
+                <a:t>+ Pop () : T</a:t>
+              </a:r>
+            </a:p>
+          </p:txBody>
+        </p:sp>
+      </p:grpSp>
+      <p:cxnSp>
+        <p:nvCxnSpPr>
+          <p:cNvPr id="18" name="Straight Arrow Connector 17">
+            <a:extLst>
+              <a:ext uri="{FF2B5EF4-FFF2-40B4-BE49-F238E27FC236}">
+                <a16:creationId xmlns:a16="http://schemas.microsoft.com/office/drawing/2014/main" id="{948ED59F-1DBD-4B24-992C-51A38E54AE4B}"/>
+              </a:ext>
+            </a:extLst>
+          </p:cNvPr>
+          <p:cNvCxnSpPr>
+            <a:stCxn id="12" idx="3"/>
+            <a:endCxn id="4" idx="1"/>
+          </p:cNvCxnSpPr>
+          <p:nvPr/>
+        </p:nvCxnSpPr>
+        <p:spPr>
+          <a:xfrm>
+            <a:off x="2901820" y="2967135"/>
+            <a:ext cx="6867329" cy="734008"/>
+          </a:xfrm>
+          <a:prstGeom prst="straightConnector1">
+            <a:avLst/>
+          </a:prstGeom>
+          <a:ln>
+            <a:tailEnd type="triangle"/>
+          </a:ln>
+        </p:spPr>
+        <p:style>
+          <a:lnRef idx="1">
+            <a:schemeClr val="dk1"/>
+          </a:lnRef>
+          <a:fillRef idx="0">
+            <a:schemeClr val="dk1"/>
+          </a:fillRef>
+          <a:effectRef idx="0">
+            <a:schemeClr val="dk1"/>
+          </a:effectRef>
+          <a:fontRef idx="minor">
+            <a:schemeClr val="tx1"/>
+          </a:fontRef>
+        </p:style>
+      </p:cxnSp>
+      <p:cxnSp>
+        <p:nvCxnSpPr>
+          <p:cNvPr id="20" name="Straight Arrow Connector 19">
+            <a:extLst>
+              <a:ext uri="{FF2B5EF4-FFF2-40B4-BE49-F238E27FC236}">
+                <a16:creationId xmlns:a16="http://schemas.microsoft.com/office/drawing/2014/main" id="{BBF53302-5588-4643-A353-345025836ACF}"/>
+              </a:ext>
+            </a:extLst>
+          </p:cNvPr>
+          <p:cNvCxnSpPr>
+            <a:stCxn id="12" idx="3"/>
+            <a:endCxn id="3" idx="1"/>
+          </p:cNvCxnSpPr>
+          <p:nvPr/>
+        </p:nvCxnSpPr>
+        <p:spPr>
+          <a:xfrm>
+            <a:off x="2901820" y="2967135"/>
+            <a:ext cx="3293705" cy="656253"/>
+          </a:xfrm>
+          <a:prstGeom prst="straightConnector1">
+            <a:avLst/>
+          </a:prstGeom>
+          <a:ln>
+            <a:tailEnd type="triangle"/>
+          </a:ln>
+        </p:spPr>
+        <p:style>
+          <a:lnRef idx="1">
+            <a:schemeClr val="dk1"/>
+          </a:lnRef>
+          <a:fillRef idx="0">
+            <a:schemeClr val="dk1"/>
+          </a:fillRef>
+          <a:effectRef idx="0">
+            <a:schemeClr val="dk1"/>
+          </a:effectRef>
+          <a:fontRef idx="minor">
+            <a:schemeClr val="tx1"/>
+          </a:fontRef>
+        </p:style>
+      </p:cxnSp>
+    </p:spTree>
+    <p:extLst>
+      <p:ext uri="{BB962C8B-B14F-4D97-AF65-F5344CB8AC3E}">
+        <p14:creationId xmlns:p14="http://schemas.microsoft.com/office/powerpoint/2010/main" val="1372187007"/>
+      </p:ext>
+    </p:extLst>
+  </p:cSld>
+  <p:clrMapOvr>
+    <a:masterClrMapping/>
+  </p:clrMapOvr>
+</p:sld>
+</file>
+
+<file path=ppt/slides/slide32.xml><?xml version="1.0" encoding="utf-8"?>
+<p:sld xmlns:a="http://schemas.openxmlformats.org/drawingml/2006/main" xmlns:r="http://schemas.openxmlformats.org/officeDocument/2006/relationships" xmlns:p="http://schemas.openxmlformats.org/presentationml/2006/main">
+  <p:cSld>
+    <p:spTree>
+      <p:nvGrpSpPr>
+        <p:cNvPr id="1" name=""/>
+        <p:cNvGrpSpPr/>
+        <p:nvPr/>
+      </p:nvGrpSpPr>
+      <p:grpSpPr>
+        <a:xfrm>
+          <a:off x="0" y="0"/>
+          <a:ext cx="0" cy="0"/>
+          <a:chOff x="0" y="0"/>
+          <a:chExt cx="0" cy="0"/>
+        </a:xfrm>
+      </p:grpSpPr>
+      <p:sp>
+        <p:nvSpPr>
+          <p:cNvPr id="2" name="Rectangle 1">
+            <a:extLst>
+              <a:ext uri="{FF2B5EF4-FFF2-40B4-BE49-F238E27FC236}">
+                <a16:creationId xmlns:a16="http://schemas.microsoft.com/office/drawing/2014/main" id="{8845E3CA-CFFE-4AEB-A492-2FEE3935AC05}"/>
+              </a:ext>
+            </a:extLst>
+          </p:cNvPr>
+          <p:cNvSpPr/>
+          <p:nvPr/>
+        </p:nvSpPr>
+        <p:spPr>
+          <a:xfrm>
+            <a:off x="737118" y="634482"/>
+            <a:ext cx="3461658" cy="2556587"/>
+          </a:xfrm>
+          <a:prstGeom prst="rect">
+            <a:avLst/>
+          </a:prstGeom>
+        </p:spPr>
+        <p:style>
+          <a:lnRef idx="2">
+            <a:schemeClr val="accent1">
+              <a:shade val="50000"/>
+            </a:schemeClr>
+          </a:lnRef>
+          <a:fillRef idx="1">
+            <a:schemeClr val="accent1"/>
+          </a:fillRef>
+          <a:effectRef idx="0">
+            <a:schemeClr val="accent1"/>
+          </a:effectRef>
+          <a:fontRef idx="minor">
+            <a:schemeClr val="lt1"/>
+          </a:fontRef>
+        </p:style>
+        <p:txBody>
+          <a:bodyPr rtlCol="0" anchor="t"/>
+          <a:lstStyle/>
+          <a:p>
+            <a:pPr algn="ctr"/>
+            <a:r>
+              <a:rPr lang="en-IN" dirty="0"/>
+              <a:t>LoggerInterface.dll</a:t>
+            </a:r>
+          </a:p>
+        </p:txBody>
+      </p:sp>
+      <p:sp>
+        <p:nvSpPr>
+          <p:cNvPr id="3" name="Rectangle 2">
+            <a:extLst>
+              <a:ext uri="{FF2B5EF4-FFF2-40B4-BE49-F238E27FC236}">
+                <a16:creationId xmlns:a16="http://schemas.microsoft.com/office/drawing/2014/main" id="{77282829-400B-4A39-A2DD-5F706E7089FA}"/>
+              </a:ext>
+            </a:extLst>
+          </p:cNvPr>
+          <p:cNvSpPr/>
+          <p:nvPr/>
+        </p:nvSpPr>
+        <p:spPr>
+          <a:xfrm>
+            <a:off x="1203649" y="1483567"/>
+            <a:ext cx="2379306" cy="1334278"/>
+          </a:xfrm>
+          <a:prstGeom prst="rect">
+            <a:avLst/>
+          </a:prstGeom>
+        </p:spPr>
+        <p:style>
+          <a:lnRef idx="2">
+            <a:schemeClr val="accent3">
+              <a:shade val="50000"/>
+            </a:schemeClr>
+          </a:lnRef>
+          <a:fillRef idx="1">
+            <a:schemeClr val="accent3"/>
+          </a:fillRef>
+          <a:effectRef idx="0">
+            <a:schemeClr val="accent3"/>
+          </a:effectRef>
+          <a:fontRef idx="minor">
+            <a:schemeClr val="lt1"/>
+          </a:fontRef>
+        </p:style>
+        <p:txBody>
+          <a:bodyPr rtlCol="0" anchor="ctr"/>
+          <a:lstStyle/>
+          <a:p>
+            <a:r>
+              <a:rPr lang="en-IN" dirty="0"/>
+              <a:t>Public interface </a:t>
+            </a:r>
+            <a:r>
+              <a:rPr lang="en-IN" dirty="0" err="1"/>
+              <a:t>Ilogger</a:t>
+            </a:r>
+            <a:endParaRPr lang="en-IN" dirty="0"/>
+          </a:p>
+          <a:p>
+            <a:r>
+              <a:rPr lang="en-IN" dirty="0"/>
+              <a:t>{</a:t>
+            </a:r>
+          </a:p>
+          <a:p>
+            <a:endParaRPr lang="en-IN" dirty="0"/>
+          </a:p>
+          <a:p>
+            <a:r>
+              <a:rPr lang="en-IN" dirty="0"/>
+              <a:t>}</a:t>
+            </a:r>
+          </a:p>
+        </p:txBody>
+      </p:sp>
+      <p:sp>
+        <p:nvSpPr>
+          <p:cNvPr id="4" name="Rectangle 3">
+            <a:extLst>
+              <a:ext uri="{FF2B5EF4-FFF2-40B4-BE49-F238E27FC236}">
+                <a16:creationId xmlns:a16="http://schemas.microsoft.com/office/drawing/2014/main" id="{EC7CBF8D-8144-4162-B411-0012AE842255}"/>
+              </a:ext>
+            </a:extLst>
+          </p:cNvPr>
+          <p:cNvSpPr/>
+          <p:nvPr/>
+        </p:nvSpPr>
+        <p:spPr>
+          <a:xfrm>
+            <a:off x="6417388" y="-643812"/>
+            <a:ext cx="3461658" cy="2556587"/>
+          </a:xfrm>
+          <a:prstGeom prst="rect">
+            <a:avLst/>
+          </a:prstGeom>
+        </p:spPr>
+        <p:style>
+          <a:lnRef idx="2">
+            <a:schemeClr val="accent1">
+              <a:shade val="50000"/>
+            </a:schemeClr>
+          </a:lnRef>
+          <a:fillRef idx="1">
+            <a:schemeClr val="accent1"/>
+          </a:fillRef>
+          <a:effectRef idx="0">
+            <a:schemeClr val="accent1"/>
+          </a:effectRef>
+          <a:fontRef idx="minor">
+            <a:schemeClr val="lt1"/>
+          </a:fontRef>
+        </p:style>
+        <p:txBody>
+          <a:bodyPr rtlCol="0" anchor="t"/>
+          <a:lstStyle/>
+          <a:p>
+            <a:pPr algn="ctr"/>
+            <a:r>
+              <a:rPr lang="en-IN" dirty="0"/>
+              <a:t>LocalLogger.dll</a:t>
+            </a:r>
+          </a:p>
+        </p:txBody>
+      </p:sp>
+      <p:sp>
+        <p:nvSpPr>
+          <p:cNvPr id="5" name="Rectangle 4">
+            <a:extLst>
+              <a:ext uri="{FF2B5EF4-FFF2-40B4-BE49-F238E27FC236}">
+                <a16:creationId xmlns:a16="http://schemas.microsoft.com/office/drawing/2014/main" id="{8EDBDA36-018E-44EA-8191-6504BE62EF3F}"/>
+              </a:ext>
+            </a:extLst>
+          </p:cNvPr>
+          <p:cNvSpPr/>
+          <p:nvPr/>
+        </p:nvSpPr>
+        <p:spPr>
+          <a:xfrm>
+            <a:off x="6569788" y="205273"/>
+            <a:ext cx="3145712" cy="1334278"/>
+          </a:xfrm>
+          <a:prstGeom prst="rect">
+            <a:avLst/>
+          </a:prstGeom>
+        </p:spPr>
+        <p:style>
+          <a:lnRef idx="2">
+            <a:schemeClr val="accent3">
+              <a:shade val="50000"/>
+            </a:schemeClr>
+          </a:lnRef>
+          <a:fillRef idx="1">
+            <a:schemeClr val="accent3"/>
+          </a:fillRef>
+          <a:effectRef idx="0">
+            <a:schemeClr val="accent3"/>
+          </a:effectRef>
+          <a:fontRef idx="minor">
+            <a:schemeClr val="lt1"/>
+          </a:fontRef>
+        </p:style>
+        <p:txBody>
+          <a:bodyPr rtlCol="0" anchor="ctr"/>
+          <a:lstStyle/>
+          <a:p>
+            <a:r>
+              <a:rPr lang="en-IN" dirty="0"/>
+              <a:t>Public class </a:t>
+            </a:r>
+            <a:r>
+              <a:rPr lang="en-IN" dirty="0" err="1"/>
+              <a:t>LocalFileLogger</a:t>
+            </a:r>
+            <a:endParaRPr lang="en-IN" dirty="0"/>
+          </a:p>
+          <a:p>
+            <a:r>
+              <a:rPr lang="en-IN" dirty="0"/>
+              <a:t>{</a:t>
+            </a:r>
+          </a:p>
+          <a:p>
+            <a:endParaRPr lang="en-IN" dirty="0"/>
+          </a:p>
+          <a:p>
+            <a:r>
+              <a:rPr lang="en-IN" dirty="0"/>
+              <a:t>}</a:t>
+            </a:r>
+          </a:p>
+        </p:txBody>
+      </p:sp>
+      <p:sp>
+        <p:nvSpPr>
+          <p:cNvPr id="6" name="Rectangle 5">
+            <a:extLst>
+              <a:ext uri="{FF2B5EF4-FFF2-40B4-BE49-F238E27FC236}">
+                <a16:creationId xmlns:a16="http://schemas.microsoft.com/office/drawing/2014/main" id="{E8D0D182-FD23-4D36-AE6D-6902E7A7AF79}"/>
+              </a:ext>
+            </a:extLst>
+          </p:cNvPr>
+          <p:cNvSpPr/>
+          <p:nvPr/>
+        </p:nvSpPr>
+        <p:spPr>
+          <a:xfrm>
+            <a:off x="596900" y="4463143"/>
+            <a:ext cx="3601876" cy="3309257"/>
+          </a:xfrm>
+          <a:prstGeom prst="rect">
+            <a:avLst/>
+          </a:prstGeom>
+        </p:spPr>
+        <p:style>
+          <a:lnRef idx="2">
+            <a:schemeClr val="accent1">
+              <a:shade val="50000"/>
+            </a:schemeClr>
+          </a:lnRef>
+          <a:fillRef idx="1">
+            <a:schemeClr val="accent1"/>
+          </a:fillRef>
+          <a:effectRef idx="0">
+            <a:schemeClr val="accent1"/>
+          </a:effectRef>
+          <a:fontRef idx="minor">
+            <a:schemeClr val="lt1"/>
+          </a:fontRef>
+        </p:style>
+        <p:txBody>
+          <a:bodyPr rtlCol="0" anchor="t"/>
+          <a:lstStyle/>
+          <a:p>
+            <a:pPr algn="ctr"/>
+            <a:r>
+              <a:rPr lang="en-IN" dirty="0"/>
+              <a:t>App9.exe</a:t>
+            </a:r>
+          </a:p>
+        </p:txBody>
+      </p:sp>
+      <p:sp>
+        <p:nvSpPr>
+          <p:cNvPr id="7" name="Rectangle 6">
+            <a:extLst>
+              <a:ext uri="{FF2B5EF4-FFF2-40B4-BE49-F238E27FC236}">
+                <a16:creationId xmlns:a16="http://schemas.microsoft.com/office/drawing/2014/main" id="{B0A591E7-6A14-4424-BCE0-1170BE062723}"/>
+              </a:ext>
+            </a:extLst>
+          </p:cNvPr>
+          <p:cNvSpPr/>
+          <p:nvPr/>
+        </p:nvSpPr>
+        <p:spPr>
+          <a:xfrm>
+            <a:off x="880186" y="4966347"/>
+            <a:ext cx="3214657" cy="2310102"/>
+          </a:xfrm>
+          <a:prstGeom prst="rect">
+            <a:avLst/>
+          </a:prstGeom>
+        </p:spPr>
+        <p:style>
+          <a:lnRef idx="2">
+            <a:schemeClr val="accent3">
+              <a:shade val="50000"/>
+            </a:schemeClr>
+          </a:lnRef>
+          <a:fillRef idx="1">
+            <a:schemeClr val="accent3"/>
+          </a:fillRef>
+          <a:effectRef idx="0">
+            <a:schemeClr val="accent3"/>
+          </a:effectRef>
+          <a:fontRef idx="minor">
+            <a:schemeClr val="lt1"/>
+          </a:fontRef>
+        </p:style>
+        <p:txBody>
+          <a:bodyPr rtlCol="0" anchor="ctr"/>
+          <a:lstStyle/>
+          <a:p>
+            <a:r>
+              <a:rPr lang="en-IN" dirty="0"/>
+              <a:t>Public class Program</a:t>
+            </a:r>
+          </a:p>
+          <a:p>
+            <a:r>
+              <a:rPr lang="en-IN" dirty="0"/>
+              <a:t>{</a:t>
+            </a:r>
+          </a:p>
+          <a:p>
+            <a:endParaRPr lang="en-IN" dirty="0"/>
+          </a:p>
+          <a:p>
+            <a:r>
+              <a:rPr lang="en-IN" dirty="0"/>
+              <a:t>}</a:t>
+            </a:r>
+          </a:p>
+          <a:p>
+            <a:r>
+              <a:rPr lang="en-IN" dirty="0"/>
+              <a:t>Public class Console</a:t>
+            </a:r>
+          </a:p>
+          <a:p>
+            <a:r>
+              <a:rPr lang="en-IN" dirty="0"/>
+              <a:t>{</a:t>
+            </a:r>
+          </a:p>
+          <a:p>
+            <a:endParaRPr lang="en-IN" dirty="0"/>
+          </a:p>
+          <a:p>
+            <a:r>
+              <a:rPr lang="en-IN" dirty="0"/>
+              <a:t>}</a:t>
+            </a:r>
+          </a:p>
+        </p:txBody>
+      </p:sp>
+      <p:sp>
+        <p:nvSpPr>
+          <p:cNvPr id="8" name="Rectangle 7">
+            <a:extLst>
+              <a:ext uri="{FF2B5EF4-FFF2-40B4-BE49-F238E27FC236}">
+                <a16:creationId xmlns:a16="http://schemas.microsoft.com/office/drawing/2014/main" id="{69577297-70CF-4D0F-8B2C-CA7538FB459F}"/>
+              </a:ext>
+            </a:extLst>
+          </p:cNvPr>
+          <p:cNvSpPr/>
+          <p:nvPr/>
+        </p:nvSpPr>
+        <p:spPr>
+          <a:xfrm>
+            <a:off x="6342743" y="2634602"/>
+            <a:ext cx="3461658" cy="2556587"/>
+          </a:xfrm>
+          <a:prstGeom prst="rect">
+            <a:avLst/>
+          </a:prstGeom>
+        </p:spPr>
+        <p:style>
+          <a:lnRef idx="2">
+            <a:schemeClr val="accent1">
+              <a:shade val="50000"/>
+            </a:schemeClr>
+          </a:lnRef>
+          <a:fillRef idx="1">
+            <a:schemeClr val="accent1"/>
+          </a:fillRef>
+          <a:effectRef idx="0">
+            <a:schemeClr val="accent1"/>
+          </a:effectRef>
+          <a:fontRef idx="minor">
+            <a:schemeClr val="lt1"/>
+          </a:fontRef>
+        </p:style>
+        <p:txBody>
+          <a:bodyPr rtlCol="0" anchor="t"/>
+          <a:lstStyle/>
+          <a:p>
+            <a:pPr algn="ctr"/>
+            <a:r>
+              <a:rPr lang="en-IN" dirty="0"/>
+              <a:t>Factory.dll</a:t>
+            </a:r>
+          </a:p>
+        </p:txBody>
+      </p:sp>
+      <p:sp>
+        <p:nvSpPr>
+          <p:cNvPr id="9" name="Rectangle 8">
+            <a:extLst>
+              <a:ext uri="{FF2B5EF4-FFF2-40B4-BE49-F238E27FC236}">
+                <a16:creationId xmlns:a16="http://schemas.microsoft.com/office/drawing/2014/main" id="{C4BE6B18-D3A6-440A-90AC-038FEB83B074}"/>
+              </a:ext>
+            </a:extLst>
+          </p:cNvPr>
+          <p:cNvSpPr/>
+          <p:nvPr/>
+        </p:nvSpPr>
+        <p:spPr>
+          <a:xfrm>
+            <a:off x="6680718" y="3443642"/>
+            <a:ext cx="2990463" cy="1334278"/>
+          </a:xfrm>
+          <a:prstGeom prst="rect">
+            <a:avLst/>
+          </a:prstGeom>
+        </p:spPr>
+        <p:style>
+          <a:lnRef idx="2">
+            <a:schemeClr val="accent3">
+              <a:shade val="50000"/>
+            </a:schemeClr>
+          </a:lnRef>
+          <a:fillRef idx="1">
+            <a:schemeClr val="accent3"/>
+          </a:fillRef>
+          <a:effectRef idx="0">
+            <a:schemeClr val="accent3"/>
+          </a:effectRef>
+          <a:fontRef idx="minor">
+            <a:schemeClr val="lt1"/>
+          </a:fontRef>
+        </p:style>
+        <p:txBody>
+          <a:bodyPr rtlCol="0" anchor="ctr"/>
+          <a:lstStyle/>
+          <a:p>
+            <a:r>
+              <a:rPr lang="en-IN" dirty="0"/>
+              <a:t>Public interface Factory</a:t>
+            </a:r>
+          </a:p>
+          <a:p>
+            <a:r>
+              <a:rPr lang="en-IN" dirty="0"/>
+              <a:t>{</a:t>
+            </a:r>
+          </a:p>
+          <a:p>
+            <a:endParaRPr lang="en-IN" dirty="0"/>
+          </a:p>
+          <a:p>
+            <a:r>
+              <a:rPr lang="en-IN" dirty="0"/>
+              <a:t>}</a:t>
+            </a:r>
+          </a:p>
+        </p:txBody>
+      </p:sp>
+      <p:sp>
+        <p:nvSpPr>
+          <p:cNvPr id="10" name="Rectangle 9">
+            <a:extLst>
+              <a:ext uri="{FF2B5EF4-FFF2-40B4-BE49-F238E27FC236}">
+                <a16:creationId xmlns:a16="http://schemas.microsoft.com/office/drawing/2014/main" id="{B9BB1EEF-456A-4B44-88D2-1B1E4913BE47}"/>
+              </a:ext>
+            </a:extLst>
+          </p:cNvPr>
+          <p:cNvSpPr/>
+          <p:nvPr/>
+        </p:nvSpPr>
+        <p:spPr>
+          <a:xfrm>
+            <a:off x="6417387" y="6267060"/>
+            <a:ext cx="4570963" cy="2556587"/>
+          </a:xfrm>
+          <a:prstGeom prst="rect">
+            <a:avLst/>
+          </a:prstGeom>
+        </p:spPr>
+        <p:style>
+          <a:lnRef idx="2">
+            <a:schemeClr val="accent1">
+              <a:shade val="50000"/>
+            </a:schemeClr>
+          </a:lnRef>
+          <a:fillRef idx="1">
+            <a:schemeClr val="accent1"/>
+          </a:fillRef>
+          <a:effectRef idx="0">
+            <a:schemeClr val="accent1"/>
+          </a:effectRef>
+          <a:fontRef idx="minor">
+            <a:schemeClr val="lt1"/>
+          </a:fontRef>
+        </p:style>
+        <p:txBody>
+          <a:bodyPr rtlCol="0" anchor="t"/>
+          <a:lstStyle/>
+          <a:p>
+            <a:pPr algn="ctr"/>
+            <a:r>
+              <a:rPr lang="en-IN" dirty="0"/>
+              <a:t>StackLibrary.dll</a:t>
+            </a:r>
+          </a:p>
+        </p:txBody>
+      </p:sp>
+      <p:sp>
+        <p:nvSpPr>
+          <p:cNvPr id="11" name="Rectangle 10">
+            <a:extLst>
+              <a:ext uri="{FF2B5EF4-FFF2-40B4-BE49-F238E27FC236}">
+                <a16:creationId xmlns:a16="http://schemas.microsoft.com/office/drawing/2014/main" id="{E7BF99D9-9773-4FF5-9CA6-BEEE0016BD04}"/>
+              </a:ext>
+            </a:extLst>
+          </p:cNvPr>
+          <p:cNvSpPr/>
+          <p:nvPr/>
+        </p:nvSpPr>
+        <p:spPr>
+          <a:xfrm>
+            <a:off x="6569788" y="6755880"/>
+            <a:ext cx="4199812" cy="1842017"/>
+          </a:xfrm>
+          <a:prstGeom prst="rect">
+            <a:avLst/>
+          </a:prstGeom>
+        </p:spPr>
+        <p:style>
+          <a:lnRef idx="2">
+            <a:schemeClr val="accent3">
+              <a:shade val="50000"/>
+            </a:schemeClr>
+          </a:lnRef>
+          <a:fillRef idx="1">
+            <a:schemeClr val="accent3"/>
+          </a:fillRef>
+          <a:effectRef idx="0">
+            <a:schemeClr val="accent3"/>
+          </a:effectRef>
+          <a:fontRef idx="minor">
+            <a:schemeClr val="lt1"/>
+          </a:fontRef>
+        </p:style>
+        <p:txBody>
+          <a:bodyPr rtlCol="0" anchor="ctr"/>
+          <a:lstStyle/>
+          <a:p>
+            <a:r>
+              <a:rPr lang="en-IN" dirty="0"/>
+              <a:t>Public class Stack</a:t>
+            </a:r>
+          </a:p>
+          <a:p>
+            <a:r>
+              <a:rPr lang="en-IN" dirty="0"/>
+              <a:t>{}</a:t>
+            </a:r>
+          </a:p>
+          <a:p>
+            <a:r>
+              <a:rPr lang="en-IN" dirty="0"/>
+              <a:t>Public class </a:t>
+            </a:r>
+            <a:r>
+              <a:rPr lang="en-IN" dirty="0" err="1"/>
+              <a:t>StackFullException</a:t>
+            </a:r>
+            <a:endParaRPr lang="en-IN" dirty="0"/>
+          </a:p>
+          <a:p>
+            <a:r>
+              <a:rPr lang="en-IN" dirty="0"/>
+              <a:t>{}</a:t>
+            </a:r>
+          </a:p>
+          <a:p>
+            <a:r>
+              <a:rPr lang="en-IN" dirty="0"/>
+              <a:t>Public class </a:t>
+            </a:r>
+            <a:r>
+              <a:rPr lang="en-IN" dirty="0" err="1"/>
+              <a:t>StackEmpthException</a:t>
+            </a:r>
+            <a:r>
+              <a:rPr lang="en-IN" dirty="0"/>
+              <a:t>()</a:t>
+            </a:r>
+          </a:p>
+          <a:p>
+            <a:r>
+              <a:rPr lang="en-IN" dirty="0"/>
+              <a:t>{}</a:t>
+            </a:r>
+          </a:p>
+        </p:txBody>
+      </p:sp>
+      <p:sp>
+        <p:nvSpPr>
+          <p:cNvPr id="12" name="Arrow: Right 11">
+            <a:extLst>
+              <a:ext uri="{FF2B5EF4-FFF2-40B4-BE49-F238E27FC236}">
+                <a16:creationId xmlns:a16="http://schemas.microsoft.com/office/drawing/2014/main" id="{A0F7431A-9D5D-4710-A195-91B93BEDC365}"/>
+              </a:ext>
+            </a:extLst>
+          </p:cNvPr>
+          <p:cNvSpPr/>
+          <p:nvPr/>
+        </p:nvSpPr>
+        <p:spPr>
+          <a:xfrm>
+            <a:off x="4198776" y="634482"/>
+            <a:ext cx="2218612" cy="849085"/>
+          </a:xfrm>
+          <a:prstGeom prst="rightArrow">
+            <a:avLst/>
+          </a:prstGeom>
+        </p:spPr>
+        <p:style>
+          <a:lnRef idx="2">
+            <a:schemeClr val="accent1">
+              <a:shade val="50000"/>
+            </a:schemeClr>
+          </a:lnRef>
+          <a:fillRef idx="1">
+            <a:schemeClr val="accent1"/>
+          </a:fillRef>
+          <a:effectRef idx="0">
+            <a:schemeClr val="accent1"/>
+          </a:effectRef>
+          <a:fontRef idx="minor">
+            <a:schemeClr val="lt1"/>
+          </a:fontRef>
+        </p:style>
+        <p:txBody>
+          <a:bodyPr rtlCol="0" anchor="ctr"/>
+          <a:lstStyle/>
+          <a:p>
+            <a:pPr algn="ctr"/>
+            <a:r>
+              <a:rPr lang="en-IN" dirty="0"/>
+              <a:t>AR</a:t>
+            </a:r>
+          </a:p>
+        </p:txBody>
+      </p:sp>
+      <p:sp>
+        <p:nvSpPr>
+          <p:cNvPr id="14" name="Arrow: Down 13">
+            <a:extLst>
+              <a:ext uri="{FF2B5EF4-FFF2-40B4-BE49-F238E27FC236}">
+                <a16:creationId xmlns:a16="http://schemas.microsoft.com/office/drawing/2014/main" id="{85B0E814-5361-4392-BFAD-B01ECA52AA07}"/>
+              </a:ext>
+            </a:extLst>
+          </p:cNvPr>
+          <p:cNvSpPr/>
+          <p:nvPr/>
+        </p:nvSpPr>
+        <p:spPr>
+          <a:xfrm>
+            <a:off x="1941674" y="3098800"/>
+            <a:ext cx="1052546" cy="1364343"/>
+          </a:xfrm>
+          <a:prstGeom prst="downArrow">
+            <a:avLst/>
+          </a:prstGeom>
+        </p:spPr>
+        <p:style>
+          <a:lnRef idx="2">
+            <a:schemeClr val="accent1">
+              <a:shade val="50000"/>
+            </a:schemeClr>
+          </a:lnRef>
+          <a:fillRef idx="1">
+            <a:schemeClr val="accent1"/>
+          </a:fillRef>
+          <a:effectRef idx="0">
+            <a:schemeClr val="accent1"/>
+          </a:effectRef>
+          <a:fontRef idx="minor">
+            <a:schemeClr val="lt1"/>
+          </a:fontRef>
+        </p:style>
+        <p:txBody>
+          <a:bodyPr rtlCol="0" anchor="ctr"/>
+          <a:lstStyle/>
+          <a:p>
+            <a:pPr algn="ctr"/>
+            <a:r>
+              <a:rPr lang="en-IN" dirty="0"/>
+              <a:t>AR</a:t>
+            </a:r>
+          </a:p>
+        </p:txBody>
+      </p:sp>
+      <p:sp>
+        <p:nvSpPr>
+          <p:cNvPr id="15" name="Arrow: Left 14">
+            <a:extLst>
+              <a:ext uri="{FF2B5EF4-FFF2-40B4-BE49-F238E27FC236}">
+                <a16:creationId xmlns:a16="http://schemas.microsoft.com/office/drawing/2014/main" id="{85148478-B508-4040-B935-318209BA3953}"/>
+              </a:ext>
+            </a:extLst>
+          </p:cNvPr>
+          <p:cNvSpPr/>
+          <p:nvPr/>
+        </p:nvSpPr>
+        <p:spPr>
+          <a:xfrm>
+            <a:off x="4094844" y="4728286"/>
+            <a:ext cx="2218612" cy="634482"/>
+          </a:xfrm>
+          <a:prstGeom prst="leftArrow">
+            <a:avLst/>
+          </a:prstGeom>
+        </p:spPr>
+        <p:style>
+          <a:lnRef idx="2">
+            <a:schemeClr val="accent1">
+              <a:shade val="50000"/>
+            </a:schemeClr>
+          </a:lnRef>
+          <a:fillRef idx="1">
+            <a:schemeClr val="accent1"/>
+          </a:fillRef>
+          <a:effectRef idx="0">
+            <a:schemeClr val="accent1"/>
+          </a:effectRef>
+          <a:fontRef idx="minor">
+            <a:schemeClr val="lt1"/>
+          </a:fontRef>
+        </p:style>
+        <p:txBody>
+          <a:bodyPr rtlCol="0" anchor="ctr"/>
+          <a:lstStyle/>
+          <a:p>
+            <a:pPr algn="ctr"/>
+            <a:r>
+              <a:rPr lang="en-IN" dirty="0"/>
+              <a:t>AR</a:t>
+            </a:r>
+          </a:p>
+        </p:txBody>
+      </p:sp>
+      <p:sp>
+        <p:nvSpPr>
+          <p:cNvPr id="16" name="Arrow: Down 15">
+            <a:extLst>
+              <a:ext uri="{FF2B5EF4-FFF2-40B4-BE49-F238E27FC236}">
+                <a16:creationId xmlns:a16="http://schemas.microsoft.com/office/drawing/2014/main" id="{BF90088F-AA0F-47F2-88FC-4979CE2FD717}"/>
+              </a:ext>
+            </a:extLst>
+          </p:cNvPr>
+          <p:cNvSpPr/>
+          <p:nvPr/>
+        </p:nvSpPr>
+        <p:spPr>
+          <a:xfrm rot="17909541">
+            <a:off x="4768025" y="2449050"/>
+            <a:ext cx="978382" cy="2332091"/>
+          </a:xfrm>
+          <a:prstGeom prst="downArrow">
+            <a:avLst/>
+          </a:prstGeom>
+        </p:spPr>
+        <p:style>
+          <a:lnRef idx="2">
+            <a:schemeClr val="accent1">
+              <a:shade val="50000"/>
+            </a:schemeClr>
+          </a:lnRef>
+          <a:fillRef idx="1">
+            <a:schemeClr val="accent1"/>
+          </a:fillRef>
+          <a:effectRef idx="0">
+            <a:schemeClr val="accent1"/>
+          </a:effectRef>
+          <a:fontRef idx="minor">
+            <a:schemeClr val="lt1"/>
+          </a:fontRef>
+        </p:style>
+        <p:txBody>
+          <a:bodyPr rtlCol="0" anchor="ctr"/>
+          <a:lstStyle/>
+          <a:p>
+            <a:pPr algn="ctr"/>
+            <a:r>
+              <a:rPr lang="en-IN" dirty="0"/>
+              <a:t>AR</a:t>
+            </a:r>
+          </a:p>
+        </p:txBody>
+      </p:sp>
+      <p:sp>
+        <p:nvSpPr>
+          <p:cNvPr id="17" name="Arrow: Left 16">
+            <a:extLst>
+              <a:ext uri="{FF2B5EF4-FFF2-40B4-BE49-F238E27FC236}">
+                <a16:creationId xmlns:a16="http://schemas.microsoft.com/office/drawing/2014/main" id="{2586581C-8450-4CF4-BDEB-AB293F6640F8}"/>
+              </a:ext>
+            </a:extLst>
+          </p:cNvPr>
+          <p:cNvSpPr/>
+          <p:nvPr/>
+        </p:nvSpPr>
+        <p:spPr>
+          <a:xfrm>
+            <a:off x="4198776" y="6121398"/>
+            <a:ext cx="2218612" cy="634482"/>
+          </a:xfrm>
+          <a:prstGeom prst="leftArrow">
+            <a:avLst/>
+          </a:prstGeom>
+        </p:spPr>
+        <p:style>
+          <a:lnRef idx="2">
+            <a:schemeClr val="accent1">
+              <a:shade val="50000"/>
+            </a:schemeClr>
+          </a:lnRef>
+          <a:fillRef idx="1">
+            <a:schemeClr val="accent1"/>
+          </a:fillRef>
+          <a:effectRef idx="0">
+            <a:schemeClr val="accent1"/>
+          </a:effectRef>
+          <a:fontRef idx="minor">
+            <a:schemeClr val="lt1"/>
+          </a:fontRef>
+        </p:style>
+        <p:txBody>
+          <a:bodyPr rtlCol="0" anchor="ctr"/>
+          <a:lstStyle/>
+          <a:p>
+            <a:pPr algn="ctr"/>
+            <a:r>
+              <a:rPr lang="en-IN" dirty="0"/>
+              <a:t>AR</a:t>
+            </a:r>
+          </a:p>
+        </p:txBody>
+      </p:sp>
+      <p:sp>
+        <p:nvSpPr>
+          <p:cNvPr id="18" name="Arrow: Right 17">
+            <a:extLst>
+              <a:ext uri="{FF2B5EF4-FFF2-40B4-BE49-F238E27FC236}">
+                <a16:creationId xmlns:a16="http://schemas.microsoft.com/office/drawing/2014/main" id="{13F3BAB3-20F9-4C6D-B8A4-9F3E77DF7AE3}"/>
+              </a:ext>
+            </a:extLst>
+          </p:cNvPr>
+          <p:cNvSpPr/>
+          <p:nvPr/>
+        </p:nvSpPr>
+        <p:spPr>
+          <a:xfrm>
+            <a:off x="9840428" y="2674257"/>
+            <a:ext cx="1147922" cy="849085"/>
+          </a:xfrm>
+          <a:prstGeom prst="rightArrow">
+            <a:avLst/>
+          </a:prstGeom>
+        </p:spPr>
+        <p:style>
+          <a:lnRef idx="2">
+            <a:schemeClr val="accent1">
+              <a:shade val="50000"/>
+            </a:schemeClr>
+          </a:lnRef>
+          <a:fillRef idx="1">
+            <a:schemeClr val="accent1"/>
+          </a:fillRef>
+          <a:effectRef idx="0">
+            <a:schemeClr val="accent1"/>
+          </a:effectRef>
+          <a:fontRef idx="minor">
+            <a:schemeClr val="lt1"/>
+          </a:fontRef>
+        </p:style>
+        <p:txBody>
+          <a:bodyPr rtlCol="0" anchor="ctr"/>
+          <a:lstStyle/>
+          <a:p>
+            <a:pPr algn="ctr"/>
+            <a:r>
+              <a:rPr lang="en-IN" dirty="0"/>
+              <a:t>AR</a:t>
+            </a:r>
+          </a:p>
+        </p:txBody>
+      </p:sp>
+      <p:sp>
+        <p:nvSpPr>
+          <p:cNvPr id="19" name="Rectangle 18">
+            <a:extLst>
+              <a:ext uri="{FF2B5EF4-FFF2-40B4-BE49-F238E27FC236}">
+                <a16:creationId xmlns:a16="http://schemas.microsoft.com/office/drawing/2014/main" id="{0B853021-80E3-4CAA-9871-A463C0BB056F}"/>
+              </a:ext>
+            </a:extLst>
+          </p:cNvPr>
+          <p:cNvSpPr/>
+          <p:nvPr/>
+        </p:nvSpPr>
+        <p:spPr>
+          <a:xfrm>
+            <a:off x="11024377" y="2674257"/>
+            <a:ext cx="2218612" cy="2556587"/>
+          </a:xfrm>
+          <a:prstGeom prst="rect">
+            <a:avLst/>
+          </a:prstGeom>
+        </p:spPr>
+        <p:style>
+          <a:lnRef idx="2">
+            <a:schemeClr val="accent1">
+              <a:shade val="50000"/>
+            </a:schemeClr>
+          </a:lnRef>
+          <a:fillRef idx="1">
+            <a:schemeClr val="accent1"/>
+          </a:fillRef>
+          <a:effectRef idx="0">
+            <a:schemeClr val="accent1"/>
+          </a:effectRef>
+          <a:fontRef idx="minor">
+            <a:schemeClr val="lt1"/>
+          </a:fontRef>
+        </p:style>
+        <p:txBody>
+          <a:bodyPr rtlCol="0" anchor="t"/>
+          <a:lstStyle/>
+          <a:p>
+            <a:pPr algn="ctr"/>
+            <a:r>
+              <a:rPr lang="en-IN" dirty="0"/>
+              <a:t>App9.exe.Config file </a:t>
+            </a:r>
+          </a:p>
+        </p:txBody>
+      </p:sp>
+    </p:spTree>
+    <p:extLst>
+      <p:ext uri="{BB962C8B-B14F-4D97-AF65-F5344CB8AC3E}">
+        <p14:creationId xmlns:p14="http://schemas.microsoft.com/office/powerpoint/2010/main" val="3512938420"/>
+      </p:ext>
+    </p:extLst>
+  </p:cSld>
+  <p:clrMapOvr>
+    <a:masterClrMapping/>
+  </p:clrMapOvr>
+</p:sld>
+</file>
+
+<file path=ppt/slides/slide33.xml><?xml version="1.0" encoding="utf-8"?>
+<p:sld xmlns:a="http://schemas.openxmlformats.org/drawingml/2006/main" xmlns:r="http://schemas.openxmlformats.org/officeDocument/2006/relationships" xmlns:p="http://schemas.openxmlformats.org/presentationml/2006/main">
+  <p:cSld>
+    <p:spTree>
+      <p:nvGrpSpPr>
+        <p:cNvPr id="1" name=""/>
+        <p:cNvGrpSpPr/>
+        <p:nvPr/>
+      </p:nvGrpSpPr>
+      <p:grpSpPr>
+        <a:xfrm>
+          <a:off x="0" y="0"/>
+          <a:ext cx="0" cy="0"/>
+          <a:chOff x="0" y="0"/>
+          <a:chExt cx="0" cy="0"/>
+        </a:xfrm>
+      </p:grpSpPr>
+      <p:sp>
+        <p:nvSpPr>
+          <p:cNvPr id="2" name="Rectangle 1">
+            <a:extLst>
+              <a:ext uri="{FF2B5EF4-FFF2-40B4-BE49-F238E27FC236}">
+                <a16:creationId xmlns:a16="http://schemas.microsoft.com/office/drawing/2014/main" id="{D8376E6A-F8AF-446C-861A-675B39337B1B}"/>
+              </a:ext>
+            </a:extLst>
+          </p:cNvPr>
+          <p:cNvSpPr/>
+          <p:nvPr/>
+        </p:nvSpPr>
+        <p:spPr>
+          <a:xfrm>
+            <a:off x="8653624" y="293395"/>
+            <a:ext cx="4287935" cy="6122955"/>
+          </a:xfrm>
+          <a:prstGeom prst="rect">
+            <a:avLst/>
+          </a:prstGeom>
+        </p:spPr>
+        <p:style>
+          <a:lnRef idx="2">
+            <a:schemeClr val="accent1">
+              <a:shade val="50000"/>
+            </a:schemeClr>
+          </a:lnRef>
+          <a:fillRef idx="1">
+            <a:schemeClr val="accent1"/>
+          </a:fillRef>
+          <a:effectRef idx="0">
+            <a:schemeClr val="accent1"/>
+          </a:effectRef>
+          <a:fontRef idx="minor">
+            <a:schemeClr val="lt1"/>
+          </a:fontRef>
+        </p:style>
+        <p:txBody>
+          <a:bodyPr rtlCol="0" anchor="t"/>
+          <a:lstStyle/>
+          <a:p>
+            <a:pPr algn="ctr"/>
+            <a:r>
+              <a:rPr lang="en-IN" dirty="0"/>
+              <a:t>Database Server (EXE) </a:t>
+            </a:r>
+          </a:p>
+        </p:txBody>
+      </p:sp>
+      <p:sp>
+        <p:nvSpPr>
+          <p:cNvPr id="3" name="Rectangle 2">
+            <a:extLst>
+              <a:ext uri="{FF2B5EF4-FFF2-40B4-BE49-F238E27FC236}">
+                <a16:creationId xmlns:a16="http://schemas.microsoft.com/office/drawing/2014/main" id="{DB45ED8C-5C44-44EB-958B-B7154F8B9CC7}"/>
+              </a:ext>
+            </a:extLst>
+          </p:cNvPr>
+          <p:cNvSpPr/>
+          <p:nvPr/>
+        </p:nvSpPr>
+        <p:spPr>
+          <a:xfrm>
+            <a:off x="9550915" y="669730"/>
+            <a:ext cx="3282823" cy="1149739"/>
+          </a:xfrm>
+          <a:prstGeom prst="rect">
+            <a:avLst/>
+          </a:prstGeom>
+        </p:spPr>
+        <p:style>
+          <a:lnRef idx="2">
+            <a:schemeClr val="accent3">
+              <a:shade val="50000"/>
+            </a:schemeClr>
+          </a:lnRef>
+          <a:fillRef idx="1">
+            <a:schemeClr val="accent3"/>
+          </a:fillRef>
+          <a:effectRef idx="0">
+            <a:schemeClr val="accent3"/>
+          </a:effectRef>
+          <a:fontRef idx="minor">
+            <a:schemeClr val="lt1"/>
+          </a:fontRef>
+        </p:style>
+        <p:txBody>
+          <a:bodyPr rtlCol="0" anchor="ctr"/>
+          <a:lstStyle/>
+          <a:p>
+            <a:pPr algn="ctr"/>
+            <a:r>
+              <a:rPr lang="en-IN" dirty="0"/>
+              <a:t>SQL Engine</a:t>
+            </a:r>
+          </a:p>
+        </p:txBody>
+      </p:sp>
+      <p:sp>
+        <p:nvSpPr>
+          <p:cNvPr id="4" name="Rectangle 3">
+            <a:extLst>
+              <a:ext uri="{FF2B5EF4-FFF2-40B4-BE49-F238E27FC236}">
+                <a16:creationId xmlns:a16="http://schemas.microsoft.com/office/drawing/2014/main" id="{E62B41EA-EE16-48BA-B7AF-84E94CF803D0}"/>
+              </a:ext>
+            </a:extLst>
+          </p:cNvPr>
+          <p:cNvSpPr/>
+          <p:nvPr/>
+        </p:nvSpPr>
+        <p:spPr>
+          <a:xfrm>
+            <a:off x="9102270" y="2296429"/>
+            <a:ext cx="3643086" cy="538065"/>
+          </a:xfrm>
+          <a:prstGeom prst="rect">
+            <a:avLst/>
+          </a:prstGeom>
+        </p:spPr>
+        <p:style>
+          <a:lnRef idx="2">
+            <a:schemeClr val="accent3">
+              <a:shade val="50000"/>
+            </a:schemeClr>
+          </a:lnRef>
+          <a:fillRef idx="1">
+            <a:schemeClr val="accent3"/>
+          </a:fillRef>
+          <a:effectRef idx="0">
+            <a:schemeClr val="accent3"/>
+          </a:effectRef>
+          <a:fontRef idx="minor">
+            <a:schemeClr val="lt1"/>
+          </a:fontRef>
+        </p:style>
+        <p:txBody>
+          <a:bodyPr rtlCol="0" anchor="ctr"/>
+          <a:lstStyle/>
+          <a:p>
+            <a:pPr algn="ctr"/>
+            <a:r>
+              <a:rPr lang="en-IN" dirty="0"/>
+              <a:t>RDBMS Store</a:t>
+            </a:r>
+          </a:p>
+        </p:txBody>
+      </p:sp>
+      <p:sp>
+        <p:nvSpPr>
+          <p:cNvPr id="5" name="Rectangle 4">
+            <a:extLst>
+              <a:ext uri="{FF2B5EF4-FFF2-40B4-BE49-F238E27FC236}">
+                <a16:creationId xmlns:a16="http://schemas.microsoft.com/office/drawing/2014/main" id="{31EFF2FA-346B-4601-B560-3B4DEDDBB544}"/>
+              </a:ext>
+            </a:extLst>
+          </p:cNvPr>
+          <p:cNvSpPr/>
+          <p:nvPr/>
+        </p:nvSpPr>
+        <p:spPr>
+          <a:xfrm>
+            <a:off x="9102270" y="3230856"/>
+            <a:ext cx="3643086" cy="538065"/>
+          </a:xfrm>
+          <a:prstGeom prst="rect">
+            <a:avLst/>
+          </a:prstGeom>
+        </p:spPr>
+        <p:style>
+          <a:lnRef idx="2">
+            <a:schemeClr val="accent3">
+              <a:shade val="50000"/>
+            </a:schemeClr>
+          </a:lnRef>
+          <a:fillRef idx="1">
+            <a:schemeClr val="accent3"/>
+          </a:fillRef>
+          <a:effectRef idx="0">
+            <a:schemeClr val="accent3"/>
+          </a:effectRef>
+          <a:fontRef idx="minor">
+            <a:schemeClr val="lt1"/>
+          </a:fontRef>
+        </p:style>
+        <p:txBody>
+          <a:bodyPr rtlCol="0" anchor="ctr"/>
+          <a:lstStyle/>
+          <a:p>
+            <a:pPr algn="ctr"/>
+            <a:r>
+              <a:rPr lang="en-IN" dirty="0"/>
+              <a:t>Store Procedure</a:t>
+            </a:r>
+          </a:p>
+        </p:txBody>
+      </p:sp>
+      <p:sp>
+        <p:nvSpPr>
+          <p:cNvPr id="6" name="Rectangle 5">
+            <a:extLst>
+              <a:ext uri="{FF2B5EF4-FFF2-40B4-BE49-F238E27FC236}">
+                <a16:creationId xmlns:a16="http://schemas.microsoft.com/office/drawing/2014/main" id="{5DDEEC97-1104-4DAA-BF51-9059A62BEE41}"/>
+              </a:ext>
+            </a:extLst>
+          </p:cNvPr>
+          <p:cNvSpPr/>
+          <p:nvPr/>
+        </p:nvSpPr>
+        <p:spPr>
+          <a:xfrm>
+            <a:off x="9102270" y="4253077"/>
+            <a:ext cx="3643086" cy="538065"/>
+          </a:xfrm>
+          <a:prstGeom prst="rect">
+            <a:avLst/>
+          </a:prstGeom>
+        </p:spPr>
+        <p:style>
+          <a:lnRef idx="2">
+            <a:schemeClr val="accent3">
+              <a:shade val="50000"/>
+            </a:schemeClr>
+          </a:lnRef>
+          <a:fillRef idx="1">
+            <a:schemeClr val="accent3"/>
+          </a:fillRef>
+          <a:effectRef idx="0">
+            <a:schemeClr val="accent3"/>
+          </a:effectRef>
+          <a:fontRef idx="minor">
+            <a:schemeClr val="lt1"/>
+          </a:fontRef>
+        </p:style>
+        <p:txBody>
+          <a:bodyPr rtlCol="0" anchor="ctr"/>
+          <a:lstStyle/>
+          <a:p>
+            <a:pPr algn="ctr"/>
+            <a:r>
+              <a:rPr lang="en-IN" dirty="0"/>
+              <a:t>Triggers</a:t>
+            </a:r>
+          </a:p>
+        </p:txBody>
+      </p:sp>
+      <p:sp>
+        <p:nvSpPr>
+          <p:cNvPr id="7" name="Rectangle 6">
+            <a:extLst>
+              <a:ext uri="{FF2B5EF4-FFF2-40B4-BE49-F238E27FC236}">
+                <a16:creationId xmlns:a16="http://schemas.microsoft.com/office/drawing/2014/main" id="{6613D298-334C-4939-8177-1395A8689F66}"/>
+              </a:ext>
+            </a:extLst>
+          </p:cNvPr>
+          <p:cNvSpPr/>
+          <p:nvPr/>
+        </p:nvSpPr>
+        <p:spPr>
+          <a:xfrm>
+            <a:off x="9102270" y="5343584"/>
+            <a:ext cx="3643086" cy="538065"/>
+          </a:xfrm>
+          <a:prstGeom prst="rect">
+            <a:avLst/>
+          </a:prstGeom>
+        </p:spPr>
+        <p:style>
+          <a:lnRef idx="2">
+            <a:schemeClr val="accent3">
+              <a:shade val="50000"/>
+            </a:schemeClr>
+          </a:lnRef>
+          <a:fillRef idx="1">
+            <a:schemeClr val="accent3"/>
+          </a:fillRef>
+          <a:effectRef idx="0">
+            <a:schemeClr val="accent3"/>
+          </a:effectRef>
+          <a:fontRef idx="minor">
+            <a:schemeClr val="lt1"/>
+          </a:fontRef>
+        </p:style>
+        <p:txBody>
+          <a:bodyPr rtlCol="0" anchor="ctr"/>
+          <a:lstStyle/>
+          <a:p>
+            <a:pPr algn="ctr"/>
+            <a:r>
+              <a:rPr lang="en-IN" dirty="0"/>
+              <a:t>Views</a:t>
+            </a:r>
+          </a:p>
+        </p:txBody>
+      </p:sp>
+      <p:sp>
+        <p:nvSpPr>
+          <p:cNvPr id="8" name="Rectangle 7">
+            <a:extLst>
+              <a:ext uri="{FF2B5EF4-FFF2-40B4-BE49-F238E27FC236}">
+                <a16:creationId xmlns:a16="http://schemas.microsoft.com/office/drawing/2014/main" id="{1FF521C6-BD33-44C6-8A3B-77D23571EB61}"/>
+              </a:ext>
+            </a:extLst>
+          </p:cNvPr>
+          <p:cNvSpPr/>
+          <p:nvPr/>
+        </p:nvSpPr>
+        <p:spPr>
+          <a:xfrm>
+            <a:off x="-347305" y="221860"/>
+            <a:ext cx="4771048" cy="6194489"/>
+          </a:xfrm>
+          <a:prstGeom prst="rect">
+            <a:avLst/>
+          </a:prstGeom>
+        </p:spPr>
+        <p:style>
+          <a:lnRef idx="2">
+            <a:schemeClr val="accent1">
+              <a:shade val="50000"/>
+            </a:schemeClr>
+          </a:lnRef>
+          <a:fillRef idx="1">
+            <a:schemeClr val="accent1"/>
+          </a:fillRef>
+          <a:effectRef idx="0">
+            <a:schemeClr val="accent1"/>
+          </a:effectRef>
+          <a:fontRef idx="minor">
+            <a:schemeClr val="lt1"/>
+          </a:fontRef>
+        </p:style>
+        <p:txBody>
+          <a:bodyPr rtlCol="0" anchor="t"/>
+          <a:lstStyle/>
+          <a:p>
+            <a:pPr algn="ctr"/>
+            <a:r>
+              <a:rPr lang="en-IN" dirty="0"/>
+              <a:t>.NET Application(EXE)- Process </a:t>
+            </a:r>
+          </a:p>
+        </p:txBody>
+      </p:sp>
+      <p:sp>
+        <p:nvSpPr>
+          <p:cNvPr id="9" name="Rectangle 8">
+            <a:extLst>
+              <a:ext uri="{FF2B5EF4-FFF2-40B4-BE49-F238E27FC236}">
+                <a16:creationId xmlns:a16="http://schemas.microsoft.com/office/drawing/2014/main" id="{3797B180-7564-4965-8D7A-CB023B3F0A93}"/>
+              </a:ext>
+            </a:extLst>
+          </p:cNvPr>
+          <p:cNvSpPr/>
+          <p:nvPr/>
+        </p:nvSpPr>
+        <p:spPr>
+          <a:xfrm>
+            <a:off x="4413381" y="755780"/>
+            <a:ext cx="1240970" cy="1063689"/>
+          </a:xfrm>
+          <a:prstGeom prst="rect">
+            <a:avLst/>
+          </a:prstGeom>
+        </p:spPr>
+        <p:style>
+          <a:lnRef idx="2">
+            <a:schemeClr val="accent1">
+              <a:shade val="50000"/>
+            </a:schemeClr>
+          </a:lnRef>
+          <a:fillRef idx="1">
+            <a:schemeClr val="accent1"/>
+          </a:fillRef>
+          <a:effectRef idx="0">
+            <a:schemeClr val="accent1"/>
+          </a:effectRef>
+          <a:fontRef idx="minor">
+            <a:schemeClr val="lt1"/>
+          </a:fontRef>
+        </p:style>
+        <p:txBody>
+          <a:bodyPr rtlCol="0" anchor="ctr"/>
+          <a:lstStyle/>
+          <a:p>
+            <a:pPr algn="ctr"/>
+            <a:r>
+              <a:rPr lang="en-IN" dirty="0"/>
+              <a:t>Socket</a:t>
+            </a:r>
+          </a:p>
+        </p:txBody>
+      </p:sp>
+      <p:sp>
+        <p:nvSpPr>
+          <p:cNvPr id="10" name="Rectangle 9">
+            <a:extLst>
+              <a:ext uri="{FF2B5EF4-FFF2-40B4-BE49-F238E27FC236}">
+                <a16:creationId xmlns:a16="http://schemas.microsoft.com/office/drawing/2014/main" id="{49CAE0CD-5747-4E39-9179-C324531CCC2A}"/>
+              </a:ext>
+            </a:extLst>
+          </p:cNvPr>
+          <p:cNvSpPr/>
+          <p:nvPr/>
+        </p:nvSpPr>
+        <p:spPr>
+          <a:xfrm>
+            <a:off x="7412654" y="755780"/>
+            <a:ext cx="1240970" cy="1063689"/>
+          </a:xfrm>
+          <a:prstGeom prst="rect">
+            <a:avLst/>
+          </a:prstGeom>
+        </p:spPr>
+        <p:style>
+          <a:lnRef idx="2">
+            <a:schemeClr val="accent1">
+              <a:shade val="50000"/>
+            </a:schemeClr>
+          </a:lnRef>
+          <a:fillRef idx="1">
+            <a:schemeClr val="accent1"/>
+          </a:fillRef>
+          <a:effectRef idx="0">
+            <a:schemeClr val="accent1"/>
+          </a:effectRef>
+          <a:fontRef idx="minor">
+            <a:schemeClr val="lt1"/>
+          </a:fontRef>
+        </p:style>
+        <p:txBody>
+          <a:bodyPr rtlCol="0" anchor="ctr"/>
+          <a:lstStyle/>
+          <a:p>
+            <a:pPr algn="ctr"/>
+            <a:r>
+              <a:rPr lang="en-IN" dirty="0"/>
+              <a:t>Socket</a:t>
+            </a:r>
+          </a:p>
+        </p:txBody>
+      </p:sp>
+      <p:sp>
+        <p:nvSpPr>
+          <p:cNvPr id="11" name="Arrow: Right 10">
+            <a:extLst>
+              <a:ext uri="{FF2B5EF4-FFF2-40B4-BE49-F238E27FC236}">
+                <a16:creationId xmlns:a16="http://schemas.microsoft.com/office/drawing/2014/main" id="{22137F01-0E15-4490-B630-593273322DC6}"/>
+              </a:ext>
+            </a:extLst>
+          </p:cNvPr>
+          <p:cNvSpPr/>
+          <p:nvPr/>
+        </p:nvSpPr>
+        <p:spPr>
+          <a:xfrm>
+            <a:off x="5659532" y="662990"/>
+            <a:ext cx="1758303" cy="569167"/>
+          </a:xfrm>
+          <a:prstGeom prst="rightArrow">
+            <a:avLst/>
+          </a:prstGeom>
+        </p:spPr>
+        <p:style>
+          <a:lnRef idx="2">
+            <a:schemeClr val="dk1">
+              <a:shade val="50000"/>
+            </a:schemeClr>
+          </a:lnRef>
+          <a:fillRef idx="1">
+            <a:schemeClr val="dk1"/>
+          </a:fillRef>
+          <a:effectRef idx="0">
+            <a:schemeClr val="dk1"/>
+          </a:effectRef>
+          <a:fontRef idx="minor">
+            <a:schemeClr val="lt1"/>
+          </a:fontRef>
+        </p:style>
+        <p:txBody>
+          <a:bodyPr rtlCol="0" anchor="ctr"/>
+          <a:lstStyle/>
+          <a:p>
+            <a:pPr algn="ctr"/>
+            <a:r>
+              <a:rPr lang="en-IN" dirty="0"/>
+              <a:t>query</a:t>
+            </a:r>
+          </a:p>
+        </p:txBody>
+      </p:sp>
+      <p:sp>
+        <p:nvSpPr>
+          <p:cNvPr id="12" name="Arrow: Left 11">
+            <a:extLst>
+              <a:ext uri="{FF2B5EF4-FFF2-40B4-BE49-F238E27FC236}">
+                <a16:creationId xmlns:a16="http://schemas.microsoft.com/office/drawing/2014/main" id="{DD907961-032E-4096-B5D6-C06785EDEF55}"/>
+              </a:ext>
+            </a:extLst>
+          </p:cNvPr>
+          <p:cNvSpPr/>
+          <p:nvPr/>
+        </p:nvSpPr>
+        <p:spPr>
+          <a:xfrm>
+            <a:off x="5659532" y="1499117"/>
+            <a:ext cx="1758303" cy="472751"/>
+          </a:xfrm>
+          <a:prstGeom prst="leftArrow">
+            <a:avLst/>
+          </a:prstGeom>
+        </p:spPr>
+        <p:style>
+          <a:lnRef idx="2">
+            <a:schemeClr val="dk1">
+              <a:shade val="50000"/>
+            </a:schemeClr>
+          </a:lnRef>
+          <a:fillRef idx="1">
+            <a:schemeClr val="dk1"/>
+          </a:fillRef>
+          <a:effectRef idx="0">
+            <a:schemeClr val="dk1"/>
+          </a:effectRef>
+          <a:fontRef idx="minor">
+            <a:schemeClr val="lt1"/>
+          </a:fontRef>
+        </p:style>
+        <p:txBody>
+          <a:bodyPr rtlCol="0" anchor="ctr"/>
+          <a:lstStyle/>
+          <a:p>
+            <a:pPr algn="ctr"/>
+            <a:r>
+              <a:rPr lang="en-IN" dirty="0"/>
+              <a:t>query</a:t>
+            </a:r>
+          </a:p>
+        </p:txBody>
+      </p:sp>
+      <p:sp>
+        <p:nvSpPr>
+          <p:cNvPr id="13" name="Rectangle 12">
+            <a:extLst>
+              <a:ext uri="{FF2B5EF4-FFF2-40B4-BE49-F238E27FC236}">
+                <a16:creationId xmlns:a16="http://schemas.microsoft.com/office/drawing/2014/main" id="{BE3917C8-3430-44F6-803A-0DDE04D18E6D}"/>
+              </a:ext>
+            </a:extLst>
+          </p:cNvPr>
+          <p:cNvSpPr/>
+          <p:nvPr/>
+        </p:nvSpPr>
+        <p:spPr>
+          <a:xfrm>
+            <a:off x="147220" y="760121"/>
+            <a:ext cx="3643086" cy="1042566"/>
+          </a:xfrm>
+          <a:prstGeom prst="rect">
+            <a:avLst/>
+          </a:prstGeom>
+        </p:spPr>
+        <p:style>
+          <a:lnRef idx="2">
+            <a:schemeClr val="accent3">
+              <a:shade val="50000"/>
+            </a:schemeClr>
+          </a:lnRef>
+          <a:fillRef idx="1">
+            <a:schemeClr val="accent3"/>
+          </a:fillRef>
+          <a:effectRef idx="0">
+            <a:schemeClr val="accent3"/>
+          </a:effectRef>
+          <a:fontRef idx="minor">
+            <a:schemeClr val="lt1"/>
+          </a:fontRef>
+        </p:style>
+        <p:txBody>
+          <a:bodyPr rtlCol="0" anchor="ctr"/>
+          <a:lstStyle/>
+          <a:p>
+            <a:pPr algn="ctr"/>
+            <a:r>
+              <a:rPr lang="en-IN" dirty="0"/>
+              <a:t>SQL Connection </a:t>
+            </a:r>
+          </a:p>
+          <a:p>
+            <a:pPr algn="ctr"/>
+            <a:r>
+              <a:rPr lang="en-IN" dirty="0"/>
+              <a:t>Object</a:t>
+            </a:r>
+          </a:p>
+        </p:txBody>
+      </p:sp>
+      <p:sp>
+        <p:nvSpPr>
+          <p:cNvPr id="14" name="Arrow: Right 13">
+            <a:extLst>
+              <a:ext uri="{FF2B5EF4-FFF2-40B4-BE49-F238E27FC236}">
+                <a16:creationId xmlns:a16="http://schemas.microsoft.com/office/drawing/2014/main" id="{1068A2F0-5F09-4284-BAB7-E1C42283AC87}"/>
+              </a:ext>
+            </a:extLst>
+          </p:cNvPr>
+          <p:cNvSpPr/>
+          <p:nvPr/>
+        </p:nvSpPr>
+        <p:spPr>
+          <a:xfrm>
+            <a:off x="3802744" y="842865"/>
+            <a:ext cx="605456" cy="351453"/>
+          </a:xfrm>
+          <a:prstGeom prst="rightArrow">
+            <a:avLst/>
+          </a:prstGeom>
+        </p:spPr>
+        <p:style>
+          <a:lnRef idx="2">
+            <a:schemeClr val="dk1">
+              <a:shade val="50000"/>
+            </a:schemeClr>
+          </a:lnRef>
+          <a:fillRef idx="1">
+            <a:schemeClr val="dk1"/>
+          </a:fillRef>
+          <a:effectRef idx="0">
+            <a:schemeClr val="dk1"/>
+          </a:effectRef>
+          <a:fontRef idx="minor">
+            <a:schemeClr val="lt1"/>
+          </a:fontRef>
+        </p:style>
+        <p:txBody>
+          <a:bodyPr rtlCol="0" anchor="ctr"/>
+          <a:lstStyle/>
+          <a:p>
+            <a:pPr algn="ctr"/>
+            <a:r>
+              <a:rPr lang="en-IN" dirty="0"/>
+              <a:t>:::</a:t>
+            </a:r>
+          </a:p>
+        </p:txBody>
+      </p:sp>
+      <p:sp>
+        <p:nvSpPr>
+          <p:cNvPr id="15" name="Rectangle 14">
+            <a:extLst>
+              <a:ext uri="{FF2B5EF4-FFF2-40B4-BE49-F238E27FC236}">
+                <a16:creationId xmlns:a16="http://schemas.microsoft.com/office/drawing/2014/main" id="{A923893B-555F-46F6-8283-A0F00E18F32A}"/>
+              </a:ext>
+            </a:extLst>
+          </p:cNvPr>
+          <p:cNvSpPr/>
+          <p:nvPr/>
+        </p:nvSpPr>
+        <p:spPr>
+          <a:xfrm>
+            <a:off x="147220" y="2451489"/>
+            <a:ext cx="1709572" cy="1042566"/>
+          </a:xfrm>
+          <a:prstGeom prst="rect">
+            <a:avLst/>
+          </a:prstGeom>
+        </p:spPr>
+        <p:style>
+          <a:lnRef idx="2">
+            <a:schemeClr val="accent3">
+              <a:shade val="50000"/>
+            </a:schemeClr>
+          </a:lnRef>
+          <a:fillRef idx="1">
+            <a:schemeClr val="accent3"/>
+          </a:fillRef>
+          <a:effectRef idx="0">
+            <a:schemeClr val="accent3"/>
+          </a:effectRef>
+          <a:fontRef idx="minor">
+            <a:schemeClr val="lt1"/>
+          </a:fontRef>
+        </p:style>
+        <p:txBody>
+          <a:bodyPr rtlCol="0" anchor="ctr"/>
+          <a:lstStyle/>
+          <a:p>
+            <a:pPr algn="ctr"/>
+            <a:r>
+              <a:rPr lang="en-IN" dirty="0"/>
+              <a:t>SQL Command </a:t>
+            </a:r>
+          </a:p>
+          <a:p>
+            <a:pPr algn="ctr"/>
+            <a:r>
+              <a:rPr lang="en-IN" dirty="0"/>
+              <a:t>Object</a:t>
+            </a:r>
+          </a:p>
+        </p:txBody>
+      </p:sp>
+      <p:sp>
+        <p:nvSpPr>
+          <p:cNvPr id="16" name="Rectangle 15">
+            <a:extLst>
+              <a:ext uri="{FF2B5EF4-FFF2-40B4-BE49-F238E27FC236}">
+                <a16:creationId xmlns:a16="http://schemas.microsoft.com/office/drawing/2014/main" id="{0B9F3C07-1921-4E51-A3D3-0D3F85E0BEFC}"/>
+              </a:ext>
+            </a:extLst>
+          </p:cNvPr>
+          <p:cNvSpPr/>
+          <p:nvPr/>
+        </p:nvSpPr>
+        <p:spPr>
+          <a:xfrm>
+            <a:off x="1856792" y="4000827"/>
+            <a:ext cx="1709572" cy="1042566"/>
+          </a:xfrm>
+          <a:prstGeom prst="rect">
+            <a:avLst/>
+          </a:prstGeom>
+        </p:spPr>
+        <p:style>
+          <a:lnRef idx="2">
+            <a:schemeClr val="accent3">
+              <a:shade val="50000"/>
+            </a:schemeClr>
+          </a:lnRef>
+          <a:fillRef idx="1">
+            <a:schemeClr val="accent3"/>
+          </a:fillRef>
+          <a:effectRef idx="0">
+            <a:schemeClr val="accent3"/>
+          </a:effectRef>
+          <a:fontRef idx="minor">
+            <a:schemeClr val="lt1"/>
+          </a:fontRef>
+        </p:style>
+        <p:txBody>
+          <a:bodyPr rtlCol="0" anchor="ctr"/>
+          <a:lstStyle/>
+          <a:p>
+            <a:pPr algn="ctr"/>
+            <a:r>
+              <a:rPr lang="en-IN" dirty="0"/>
+              <a:t>SQL </a:t>
+            </a:r>
+            <a:r>
+              <a:rPr lang="en-IN" dirty="0" err="1"/>
+              <a:t>DataReader</a:t>
+            </a:r>
+            <a:r>
+              <a:rPr lang="en-IN" dirty="0"/>
+              <a:t> </a:t>
+            </a:r>
+          </a:p>
+          <a:p>
+            <a:pPr algn="ctr"/>
+            <a:r>
+              <a:rPr lang="en-IN" dirty="0"/>
+              <a:t>Object</a:t>
+            </a:r>
+          </a:p>
+        </p:txBody>
+      </p:sp>
+      <p:sp>
+        <p:nvSpPr>
+          <p:cNvPr id="17" name="Arrow: Down 16">
+            <a:extLst>
+              <a:ext uri="{FF2B5EF4-FFF2-40B4-BE49-F238E27FC236}">
+                <a16:creationId xmlns:a16="http://schemas.microsoft.com/office/drawing/2014/main" id="{952339A5-39A6-46E9-AA2C-5BF4EB7D9607}"/>
+              </a:ext>
+            </a:extLst>
+          </p:cNvPr>
+          <p:cNvSpPr/>
+          <p:nvPr/>
+        </p:nvSpPr>
+        <p:spPr>
+          <a:xfrm>
+            <a:off x="2508380" y="1828673"/>
+            <a:ext cx="406396" cy="2172154"/>
+          </a:xfrm>
+          <a:prstGeom prst="downArrow">
+            <a:avLst/>
+          </a:prstGeom>
+        </p:spPr>
+        <p:style>
+          <a:lnRef idx="2">
+            <a:schemeClr val="dk1">
+              <a:shade val="50000"/>
+            </a:schemeClr>
+          </a:lnRef>
+          <a:fillRef idx="1">
+            <a:schemeClr val="dk1"/>
+          </a:fillRef>
+          <a:effectRef idx="0">
+            <a:schemeClr val="dk1"/>
+          </a:effectRef>
+          <a:fontRef idx="minor">
+            <a:schemeClr val="lt1"/>
+          </a:fontRef>
+        </p:style>
+        <p:txBody>
+          <a:bodyPr rtlCol="0" anchor="ctr"/>
+          <a:lstStyle/>
+          <a:p>
+            <a:pPr algn="ctr"/>
+            <a:r>
+              <a:rPr lang="en-IN" dirty="0"/>
+              <a:t>Cursor</a:t>
+            </a:r>
+          </a:p>
+        </p:txBody>
+      </p:sp>
+      <p:sp>
+        <p:nvSpPr>
+          <p:cNvPr id="18" name="Arrow: Up 17">
+            <a:extLst>
+              <a:ext uri="{FF2B5EF4-FFF2-40B4-BE49-F238E27FC236}">
+                <a16:creationId xmlns:a16="http://schemas.microsoft.com/office/drawing/2014/main" id="{D5806F51-6896-40A8-914F-D6942E1030EF}"/>
+              </a:ext>
+            </a:extLst>
+          </p:cNvPr>
+          <p:cNvSpPr/>
+          <p:nvPr/>
+        </p:nvSpPr>
+        <p:spPr>
+          <a:xfrm>
+            <a:off x="791806" y="1802687"/>
+            <a:ext cx="527694" cy="648802"/>
+          </a:xfrm>
+          <a:prstGeom prst="upArrow">
+            <a:avLst/>
+          </a:prstGeom>
+        </p:spPr>
+        <p:style>
+          <a:lnRef idx="2">
+            <a:schemeClr val="dk1">
+              <a:shade val="50000"/>
+            </a:schemeClr>
+          </a:lnRef>
+          <a:fillRef idx="1">
+            <a:schemeClr val="dk1"/>
+          </a:fillRef>
+          <a:effectRef idx="0">
+            <a:schemeClr val="dk1"/>
+          </a:effectRef>
+          <a:fontRef idx="minor">
+            <a:schemeClr val="lt1"/>
+          </a:fontRef>
+        </p:style>
+        <p:txBody>
+          <a:bodyPr rtlCol="0" anchor="ctr"/>
+          <a:lstStyle/>
+          <a:p>
+            <a:pPr algn="ctr"/>
+            <a:r>
+              <a:rPr lang="en-IN" dirty="0"/>
+              <a:t>QU</a:t>
+            </a:r>
+          </a:p>
+        </p:txBody>
+      </p:sp>
+      <p:sp>
+        <p:nvSpPr>
+          <p:cNvPr id="19" name="Arrow: Left 18">
+            <a:extLst>
+              <a:ext uri="{FF2B5EF4-FFF2-40B4-BE49-F238E27FC236}">
+                <a16:creationId xmlns:a16="http://schemas.microsoft.com/office/drawing/2014/main" id="{863AA6DB-7F23-4B31-AF14-EB42F24B1EA8}"/>
+              </a:ext>
+            </a:extLst>
+          </p:cNvPr>
+          <p:cNvSpPr/>
+          <p:nvPr/>
+        </p:nvSpPr>
+        <p:spPr>
+          <a:xfrm>
+            <a:off x="3785125" y="1399850"/>
+            <a:ext cx="617894" cy="335386"/>
+          </a:xfrm>
+          <a:prstGeom prst="leftArrow">
+            <a:avLst/>
+          </a:prstGeom>
+        </p:spPr>
+        <p:style>
+          <a:lnRef idx="2">
+            <a:schemeClr val="dk1">
+              <a:shade val="50000"/>
+            </a:schemeClr>
+          </a:lnRef>
+          <a:fillRef idx="1">
+            <a:schemeClr val="dk1"/>
+          </a:fillRef>
+          <a:effectRef idx="0">
+            <a:schemeClr val="dk1"/>
+          </a:effectRef>
+          <a:fontRef idx="minor">
+            <a:schemeClr val="lt1"/>
+          </a:fontRef>
+        </p:style>
+        <p:txBody>
+          <a:bodyPr rtlCol="0" anchor="ctr"/>
+          <a:lstStyle/>
+          <a:p>
+            <a:pPr algn="ctr"/>
+            <a:r>
+              <a:rPr lang="en-IN" dirty="0"/>
+              <a:t>:::</a:t>
+            </a:r>
+          </a:p>
+        </p:txBody>
+      </p:sp>
+      <p:sp>
+        <p:nvSpPr>
+          <p:cNvPr id="20" name="Arrow: Right 19">
+            <a:extLst>
+              <a:ext uri="{FF2B5EF4-FFF2-40B4-BE49-F238E27FC236}">
+                <a16:creationId xmlns:a16="http://schemas.microsoft.com/office/drawing/2014/main" id="{981DF6E5-7D0F-4EB0-A874-D3B84B5E011E}"/>
+              </a:ext>
+            </a:extLst>
+          </p:cNvPr>
+          <p:cNvSpPr/>
+          <p:nvPr/>
+        </p:nvSpPr>
+        <p:spPr>
+          <a:xfrm>
+            <a:off x="8653624" y="889259"/>
+            <a:ext cx="897293" cy="510591"/>
+          </a:xfrm>
+          <a:prstGeom prst="rightArrow">
+            <a:avLst/>
+          </a:prstGeom>
+        </p:spPr>
+        <p:style>
+          <a:lnRef idx="2">
+            <a:schemeClr val="dk1">
+              <a:shade val="50000"/>
+            </a:schemeClr>
+          </a:lnRef>
+          <a:fillRef idx="1">
+            <a:schemeClr val="dk1"/>
+          </a:fillRef>
+          <a:effectRef idx="0">
+            <a:schemeClr val="dk1"/>
+          </a:effectRef>
+          <a:fontRef idx="minor">
+            <a:schemeClr val="lt1"/>
+          </a:fontRef>
+        </p:style>
+        <p:txBody>
+          <a:bodyPr rtlCol="0" anchor="ctr"/>
+          <a:lstStyle/>
+          <a:p>
+            <a:pPr algn="ctr"/>
+            <a:r>
+              <a:rPr lang="en-IN" dirty="0"/>
+              <a:t>query</a:t>
+            </a:r>
+          </a:p>
+        </p:txBody>
+      </p:sp>
+      <p:sp>
+        <p:nvSpPr>
+          <p:cNvPr id="21" name="Arrow: Left 20">
+            <a:extLst>
+              <a:ext uri="{FF2B5EF4-FFF2-40B4-BE49-F238E27FC236}">
+                <a16:creationId xmlns:a16="http://schemas.microsoft.com/office/drawing/2014/main" id="{F5988AF1-E0EE-4AD7-B960-7AD59DA36528}"/>
+              </a:ext>
+            </a:extLst>
+          </p:cNvPr>
+          <p:cNvSpPr/>
+          <p:nvPr/>
+        </p:nvSpPr>
+        <p:spPr>
+          <a:xfrm>
+            <a:off x="8592982" y="1437688"/>
+            <a:ext cx="897292" cy="472751"/>
+          </a:xfrm>
+          <a:prstGeom prst="leftArrow">
+            <a:avLst/>
+          </a:prstGeom>
+        </p:spPr>
+        <p:style>
+          <a:lnRef idx="2">
+            <a:schemeClr val="dk1">
+              <a:shade val="50000"/>
+            </a:schemeClr>
+          </a:lnRef>
+          <a:fillRef idx="1">
+            <a:schemeClr val="dk1"/>
+          </a:fillRef>
+          <a:effectRef idx="0">
+            <a:schemeClr val="dk1"/>
+          </a:effectRef>
+          <a:fontRef idx="minor">
+            <a:schemeClr val="lt1"/>
+          </a:fontRef>
+        </p:style>
+        <p:txBody>
+          <a:bodyPr rtlCol="0" anchor="ctr"/>
+          <a:lstStyle/>
+          <a:p>
+            <a:pPr algn="ctr"/>
+            <a:r>
+              <a:rPr lang="en-IN" dirty="0"/>
+              <a:t>cursor</a:t>
+            </a:r>
+          </a:p>
+        </p:txBody>
+      </p:sp>
+      <p:sp>
+        <p:nvSpPr>
+          <p:cNvPr id="22" name="Arrow: Down 21">
+            <a:extLst>
+              <a:ext uri="{FF2B5EF4-FFF2-40B4-BE49-F238E27FC236}">
+                <a16:creationId xmlns:a16="http://schemas.microsoft.com/office/drawing/2014/main" id="{B7CD32B3-4E73-4564-BBC8-5278B873C161}"/>
+              </a:ext>
+            </a:extLst>
+          </p:cNvPr>
+          <p:cNvSpPr/>
+          <p:nvPr/>
+        </p:nvSpPr>
+        <p:spPr>
+          <a:xfrm>
+            <a:off x="12269755" y="1674063"/>
+            <a:ext cx="401216" cy="777426"/>
+          </a:xfrm>
+          <a:prstGeom prst="downArrow">
+            <a:avLst/>
+          </a:prstGeom>
+        </p:spPr>
+        <p:style>
+          <a:lnRef idx="2">
+            <a:schemeClr val="dk1">
+              <a:shade val="50000"/>
+            </a:schemeClr>
+          </a:lnRef>
+          <a:fillRef idx="1">
+            <a:schemeClr val="dk1"/>
+          </a:fillRef>
+          <a:effectRef idx="0">
+            <a:schemeClr val="dk1"/>
+          </a:effectRef>
+          <a:fontRef idx="minor">
+            <a:schemeClr val="lt1"/>
+          </a:fontRef>
+        </p:style>
+        <p:txBody>
+          <a:bodyPr rtlCol="0" anchor="ctr"/>
+          <a:lstStyle/>
+          <a:p>
+            <a:pPr algn="ctr"/>
+            <a:endParaRPr lang="en-IN"/>
+          </a:p>
+        </p:txBody>
+      </p:sp>
+    </p:spTree>
+    <p:extLst>
+      <p:ext uri="{BB962C8B-B14F-4D97-AF65-F5344CB8AC3E}">
+        <p14:creationId xmlns:p14="http://schemas.microsoft.com/office/powerpoint/2010/main" val="3393489615"/>
+      </p:ext>
+    </p:extLst>
+  </p:cSld>
+  <p:clrMapOvr>
+    <a:masterClrMapping/>
+  </p:clrMapOvr>
+</p:sld>
+</file>
+
+<file path=ppt/slides/slide34.xml><?xml version="1.0" encoding="utf-8"?>
+<p:sld xmlns:a="http://schemas.openxmlformats.org/drawingml/2006/main" xmlns:r="http://schemas.openxmlformats.org/officeDocument/2006/relationships" xmlns:p="http://schemas.openxmlformats.org/presentationml/2006/main">
+  <p:cSld>
+    <p:spTree>
+      <p:nvGrpSpPr>
+        <p:cNvPr id="1" name=""/>
+        <p:cNvGrpSpPr/>
+        <p:nvPr/>
+      </p:nvGrpSpPr>
+      <p:grpSpPr>
+        <a:xfrm>
+          <a:off x="0" y="0"/>
+          <a:ext cx="0" cy="0"/>
+          <a:chOff x="0" y="0"/>
+          <a:chExt cx="0" cy="0"/>
+        </a:xfrm>
+      </p:grpSpPr>
+      <p:sp>
+        <p:nvSpPr>
+          <p:cNvPr id="2" name="Title 1">
+            <a:extLst>
+              <a:ext uri="{FF2B5EF4-FFF2-40B4-BE49-F238E27FC236}">
+                <a16:creationId xmlns:a16="http://schemas.microsoft.com/office/drawing/2014/main" id="{43D4D6DE-53CA-44C2-9BD2-88E13D575302}"/>
+              </a:ext>
+            </a:extLst>
+          </p:cNvPr>
+          <p:cNvSpPr>
+            <a:spLocks noGrp="1"/>
+          </p:cNvSpPr>
+          <p:nvPr>
+            <p:ph type="title"/>
+          </p:nvPr>
+        </p:nvSpPr>
+        <p:spPr/>
+        <p:txBody>
+          <a:bodyPr/>
+          <a:lstStyle/>
+          <a:p>
+            <a:r>
+              <a:rPr lang="en-IN" dirty="0"/>
+              <a:t>Requirement 4</a:t>
+            </a:r>
+          </a:p>
+        </p:txBody>
+      </p:sp>
+      <p:sp>
+        <p:nvSpPr>
+          <p:cNvPr id="3" name="Content Placeholder 2">
+            <a:extLst>
+              <a:ext uri="{FF2B5EF4-FFF2-40B4-BE49-F238E27FC236}">
+                <a16:creationId xmlns:a16="http://schemas.microsoft.com/office/drawing/2014/main" id="{6D0758D1-E6FB-4EFA-86AE-FE2C07082C5F}"/>
+              </a:ext>
+            </a:extLst>
+          </p:cNvPr>
+          <p:cNvSpPr>
+            <a:spLocks noGrp="1"/>
+          </p:cNvSpPr>
+          <p:nvPr>
+            <p:ph idx="1"/>
+          </p:nvPr>
+        </p:nvSpPr>
+        <p:spPr/>
+        <p:txBody>
+          <a:bodyPr/>
+          <a:lstStyle/>
+          <a:p>
+            <a:r>
+              <a:rPr lang="en-IN" dirty="0"/>
+              <a:t>Add question </a:t>
+            </a:r>
+          </a:p>
+          <a:p>
+            <a:r>
+              <a:rPr lang="en-IN" dirty="0"/>
+              <a:t>Delete question </a:t>
+            </a:r>
+          </a:p>
+          <a:p>
+            <a:r>
+              <a:rPr lang="en-IN" dirty="0"/>
+              <a:t>Update </a:t>
+            </a:r>
+          </a:p>
+          <a:p>
+            <a:r>
+              <a:rPr lang="en-IN" dirty="0"/>
+              <a:t>List</a:t>
+            </a:r>
+          </a:p>
+        </p:txBody>
+      </p:sp>
+    </p:spTree>
+    <p:extLst>
+      <p:ext uri="{BB962C8B-B14F-4D97-AF65-F5344CB8AC3E}">
+        <p14:creationId xmlns:p14="http://schemas.microsoft.com/office/powerpoint/2010/main" val="3822433128"/>
       </p:ext>
     </p:extLst>
   </p:cSld>

--- a/Theory.pptx
+++ b/Theory.pptx
@@ -5,7 +5,7 @@
     <p:sldMasterId id="2147483648" r:id="rId1"/>
   </p:sldMasterIdLst>
   <p:notesMasterIdLst>
-    <p:notesMasterId r:id="rId36"/>
+    <p:notesMasterId r:id="rId40"/>
   </p:notesMasterIdLst>
   <p:sldIdLst>
     <p:sldId id="256" r:id="rId2"/>
@@ -42,6 +42,10 @@
     <p:sldId id="287" r:id="rId33"/>
     <p:sldId id="289" r:id="rId34"/>
     <p:sldId id="288" r:id="rId35"/>
+    <p:sldId id="290" r:id="rId36"/>
+    <p:sldId id="291" r:id="rId37"/>
+    <p:sldId id="292" r:id="rId38"/>
+    <p:sldId id="293" r:id="rId39"/>
   </p:sldIdLst>
   <p:sldSz cx="12192000" cy="6858000"/>
   <p:notesSz cx="6858000" cy="9144000"/>
@@ -230,7 +234,7 @@
           <a:p>
             <a:fld id="{E10A149A-767C-45F6-96F8-8A5ED7254604}" type="datetimeFigureOut">
               <a:rPr lang="en-IN" smtClean="0"/>
-              <a:t>08-03-2019</a:t>
+              <a:t>09-03-2019</a:t>
             </a:fld>
             <a:endParaRPr lang="en-IN"/>
           </a:p>
@@ -2051,7 +2055,7 @@
           <a:p>
             <a:fld id="{8594F18B-712C-4789-90DB-6CB977E04FFB}" type="datetimeFigureOut">
               <a:rPr lang="en-IN" smtClean="0"/>
-              <a:t>08-03-2019</a:t>
+              <a:t>09-03-2019</a:t>
             </a:fld>
             <a:endParaRPr lang="en-IN"/>
           </a:p>
@@ -2251,7 +2255,7 @@
           <a:p>
             <a:fld id="{8594F18B-712C-4789-90DB-6CB977E04FFB}" type="datetimeFigureOut">
               <a:rPr lang="en-IN" smtClean="0"/>
-              <a:t>08-03-2019</a:t>
+              <a:t>09-03-2019</a:t>
             </a:fld>
             <a:endParaRPr lang="en-IN"/>
           </a:p>
@@ -2461,7 +2465,7 @@
           <a:p>
             <a:fld id="{8594F18B-712C-4789-90DB-6CB977E04FFB}" type="datetimeFigureOut">
               <a:rPr lang="en-IN" smtClean="0"/>
-              <a:t>08-03-2019</a:t>
+              <a:t>09-03-2019</a:t>
             </a:fld>
             <a:endParaRPr lang="en-IN"/>
           </a:p>
@@ -2661,7 +2665,7 @@
           <a:p>
             <a:fld id="{8594F18B-712C-4789-90DB-6CB977E04FFB}" type="datetimeFigureOut">
               <a:rPr lang="en-IN" smtClean="0"/>
-              <a:t>08-03-2019</a:t>
+              <a:t>09-03-2019</a:t>
             </a:fld>
             <a:endParaRPr lang="en-IN"/>
           </a:p>
@@ -2937,7 +2941,7 @@
           <a:p>
             <a:fld id="{8594F18B-712C-4789-90DB-6CB977E04FFB}" type="datetimeFigureOut">
               <a:rPr lang="en-IN" smtClean="0"/>
-              <a:t>08-03-2019</a:t>
+              <a:t>09-03-2019</a:t>
             </a:fld>
             <a:endParaRPr lang="en-IN"/>
           </a:p>
@@ -3205,7 +3209,7 @@
           <a:p>
             <a:fld id="{8594F18B-712C-4789-90DB-6CB977E04FFB}" type="datetimeFigureOut">
               <a:rPr lang="en-IN" smtClean="0"/>
-              <a:t>08-03-2019</a:t>
+              <a:t>09-03-2019</a:t>
             </a:fld>
             <a:endParaRPr lang="en-IN"/>
           </a:p>
@@ -3620,7 +3624,7 @@
           <a:p>
             <a:fld id="{8594F18B-712C-4789-90DB-6CB977E04FFB}" type="datetimeFigureOut">
               <a:rPr lang="en-IN" smtClean="0"/>
-              <a:t>08-03-2019</a:t>
+              <a:t>09-03-2019</a:t>
             </a:fld>
             <a:endParaRPr lang="en-IN"/>
           </a:p>
@@ -3762,7 +3766,7 @@
           <a:p>
             <a:fld id="{8594F18B-712C-4789-90DB-6CB977E04FFB}" type="datetimeFigureOut">
               <a:rPr lang="en-IN" smtClean="0"/>
-              <a:t>08-03-2019</a:t>
+              <a:t>09-03-2019</a:t>
             </a:fld>
             <a:endParaRPr lang="en-IN"/>
           </a:p>
@@ -3875,7 +3879,7 @@
           <a:p>
             <a:fld id="{8594F18B-712C-4789-90DB-6CB977E04FFB}" type="datetimeFigureOut">
               <a:rPr lang="en-IN" smtClean="0"/>
-              <a:t>08-03-2019</a:t>
+              <a:t>09-03-2019</a:t>
             </a:fld>
             <a:endParaRPr lang="en-IN"/>
           </a:p>
@@ -4188,7 +4192,7 @@
           <a:p>
             <a:fld id="{8594F18B-712C-4789-90DB-6CB977E04FFB}" type="datetimeFigureOut">
               <a:rPr lang="en-IN" smtClean="0"/>
-              <a:t>08-03-2019</a:t>
+              <a:t>09-03-2019</a:t>
             </a:fld>
             <a:endParaRPr lang="en-IN"/>
           </a:p>
@@ -4477,7 +4481,7 @@
           <a:p>
             <a:fld id="{8594F18B-712C-4789-90DB-6CB977E04FFB}" type="datetimeFigureOut">
               <a:rPr lang="en-IN" smtClean="0"/>
-              <a:t>08-03-2019</a:t>
+              <a:t>09-03-2019</a:t>
             </a:fld>
             <a:endParaRPr lang="en-IN"/>
           </a:p>
@@ -4720,7 +4724,7 @@
           <a:p>
             <a:fld id="{8594F18B-712C-4789-90DB-6CB977E04FFB}" type="datetimeFigureOut">
               <a:rPr lang="en-IN" smtClean="0"/>
-              <a:t>08-03-2019</a:t>
+              <a:t>09-03-2019</a:t>
             </a:fld>
             <a:endParaRPr lang="en-IN"/>
           </a:p>
@@ -19460,6 +19464,2047 @@
     <p:extLst>
       <p:ext uri="{BB962C8B-B14F-4D97-AF65-F5344CB8AC3E}">
         <p14:creationId xmlns:p14="http://schemas.microsoft.com/office/powerpoint/2010/main" val="3822433128"/>
+      </p:ext>
+    </p:extLst>
+  </p:cSld>
+  <p:clrMapOvr>
+    <a:masterClrMapping/>
+  </p:clrMapOvr>
+</p:sld>
+</file>
+
+<file path=ppt/slides/slide35.xml><?xml version="1.0" encoding="utf-8"?>
+<p:sld xmlns:a="http://schemas.openxmlformats.org/drawingml/2006/main" xmlns:r="http://schemas.openxmlformats.org/officeDocument/2006/relationships" xmlns:p="http://schemas.openxmlformats.org/presentationml/2006/main">
+  <p:cSld>
+    <p:spTree>
+      <p:nvGrpSpPr>
+        <p:cNvPr id="1" name=""/>
+        <p:cNvGrpSpPr/>
+        <p:nvPr/>
+      </p:nvGrpSpPr>
+      <p:grpSpPr>
+        <a:xfrm>
+          <a:off x="0" y="0"/>
+          <a:ext cx="0" cy="0"/>
+          <a:chOff x="0" y="0"/>
+          <a:chExt cx="0" cy="0"/>
+        </a:xfrm>
+      </p:grpSpPr>
+      <p:sp>
+        <p:nvSpPr>
+          <p:cNvPr id="2" name="Title 1">
+            <a:extLst>
+              <a:ext uri="{FF2B5EF4-FFF2-40B4-BE49-F238E27FC236}">
+                <a16:creationId xmlns:a16="http://schemas.microsoft.com/office/drawing/2014/main" id="{1BD4183B-F741-4CA1-962C-B1750B0AD3E1}"/>
+              </a:ext>
+            </a:extLst>
+          </p:cNvPr>
+          <p:cNvSpPr>
+            <a:spLocks noGrp="1"/>
+          </p:cNvSpPr>
+          <p:nvPr>
+            <p:ph type="ctrTitle"/>
+          </p:nvPr>
+        </p:nvSpPr>
+        <p:spPr/>
+        <p:txBody>
+          <a:bodyPr/>
+          <a:lstStyle/>
+          <a:p>
+            <a:r>
+              <a:rPr lang="en-IN" dirty="0"/>
+              <a:t>Day 5 </a:t>
+            </a:r>
+          </a:p>
+        </p:txBody>
+      </p:sp>
+      <p:sp>
+        <p:nvSpPr>
+          <p:cNvPr id="3" name="Subtitle 2">
+            <a:extLst>
+              <a:ext uri="{FF2B5EF4-FFF2-40B4-BE49-F238E27FC236}">
+                <a16:creationId xmlns:a16="http://schemas.microsoft.com/office/drawing/2014/main" id="{75C16ADC-D57C-4A84-AB36-571F98217E61}"/>
+              </a:ext>
+            </a:extLst>
+          </p:cNvPr>
+          <p:cNvSpPr>
+            <a:spLocks noGrp="1"/>
+          </p:cNvSpPr>
+          <p:nvPr>
+            <p:ph type="subTitle" idx="1"/>
+          </p:nvPr>
+        </p:nvSpPr>
+        <p:spPr/>
+        <p:txBody>
+          <a:bodyPr/>
+          <a:lstStyle/>
+          <a:p>
+            <a:endParaRPr lang="en-IN"/>
+          </a:p>
+        </p:txBody>
+      </p:sp>
+    </p:spTree>
+    <p:extLst>
+      <p:ext uri="{BB962C8B-B14F-4D97-AF65-F5344CB8AC3E}">
+        <p14:creationId xmlns:p14="http://schemas.microsoft.com/office/powerpoint/2010/main" val="1625840819"/>
+      </p:ext>
+    </p:extLst>
+  </p:cSld>
+  <p:clrMapOvr>
+    <a:masterClrMapping/>
+  </p:clrMapOvr>
+</p:sld>
+</file>
+
+<file path=ppt/slides/slide36.xml><?xml version="1.0" encoding="utf-8"?>
+<p:sld xmlns:a="http://schemas.openxmlformats.org/drawingml/2006/main" xmlns:r="http://schemas.openxmlformats.org/officeDocument/2006/relationships" xmlns:p="http://schemas.openxmlformats.org/presentationml/2006/main">
+  <p:cSld>
+    <p:spTree>
+      <p:nvGrpSpPr>
+        <p:cNvPr id="1" name=""/>
+        <p:cNvGrpSpPr/>
+        <p:nvPr/>
+      </p:nvGrpSpPr>
+      <p:grpSpPr>
+        <a:xfrm>
+          <a:off x="0" y="0"/>
+          <a:ext cx="0" cy="0"/>
+          <a:chOff x="0" y="0"/>
+          <a:chExt cx="0" cy="0"/>
+        </a:xfrm>
+      </p:grpSpPr>
+      <p:sp>
+        <p:nvSpPr>
+          <p:cNvPr id="2" name="Rectangle 1">
+            <a:extLst>
+              <a:ext uri="{FF2B5EF4-FFF2-40B4-BE49-F238E27FC236}">
+                <a16:creationId xmlns:a16="http://schemas.microsoft.com/office/drawing/2014/main" id="{CC6740EA-02CC-45C6-8AA5-ACC43471A3E7}"/>
+              </a:ext>
+            </a:extLst>
+          </p:cNvPr>
+          <p:cNvSpPr/>
+          <p:nvPr/>
+        </p:nvSpPr>
+        <p:spPr>
+          <a:xfrm>
+            <a:off x="550507" y="615820"/>
+            <a:ext cx="2108718" cy="550507"/>
+          </a:xfrm>
+          <a:prstGeom prst="rect">
+            <a:avLst/>
+          </a:prstGeom>
+        </p:spPr>
+        <p:style>
+          <a:lnRef idx="2">
+            <a:schemeClr val="accent1">
+              <a:shade val="50000"/>
+            </a:schemeClr>
+          </a:lnRef>
+          <a:fillRef idx="1">
+            <a:schemeClr val="accent1"/>
+          </a:fillRef>
+          <a:effectRef idx="0">
+            <a:schemeClr val="accent1"/>
+          </a:effectRef>
+          <a:fontRef idx="minor">
+            <a:schemeClr val="lt1"/>
+          </a:fontRef>
+        </p:style>
+        <p:txBody>
+          <a:bodyPr rtlCol="0" anchor="ctr"/>
+          <a:lstStyle/>
+          <a:p>
+            <a:pPr algn="ctr"/>
+            <a:r>
+              <a:rPr lang="en-IN" dirty="0"/>
+              <a:t>app13solution</a:t>
+            </a:r>
+          </a:p>
+        </p:txBody>
+      </p:sp>
+      <p:sp>
+        <p:nvSpPr>
+          <p:cNvPr id="3" name="Rectangle 2">
+            <a:extLst>
+              <a:ext uri="{FF2B5EF4-FFF2-40B4-BE49-F238E27FC236}">
+                <a16:creationId xmlns:a16="http://schemas.microsoft.com/office/drawing/2014/main" id="{2B144FF0-5A1B-43CA-B59E-23CBDD852B1C}"/>
+              </a:ext>
+            </a:extLst>
+          </p:cNvPr>
+          <p:cNvSpPr/>
+          <p:nvPr/>
+        </p:nvSpPr>
+        <p:spPr>
+          <a:xfrm>
+            <a:off x="2736981" y="1626636"/>
+            <a:ext cx="2108718" cy="550507"/>
+          </a:xfrm>
+          <a:prstGeom prst="rect">
+            <a:avLst/>
+          </a:prstGeom>
+        </p:spPr>
+        <p:style>
+          <a:lnRef idx="2">
+            <a:schemeClr val="accent1">
+              <a:shade val="50000"/>
+            </a:schemeClr>
+          </a:lnRef>
+          <a:fillRef idx="1">
+            <a:schemeClr val="accent1"/>
+          </a:fillRef>
+          <a:effectRef idx="0">
+            <a:schemeClr val="accent1"/>
+          </a:effectRef>
+          <a:fontRef idx="minor">
+            <a:schemeClr val="lt1"/>
+          </a:fontRef>
+        </p:style>
+        <p:txBody>
+          <a:bodyPr rtlCol="0" anchor="ctr"/>
+          <a:lstStyle/>
+          <a:p>
+            <a:pPr algn="ctr"/>
+            <a:r>
+              <a:rPr lang="en-IN" dirty="0"/>
+              <a:t>app13solution</a:t>
+            </a:r>
+          </a:p>
+        </p:txBody>
+      </p:sp>
+      <p:sp>
+        <p:nvSpPr>
+          <p:cNvPr id="4" name="Rectangle 3">
+            <a:extLst>
+              <a:ext uri="{FF2B5EF4-FFF2-40B4-BE49-F238E27FC236}">
+                <a16:creationId xmlns:a16="http://schemas.microsoft.com/office/drawing/2014/main" id="{71D4DA32-4853-4050-A79A-9FDBFC55261F}"/>
+              </a:ext>
+            </a:extLst>
+          </p:cNvPr>
+          <p:cNvSpPr/>
+          <p:nvPr/>
+        </p:nvSpPr>
+        <p:spPr>
+          <a:xfrm>
+            <a:off x="2736981" y="2878493"/>
+            <a:ext cx="2108718" cy="550507"/>
+          </a:xfrm>
+          <a:prstGeom prst="rect">
+            <a:avLst/>
+          </a:prstGeom>
+        </p:spPr>
+        <p:style>
+          <a:lnRef idx="2">
+            <a:schemeClr val="accent1">
+              <a:shade val="50000"/>
+            </a:schemeClr>
+          </a:lnRef>
+          <a:fillRef idx="1">
+            <a:schemeClr val="accent1"/>
+          </a:fillRef>
+          <a:effectRef idx="0">
+            <a:schemeClr val="accent1"/>
+          </a:effectRef>
+          <a:fontRef idx="minor">
+            <a:schemeClr val="lt1"/>
+          </a:fontRef>
+        </p:style>
+        <p:txBody>
+          <a:bodyPr rtlCol="0" anchor="ctr"/>
+          <a:lstStyle/>
+          <a:p>
+            <a:pPr algn="ctr"/>
+            <a:r>
+              <a:rPr lang="en-IN" dirty="0"/>
+              <a:t>consoleApp13</a:t>
+            </a:r>
+          </a:p>
+        </p:txBody>
+      </p:sp>
+      <p:cxnSp>
+        <p:nvCxnSpPr>
+          <p:cNvPr id="6" name="Connector: Elbow 5">
+            <a:extLst>
+              <a:ext uri="{FF2B5EF4-FFF2-40B4-BE49-F238E27FC236}">
+                <a16:creationId xmlns:a16="http://schemas.microsoft.com/office/drawing/2014/main" id="{33F5F078-42FD-4B6B-B0A7-93F3BFDA7CA7}"/>
+              </a:ext>
+            </a:extLst>
+          </p:cNvPr>
+          <p:cNvCxnSpPr>
+            <a:stCxn id="2" idx="2"/>
+            <a:endCxn id="3" idx="1"/>
+          </p:cNvCxnSpPr>
+          <p:nvPr/>
+        </p:nvCxnSpPr>
+        <p:spPr>
+          <a:xfrm rot="16200000" flipH="1">
+            <a:off x="1803142" y="968050"/>
+            <a:ext cx="735563" cy="1132115"/>
+          </a:xfrm>
+          <a:prstGeom prst="bentConnector2">
+            <a:avLst/>
+          </a:prstGeom>
+          <a:ln>
+            <a:tailEnd type="triangle"/>
+          </a:ln>
+        </p:spPr>
+        <p:style>
+          <a:lnRef idx="1">
+            <a:schemeClr val="dk1"/>
+          </a:lnRef>
+          <a:fillRef idx="0">
+            <a:schemeClr val="dk1"/>
+          </a:fillRef>
+          <a:effectRef idx="0">
+            <a:schemeClr val="dk1"/>
+          </a:effectRef>
+          <a:fontRef idx="minor">
+            <a:schemeClr val="tx1"/>
+          </a:fontRef>
+        </p:style>
+      </p:cxnSp>
+      <p:sp>
+        <p:nvSpPr>
+          <p:cNvPr id="7" name="Rectangle 6">
+            <a:extLst>
+              <a:ext uri="{FF2B5EF4-FFF2-40B4-BE49-F238E27FC236}">
+                <a16:creationId xmlns:a16="http://schemas.microsoft.com/office/drawing/2014/main" id="{CFF22D26-0A8C-43AE-84D8-5944D5E0B641}"/>
+              </a:ext>
+            </a:extLst>
+          </p:cNvPr>
+          <p:cNvSpPr/>
+          <p:nvPr/>
+        </p:nvSpPr>
+        <p:spPr>
+          <a:xfrm>
+            <a:off x="5041641" y="4075922"/>
+            <a:ext cx="2292220" cy="550507"/>
+          </a:xfrm>
+          <a:prstGeom prst="rect">
+            <a:avLst/>
+          </a:prstGeom>
+        </p:spPr>
+        <p:style>
+          <a:lnRef idx="2">
+            <a:schemeClr val="accent1">
+              <a:shade val="50000"/>
+            </a:schemeClr>
+          </a:lnRef>
+          <a:fillRef idx="1">
+            <a:schemeClr val="accent1"/>
+          </a:fillRef>
+          <a:effectRef idx="0">
+            <a:schemeClr val="accent1"/>
+          </a:effectRef>
+          <a:fontRef idx="minor">
+            <a:schemeClr val="lt1"/>
+          </a:fontRef>
+        </p:style>
+        <p:txBody>
+          <a:bodyPr rtlCol="0" anchor="ctr"/>
+          <a:lstStyle/>
+          <a:p>
+            <a:pPr algn="ctr"/>
+            <a:r>
+              <a:rPr lang="en-IN" dirty="0"/>
+              <a:t>consoleApp13.csproj</a:t>
+            </a:r>
+          </a:p>
+        </p:txBody>
+      </p:sp>
+      <p:sp>
+        <p:nvSpPr>
+          <p:cNvPr id="8" name="Rectangle 7">
+            <a:extLst>
+              <a:ext uri="{FF2B5EF4-FFF2-40B4-BE49-F238E27FC236}">
+                <a16:creationId xmlns:a16="http://schemas.microsoft.com/office/drawing/2014/main" id="{FE7ABCFF-6424-4216-BE00-8A3CBF3AE5BA}"/>
+              </a:ext>
+            </a:extLst>
+          </p:cNvPr>
+          <p:cNvSpPr/>
+          <p:nvPr/>
+        </p:nvSpPr>
+        <p:spPr>
+          <a:xfrm>
+            <a:off x="5041641" y="5040086"/>
+            <a:ext cx="2292220" cy="550507"/>
+          </a:xfrm>
+          <a:prstGeom prst="rect">
+            <a:avLst/>
+          </a:prstGeom>
+        </p:spPr>
+        <p:style>
+          <a:lnRef idx="2">
+            <a:schemeClr val="accent1">
+              <a:shade val="50000"/>
+            </a:schemeClr>
+          </a:lnRef>
+          <a:fillRef idx="1">
+            <a:schemeClr val="accent1"/>
+          </a:fillRef>
+          <a:effectRef idx="0">
+            <a:schemeClr val="accent1"/>
+          </a:effectRef>
+          <a:fontRef idx="minor">
+            <a:schemeClr val="lt1"/>
+          </a:fontRef>
+        </p:style>
+        <p:txBody>
+          <a:bodyPr rtlCol="0" anchor="ctr"/>
+          <a:lstStyle/>
+          <a:p>
+            <a:pPr algn="ctr"/>
+            <a:r>
+              <a:rPr lang="en-IN" dirty="0" err="1"/>
+              <a:t>Program.cs</a:t>
+            </a:r>
+            <a:endParaRPr lang="en-IN" dirty="0"/>
+          </a:p>
+        </p:txBody>
+      </p:sp>
+      <p:cxnSp>
+        <p:nvCxnSpPr>
+          <p:cNvPr id="10" name="Connector: Elbow 9">
+            <a:extLst>
+              <a:ext uri="{FF2B5EF4-FFF2-40B4-BE49-F238E27FC236}">
+                <a16:creationId xmlns:a16="http://schemas.microsoft.com/office/drawing/2014/main" id="{61BBD4EB-FED8-4027-BC3E-FB8D13FD070D}"/>
+              </a:ext>
+            </a:extLst>
+          </p:cNvPr>
+          <p:cNvCxnSpPr>
+            <a:cxnSpLocks/>
+            <a:stCxn id="2" idx="2"/>
+            <a:endCxn id="4" idx="1"/>
+          </p:cNvCxnSpPr>
+          <p:nvPr/>
+        </p:nvCxnSpPr>
+        <p:spPr>
+          <a:xfrm rot="16200000" flipH="1">
+            <a:off x="1177213" y="1593979"/>
+            <a:ext cx="1987420" cy="1132115"/>
+          </a:xfrm>
+          <a:prstGeom prst="bentConnector2">
+            <a:avLst/>
+          </a:prstGeom>
+          <a:ln>
+            <a:tailEnd type="triangle"/>
+          </a:ln>
+        </p:spPr>
+        <p:style>
+          <a:lnRef idx="1">
+            <a:schemeClr val="dk1"/>
+          </a:lnRef>
+          <a:fillRef idx="0">
+            <a:schemeClr val="dk1"/>
+          </a:fillRef>
+          <a:effectRef idx="0">
+            <a:schemeClr val="dk1"/>
+          </a:effectRef>
+          <a:fontRef idx="minor">
+            <a:schemeClr val="tx1"/>
+          </a:fontRef>
+        </p:style>
+      </p:cxnSp>
+      <p:cxnSp>
+        <p:nvCxnSpPr>
+          <p:cNvPr id="16" name="Connector: Elbow 15">
+            <a:extLst>
+              <a:ext uri="{FF2B5EF4-FFF2-40B4-BE49-F238E27FC236}">
+                <a16:creationId xmlns:a16="http://schemas.microsoft.com/office/drawing/2014/main" id="{B1C96A29-D00A-4BEB-9122-4B38A586C6B3}"/>
+              </a:ext>
+            </a:extLst>
+          </p:cNvPr>
+          <p:cNvCxnSpPr>
+            <a:stCxn id="4" idx="2"/>
+            <a:endCxn id="8" idx="1"/>
+          </p:cNvCxnSpPr>
+          <p:nvPr/>
+        </p:nvCxnSpPr>
+        <p:spPr>
+          <a:xfrm rot="16200000" flipH="1">
+            <a:off x="3473320" y="3747019"/>
+            <a:ext cx="1886340" cy="1250301"/>
+          </a:xfrm>
+          <a:prstGeom prst="bentConnector2">
+            <a:avLst/>
+          </a:prstGeom>
+          <a:ln>
+            <a:tailEnd type="triangle"/>
+          </a:ln>
+        </p:spPr>
+        <p:style>
+          <a:lnRef idx="1">
+            <a:schemeClr val="dk1"/>
+          </a:lnRef>
+          <a:fillRef idx="0">
+            <a:schemeClr val="dk1"/>
+          </a:fillRef>
+          <a:effectRef idx="0">
+            <a:schemeClr val="dk1"/>
+          </a:effectRef>
+          <a:fontRef idx="minor">
+            <a:schemeClr val="tx1"/>
+          </a:fontRef>
+        </p:style>
+      </p:cxnSp>
+      <p:cxnSp>
+        <p:nvCxnSpPr>
+          <p:cNvPr id="22" name="Connector: Elbow 21">
+            <a:extLst>
+              <a:ext uri="{FF2B5EF4-FFF2-40B4-BE49-F238E27FC236}">
+                <a16:creationId xmlns:a16="http://schemas.microsoft.com/office/drawing/2014/main" id="{59677C71-F8C2-4370-91FB-B6B3C97C0F86}"/>
+              </a:ext>
+            </a:extLst>
+          </p:cNvPr>
+          <p:cNvCxnSpPr>
+            <a:stCxn id="4" idx="2"/>
+            <a:endCxn id="7" idx="1"/>
+          </p:cNvCxnSpPr>
+          <p:nvPr/>
+        </p:nvCxnSpPr>
+        <p:spPr>
+          <a:xfrm rot="16200000" flipH="1">
+            <a:off x="3955402" y="3264937"/>
+            <a:ext cx="922176" cy="1250301"/>
+          </a:xfrm>
+          <a:prstGeom prst="bentConnector2">
+            <a:avLst/>
+          </a:prstGeom>
+          <a:ln>
+            <a:tailEnd type="triangle"/>
+          </a:ln>
+        </p:spPr>
+        <p:style>
+          <a:lnRef idx="1">
+            <a:schemeClr val="dk1"/>
+          </a:lnRef>
+          <a:fillRef idx="0">
+            <a:schemeClr val="dk1"/>
+          </a:fillRef>
+          <a:effectRef idx="0">
+            <a:schemeClr val="dk1"/>
+          </a:effectRef>
+          <a:fontRef idx="minor">
+            <a:schemeClr val="tx1"/>
+          </a:fontRef>
+        </p:style>
+      </p:cxnSp>
+      <p:sp>
+        <p:nvSpPr>
+          <p:cNvPr id="23" name="Arrow: Right 22">
+            <a:extLst>
+              <a:ext uri="{FF2B5EF4-FFF2-40B4-BE49-F238E27FC236}">
+                <a16:creationId xmlns:a16="http://schemas.microsoft.com/office/drawing/2014/main" id="{99E84047-55AC-498B-AB25-B754EA8FFE8F}"/>
+              </a:ext>
+            </a:extLst>
+          </p:cNvPr>
+          <p:cNvSpPr/>
+          <p:nvPr/>
+        </p:nvSpPr>
+        <p:spPr>
+          <a:xfrm>
+            <a:off x="5144537" y="2995127"/>
+            <a:ext cx="3075732" cy="270587"/>
+          </a:xfrm>
+          <a:prstGeom prst="rightArrow">
+            <a:avLst/>
+          </a:prstGeom>
+        </p:spPr>
+        <p:style>
+          <a:lnRef idx="2">
+            <a:schemeClr val="accent1">
+              <a:shade val="50000"/>
+            </a:schemeClr>
+          </a:lnRef>
+          <a:fillRef idx="1">
+            <a:schemeClr val="accent1"/>
+          </a:fillRef>
+          <a:effectRef idx="0">
+            <a:schemeClr val="accent1"/>
+          </a:effectRef>
+          <a:fontRef idx="minor">
+            <a:schemeClr val="lt1"/>
+          </a:fontRef>
+        </p:style>
+        <p:txBody>
+          <a:bodyPr rtlCol="0" anchor="ctr"/>
+          <a:lstStyle/>
+          <a:p>
+            <a:pPr algn="ctr"/>
+            <a:endParaRPr lang="en-IN"/>
+          </a:p>
+        </p:txBody>
+      </p:sp>
+      <p:sp>
+        <p:nvSpPr>
+          <p:cNvPr id="24" name="Rectangle 23">
+            <a:extLst>
+              <a:ext uri="{FF2B5EF4-FFF2-40B4-BE49-F238E27FC236}">
+                <a16:creationId xmlns:a16="http://schemas.microsoft.com/office/drawing/2014/main" id="{8E864DA6-6DDD-4832-9184-0FBCA065D717}"/>
+              </a:ext>
+            </a:extLst>
+          </p:cNvPr>
+          <p:cNvSpPr/>
+          <p:nvPr/>
+        </p:nvSpPr>
+        <p:spPr>
+          <a:xfrm>
+            <a:off x="8220269" y="2878492"/>
+            <a:ext cx="2292220" cy="550507"/>
+          </a:xfrm>
+          <a:prstGeom prst="rect">
+            <a:avLst/>
+          </a:prstGeom>
+        </p:spPr>
+        <p:style>
+          <a:lnRef idx="2">
+            <a:schemeClr val="accent1">
+              <a:shade val="50000"/>
+            </a:schemeClr>
+          </a:lnRef>
+          <a:fillRef idx="1">
+            <a:schemeClr val="accent1"/>
+          </a:fillRef>
+          <a:effectRef idx="0">
+            <a:schemeClr val="accent1"/>
+          </a:effectRef>
+          <a:fontRef idx="minor">
+            <a:schemeClr val="lt1"/>
+          </a:fontRef>
+        </p:style>
+        <p:txBody>
+          <a:bodyPr rtlCol="0" anchor="ctr"/>
+          <a:lstStyle/>
+          <a:p>
+            <a:pPr algn="ctr"/>
+            <a:r>
+              <a:rPr lang="en-IN" dirty="0"/>
+              <a:t>consoleApp13.exe</a:t>
+            </a:r>
+          </a:p>
+        </p:txBody>
+      </p:sp>
+      <p:sp>
+        <p:nvSpPr>
+          <p:cNvPr id="25" name="Rectangle 24">
+            <a:extLst>
+              <a:ext uri="{FF2B5EF4-FFF2-40B4-BE49-F238E27FC236}">
+                <a16:creationId xmlns:a16="http://schemas.microsoft.com/office/drawing/2014/main" id="{18D0757A-F375-48C8-8927-88DDA1D9917E}"/>
+              </a:ext>
+            </a:extLst>
+          </p:cNvPr>
+          <p:cNvSpPr/>
+          <p:nvPr/>
+        </p:nvSpPr>
+        <p:spPr>
+          <a:xfrm>
+            <a:off x="5041641" y="5962263"/>
+            <a:ext cx="2292220" cy="550507"/>
+          </a:xfrm>
+          <a:prstGeom prst="rect">
+            <a:avLst/>
+          </a:prstGeom>
+        </p:spPr>
+        <p:style>
+          <a:lnRef idx="2">
+            <a:schemeClr val="accent1">
+              <a:shade val="50000"/>
+            </a:schemeClr>
+          </a:lnRef>
+          <a:fillRef idx="1">
+            <a:schemeClr val="accent1"/>
+          </a:fillRef>
+          <a:effectRef idx="0">
+            <a:schemeClr val="accent1"/>
+          </a:effectRef>
+          <a:fontRef idx="minor">
+            <a:schemeClr val="lt1"/>
+          </a:fontRef>
+        </p:style>
+        <p:txBody>
+          <a:bodyPr rtlCol="0" anchor="ctr"/>
+          <a:lstStyle/>
+          <a:p>
+            <a:pPr algn="ctr"/>
+            <a:r>
+              <a:rPr lang="en-IN" dirty="0" err="1"/>
+              <a:t>Question.cs</a:t>
+            </a:r>
+            <a:endParaRPr lang="en-IN" dirty="0"/>
+          </a:p>
+        </p:txBody>
+      </p:sp>
+      <p:cxnSp>
+        <p:nvCxnSpPr>
+          <p:cNvPr id="29" name="Connector: Elbow 28">
+            <a:extLst>
+              <a:ext uri="{FF2B5EF4-FFF2-40B4-BE49-F238E27FC236}">
+                <a16:creationId xmlns:a16="http://schemas.microsoft.com/office/drawing/2014/main" id="{B2EA9A57-6A1A-4CF9-9547-A4BD10ABDF61}"/>
+              </a:ext>
+            </a:extLst>
+          </p:cNvPr>
+          <p:cNvCxnSpPr>
+            <a:stCxn id="4" idx="2"/>
+            <a:endCxn id="25" idx="1"/>
+          </p:cNvCxnSpPr>
+          <p:nvPr/>
+        </p:nvCxnSpPr>
+        <p:spPr>
+          <a:xfrm rot="16200000" flipH="1">
+            <a:off x="3012232" y="4208107"/>
+            <a:ext cx="2808517" cy="1250301"/>
+          </a:xfrm>
+          <a:prstGeom prst="bentConnector2">
+            <a:avLst/>
+          </a:prstGeom>
+          <a:ln>
+            <a:tailEnd type="triangle"/>
+          </a:ln>
+        </p:spPr>
+        <p:style>
+          <a:lnRef idx="1">
+            <a:schemeClr val="dk1"/>
+          </a:lnRef>
+          <a:fillRef idx="0">
+            <a:schemeClr val="dk1"/>
+          </a:fillRef>
+          <a:effectRef idx="0">
+            <a:schemeClr val="dk1"/>
+          </a:effectRef>
+          <a:fontRef idx="minor">
+            <a:schemeClr val="tx1"/>
+          </a:fontRef>
+        </p:style>
+      </p:cxnSp>
+      <p:cxnSp>
+        <p:nvCxnSpPr>
+          <p:cNvPr id="31" name="Connector: Elbow 30">
+            <a:extLst>
+              <a:ext uri="{FF2B5EF4-FFF2-40B4-BE49-F238E27FC236}">
+                <a16:creationId xmlns:a16="http://schemas.microsoft.com/office/drawing/2014/main" id="{EF297606-3467-4CD1-BFB7-27F74570E5AA}"/>
+              </a:ext>
+            </a:extLst>
+          </p:cNvPr>
+          <p:cNvCxnSpPr>
+            <a:stCxn id="7" idx="3"/>
+            <a:endCxn id="8" idx="3"/>
+          </p:cNvCxnSpPr>
+          <p:nvPr/>
+        </p:nvCxnSpPr>
+        <p:spPr>
+          <a:xfrm>
+            <a:off x="7333861" y="4351176"/>
+            <a:ext cx="12700" cy="964164"/>
+          </a:xfrm>
+          <a:prstGeom prst="bentConnector3">
+            <a:avLst>
+              <a:gd name="adj1" fmla="val 1800000"/>
+            </a:avLst>
+          </a:prstGeom>
+          <a:ln>
+            <a:tailEnd type="triangle"/>
+          </a:ln>
+        </p:spPr>
+        <p:style>
+          <a:lnRef idx="1">
+            <a:schemeClr val="dk1"/>
+          </a:lnRef>
+          <a:fillRef idx="0">
+            <a:schemeClr val="dk1"/>
+          </a:fillRef>
+          <a:effectRef idx="0">
+            <a:schemeClr val="dk1"/>
+          </a:effectRef>
+          <a:fontRef idx="minor">
+            <a:schemeClr val="tx1"/>
+          </a:fontRef>
+        </p:style>
+      </p:cxnSp>
+      <p:cxnSp>
+        <p:nvCxnSpPr>
+          <p:cNvPr id="33" name="Connector: Elbow 32">
+            <a:extLst>
+              <a:ext uri="{FF2B5EF4-FFF2-40B4-BE49-F238E27FC236}">
+                <a16:creationId xmlns:a16="http://schemas.microsoft.com/office/drawing/2014/main" id="{AA3E806E-F423-4D59-8B15-765DCE5DBD6A}"/>
+              </a:ext>
+            </a:extLst>
+          </p:cNvPr>
+          <p:cNvCxnSpPr>
+            <a:stCxn id="7" idx="3"/>
+            <a:endCxn id="25" idx="3"/>
+          </p:cNvCxnSpPr>
+          <p:nvPr/>
+        </p:nvCxnSpPr>
+        <p:spPr>
+          <a:xfrm>
+            <a:off x="7333861" y="4351176"/>
+            <a:ext cx="12700" cy="1886341"/>
+          </a:xfrm>
+          <a:prstGeom prst="bentConnector3">
+            <a:avLst>
+              <a:gd name="adj1" fmla="val 1800000"/>
+            </a:avLst>
+          </a:prstGeom>
+          <a:ln>
+            <a:tailEnd type="triangle"/>
+          </a:ln>
+        </p:spPr>
+        <p:style>
+          <a:lnRef idx="1">
+            <a:schemeClr val="dk1"/>
+          </a:lnRef>
+          <a:fillRef idx="0">
+            <a:schemeClr val="dk1"/>
+          </a:fillRef>
+          <a:effectRef idx="0">
+            <a:schemeClr val="dk1"/>
+          </a:effectRef>
+          <a:fontRef idx="minor">
+            <a:schemeClr val="tx1"/>
+          </a:fontRef>
+        </p:style>
+      </p:cxnSp>
+      <p:cxnSp>
+        <p:nvCxnSpPr>
+          <p:cNvPr id="37" name="Connector: Elbow 36">
+            <a:extLst>
+              <a:ext uri="{FF2B5EF4-FFF2-40B4-BE49-F238E27FC236}">
+                <a16:creationId xmlns:a16="http://schemas.microsoft.com/office/drawing/2014/main" id="{79EC41BA-8DCE-4C9A-94B5-65F48543F8D7}"/>
+              </a:ext>
+            </a:extLst>
+          </p:cNvPr>
+          <p:cNvCxnSpPr>
+            <a:cxnSpLocks/>
+            <a:stCxn id="3" idx="3"/>
+            <a:endCxn id="4" idx="3"/>
+          </p:cNvCxnSpPr>
+          <p:nvPr/>
+        </p:nvCxnSpPr>
+        <p:spPr>
+          <a:xfrm>
+            <a:off x="4845699" y="1901890"/>
+            <a:ext cx="12700" cy="1251857"/>
+          </a:xfrm>
+          <a:prstGeom prst="bentConnector3">
+            <a:avLst>
+              <a:gd name="adj1" fmla="val 1800000"/>
+            </a:avLst>
+          </a:prstGeom>
+          <a:ln>
+            <a:tailEnd type="triangle"/>
+          </a:ln>
+        </p:spPr>
+        <p:style>
+          <a:lnRef idx="1">
+            <a:schemeClr val="dk1"/>
+          </a:lnRef>
+          <a:fillRef idx="0">
+            <a:schemeClr val="dk1"/>
+          </a:fillRef>
+          <a:effectRef idx="0">
+            <a:schemeClr val="dk1"/>
+          </a:effectRef>
+          <a:fontRef idx="minor">
+            <a:schemeClr val="tx1"/>
+          </a:fontRef>
+        </p:style>
+      </p:cxnSp>
+    </p:spTree>
+    <p:extLst>
+      <p:ext uri="{BB962C8B-B14F-4D97-AF65-F5344CB8AC3E}">
+        <p14:creationId xmlns:p14="http://schemas.microsoft.com/office/powerpoint/2010/main" val="693841871"/>
+      </p:ext>
+    </p:extLst>
+  </p:cSld>
+  <p:clrMapOvr>
+    <a:masterClrMapping/>
+  </p:clrMapOvr>
+</p:sld>
+</file>
+
+<file path=ppt/slides/slide37.xml><?xml version="1.0" encoding="utf-8"?>
+<p:sld xmlns:a="http://schemas.openxmlformats.org/drawingml/2006/main" xmlns:r="http://schemas.openxmlformats.org/officeDocument/2006/relationships" xmlns:p="http://schemas.openxmlformats.org/presentationml/2006/main">
+  <p:cSld>
+    <p:spTree>
+      <p:nvGrpSpPr>
+        <p:cNvPr id="1" name=""/>
+        <p:cNvGrpSpPr/>
+        <p:nvPr/>
+      </p:nvGrpSpPr>
+      <p:grpSpPr>
+        <a:xfrm>
+          <a:off x="0" y="0"/>
+          <a:ext cx="0" cy="0"/>
+          <a:chOff x="0" y="0"/>
+          <a:chExt cx="0" cy="0"/>
+        </a:xfrm>
+      </p:grpSpPr>
+      <p:sp>
+        <p:nvSpPr>
+          <p:cNvPr id="2" name="Rectangle 1">
+            <a:extLst>
+              <a:ext uri="{FF2B5EF4-FFF2-40B4-BE49-F238E27FC236}">
+                <a16:creationId xmlns:a16="http://schemas.microsoft.com/office/drawing/2014/main" id="{A311ADF1-6832-4593-9C7F-82491E1B6F85}"/>
+              </a:ext>
+            </a:extLst>
+          </p:cNvPr>
+          <p:cNvSpPr/>
+          <p:nvPr/>
+        </p:nvSpPr>
+        <p:spPr>
+          <a:xfrm>
+            <a:off x="1093716" y="659755"/>
+            <a:ext cx="2293295" cy="369332"/>
+          </a:xfrm>
+          <a:prstGeom prst="rect">
+            <a:avLst/>
+          </a:prstGeom>
+        </p:spPr>
+        <p:style>
+          <a:lnRef idx="2">
+            <a:schemeClr val="dk1"/>
+          </a:lnRef>
+          <a:fillRef idx="1">
+            <a:schemeClr val="lt1"/>
+          </a:fillRef>
+          <a:effectRef idx="0">
+            <a:schemeClr val="dk1"/>
+          </a:effectRef>
+          <a:fontRef idx="minor">
+            <a:schemeClr val="dk1"/>
+          </a:fontRef>
+        </p:style>
+        <p:txBody>
+          <a:bodyPr wrap="square">
+            <a:spAutoFit/>
+          </a:bodyPr>
+          <a:lstStyle/>
+          <a:p>
+            <a:pPr algn="ctr"/>
+            <a:r>
+              <a:rPr lang="en-IN" dirty="0">
+                <a:solidFill>
+                  <a:srgbClr val="000000"/>
+                </a:solidFill>
+                <a:latin typeface="Consolas" panose="020B0609020204030204" pitchFamily="49" charset="0"/>
+              </a:rPr>
+              <a:t>.NET EXE</a:t>
+            </a:r>
+            <a:endParaRPr lang="en-IN" dirty="0"/>
+          </a:p>
+        </p:txBody>
+      </p:sp>
+      <p:sp>
+        <p:nvSpPr>
+          <p:cNvPr id="3" name="Rectangle 2">
+            <a:extLst>
+              <a:ext uri="{FF2B5EF4-FFF2-40B4-BE49-F238E27FC236}">
+                <a16:creationId xmlns:a16="http://schemas.microsoft.com/office/drawing/2014/main" id="{D172636D-EA31-4BED-A3E2-891C1730DE40}"/>
+              </a:ext>
+            </a:extLst>
+          </p:cNvPr>
+          <p:cNvSpPr/>
+          <p:nvPr/>
+        </p:nvSpPr>
+        <p:spPr>
+          <a:xfrm>
+            <a:off x="1093716" y="1029087"/>
+            <a:ext cx="2293295" cy="923330"/>
+          </a:xfrm>
+          <a:prstGeom prst="rect">
+            <a:avLst/>
+          </a:prstGeom>
+        </p:spPr>
+        <p:style>
+          <a:lnRef idx="2">
+            <a:schemeClr val="dk1"/>
+          </a:lnRef>
+          <a:fillRef idx="1">
+            <a:schemeClr val="lt1"/>
+          </a:fillRef>
+          <a:effectRef idx="0">
+            <a:schemeClr val="dk1"/>
+          </a:effectRef>
+          <a:fontRef idx="minor">
+            <a:schemeClr val="dk1"/>
+          </a:fontRef>
+        </p:style>
+        <p:txBody>
+          <a:bodyPr wrap="square">
+            <a:spAutoFit/>
+          </a:bodyPr>
+          <a:lstStyle/>
+          <a:p>
+            <a:pPr algn="ctr"/>
+            <a:r>
+              <a:rPr lang="en-IN" dirty="0">
+                <a:solidFill>
+                  <a:srgbClr val="000000"/>
+                </a:solidFill>
+                <a:latin typeface="Consolas" panose="020B0609020204030204" pitchFamily="49" charset="0"/>
+              </a:rPr>
+              <a:t>Header</a:t>
+            </a:r>
+          </a:p>
+          <a:p>
+            <a:pPr algn="ctr"/>
+            <a:endParaRPr lang="en-IN" dirty="0">
+              <a:solidFill>
+                <a:srgbClr val="000000"/>
+              </a:solidFill>
+              <a:latin typeface="Consolas" panose="020B0609020204030204" pitchFamily="49" charset="0"/>
+            </a:endParaRPr>
+          </a:p>
+          <a:p>
+            <a:pPr algn="ctr"/>
+            <a:r>
+              <a:rPr lang="en-IN" dirty="0">
+                <a:solidFill>
+                  <a:srgbClr val="000000"/>
+                </a:solidFill>
+                <a:latin typeface="Consolas" panose="020B0609020204030204" pitchFamily="49" charset="0"/>
+              </a:rPr>
+              <a:t>Console EXE</a:t>
+            </a:r>
+            <a:endParaRPr lang="en-IN" dirty="0"/>
+          </a:p>
+        </p:txBody>
+      </p:sp>
+      <p:sp>
+        <p:nvSpPr>
+          <p:cNvPr id="4" name="Rectangle 3">
+            <a:extLst>
+              <a:ext uri="{FF2B5EF4-FFF2-40B4-BE49-F238E27FC236}">
+                <a16:creationId xmlns:a16="http://schemas.microsoft.com/office/drawing/2014/main" id="{34CA2239-F073-46CE-A81B-D2C8F2CB707C}"/>
+              </a:ext>
+            </a:extLst>
+          </p:cNvPr>
+          <p:cNvSpPr/>
+          <p:nvPr/>
+        </p:nvSpPr>
+        <p:spPr>
+          <a:xfrm>
+            <a:off x="1093716" y="1952417"/>
+            <a:ext cx="2293295" cy="923330"/>
+          </a:xfrm>
+          <a:prstGeom prst="rect">
+            <a:avLst/>
+          </a:prstGeom>
+        </p:spPr>
+        <p:style>
+          <a:lnRef idx="2">
+            <a:schemeClr val="dk1"/>
+          </a:lnRef>
+          <a:fillRef idx="1">
+            <a:schemeClr val="lt1"/>
+          </a:fillRef>
+          <a:effectRef idx="0">
+            <a:schemeClr val="dk1"/>
+          </a:effectRef>
+          <a:fontRef idx="minor">
+            <a:schemeClr val="dk1"/>
+          </a:fontRef>
+        </p:style>
+        <p:txBody>
+          <a:bodyPr wrap="square">
+            <a:spAutoFit/>
+          </a:bodyPr>
+          <a:lstStyle/>
+          <a:p>
+            <a:pPr algn="ctr"/>
+            <a:r>
+              <a:rPr lang="en-IN" dirty="0">
+                <a:solidFill>
+                  <a:srgbClr val="000000"/>
+                </a:solidFill>
+                <a:latin typeface="Consolas" panose="020B0609020204030204" pitchFamily="49" charset="0"/>
+              </a:rPr>
+              <a:t>CLR Header</a:t>
+            </a:r>
+          </a:p>
+          <a:p>
+            <a:pPr algn="ctr"/>
+            <a:endParaRPr lang="en-IN" dirty="0">
+              <a:solidFill>
+                <a:srgbClr val="000000"/>
+              </a:solidFill>
+              <a:latin typeface="Consolas" panose="020B0609020204030204" pitchFamily="49" charset="0"/>
+            </a:endParaRPr>
+          </a:p>
+          <a:p>
+            <a:pPr algn="ctr"/>
+            <a:r>
+              <a:rPr lang="en-IN" dirty="0">
+                <a:solidFill>
+                  <a:srgbClr val="000000"/>
+                </a:solidFill>
+                <a:latin typeface="Consolas" panose="020B0609020204030204" pitchFamily="49" charset="0"/>
+              </a:rPr>
+              <a:t>CLR Version</a:t>
+            </a:r>
+            <a:endParaRPr lang="en-IN" dirty="0"/>
+          </a:p>
+        </p:txBody>
+      </p:sp>
+      <p:sp>
+        <p:nvSpPr>
+          <p:cNvPr id="5" name="Rectangle 4">
+            <a:extLst>
+              <a:ext uri="{FF2B5EF4-FFF2-40B4-BE49-F238E27FC236}">
+                <a16:creationId xmlns:a16="http://schemas.microsoft.com/office/drawing/2014/main" id="{7C8D0614-B8A9-479C-87B7-2C5DCBE71DDB}"/>
+              </a:ext>
+            </a:extLst>
+          </p:cNvPr>
+          <p:cNvSpPr/>
+          <p:nvPr/>
+        </p:nvSpPr>
+        <p:spPr>
+          <a:xfrm>
+            <a:off x="4829072" y="728180"/>
+            <a:ext cx="2293295" cy="369332"/>
+          </a:xfrm>
+          <a:prstGeom prst="rect">
+            <a:avLst/>
+          </a:prstGeom>
+        </p:spPr>
+        <p:style>
+          <a:lnRef idx="2">
+            <a:schemeClr val="dk1"/>
+          </a:lnRef>
+          <a:fillRef idx="1">
+            <a:schemeClr val="lt1"/>
+          </a:fillRef>
+          <a:effectRef idx="0">
+            <a:schemeClr val="dk1"/>
+          </a:effectRef>
+          <a:fontRef idx="minor">
+            <a:schemeClr val="dk1"/>
+          </a:fontRef>
+        </p:style>
+        <p:txBody>
+          <a:bodyPr wrap="square">
+            <a:spAutoFit/>
+          </a:bodyPr>
+          <a:lstStyle/>
+          <a:p>
+            <a:pPr algn="ctr"/>
+            <a:r>
+              <a:rPr lang="en-IN" dirty="0">
+                <a:solidFill>
+                  <a:srgbClr val="000000"/>
+                </a:solidFill>
+                <a:latin typeface="Consolas" panose="020B0609020204030204" pitchFamily="49" charset="0"/>
+              </a:rPr>
+              <a:t>.NET EXE</a:t>
+            </a:r>
+            <a:endParaRPr lang="en-IN" dirty="0"/>
+          </a:p>
+        </p:txBody>
+      </p:sp>
+      <p:sp>
+        <p:nvSpPr>
+          <p:cNvPr id="6" name="Rectangle 5">
+            <a:extLst>
+              <a:ext uri="{FF2B5EF4-FFF2-40B4-BE49-F238E27FC236}">
+                <a16:creationId xmlns:a16="http://schemas.microsoft.com/office/drawing/2014/main" id="{FB9EDBC3-904A-4A4D-A091-127FC96B35E6}"/>
+              </a:ext>
+            </a:extLst>
+          </p:cNvPr>
+          <p:cNvSpPr/>
+          <p:nvPr/>
+        </p:nvSpPr>
+        <p:spPr>
+          <a:xfrm>
+            <a:off x="4829072" y="1097512"/>
+            <a:ext cx="2293295" cy="923330"/>
+          </a:xfrm>
+          <a:prstGeom prst="rect">
+            <a:avLst/>
+          </a:prstGeom>
+        </p:spPr>
+        <p:style>
+          <a:lnRef idx="2">
+            <a:schemeClr val="dk1"/>
+          </a:lnRef>
+          <a:fillRef idx="1">
+            <a:schemeClr val="lt1"/>
+          </a:fillRef>
+          <a:effectRef idx="0">
+            <a:schemeClr val="dk1"/>
+          </a:effectRef>
+          <a:fontRef idx="minor">
+            <a:schemeClr val="dk1"/>
+          </a:fontRef>
+        </p:style>
+        <p:txBody>
+          <a:bodyPr wrap="square">
+            <a:spAutoFit/>
+          </a:bodyPr>
+          <a:lstStyle/>
+          <a:p>
+            <a:pPr algn="ctr"/>
+            <a:r>
+              <a:rPr lang="en-IN" dirty="0">
+                <a:solidFill>
+                  <a:srgbClr val="000000"/>
+                </a:solidFill>
+                <a:latin typeface="Consolas" panose="020B0609020204030204" pitchFamily="49" charset="0"/>
+              </a:rPr>
+              <a:t>Header</a:t>
+            </a:r>
+          </a:p>
+          <a:p>
+            <a:pPr algn="ctr"/>
+            <a:endParaRPr lang="en-IN" dirty="0">
+              <a:solidFill>
+                <a:srgbClr val="000000"/>
+              </a:solidFill>
+              <a:latin typeface="Consolas" panose="020B0609020204030204" pitchFamily="49" charset="0"/>
+            </a:endParaRPr>
+          </a:p>
+          <a:p>
+            <a:pPr algn="ctr"/>
+            <a:r>
+              <a:rPr lang="en-IN" dirty="0">
+                <a:solidFill>
+                  <a:srgbClr val="000000"/>
+                </a:solidFill>
+                <a:latin typeface="Consolas" panose="020B0609020204030204" pitchFamily="49" charset="0"/>
+              </a:rPr>
+              <a:t>GUI EXE</a:t>
+            </a:r>
+            <a:endParaRPr lang="en-IN" dirty="0"/>
+          </a:p>
+        </p:txBody>
+      </p:sp>
+      <p:sp>
+        <p:nvSpPr>
+          <p:cNvPr id="7" name="Rectangle 6">
+            <a:extLst>
+              <a:ext uri="{FF2B5EF4-FFF2-40B4-BE49-F238E27FC236}">
+                <a16:creationId xmlns:a16="http://schemas.microsoft.com/office/drawing/2014/main" id="{49879CD2-E506-45DA-B15D-C1E76CBCB4A3}"/>
+              </a:ext>
+            </a:extLst>
+          </p:cNvPr>
+          <p:cNvSpPr/>
+          <p:nvPr/>
+        </p:nvSpPr>
+        <p:spPr>
+          <a:xfrm>
+            <a:off x="4829072" y="2020842"/>
+            <a:ext cx="2293295" cy="923330"/>
+          </a:xfrm>
+          <a:prstGeom prst="rect">
+            <a:avLst/>
+          </a:prstGeom>
+        </p:spPr>
+        <p:style>
+          <a:lnRef idx="2">
+            <a:schemeClr val="dk1"/>
+          </a:lnRef>
+          <a:fillRef idx="1">
+            <a:schemeClr val="lt1"/>
+          </a:fillRef>
+          <a:effectRef idx="0">
+            <a:schemeClr val="dk1"/>
+          </a:effectRef>
+          <a:fontRef idx="minor">
+            <a:schemeClr val="dk1"/>
+          </a:fontRef>
+        </p:style>
+        <p:txBody>
+          <a:bodyPr wrap="square">
+            <a:spAutoFit/>
+          </a:bodyPr>
+          <a:lstStyle/>
+          <a:p>
+            <a:pPr algn="ctr"/>
+            <a:r>
+              <a:rPr lang="en-IN" dirty="0">
+                <a:solidFill>
+                  <a:srgbClr val="000000"/>
+                </a:solidFill>
+                <a:latin typeface="Consolas" panose="020B0609020204030204" pitchFamily="49" charset="0"/>
+              </a:rPr>
+              <a:t>CLR Header</a:t>
+            </a:r>
+          </a:p>
+          <a:p>
+            <a:pPr algn="ctr"/>
+            <a:endParaRPr lang="en-IN" dirty="0">
+              <a:solidFill>
+                <a:srgbClr val="000000"/>
+              </a:solidFill>
+              <a:latin typeface="Consolas" panose="020B0609020204030204" pitchFamily="49" charset="0"/>
+            </a:endParaRPr>
+          </a:p>
+          <a:p>
+            <a:pPr algn="ctr"/>
+            <a:r>
+              <a:rPr lang="en-IN" dirty="0">
+                <a:solidFill>
+                  <a:srgbClr val="000000"/>
+                </a:solidFill>
+                <a:latin typeface="Consolas" panose="020B0609020204030204" pitchFamily="49" charset="0"/>
+              </a:rPr>
+              <a:t>CLR Version</a:t>
+            </a:r>
+            <a:endParaRPr lang="en-IN" dirty="0"/>
+          </a:p>
+        </p:txBody>
+      </p:sp>
+      <p:sp>
+        <p:nvSpPr>
+          <p:cNvPr id="8" name="Rectangle 7">
+            <a:extLst>
+              <a:ext uri="{FF2B5EF4-FFF2-40B4-BE49-F238E27FC236}">
+                <a16:creationId xmlns:a16="http://schemas.microsoft.com/office/drawing/2014/main" id="{18CB9CBF-A641-46FF-A710-19871B4231D4}"/>
+              </a:ext>
+            </a:extLst>
+          </p:cNvPr>
+          <p:cNvSpPr/>
+          <p:nvPr/>
+        </p:nvSpPr>
+        <p:spPr>
+          <a:xfrm>
+            <a:off x="8639072" y="728180"/>
+            <a:ext cx="2293295" cy="369332"/>
+          </a:xfrm>
+          <a:prstGeom prst="rect">
+            <a:avLst/>
+          </a:prstGeom>
+        </p:spPr>
+        <p:style>
+          <a:lnRef idx="2">
+            <a:schemeClr val="dk1"/>
+          </a:lnRef>
+          <a:fillRef idx="1">
+            <a:schemeClr val="lt1"/>
+          </a:fillRef>
+          <a:effectRef idx="0">
+            <a:schemeClr val="dk1"/>
+          </a:effectRef>
+          <a:fontRef idx="minor">
+            <a:schemeClr val="dk1"/>
+          </a:fontRef>
+        </p:style>
+        <p:txBody>
+          <a:bodyPr wrap="square">
+            <a:spAutoFit/>
+          </a:bodyPr>
+          <a:lstStyle/>
+          <a:p>
+            <a:pPr algn="ctr"/>
+            <a:r>
+              <a:rPr lang="en-IN" dirty="0">
+                <a:solidFill>
+                  <a:srgbClr val="000000"/>
+                </a:solidFill>
+                <a:latin typeface="Consolas" panose="020B0609020204030204" pitchFamily="49" charset="0"/>
+              </a:rPr>
+              <a:t>.NET DLL</a:t>
+            </a:r>
+            <a:endParaRPr lang="en-IN" dirty="0"/>
+          </a:p>
+        </p:txBody>
+      </p:sp>
+      <p:sp>
+        <p:nvSpPr>
+          <p:cNvPr id="9" name="Rectangle 8">
+            <a:extLst>
+              <a:ext uri="{FF2B5EF4-FFF2-40B4-BE49-F238E27FC236}">
+                <a16:creationId xmlns:a16="http://schemas.microsoft.com/office/drawing/2014/main" id="{6B5DB946-67FD-46B7-AD66-DA5372C7257A}"/>
+              </a:ext>
+            </a:extLst>
+          </p:cNvPr>
+          <p:cNvSpPr/>
+          <p:nvPr/>
+        </p:nvSpPr>
+        <p:spPr>
+          <a:xfrm>
+            <a:off x="8639072" y="1097512"/>
+            <a:ext cx="2293295" cy="923330"/>
+          </a:xfrm>
+          <a:prstGeom prst="rect">
+            <a:avLst/>
+          </a:prstGeom>
+        </p:spPr>
+        <p:style>
+          <a:lnRef idx="2">
+            <a:schemeClr val="dk1"/>
+          </a:lnRef>
+          <a:fillRef idx="1">
+            <a:schemeClr val="lt1"/>
+          </a:fillRef>
+          <a:effectRef idx="0">
+            <a:schemeClr val="dk1"/>
+          </a:effectRef>
+          <a:fontRef idx="minor">
+            <a:schemeClr val="dk1"/>
+          </a:fontRef>
+        </p:style>
+        <p:txBody>
+          <a:bodyPr wrap="square">
+            <a:spAutoFit/>
+          </a:bodyPr>
+          <a:lstStyle/>
+          <a:p>
+            <a:pPr algn="ctr"/>
+            <a:r>
+              <a:rPr lang="en-IN" dirty="0">
+                <a:solidFill>
+                  <a:srgbClr val="000000"/>
+                </a:solidFill>
+                <a:latin typeface="Consolas" panose="020B0609020204030204" pitchFamily="49" charset="0"/>
+              </a:rPr>
+              <a:t>Header</a:t>
+            </a:r>
+          </a:p>
+          <a:p>
+            <a:pPr algn="ctr"/>
+            <a:endParaRPr lang="en-IN" dirty="0">
+              <a:solidFill>
+                <a:srgbClr val="000000"/>
+              </a:solidFill>
+              <a:latin typeface="Consolas" panose="020B0609020204030204" pitchFamily="49" charset="0"/>
+            </a:endParaRPr>
+          </a:p>
+          <a:p>
+            <a:pPr algn="ctr"/>
+            <a:r>
+              <a:rPr lang="en-IN" dirty="0">
+                <a:solidFill>
+                  <a:srgbClr val="000000"/>
+                </a:solidFill>
+                <a:latin typeface="Consolas" panose="020B0609020204030204" pitchFamily="49" charset="0"/>
+              </a:rPr>
+              <a:t>DLL</a:t>
+            </a:r>
+            <a:endParaRPr lang="en-IN" dirty="0"/>
+          </a:p>
+        </p:txBody>
+      </p:sp>
+      <p:sp>
+        <p:nvSpPr>
+          <p:cNvPr id="10" name="Rectangle 9">
+            <a:extLst>
+              <a:ext uri="{FF2B5EF4-FFF2-40B4-BE49-F238E27FC236}">
+                <a16:creationId xmlns:a16="http://schemas.microsoft.com/office/drawing/2014/main" id="{797E1653-8881-40DA-B931-4219647B139D}"/>
+              </a:ext>
+            </a:extLst>
+          </p:cNvPr>
+          <p:cNvSpPr/>
+          <p:nvPr/>
+        </p:nvSpPr>
+        <p:spPr>
+          <a:xfrm>
+            <a:off x="8639072" y="2020842"/>
+            <a:ext cx="2293295" cy="923330"/>
+          </a:xfrm>
+          <a:prstGeom prst="rect">
+            <a:avLst/>
+          </a:prstGeom>
+        </p:spPr>
+        <p:style>
+          <a:lnRef idx="2">
+            <a:schemeClr val="dk1"/>
+          </a:lnRef>
+          <a:fillRef idx="1">
+            <a:schemeClr val="lt1"/>
+          </a:fillRef>
+          <a:effectRef idx="0">
+            <a:schemeClr val="dk1"/>
+          </a:effectRef>
+          <a:fontRef idx="minor">
+            <a:schemeClr val="dk1"/>
+          </a:fontRef>
+        </p:style>
+        <p:txBody>
+          <a:bodyPr wrap="square">
+            <a:spAutoFit/>
+          </a:bodyPr>
+          <a:lstStyle/>
+          <a:p>
+            <a:pPr algn="ctr"/>
+            <a:r>
+              <a:rPr lang="en-IN" dirty="0">
+                <a:solidFill>
+                  <a:srgbClr val="000000"/>
+                </a:solidFill>
+                <a:latin typeface="Consolas" panose="020B0609020204030204" pitchFamily="49" charset="0"/>
+              </a:rPr>
+              <a:t>CLR Header</a:t>
+            </a:r>
+          </a:p>
+          <a:p>
+            <a:pPr algn="ctr"/>
+            <a:endParaRPr lang="en-IN" dirty="0">
+              <a:solidFill>
+                <a:srgbClr val="000000"/>
+              </a:solidFill>
+              <a:latin typeface="Consolas" panose="020B0609020204030204" pitchFamily="49" charset="0"/>
+            </a:endParaRPr>
+          </a:p>
+          <a:p>
+            <a:pPr algn="ctr"/>
+            <a:r>
+              <a:rPr lang="en-IN" dirty="0">
+                <a:solidFill>
+                  <a:srgbClr val="000000"/>
+                </a:solidFill>
+                <a:latin typeface="Consolas" panose="020B0609020204030204" pitchFamily="49" charset="0"/>
+              </a:rPr>
+              <a:t>CLR Version</a:t>
+            </a:r>
+            <a:endParaRPr lang="en-IN" dirty="0"/>
+          </a:p>
+        </p:txBody>
+      </p:sp>
+      <p:sp>
+        <p:nvSpPr>
+          <p:cNvPr id="11" name="Rectangle 10">
+            <a:extLst>
+              <a:ext uri="{FF2B5EF4-FFF2-40B4-BE49-F238E27FC236}">
+                <a16:creationId xmlns:a16="http://schemas.microsoft.com/office/drawing/2014/main" id="{EC578849-F65C-403A-B19F-F87397E52962}"/>
+              </a:ext>
+            </a:extLst>
+          </p:cNvPr>
+          <p:cNvSpPr/>
+          <p:nvPr/>
+        </p:nvSpPr>
+        <p:spPr>
+          <a:xfrm>
+            <a:off x="1093716" y="2875747"/>
+            <a:ext cx="2293295" cy="923330"/>
+          </a:xfrm>
+          <a:prstGeom prst="rect">
+            <a:avLst/>
+          </a:prstGeom>
+        </p:spPr>
+        <p:style>
+          <a:lnRef idx="2">
+            <a:schemeClr val="dk1"/>
+          </a:lnRef>
+          <a:fillRef idx="1">
+            <a:schemeClr val="lt1"/>
+          </a:fillRef>
+          <a:effectRef idx="0">
+            <a:schemeClr val="dk1"/>
+          </a:effectRef>
+          <a:fontRef idx="minor">
+            <a:schemeClr val="dk1"/>
+          </a:fontRef>
+        </p:style>
+        <p:txBody>
+          <a:bodyPr wrap="square">
+            <a:spAutoFit/>
+          </a:bodyPr>
+          <a:lstStyle/>
+          <a:p>
+            <a:pPr algn="ctr"/>
+            <a:r>
+              <a:rPr lang="en-IN" dirty="0">
+                <a:solidFill>
+                  <a:srgbClr val="000000"/>
+                </a:solidFill>
+                <a:latin typeface="Consolas" panose="020B0609020204030204" pitchFamily="49" charset="0"/>
+              </a:rPr>
+              <a:t>Metadata</a:t>
+            </a:r>
+          </a:p>
+          <a:p>
+            <a:pPr algn="ctr"/>
+            <a:endParaRPr lang="en-IN" dirty="0">
+              <a:solidFill>
+                <a:srgbClr val="000000"/>
+              </a:solidFill>
+              <a:latin typeface="Consolas" panose="020B0609020204030204" pitchFamily="49" charset="0"/>
+            </a:endParaRPr>
+          </a:p>
+          <a:p>
+            <a:pPr algn="ctr"/>
+            <a:r>
+              <a:rPr lang="en-IN" dirty="0">
+                <a:solidFill>
+                  <a:srgbClr val="000000"/>
+                </a:solidFill>
+                <a:latin typeface="Consolas" panose="020B0609020204030204" pitchFamily="49" charset="0"/>
+              </a:rPr>
+              <a:t>Declarations</a:t>
+            </a:r>
+            <a:endParaRPr lang="en-IN" dirty="0"/>
+          </a:p>
+        </p:txBody>
+      </p:sp>
+      <p:sp>
+        <p:nvSpPr>
+          <p:cNvPr id="12" name="Rectangle 11">
+            <a:extLst>
+              <a:ext uri="{FF2B5EF4-FFF2-40B4-BE49-F238E27FC236}">
+                <a16:creationId xmlns:a16="http://schemas.microsoft.com/office/drawing/2014/main" id="{C47D5EF6-9D8C-4E86-AFCB-61983B739931}"/>
+              </a:ext>
+            </a:extLst>
+          </p:cNvPr>
+          <p:cNvSpPr/>
+          <p:nvPr/>
+        </p:nvSpPr>
+        <p:spPr>
+          <a:xfrm>
+            <a:off x="4829072" y="2944172"/>
+            <a:ext cx="2293295" cy="923330"/>
+          </a:xfrm>
+          <a:prstGeom prst="rect">
+            <a:avLst/>
+          </a:prstGeom>
+        </p:spPr>
+        <p:style>
+          <a:lnRef idx="2">
+            <a:schemeClr val="dk1"/>
+          </a:lnRef>
+          <a:fillRef idx="1">
+            <a:schemeClr val="lt1"/>
+          </a:fillRef>
+          <a:effectRef idx="0">
+            <a:schemeClr val="dk1"/>
+          </a:effectRef>
+          <a:fontRef idx="minor">
+            <a:schemeClr val="dk1"/>
+          </a:fontRef>
+        </p:style>
+        <p:txBody>
+          <a:bodyPr wrap="square">
+            <a:spAutoFit/>
+          </a:bodyPr>
+          <a:lstStyle/>
+          <a:p>
+            <a:pPr algn="ctr"/>
+            <a:r>
+              <a:rPr lang="en-IN" dirty="0">
+                <a:solidFill>
+                  <a:srgbClr val="000000"/>
+                </a:solidFill>
+                <a:latin typeface="Consolas" panose="020B0609020204030204" pitchFamily="49" charset="0"/>
+              </a:rPr>
+              <a:t>Metadata</a:t>
+            </a:r>
+          </a:p>
+          <a:p>
+            <a:pPr algn="ctr"/>
+            <a:endParaRPr lang="en-IN" dirty="0">
+              <a:solidFill>
+                <a:srgbClr val="000000"/>
+              </a:solidFill>
+              <a:latin typeface="Consolas" panose="020B0609020204030204" pitchFamily="49" charset="0"/>
+            </a:endParaRPr>
+          </a:p>
+          <a:p>
+            <a:pPr algn="ctr"/>
+            <a:r>
+              <a:rPr lang="en-IN" dirty="0">
+                <a:solidFill>
+                  <a:srgbClr val="000000"/>
+                </a:solidFill>
+                <a:latin typeface="Consolas" panose="020B0609020204030204" pitchFamily="49" charset="0"/>
+              </a:rPr>
+              <a:t>Declarations</a:t>
+            </a:r>
+            <a:endParaRPr lang="en-IN" dirty="0"/>
+          </a:p>
+        </p:txBody>
+      </p:sp>
+      <p:sp>
+        <p:nvSpPr>
+          <p:cNvPr id="13" name="Rectangle 12">
+            <a:extLst>
+              <a:ext uri="{FF2B5EF4-FFF2-40B4-BE49-F238E27FC236}">
+                <a16:creationId xmlns:a16="http://schemas.microsoft.com/office/drawing/2014/main" id="{06B8B085-4867-45F8-85AE-0FC1115D853E}"/>
+              </a:ext>
+            </a:extLst>
+          </p:cNvPr>
+          <p:cNvSpPr/>
+          <p:nvPr/>
+        </p:nvSpPr>
+        <p:spPr>
+          <a:xfrm>
+            <a:off x="8639072" y="2944172"/>
+            <a:ext cx="2293295" cy="923330"/>
+          </a:xfrm>
+          <a:prstGeom prst="rect">
+            <a:avLst/>
+          </a:prstGeom>
+        </p:spPr>
+        <p:style>
+          <a:lnRef idx="2">
+            <a:schemeClr val="dk1"/>
+          </a:lnRef>
+          <a:fillRef idx="1">
+            <a:schemeClr val="lt1"/>
+          </a:fillRef>
+          <a:effectRef idx="0">
+            <a:schemeClr val="dk1"/>
+          </a:effectRef>
+          <a:fontRef idx="minor">
+            <a:schemeClr val="dk1"/>
+          </a:fontRef>
+        </p:style>
+        <p:txBody>
+          <a:bodyPr wrap="square">
+            <a:spAutoFit/>
+          </a:bodyPr>
+          <a:lstStyle/>
+          <a:p>
+            <a:pPr algn="ctr"/>
+            <a:r>
+              <a:rPr lang="en-IN" dirty="0">
+                <a:solidFill>
+                  <a:srgbClr val="000000"/>
+                </a:solidFill>
+                <a:latin typeface="Consolas" panose="020B0609020204030204" pitchFamily="49" charset="0"/>
+              </a:rPr>
+              <a:t>Metadata</a:t>
+            </a:r>
+          </a:p>
+          <a:p>
+            <a:pPr algn="ctr"/>
+            <a:endParaRPr lang="en-IN" dirty="0">
+              <a:solidFill>
+                <a:srgbClr val="000000"/>
+              </a:solidFill>
+              <a:latin typeface="Consolas" panose="020B0609020204030204" pitchFamily="49" charset="0"/>
+            </a:endParaRPr>
+          </a:p>
+          <a:p>
+            <a:pPr algn="ctr"/>
+            <a:r>
+              <a:rPr lang="en-IN" dirty="0">
+                <a:solidFill>
+                  <a:srgbClr val="000000"/>
+                </a:solidFill>
+                <a:latin typeface="Consolas" panose="020B0609020204030204" pitchFamily="49" charset="0"/>
+              </a:rPr>
+              <a:t>Declarations</a:t>
+            </a:r>
+            <a:endParaRPr lang="en-IN" dirty="0"/>
+          </a:p>
+        </p:txBody>
+      </p:sp>
+      <p:sp>
+        <p:nvSpPr>
+          <p:cNvPr id="14" name="Rectangle 13">
+            <a:extLst>
+              <a:ext uri="{FF2B5EF4-FFF2-40B4-BE49-F238E27FC236}">
+                <a16:creationId xmlns:a16="http://schemas.microsoft.com/office/drawing/2014/main" id="{86A3BA25-D1B8-46A5-8EA3-0793CF235F51}"/>
+              </a:ext>
+            </a:extLst>
+          </p:cNvPr>
+          <p:cNvSpPr/>
+          <p:nvPr/>
+        </p:nvSpPr>
+        <p:spPr>
+          <a:xfrm>
+            <a:off x="1093716" y="3799077"/>
+            <a:ext cx="2293295" cy="923330"/>
+          </a:xfrm>
+          <a:prstGeom prst="rect">
+            <a:avLst/>
+          </a:prstGeom>
+        </p:spPr>
+        <p:style>
+          <a:lnRef idx="2">
+            <a:schemeClr val="dk1"/>
+          </a:lnRef>
+          <a:fillRef idx="1">
+            <a:schemeClr val="lt1"/>
+          </a:fillRef>
+          <a:effectRef idx="0">
+            <a:schemeClr val="dk1"/>
+          </a:effectRef>
+          <a:fontRef idx="minor">
+            <a:schemeClr val="dk1"/>
+          </a:fontRef>
+        </p:style>
+        <p:txBody>
+          <a:bodyPr wrap="square">
+            <a:spAutoFit/>
+          </a:bodyPr>
+          <a:lstStyle/>
+          <a:p>
+            <a:pPr algn="ctr"/>
+            <a:r>
+              <a:rPr lang="en-IN" dirty="0">
+                <a:solidFill>
+                  <a:srgbClr val="000000"/>
+                </a:solidFill>
+                <a:latin typeface="Consolas" panose="020B0609020204030204" pitchFamily="49" charset="0"/>
+              </a:rPr>
+              <a:t>Code Section</a:t>
+            </a:r>
+          </a:p>
+          <a:p>
+            <a:pPr algn="ctr"/>
+            <a:endParaRPr lang="en-IN" dirty="0">
+              <a:solidFill>
+                <a:srgbClr val="000000"/>
+              </a:solidFill>
+              <a:latin typeface="Consolas" panose="020B0609020204030204" pitchFamily="49" charset="0"/>
+            </a:endParaRPr>
+          </a:p>
+          <a:p>
+            <a:pPr algn="ctr"/>
+            <a:r>
+              <a:rPr lang="en-IN" dirty="0">
+                <a:solidFill>
+                  <a:srgbClr val="000000"/>
+                </a:solidFill>
+                <a:latin typeface="Consolas" panose="020B0609020204030204" pitchFamily="49" charset="0"/>
+              </a:rPr>
+              <a:t>MSIL Code</a:t>
+            </a:r>
+            <a:endParaRPr lang="en-IN" dirty="0"/>
+          </a:p>
+        </p:txBody>
+      </p:sp>
+      <p:sp>
+        <p:nvSpPr>
+          <p:cNvPr id="15" name="Rectangle 14">
+            <a:extLst>
+              <a:ext uri="{FF2B5EF4-FFF2-40B4-BE49-F238E27FC236}">
+                <a16:creationId xmlns:a16="http://schemas.microsoft.com/office/drawing/2014/main" id="{8BCC7E1D-BC6A-4F85-ADD9-859A67687532}"/>
+              </a:ext>
+            </a:extLst>
+          </p:cNvPr>
+          <p:cNvSpPr/>
+          <p:nvPr/>
+        </p:nvSpPr>
+        <p:spPr>
+          <a:xfrm>
+            <a:off x="4829072" y="3865585"/>
+            <a:ext cx="2293295" cy="923330"/>
+          </a:xfrm>
+          <a:prstGeom prst="rect">
+            <a:avLst/>
+          </a:prstGeom>
+        </p:spPr>
+        <p:style>
+          <a:lnRef idx="2">
+            <a:schemeClr val="dk1"/>
+          </a:lnRef>
+          <a:fillRef idx="1">
+            <a:schemeClr val="lt1"/>
+          </a:fillRef>
+          <a:effectRef idx="0">
+            <a:schemeClr val="dk1"/>
+          </a:effectRef>
+          <a:fontRef idx="minor">
+            <a:schemeClr val="dk1"/>
+          </a:fontRef>
+        </p:style>
+        <p:txBody>
+          <a:bodyPr wrap="square">
+            <a:spAutoFit/>
+          </a:bodyPr>
+          <a:lstStyle/>
+          <a:p>
+            <a:pPr algn="ctr"/>
+            <a:r>
+              <a:rPr lang="en-IN" dirty="0">
+                <a:solidFill>
+                  <a:srgbClr val="000000"/>
+                </a:solidFill>
+                <a:latin typeface="Consolas" panose="020B0609020204030204" pitchFamily="49" charset="0"/>
+              </a:rPr>
+              <a:t>Code Section</a:t>
+            </a:r>
+          </a:p>
+          <a:p>
+            <a:pPr algn="ctr"/>
+            <a:endParaRPr lang="en-IN" dirty="0">
+              <a:solidFill>
+                <a:srgbClr val="000000"/>
+              </a:solidFill>
+              <a:latin typeface="Consolas" panose="020B0609020204030204" pitchFamily="49" charset="0"/>
+            </a:endParaRPr>
+          </a:p>
+          <a:p>
+            <a:pPr algn="ctr"/>
+            <a:r>
+              <a:rPr lang="en-IN" dirty="0">
+                <a:solidFill>
+                  <a:srgbClr val="000000"/>
+                </a:solidFill>
+                <a:latin typeface="Consolas" panose="020B0609020204030204" pitchFamily="49" charset="0"/>
+              </a:rPr>
+              <a:t>MSIL Code</a:t>
+            </a:r>
+            <a:endParaRPr lang="en-IN" dirty="0"/>
+          </a:p>
+        </p:txBody>
+      </p:sp>
+      <p:sp>
+        <p:nvSpPr>
+          <p:cNvPr id="16" name="Rectangle 15">
+            <a:extLst>
+              <a:ext uri="{FF2B5EF4-FFF2-40B4-BE49-F238E27FC236}">
+                <a16:creationId xmlns:a16="http://schemas.microsoft.com/office/drawing/2014/main" id="{CBC68280-4F9C-4C04-AB6A-4EE8A8156E90}"/>
+              </a:ext>
+            </a:extLst>
+          </p:cNvPr>
+          <p:cNvSpPr/>
+          <p:nvPr/>
+        </p:nvSpPr>
+        <p:spPr>
+          <a:xfrm>
+            <a:off x="8639072" y="3865585"/>
+            <a:ext cx="2293295" cy="923330"/>
+          </a:xfrm>
+          <a:prstGeom prst="rect">
+            <a:avLst/>
+          </a:prstGeom>
+        </p:spPr>
+        <p:style>
+          <a:lnRef idx="2">
+            <a:schemeClr val="dk1"/>
+          </a:lnRef>
+          <a:fillRef idx="1">
+            <a:schemeClr val="lt1"/>
+          </a:fillRef>
+          <a:effectRef idx="0">
+            <a:schemeClr val="dk1"/>
+          </a:effectRef>
+          <a:fontRef idx="minor">
+            <a:schemeClr val="dk1"/>
+          </a:fontRef>
+        </p:style>
+        <p:txBody>
+          <a:bodyPr wrap="square">
+            <a:spAutoFit/>
+          </a:bodyPr>
+          <a:lstStyle/>
+          <a:p>
+            <a:pPr algn="ctr"/>
+            <a:r>
+              <a:rPr lang="en-IN" dirty="0">
+                <a:solidFill>
+                  <a:srgbClr val="000000"/>
+                </a:solidFill>
+                <a:latin typeface="Consolas" panose="020B0609020204030204" pitchFamily="49" charset="0"/>
+              </a:rPr>
+              <a:t>Code Section</a:t>
+            </a:r>
+          </a:p>
+          <a:p>
+            <a:pPr algn="ctr"/>
+            <a:endParaRPr lang="en-IN" dirty="0">
+              <a:solidFill>
+                <a:srgbClr val="000000"/>
+              </a:solidFill>
+              <a:latin typeface="Consolas" panose="020B0609020204030204" pitchFamily="49" charset="0"/>
+            </a:endParaRPr>
+          </a:p>
+          <a:p>
+            <a:pPr algn="ctr"/>
+            <a:r>
+              <a:rPr lang="en-IN" dirty="0">
+                <a:solidFill>
+                  <a:srgbClr val="000000"/>
+                </a:solidFill>
+                <a:latin typeface="Consolas" panose="020B0609020204030204" pitchFamily="49" charset="0"/>
+              </a:rPr>
+              <a:t>MSIL Code</a:t>
+            </a:r>
+            <a:endParaRPr lang="en-IN" dirty="0"/>
+          </a:p>
+        </p:txBody>
+      </p:sp>
+    </p:spTree>
+    <p:extLst>
+      <p:ext uri="{BB962C8B-B14F-4D97-AF65-F5344CB8AC3E}">
+        <p14:creationId xmlns:p14="http://schemas.microsoft.com/office/powerpoint/2010/main" val="1649345637"/>
+      </p:ext>
+    </p:extLst>
+  </p:cSld>
+  <p:clrMapOvr>
+    <a:masterClrMapping/>
+  </p:clrMapOvr>
+</p:sld>
+</file>
+
+<file path=ppt/slides/slide38.xml><?xml version="1.0" encoding="utf-8"?>
+<p:sld xmlns:a="http://schemas.openxmlformats.org/drawingml/2006/main" xmlns:r="http://schemas.openxmlformats.org/officeDocument/2006/relationships" xmlns:p="http://schemas.openxmlformats.org/presentationml/2006/main">
+  <p:cSld>
+    <p:spTree>
+      <p:nvGrpSpPr>
+        <p:cNvPr id="1" name=""/>
+        <p:cNvGrpSpPr/>
+        <p:nvPr/>
+      </p:nvGrpSpPr>
+      <p:grpSpPr>
+        <a:xfrm>
+          <a:off x="0" y="0"/>
+          <a:ext cx="0" cy="0"/>
+          <a:chOff x="0" y="0"/>
+          <a:chExt cx="0" cy="0"/>
+        </a:xfrm>
+      </p:grpSpPr>
+      <p:sp>
+        <p:nvSpPr>
+          <p:cNvPr id="2" name="Title 1">
+            <a:extLst>
+              <a:ext uri="{FF2B5EF4-FFF2-40B4-BE49-F238E27FC236}">
+                <a16:creationId xmlns:a16="http://schemas.microsoft.com/office/drawing/2014/main" id="{3D1FDCA8-3C8D-4A1E-8D61-5B534D25DD87}"/>
+              </a:ext>
+            </a:extLst>
+          </p:cNvPr>
+          <p:cNvSpPr>
+            <a:spLocks noGrp="1"/>
+          </p:cNvSpPr>
+          <p:nvPr>
+            <p:ph type="title"/>
+          </p:nvPr>
+        </p:nvSpPr>
+        <p:spPr/>
+        <p:txBody>
+          <a:bodyPr/>
+          <a:lstStyle/>
+          <a:p>
+            <a:r>
+              <a:rPr lang="en-IN" dirty="0"/>
+              <a:t>Download Link</a:t>
+            </a:r>
+          </a:p>
+        </p:txBody>
+      </p:sp>
+      <p:sp>
+        <p:nvSpPr>
+          <p:cNvPr id="3" name="Content Placeholder 2">
+            <a:extLst>
+              <a:ext uri="{FF2B5EF4-FFF2-40B4-BE49-F238E27FC236}">
+                <a16:creationId xmlns:a16="http://schemas.microsoft.com/office/drawing/2014/main" id="{F003493B-E3ED-43A8-B4D1-76453D800D66}"/>
+              </a:ext>
+            </a:extLst>
+          </p:cNvPr>
+          <p:cNvSpPr>
+            <a:spLocks noGrp="1"/>
+          </p:cNvSpPr>
+          <p:nvPr>
+            <p:ph idx="1"/>
+          </p:nvPr>
+        </p:nvSpPr>
+        <p:spPr/>
+        <p:txBody>
+          <a:bodyPr/>
+          <a:lstStyle/>
+          <a:p>
+            <a:r>
+              <a:rPr lang="en-IN" dirty="0"/>
+              <a:t>http://www.leadows.com/hexagon/dotnet.zip.</a:t>
+            </a:r>
+          </a:p>
+        </p:txBody>
+      </p:sp>
+    </p:spTree>
+    <p:extLst>
+      <p:ext uri="{BB962C8B-B14F-4D97-AF65-F5344CB8AC3E}">
+        <p14:creationId xmlns:p14="http://schemas.microsoft.com/office/powerpoint/2010/main" val="1732368285"/>
       </p:ext>
     </p:extLst>
   </p:cSld>
